--- a/doc/Design.pptx
+++ b/doc/Design.pptx
@@ -304,7 +304,7 @@
           <a:p>
             <a:fld id="{FB30EDBD-1C2D-4C1E-B459-B60219FAB484}" type="datetimeFigureOut">
               <a:rPr lang="ko-KR" altLang="en-US" smtClean="0"/>
-              <a:t>2016-06-06</a:t>
+              <a:t>2016-06-07</a:t>
             </a:fld>
             <a:endParaRPr lang="ko-KR" altLang="en-US"/>
           </a:p>
@@ -467,7 +467,7 @@
           <a:p>
             <a:fld id="{FB30EDBD-1C2D-4C1E-B459-B60219FAB484}" type="datetimeFigureOut">
               <a:rPr lang="ko-KR" altLang="en-US" smtClean="0"/>
-              <a:t>2016-06-06</a:t>
+              <a:t>2016-06-07</a:t>
             </a:fld>
             <a:endParaRPr lang="ko-KR" altLang="en-US"/>
           </a:p>
@@ -640,7 +640,7 @@
           <a:p>
             <a:fld id="{FB30EDBD-1C2D-4C1E-B459-B60219FAB484}" type="datetimeFigureOut">
               <a:rPr lang="ko-KR" altLang="en-US" smtClean="0"/>
-              <a:t>2016-06-06</a:t>
+              <a:t>2016-06-07</a:t>
             </a:fld>
             <a:endParaRPr lang="ko-KR" altLang="en-US"/>
           </a:p>
@@ -803,7 +803,7 @@
           <a:p>
             <a:fld id="{FB30EDBD-1C2D-4C1E-B459-B60219FAB484}" type="datetimeFigureOut">
               <a:rPr lang="ko-KR" altLang="en-US" smtClean="0"/>
-              <a:t>2016-06-06</a:t>
+              <a:t>2016-06-07</a:t>
             </a:fld>
             <a:endParaRPr lang="ko-KR" altLang="en-US"/>
           </a:p>
@@ -1043,7 +1043,7 @@
           <a:p>
             <a:fld id="{FB30EDBD-1C2D-4C1E-B459-B60219FAB484}" type="datetimeFigureOut">
               <a:rPr lang="ko-KR" altLang="en-US" smtClean="0"/>
-              <a:t>2016-06-06</a:t>
+              <a:t>2016-06-07</a:t>
             </a:fld>
             <a:endParaRPr lang="ko-KR" altLang="en-US"/>
           </a:p>
@@ -1323,7 +1323,7 @@
           <a:p>
             <a:fld id="{FB30EDBD-1C2D-4C1E-B459-B60219FAB484}" type="datetimeFigureOut">
               <a:rPr lang="ko-KR" altLang="en-US" smtClean="0"/>
-              <a:t>2016-06-06</a:t>
+              <a:t>2016-06-07</a:t>
             </a:fld>
             <a:endParaRPr lang="ko-KR" altLang="en-US"/>
           </a:p>
@@ -1737,7 +1737,7 @@
           <a:p>
             <a:fld id="{FB30EDBD-1C2D-4C1E-B459-B60219FAB484}" type="datetimeFigureOut">
               <a:rPr lang="ko-KR" altLang="en-US" smtClean="0"/>
-              <a:t>2016-06-06</a:t>
+              <a:t>2016-06-07</a:t>
             </a:fld>
             <a:endParaRPr lang="ko-KR" altLang="en-US"/>
           </a:p>
@@ -1849,7 +1849,7 @@
           <a:p>
             <a:fld id="{FB30EDBD-1C2D-4C1E-B459-B60219FAB484}" type="datetimeFigureOut">
               <a:rPr lang="ko-KR" altLang="en-US" smtClean="0"/>
-              <a:t>2016-06-06</a:t>
+              <a:t>2016-06-07</a:t>
             </a:fld>
             <a:endParaRPr lang="ko-KR" altLang="en-US"/>
           </a:p>
@@ -1939,7 +1939,7 @@
           <a:p>
             <a:fld id="{FB30EDBD-1C2D-4C1E-B459-B60219FAB484}" type="datetimeFigureOut">
               <a:rPr lang="ko-KR" altLang="en-US" smtClean="0"/>
-              <a:t>2016-06-06</a:t>
+              <a:t>2016-06-07</a:t>
             </a:fld>
             <a:endParaRPr lang="ko-KR" altLang="en-US"/>
           </a:p>
@@ -2209,7 +2209,7 @@
           <a:p>
             <a:fld id="{FB30EDBD-1C2D-4C1E-B459-B60219FAB484}" type="datetimeFigureOut">
               <a:rPr lang="ko-KR" altLang="en-US" smtClean="0"/>
-              <a:t>2016-06-06</a:t>
+              <a:t>2016-06-07</a:t>
             </a:fld>
             <a:endParaRPr lang="ko-KR" altLang="en-US"/>
           </a:p>
@@ -2456,7 +2456,7 @@
           <a:p>
             <a:fld id="{FB30EDBD-1C2D-4C1E-B459-B60219FAB484}" type="datetimeFigureOut">
               <a:rPr lang="ko-KR" altLang="en-US" smtClean="0"/>
-              <a:t>2016-06-06</a:t>
+              <a:t>2016-06-07</a:t>
             </a:fld>
             <a:endParaRPr lang="ko-KR" altLang="en-US"/>
           </a:p>
@@ -2662,7 +2662,7 @@
           <a:p>
             <a:fld id="{FB30EDBD-1C2D-4C1E-B459-B60219FAB484}" type="datetimeFigureOut">
               <a:rPr lang="ko-KR" altLang="en-US" smtClean="0"/>
-              <a:t>2016-06-06</a:t>
+              <a:t>2016-06-07</a:t>
             </a:fld>
             <a:endParaRPr lang="ko-KR" altLang="en-US"/>
           </a:p>
@@ -3082,7 +3082,7 @@
         <p:spPr>
           <a:xfrm>
             <a:off x="944966" y="1494568"/>
-            <a:ext cx="1728192" cy="1569660"/>
+            <a:ext cx="1728192" cy="1938992"/>
           </a:xfrm>
           <a:prstGeom prst="rect">
             <a:avLst/>
@@ -3161,28 +3161,57 @@
               <a:buFontTx/>
               <a:buChar char="-"/>
             </a:pPr>
+            <a:endParaRPr lang="en-US" sz="1200" dirty="0">
+              <a:solidFill>
+                <a:prstClr val="black"/>
+              </a:solidFill>
+            </a:endParaRPr>
+          </a:p>
+          <a:p>
+            <a:pPr lvl="0" algn="ctr"/>
+            <a:r>
+              <a:rPr lang="en-US" sz="1200" dirty="0" err="1">
+                <a:solidFill>
+                  <a:prstClr val="black"/>
+                </a:solidFill>
+              </a:rPr>
+              <a:t>displayUpdate</a:t>
+            </a:r>
             <a:r>
               <a:rPr lang="en-US" sz="1200" dirty="0">
                 <a:solidFill>
                   <a:prstClr val="black"/>
                 </a:solidFill>
               </a:rPr>
-              <a:t>Update Table</a:t>
-            </a:r>
-          </a:p>
-          <a:p>
-            <a:pPr marL="171450" lvl="0" indent="-171450" algn="ctr">
-              <a:buFontTx/>
-              <a:buChar char="-"/>
-            </a:pPr>
+              <a:t>()</a:t>
+            </a:r>
+          </a:p>
+          <a:p>
+            <a:pPr lvl="0" algn="ctr"/>
+            <a:r>
+              <a:rPr lang="en-US" sz="1200" dirty="0" err="1">
+                <a:solidFill>
+                  <a:prstClr val="black"/>
+                </a:solidFill>
+              </a:rPr>
+              <a:t>searchTables</a:t>
+            </a:r>
             <a:r>
               <a:rPr lang="en-US" sz="1200" dirty="0">
                 <a:solidFill>
                   <a:prstClr val="black"/>
                 </a:solidFill>
               </a:rPr>
-              <a:t>Show Result </a:t>
-            </a:r>
+              <a:t>()</a:t>
+            </a:r>
+          </a:p>
+          <a:p>
+            <a:pPr lvl="0" algn="ctr"/>
+            <a:endParaRPr lang="en-US" sz="1200" dirty="0">
+              <a:solidFill>
+                <a:prstClr val="black"/>
+              </a:solidFill>
+            </a:endParaRPr>
           </a:p>
         </p:txBody>
       </p:sp>
@@ -3438,7 +3467,7 @@
         <p:spPr>
           <a:xfrm>
             <a:off x="7334937" y="2821490"/>
-            <a:ext cx="1602419" cy="1200329"/>
+            <a:ext cx="1602419" cy="1384995"/>
           </a:xfrm>
           <a:prstGeom prst="rect">
             <a:avLst/>
@@ -3499,6 +3528,17 @@
             <a:r>
               <a:rPr lang="en-US" sz="1200" dirty="0" err="1"/>
               <a:t>updateFiled</a:t>
+            </a:r>
+            <a:r>
+              <a:rPr lang="en-US" sz="1200" dirty="0"/>
+              <a:t>();</a:t>
+            </a:r>
+          </a:p>
+          <a:p>
+            <a:pPr algn="ctr"/>
+            <a:r>
+              <a:rPr lang="en-US" sz="1200" dirty="0" err="1"/>
+              <a:t>searchTables</a:t>
             </a:r>
             <a:r>
               <a:rPr lang="en-US" sz="1200" dirty="0"/>
@@ -3772,23 +3812,7 @@
             <a:pPr algn="ctr"/>
             <a:r>
               <a:rPr lang="en-US" sz="1000" dirty="0"/>
-              <a:t>Call sorting(Option, </a:t>
-            </a:r>
-            <a:r>
-              <a:rPr lang="en-US" sz="1000" dirty="0" err="1"/>
-              <a:t>ArrayList</a:t>
-            </a:r>
-            <a:r>
-              <a:rPr lang="en-US" sz="1000" dirty="0"/>
-              <a:t> </a:t>
-            </a:r>
-            <a:r>
-              <a:rPr lang="en-US" sz="1000" dirty="0" err="1"/>
-              <a:t>arrLst</a:t>
-            </a:r>
-            <a:r>
-              <a:rPr lang="en-US" sz="1000" dirty="0"/>
-              <a:t>)</a:t>
+              <a:t>Call sorting(Option, Table)</a:t>
             </a:r>
           </a:p>
         </p:txBody>
@@ -3852,7 +3876,15 @@
           <a:p>
             <a:r>
               <a:rPr lang="en-US" sz="1000" dirty="0"/>
-              <a:t>Display Update Event (Event </a:t>
+              <a:t>Call </a:t>
+            </a:r>
+            <a:r>
+              <a:rPr lang="en-US" sz="1000" dirty="0" err="1"/>
+              <a:t>displayUpdate</a:t>
+            </a:r>
+            <a:r>
+              <a:rPr lang="en-US" sz="1000" dirty="0"/>
+              <a:t>(Event </a:t>
             </a:r>
             <a:r>
               <a:rPr lang="en-US" sz="1000" dirty="0" err="1"/>
@@ -4048,7 +4080,7 @@
             <a:pPr algn="ctr"/>
             <a:r>
               <a:rPr lang="en-US" sz="1200" dirty="0" err="1"/>
-              <a:t>generateEvent</a:t>
+              <a:t>generateDisplay</a:t>
             </a:r>
             <a:r>
               <a:rPr lang="en-US" sz="1200" dirty="0"/>
@@ -4228,7 +4260,7 @@
         </p:nvSpPr>
         <p:spPr>
           <a:xfrm>
-            <a:off x="4460294" y="5569598"/>
+            <a:off x="4406042" y="5569598"/>
             <a:ext cx="2703994" cy="246221"/>
           </a:xfrm>
           <a:prstGeom prst="rect">
@@ -4244,12 +4276,8 @@
           <a:p>
             <a:pPr algn="ctr"/>
             <a:r>
-              <a:rPr lang="en-US" sz="1000" dirty="0">
-                <a:solidFill>
-                  <a:srgbClr val="FF0000"/>
-                </a:solidFill>
-              </a:rPr>
-              <a:t>Call search ( ) ?</a:t>
+              <a:rPr lang="en-US" sz="1000" dirty="0"/>
+              <a:t>Call search (option, Table) </a:t>
             </a:r>
           </a:p>
         </p:txBody>
@@ -5722,7 +5750,7 @@
         </p:nvSpPr>
         <p:spPr>
           <a:xfrm>
-            <a:off x="125763" y="598408"/>
+            <a:off x="180015" y="598408"/>
             <a:ext cx="2088232" cy="369332"/>
           </a:xfrm>
           <a:prstGeom prst="rect">
@@ -5756,13 +5784,13 @@
           <p:nvPr>
             <p:extLst>
               <p:ext uri="{D42A27DB-BD31-4B8C-83A1-F6EECF244321}">
-                <p14:modId xmlns:p14="http://schemas.microsoft.com/office/powerpoint/2010/main" val="3934711327"/>
+                <p14:modId xmlns:p14="http://schemas.microsoft.com/office/powerpoint/2010/main" val="3720084548"/>
               </p:ext>
             </p:extLst>
           </p:nvPr>
         </p:nvGraphicFramePr>
         <p:xfrm>
-          <a:off x="1043608" y="1128395"/>
+          <a:off x="1097860" y="1128395"/>
           <a:ext cx="6380872" cy="432048"/>
         </p:xfrm>
         <a:graphic>
@@ -6153,13 +6181,13 @@
           <p:nvPr>
             <p:extLst>
               <p:ext uri="{D42A27DB-BD31-4B8C-83A1-F6EECF244321}">
-                <p14:modId xmlns:p14="http://schemas.microsoft.com/office/powerpoint/2010/main" val="1577842625"/>
+                <p14:modId xmlns:p14="http://schemas.microsoft.com/office/powerpoint/2010/main" val="1762194730"/>
               </p:ext>
             </p:extLst>
           </p:nvPr>
         </p:nvGraphicFramePr>
         <p:xfrm>
-          <a:off x="201199" y="1110639"/>
+          <a:off x="255451" y="1110639"/>
           <a:ext cx="792088" cy="2376265"/>
         </p:xfrm>
         <a:graphic>
@@ -6294,7 +6322,7 @@
         </p:nvSpPr>
         <p:spPr>
           <a:xfrm>
-            <a:off x="7452320" y="1162902"/>
+            <a:off x="7506572" y="1162902"/>
             <a:ext cx="1584176" cy="307777"/>
           </a:xfrm>
           <a:prstGeom prst="rect">
@@ -6332,13 +6360,13 @@
           <p:nvPr>
             <p:extLst>
               <p:ext uri="{D42A27DB-BD31-4B8C-83A1-F6EECF244321}">
-                <p14:modId xmlns:p14="http://schemas.microsoft.com/office/powerpoint/2010/main" val="3747220921"/>
+                <p14:modId xmlns:p14="http://schemas.microsoft.com/office/powerpoint/2010/main" val="3629457371"/>
               </p:ext>
             </p:extLst>
           </p:nvPr>
         </p:nvGraphicFramePr>
         <p:xfrm>
-          <a:off x="1043608" y="1595955"/>
+          <a:off x="1097860" y="1595955"/>
           <a:ext cx="6380872" cy="432048"/>
         </p:xfrm>
         <a:graphic>
@@ -6728,7 +6756,7 @@
         </p:nvSpPr>
         <p:spPr>
           <a:xfrm>
-            <a:off x="7452320" y="1630462"/>
+            <a:off x="7506572" y="1630462"/>
             <a:ext cx="1584176" cy="307777"/>
           </a:xfrm>
           <a:prstGeom prst="rect">
@@ -6766,13 +6794,13 @@
           <p:nvPr>
             <p:extLst>
               <p:ext uri="{D42A27DB-BD31-4B8C-83A1-F6EECF244321}">
-                <p14:modId xmlns:p14="http://schemas.microsoft.com/office/powerpoint/2010/main" val="3081307835"/>
+                <p14:modId xmlns:p14="http://schemas.microsoft.com/office/powerpoint/2010/main" val="2689696020"/>
               </p:ext>
             </p:extLst>
           </p:nvPr>
         </p:nvGraphicFramePr>
         <p:xfrm>
-          <a:off x="1043608" y="2092117"/>
+          <a:off x="1097860" y="2092117"/>
           <a:ext cx="6380872" cy="432048"/>
         </p:xfrm>
         <a:graphic>
@@ -7162,7 +7190,7 @@
         </p:nvSpPr>
         <p:spPr>
           <a:xfrm>
-            <a:off x="7452320" y="2126624"/>
+            <a:off x="7506572" y="2126624"/>
             <a:ext cx="1584176" cy="307777"/>
           </a:xfrm>
           <a:prstGeom prst="rect">
@@ -7200,13 +7228,13 @@
           <p:nvPr>
             <p:extLst>
               <p:ext uri="{D42A27DB-BD31-4B8C-83A1-F6EECF244321}">
-                <p14:modId xmlns:p14="http://schemas.microsoft.com/office/powerpoint/2010/main" val="330828628"/>
+                <p14:modId xmlns:p14="http://schemas.microsoft.com/office/powerpoint/2010/main" val="1144782809"/>
               </p:ext>
             </p:extLst>
           </p:nvPr>
         </p:nvGraphicFramePr>
         <p:xfrm>
-          <a:off x="1043608" y="2559677"/>
+          <a:off x="1097860" y="2559677"/>
           <a:ext cx="6380872" cy="432048"/>
         </p:xfrm>
         <a:graphic>
@@ -7596,7 +7624,7 @@
         </p:nvSpPr>
         <p:spPr>
           <a:xfrm>
-            <a:off x="7452320" y="2594184"/>
+            <a:off x="7506572" y="2594184"/>
             <a:ext cx="1584176" cy="307777"/>
           </a:xfrm>
           <a:prstGeom prst="rect">
@@ -7633,7 +7661,7 @@
         </p:nvSpPr>
         <p:spPr>
           <a:xfrm>
-            <a:off x="125260" y="3702928"/>
+            <a:off x="179512" y="3702928"/>
             <a:ext cx="7687100" cy="369332"/>
           </a:xfrm>
           <a:prstGeom prst="rect">
@@ -7667,13 +7695,13 @@
           <p:nvPr>
             <p:extLst>
               <p:ext uri="{D42A27DB-BD31-4B8C-83A1-F6EECF244321}">
-                <p14:modId xmlns:p14="http://schemas.microsoft.com/office/powerpoint/2010/main" val="2830069071"/>
+                <p14:modId xmlns:p14="http://schemas.microsoft.com/office/powerpoint/2010/main" val="3943867620"/>
               </p:ext>
             </p:extLst>
           </p:nvPr>
         </p:nvGraphicFramePr>
         <p:xfrm>
-          <a:off x="207352" y="4062968"/>
+          <a:off x="261604" y="4062968"/>
           <a:ext cx="7217128" cy="518160"/>
         </p:xfrm>
         <a:graphic>

--- a/doc/Design.pptx
+++ b/doc/Design.pptx
@@ -304,7 +304,7 @@
           <a:p>
             <a:fld id="{FB30EDBD-1C2D-4C1E-B459-B60219FAB484}" type="datetimeFigureOut">
               <a:rPr lang="ko-KR" altLang="en-US" smtClean="0"/>
-              <a:t>2016-06-07</a:t>
+              <a:t>2016-06-14</a:t>
             </a:fld>
             <a:endParaRPr lang="ko-KR" altLang="en-US"/>
           </a:p>
@@ -467,7 +467,7 @@
           <a:p>
             <a:fld id="{FB30EDBD-1C2D-4C1E-B459-B60219FAB484}" type="datetimeFigureOut">
               <a:rPr lang="ko-KR" altLang="en-US" smtClean="0"/>
-              <a:t>2016-06-07</a:t>
+              <a:t>2016-06-14</a:t>
             </a:fld>
             <a:endParaRPr lang="ko-KR" altLang="en-US"/>
           </a:p>
@@ -640,7 +640,7 @@
           <a:p>
             <a:fld id="{FB30EDBD-1C2D-4C1E-B459-B60219FAB484}" type="datetimeFigureOut">
               <a:rPr lang="ko-KR" altLang="en-US" smtClean="0"/>
-              <a:t>2016-06-07</a:t>
+              <a:t>2016-06-14</a:t>
             </a:fld>
             <a:endParaRPr lang="ko-KR" altLang="en-US"/>
           </a:p>
@@ -803,7 +803,7 @@
           <a:p>
             <a:fld id="{FB30EDBD-1C2D-4C1E-B459-B60219FAB484}" type="datetimeFigureOut">
               <a:rPr lang="ko-KR" altLang="en-US" smtClean="0"/>
-              <a:t>2016-06-07</a:t>
+              <a:t>2016-06-14</a:t>
             </a:fld>
             <a:endParaRPr lang="ko-KR" altLang="en-US"/>
           </a:p>
@@ -1043,7 +1043,7 @@
           <a:p>
             <a:fld id="{FB30EDBD-1C2D-4C1E-B459-B60219FAB484}" type="datetimeFigureOut">
               <a:rPr lang="ko-KR" altLang="en-US" smtClean="0"/>
-              <a:t>2016-06-07</a:t>
+              <a:t>2016-06-14</a:t>
             </a:fld>
             <a:endParaRPr lang="ko-KR" altLang="en-US"/>
           </a:p>
@@ -1323,7 +1323,7 @@
           <a:p>
             <a:fld id="{FB30EDBD-1C2D-4C1E-B459-B60219FAB484}" type="datetimeFigureOut">
               <a:rPr lang="ko-KR" altLang="en-US" smtClean="0"/>
-              <a:t>2016-06-07</a:t>
+              <a:t>2016-06-14</a:t>
             </a:fld>
             <a:endParaRPr lang="ko-KR" altLang="en-US"/>
           </a:p>
@@ -1737,7 +1737,7 @@
           <a:p>
             <a:fld id="{FB30EDBD-1C2D-4C1E-B459-B60219FAB484}" type="datetimeFigureOut">
               <a:rPr lang="ko-KR" altLang="en-US" smtClean="0"/>
-              <a:t>2016-06-07</a:t>
+              <a:t>2016-06-14</a:t>
             </a:fld>
             <a:endParaRPr lang="ko-KR" altLang="en-US"/>
           </a:p>
@@ -1849,7 +1849,7 @@
           <a:p>
             <a:fld id="{FB30EDBD-1C2D-4C1E-B459-B60219FAB484}" type="datetimeFigureOut">
               <a:rPr lang="ko-KR" altLang="en-US" smtClean="0"/>
-              <a:t>2016-06-07</a:t>
+              <a:t>2016-06-14</a:t>
             </a:fld>
             <a:endParaRPr lang="ko-KR" altLang="en-US"/>
           </a:p>
@@ -1939,7 +1939,7 @@
           <a:p>
             <a:fld id="{FB30EDBD-1C2D-4C1E-B459-B60219FAB484}" type="datetimeFigureOut">
               <a:rPr lang="ko-KR" altLang="en-US" smtClean="0"/>
-              <a:t>2016-06-07</a:t>
+              <a:t>2016-06-14</a:t>
             </a:fld>
             <a:endParaRPr lang="ko-KR" altLang="en-US"/>
           </a:p>
@@ -2209,7 +2209,7 @@
           <a:p>
             <a:fld id="{FB30EDBD-1C2D-4C1E-B459-B60219FAB484}" type="datetimeFigureOut">
               <a:rPr lang="ko-KR" altLang="en-US" smtClean="0"/>
-              <a:t>2016-06-07</a:t>
+              <a:t>2016-06-14</a:t>
             </a:fld>
             <a:endParaRPr lang="ko-KR" altLang="en-US"/>
           </a:p>
@@ -2456,7 +2456,7 @@
           <a:p>
             <a:fld id="{FB30EDBD-1C2D-4C1E-B459-B60219FAB484}" type="datetimeFigureOut">
               <a:rPr lang="ko-KR" altLang="en-US" smtClean="0"/>
-              <a:t>2016-06-07</a:t>
+              <a:t>2016-06-14</a:t>
             </a:fld>
             <a:endParaRPr lang="ko-KR" altLang="en-US"/>
           </a:p>
@@ -2662,7 +2662,7 @@
           <a:p>
             <a:fld id="{FB30EDBD-1C2D-4C1E-B459-B60219FAB484}" type="datetimeFigureOut">
               <a:rPr lang="ko-KR" altLang="en-US" smtClean="0"/>
-              <a:t>2016-06-07</a:t>
+              <a:t>2016-06-14</a:t>
             </a:fld>
             <a:endParaRPr lang="ko-KR" altLang="en-US"/>
           </a:p>
@@ -3892,15 +3892,7 @@
             </a:r>
             <a:r>
               <a:rPr lang="en-US" sz="1000" dirty="0"/>
-              <a:t>, </a:t>
-            </a:r>
-            <a:r>
-              <a:rPr lang="en-US" sz="1000" dirty="0" err="1"/>
-              <a:t>ArrayList</a:t>
-            </a:r>
-            <a:r>
-              <a:rPr lang="en-US" sz="1000" dirty="0"/>
-              <a:t> </a:t>
+              <a:t>, ArrayList </a:t>
             </a:r>
             <a:r>
               <a:rPr lang="en-US" sz="1000" dirty="0" err="1"/>
@@ -4345,15 +4337,7 @@
             <a:pPr algn="ctr"/>
             <a:r>
               <a:rPr lang="en-US" sz="1000" dirty="0"/>
-              <a:t>Return </a:t>
-            </a:r>
-            <a:r>
-              <a:rPr lang="en-US" sz="1000" dirty="0" err="1"/>
-              <a:t>ArrayList</a:t>
-            </a:r>
-            <a:r>
-              <a:rPr lang="en-US" sz="1000" dirty="0"/>
-              <a:t> of row IDs</a:t>
+              <a:t>Return ArrayList of row IDs</a:t>
             </a:r>
           </a:p>
         </p:txBody>
@@ -4437,7 +4421,7 @@
         <p:spPr>
           <a:xfrm>
             <a:off x="6948264" y="596666"/>
-            <a:ext cx="2034245" cy="938132"/>
+            <a:ext cx="2034245" cy="802185"/>
           </a:xfrm>
           <a:prstGeom prst="rect">
             <a:avLst/>
@@ -4507,8 +4491,8 @@
         </p:nvSpPr>
         <p:spPr>
           <a:xfrm>
-            <a:off x="6948264" y="596425"/>
-            <a:ext cx="2114865" cy="1015663"/>
+            <a:off x="6948264" y="674593"/>
+            <a:ext cx="2114865" cy="646331"/>
           </a:xfrm>
           <a:prstGeom prst="rect">
             <a:avLst/>
@@ -4534,32 +4518,17 @@
           </a:p>
           <a:p>
             <a:pPr algn="ctr"/>
-            <a:endParaRPr lang="en-US" sz="1200" dirty="0"/>
+            <a:r>
+              <a:rPr lang="en-US" sz="1200" dirty="0"/>
+              <a:t>ArrayList&lt;Field&gt; alField</a:t>
+            </a:r>
           </a:p>
           <a:p>
             <a:pPr algn="ctr"/>
             <a:r>
-              <a:rPr lang="en-US" sz="1200" dirty="0" err="1"/>
-              <a:t>ArrayList</a:t>
-            </a:r>
-            <a:r>
               <a:rPr lang="en-US" sz="1200" dirty="0"/>
-              <a:t> datatype</a:t>
-            </a:r>
-          </a:p>
-          <a:p>
-            <a:pPr algn="ctr"/>
-            <a:r>
-              <a:rPr lang="en-US" sz="1200" dirty="0" err="1"/>
-              <a:t>ArrayList</a:t>
-            </a:r>
-            <a:r>
-              <a:rPr lang="en-US" sz="1200" dirty="0"/>
-              <a:t>&lt;Record&gt; table</a:t>
-            </a:r>
-          </a:p>
-          <a:p>
-            <a:pPr algn="ctr"/>
+              <a:t>ArrayList&lt;Record&gt; alTable</a:t>
+            </a:r>
             <a:endParaRPr lang="en-US" sz="1200" dirty="0">
               <a:solidFill>
                 <a:prstClr val="black"/>
@@ -4576,8 +4545,8 @@
         </p:nvSpPr>
         <p:spPr>
           <a:xfrm>
-            <a:off x="4283968" y="599263"/>
-            <a:ext cx="2484271" cy="597489"/>
+            <a:off x="4932040" y="599263"/>
+            <a:ext cx="1908207" cy="597489"/>
           </a:xfrm>
           <a:prstGeom prst="rect">
             <a:avLst/>
@@ -4617,7 +4586,7 @@
         </p:nvSpPr>
         <p:spPr>
           <a:xfrm>
-            <a:off x="4770279" y="256738"/>
+            <a:off x="5220072" y="256738"/>
             <a:ext cx="1385897" cy="307777"/>
           </a:xfrm>
           <a:prstGeom prst="rect">
@@ -4647,8 +4616,8 @@
         </p:nvSpPr>
         <p:spPr>
           <a:xfrm>
-            <a:off x="4238594" y="735087"/>
-            <a:ext cx="2592288" cy="461665"/>
+            <a:off x="4932040" y="759508"/>
+            <a:ext cx="1917582" cy="276999"/>
           </a:xfrm>
           <a:prstGeom prst="rect">
             <a:avLst/>
@@ -4668,13 +4637,141 @@
             </a:r>
             <a:r>
               <a:rPr lang="en-US" sz="1200" dirty="0"/>
-              <a:t>&lt;T extends Comparable&gt; record</a:t>
+              <a:t>&lt;Value&gt; record</a:t>
             </a:r>
             <a:endParaRPr lang="en-US" sz="1200" dirty="0">
               <a:solidFill>
                 <a:prstClr val="black"/>
               </a:solidFill>
             </a:endParaRPr>
+          </a:p>
+        </p:txBody>
+      </p:sp>
+      <p:sp>
+        <p:nvSpPr>
+          <p:cNvPr id="38" name="직사각형 37"/>
+          <p:cNvSpPr/>
+          <p:nvPr/>
+        </p:nvSpPr>
+        <p:spPr>
+          <a:xfrm>
+            <a:off x="2915816" y="603173"/>
+            <a:ext cx="1908207" cy="597489"/>
+          </a:xfrm>
+          <a:prstGeom prst="rect">
+            <a:avLst/>
+          </a:prstGeom>
+          <a:noFill/>
+        </p:spPr>
+        <p:style>
+          <a:lnRef idx="2">
+            <a:schemeClr val="accent1">
+              <a:shade val="50000"/>
+            </a:schemeClr>
+          </a:lnRef>
+          <a:fillRef idx="1">
+            <a:schemeClr val="accent1"/>
+          </a:fillRef>
+          <a:effectRef idx="0">
+            <a:schemeClr val="accent1"/>
+          </a:effectRef>
+          <a:fontRef idx="minor">
+            <a:schemeClr val="lt1"/>
+          </a:fontRef>
+        </p:style>
+        <p:txBody>
+          <a:bodyPr rtlCol="0" anchor="ctr"/>
+          <a:lstStyle/>
+          <a:p>
+            <a:pPr algn="ctr"/>
+            <a:endParaRPr lang="en-US"/>
+          </a:p>
+        </p:txBody>
+      </p:sp>
+      <p:sp>
+        <p:nvSpPr>
+          <p:cNvPr id="39" name="TextBox 38"/>
+          <p:cNvSpPr txBox="1"/>
+          <p:nvPr/>
+        </p:nvSpPr>
+        <p:spPr>
+          <a:xfrm>
+            <a:off x="3203848" y="260648"/>
+            <a:ext cx="1385897" cy="307777"/>
+          </a:xfrm>
+          <a:prstGeom prst="rect">
+            <a:avLst/>
+          </a:prstGeom>
+          <a:noFill/>
+        </p:spPr>
+        <p:txBody>
+          <a:bodyPr wrap="square" rtlCol="0">
+            <a:spAutoFit/>
+          </a:bodyPr>
+          <a:lstStyle/>
+          <a:p>
+            <a:pPr algn="ctr"/>
+            <a:r>
+              <a:rPr lang="en-US" sz="1400" dirty="0"/>
+              <a:t>Value.java</a:t>
+            </a:r>
+          </a:p>
+        </p:txBody>
+      </p:sp>
+      <p:sp>
+        <p:nvSpPr>
+          <p:cNvPr id="42" name="TextBox 41"/>
+          <p:cNvSpPr txBox="1"/>
+          <p:nvPr/>
+        </p:nvSpPr>
+        <p:spPr>
+          <a:xfrm>
+            <a:off x="2915816" y="620688"/>
+            <a:ext cx="1917582" cy="584775"/>
+          </a:xfrm>
+          <a:prstGeom prst="rect">
+            <a:avLst/>
+          </a:prstGeom>
+          <a:noFill/>
+        </p:spPr>
+        <p:txBody>
+          <a:bodyPr wrap="square" rtlCol="0">
+            <a:spAutoFit/>
+          </a:bodyPr>
+          <a:lstStyle/>
+          <a:p>
+            <a:pPr algn="ctr"/>
+            <a:r>
+              <a:rPr lang="en-US" sz="1200" dirty="0"/>
+              <a:t>Field </a:t>
+            </a:r>
+            <a:r>
+              <a:rPr lang="en-US" sz="1200" dirty="0" err="1"/>
+              <a:t>field</a:t>
+            </a:r>
+            <a:endParaRPr lang="en-US" sz="1200" dirty="0"/>
+          </a:p>
+          <a:p>
+            <a:pPr algn="ctr"/>
+            <a:r>
+              <a:rPr lang="en-US" sz="1200" dirty="0">
+                <a:solidFill>
+                  <a:prstClr val="black"/>
+                </a:solidFill>
+              </a:rPr>
+              <a:t>T data</a:t>
+            </a:r>
+          </a:p>
+          <a:p>
+            <a:pPr algn="ctr"/>
+            <a:r>
+              <a:rPr lang="en-US" sz="800" dirty="0">
+                <a:solidFill>
+                  <a:prstClr val="black"/>
+                </a:solidFill>
+              </a:rPr>
+              <a:t>&lt;T extends Comparable&lt;T&gt;&gt;</a:t>
+            </a:r>
           </a:p>
         </p:txBody>
       </p:sp>
@@ -5712,6 +5809,258 @@
           </a:p>
         </p:txBody>
       </p:sp>
+      <p:cxnSp>
+        <p:nvCxnSpPr>
+          <p:cNvPr id="3" name="직선 연결선 2"/>
+          <p:cNvCxnSpPr/>
+          <p:nvPr/>
+        </p:nvCxnSpPr>
+        <p:spPr>
+          <a:xfrm>
+            <a:off x="827584" y="836712"/>
+            <a:ext cx="7632848" cy="0"/>
+          </a:xfrm>
+          <a:prstGeom prst="line">
+            <a:avLst/>
+          </a:prstGeom>
+          <a:ln>
+            <a:headEnd type="arrow"/>
+            <a:tailEnd type="arrow"/>
+          </a:ln>
+        </p:spPr>
+        <p:style>
+          <a:lnRef idx="1">
+            <a:schemeClr val="accent1"/>
+          </a:lnRef>
+          <a:fillRef idx="0">
+            <a:schemeClr val="accent1"/>
+          </a:fillRef>
+          <a:effectRef idx="0">
+            <a:schemeClr val="accent1"/>
+          </a:effectRef>
+          <a:fontRef idx="minor">
+            <a:schemeClr val="tx1"/>
+          </a:fontRef>
+        </p:style>
+      </p:cxnSp>
+      <p:sp>
+        <p:nvSpPr>
+          <p:cNvPr id="5" name="TextBox 4"/>
+          <p:cNvSpPr txBox="1"/>
+          <p:nvPr/>
+        </p:nvSpPr>
+        <p:spPr>
+          <a:xfrm>
+            <a:off x="4499992" y="457310"/>
+            <a:ext cx="1008112" cy="369332"/>
+          </a:xfrm>
+          <a:prstGeom prst="rect">
+            <a:avLst/>
+          </a:prstGeom>
+          <a:noFill/>
+        </p:spPr>
+        <p:txBody>
+          <a:bodyPr wrap="square" rtlCol="0">
+            <a:spAutoFit/>
+          </a:bodyPr>
+          <a:lstStyle/>
+          <a:p>
+            <a:r>
+              <a:rPr lang="en-US" dirty="0"/>
+              <a:t>1280</a:t>
+            </a:r>
+          </a:p>
+        </p:txBody>
+      </p:sp>
+      <p:cxnSp>
+        <p:nvCxnSpPr>
+          <p:cNvPr id="9" name="직선 화살표 연결선 8"/>
+          <p:cNvCxnSpPr/>
+          <p:nvPr/>
+        </p:nvCxnSpPr>
+        <p:spPr>
+          <a:xfrm flipH="1">
+            <a:off x="665812" y="908720"/>
+            <a:ext cx="2349" cy="5472608"/>
+          </a:xfrm>
+          <a:prstGeom prst="straightConnector1">
+            <a:avLst/>
+          </a:prstGeom>
+          <a:ln>
+            <a:headEnd type="triangle"/>
+            <a:tailEnd type="triangle"/>
+          </a:ln>
+        </p:spPr>
+        <p:style>
+          <a:lnRef idx="1">
+            <a:schemeClr val="accent1"/>
+          </a:lnRef>
+          <a:fillRef idx="0">
+            <a:schemeClr val="accent1"/>
+          </a:fillRef>
+          <a:effectRef idx="0">
+            <a:schemeClr val="accent1"/>
+          </a:effectRef>
+          <a:fontRef idx="minor">
+            <a:schemeClr val="tx1"/>
+          </a:fontRef>
+        </p:style>
+      </p:cxnSp>
+      <p:sp>
+        <p:nvSpPr>
+          <p:cNvPr id="37" name="TextBox 36"/>
+          <p:cNvSpPr txBox="1"/>
+          <p:nvPr/>
+        </p:nvSpPr>
+        <p:spPr>
+          <a:xfrm>
+            <a:off x="179512" y="3211859"/>
+            <a:ext cx="1008112" cy="369332"/>
+          </a:xfrm>
+          <a:prstGeom prst="rect">
+            <a:avLst/>
+          </a:prstGeom>
+          <a:noFill/>
+        </p:spPr>
+        <p:txBody>
+          <a:bodyPr wrap="square" rtlCol="0">
+            <a:spAutoFit/>
+          </a:bodyPr>
+          <a:lstStyle/>
+          <a:p>
+            <a:r>
+              <a:rPr lang="en-US" dirty="0"/>
+              <a:t>768</a:t>
+            </a:r>
+          </a:p>
+        </p:txBody>
+      </p:sp>
+      <p:sp>
+        <p:nvSpPr>
+          <p:cNvPr id="38" name="TextBox 37"/>
+          <p:cNvSpPr txBox="1"/>
+          <p:nvPr/>
+        </p:nvSpPr>
+        <p:spPr>
+          <a:xfrm>
+            <a:off x="292654" y="986921"/>
+            <a:ext cx="1008112" cy="369332"/>
+          </a:xfrm>
+          <a:prstGeom prst="rect">
+            <a:avLst/>
+          </a:prstGeom>
+          <a:noFill/>
+        </p:spPr>
+        <p:txBody>
+          <a:bodyPr wrap="square" rtlCol="0">
+            <a:spAutoFit/>
+          </a:bodyPr>
+          <a:lstStyle/>
+          <a:p>
+            <a:r>
+              <a:rPr lang="en-US" dirty="0"/>
+              <a:t>80</a:t>
+            </a:r>
+          </a:p>
+        </p:txBody>
+      </p:sp>
+      <p:cxnSp>
+        <p:nvCxnSpPr>
+          <p:cNvPr id="24" name="직선 화살표 연결선 23"/>
+          <p:cNvCxnSpPr/>
+          <p:nvPr/>
+        </p:nvCxnSpPr>
+        <p:spPr>
+          <a:xfrm>
+            <a:off x="755576" y="917598"/>
+            <a:ext cx="0" cy="436694"/>
+          </a:xfrm>
+          <a:prstGeom prst="straightConnector1">
+            <a:avLst/>
+          </a:prstGeom>
+          <a:ln>
+            <a:headEnd type="triangle"/>
+            <a:tailEnd type="triangle"/>
+          </a:ln>
+        </p:spPr>
+        <p:style>
+          <a:lnRef idx="1">
+            <a:schemeClr val="accent1"/>
+          </a:lnRef>
+          <a:fillRef idx="0">
+            <a:schemeClr val="accent1"/>
+          </a:fillRef>
+          <a:effectRef idx="0">
+            <a:schemeClr val="accent1"/>
+          </a:effectRef>
+          <a:fontRef idx="minor">
+            <a:schemeClr val="tx1"/>
+          </a:fontRef>
+        </p:style>
+      </p:cxnSp>
+      <p:cxnSp>
+        <p:nvCxnSpPr>
+          <p:cNvPr id="39" name="직선 연결선 38"/>
+          <p:cNvCxnSpPr/>
+          <p:nvPr/>
+        </p:nvCxnSpPr>
+        <p:spPr>
+          <a:xfrm>
+            <a:off x="827584" y="738070"/>
+            <a:ext cx="1800200" cy="0"/>
+          </a:xfrm>
+          <a:prstGeom prst="line">
+            <a:avLst/>
+          </a:prstGeom>
+          <a:ln>
+            <a:headEnd type="arrow"/>
+            <a:tailEnd type="arrow"/>
+          </a:ln>
+        </p:spPr>
+        <p:style>
+          <a:lnRef idx="1">
+            <a:schemeClr val="accent1"/>
+          </a:lnRef>
+          <a:fillRef idx="0">
+            <a:schemeClr val="accent1"/>
+          </a:fillRef>
+          <a:effectRef idx="0">
+            <a:schemeClr val="accent1"/>
+          </a:effectRef>
+          <a:fontRef idx="minor">
+            <a:schemeClr val="tx1"/>
+          </a:fontRef>
+        </p:style>
+      </p:cxnSp>
+      <p:sp>
+        <p:nvSpPr>
+          <p:cNvPr id="41" name="TextBox 40"/>
+          <p:cNvSpPr txBox="1"/>
+          <p:nvPr/>
+        </p:nvSpPr>
+        <p:spPr>
+          <a:xfrm>
+            <a:off x="1619672" y="422006"/>
+            <a:ext cx="1008112" cy="369332"/>
+          </a:xfrm>
+          <a:prstGeom prst="rect">
+            <a:avLst/>
+          </a:prstGeom>
+          <a:noFill/>
+        </p:spPr>
+        <p:txBody>
+          <a:bodyPr wrap="square" rtlCol="0">
+            <a:spAutoFit/>
+          </a:bodyPr>
+          <a:lstStyle/>
+          <a:p>
+            <a:r>
+              <a:rPr lang="en-US" dirty="0"/>
+              <a:t>300</a:t>
+            </a:r>
+          </a:p>
+        </p:txBody>
+      </p:sp>
     </p:spTree>
     <p:extLst>
       <p:ext uri="{BB962C8B-B14F-4D97-AF65-F5344CB8AC3E}">
@@ -5750,8 +6099,8 @@
         </p:nvSpPr>
         <p:spPr>
           <a:xfrm>
-            <a:off x="180015" y="598408"/>
-            <a:ext cx="2088232" cy="369332"/>
+            <a:off x="324030" y="2400548"/>
+            <a:ext cx="6508299" cy="369332"/>
           </a:xfrm>
           <a:prstGeom prst="rect">
             <a:avLst/>
@@ -5765,12 +6114,19 @@
           <a:lstStyle/>
           <a:p>
             <a:r>
-              <a:rPr lang="en-US" b="1" dirty="0" err="1"/>
-              <a:t>ArrayList</a:t>
-            </a:r>
-            <a:r>
               <a:rPr lang="en-US" b="1" dirty="0"/>
-              <a:t> records</a:t>
+              <a:t>Table.java : </a:t>
+            </a:r>
+            <a:r>
+              <a:rPr lang="en-US" b="1" dirty="0">
+                <a:solidFill>
+                  <a:schemeClr val="tx2">
+                    <a:lumMod val="60000"/>
+                    <a:lumOff val="40000"/>
+                  </a:schemeClr>
+                </a:solidFill>
+              </a:rPr>
+              <a:t>ArrayList&lt;Record&gt; alTable</a:t>
             </a:r>
           </a:p>
         </p:txBody>
@@ -5784,13 +6140,13 @@
           <p:nvPr>
             <p:extLst>
               <p:ext uri="{D42A27DB-BD31-4B8C-83A1-F6EECF244321}">
-                <p14:modId xmlns:p14="http://schemas.microsoft.com/office/powerpoint/2010/main" val="3720084548"/>
+                <p14:modId xmlns:p14="http://schemas.microsoft.com/office/powerpoint/2010/main" val="4127132568"/>
               </p:ext>
             </p:extLst>
           </p:nvPr>
         </p:nvGraphicFramePr>
         <p:xfrm>
-          <a:off x="1097860" y="1128395"/>
+          <a:off x="1241876" y="2845539"/>
           <a:ext cx="6380872" cy="432048"/>
         </p:xfrm>
         <a:graphic>
@@ -5865,12 +6221,193 @@
                     <a:p>
                       <a:pPr algn="ctr"/>
                       <a:r>
-                        <a:rPr lang="en-US" sz="1400" dirty="0">
+                        <a:rPr lang="en-US" sz="1000" dirty="0">
                           <a:solidFill>
                             <a:schemeClr val="tx1"/>
                           </a:solidFill>
                         </a:rPr>
-                        <a:t>Field1</a:t>
+                        <a:t>Value </a:t>
+                      </a:r>
+                    </a:p>
+                    <a:p>
+                      <a:pPr algn="ctr"/>
+                      <a:r>
+                        <a:rPr lang="en-US" sz="1000" dirty="0">
+                          <a:solidFill>
+                            <a:schemeClr val="tx1"/>
+                          </a:solidFill>
+                        </a:rPr>
+                        <a:t>Obj1</a:t>
+                      </a:r>
+                    </a:p>
+                  </a:txBody>
+                  <a:tcPr anchor="ctr">
+                    <a:solidFill>
+                      <a:schemeClr val="bg1">
+                        <a:lumMod val="95000"/>
+                      </a:schemeClr>
+                    </a:solidFill>
+                  </a:tcPr>
+                </a:tc>
+                <a:tc>
+                  <a:txBody>
+                    <a:bodyPr/>
+                    <a:lstStyle/>
+                    <a:p>
+                      <a:pPr marL="0" marR="0" lvl="0" indent="0" algn="ctr" defTabSz="914400" rtl="0" eaLnBrk="1" fontAlgn="auto" latinLnBrk="1" hangingPunct="1">
+                        <a:lnSpc>
+                          <a:spcPct val="100000"/>
+                        </a:lnSpc>
+                        <a:spcBef>
+                          <a:spcPts val="0"/>
+                        </a:spcBef>
+                        <a:spcAft>
+                          <a:spcPts val="0"/>
+                        </a:spcAft>
+                        <a:buClrTx/>
+                        <a:buSzTx/>
+                        <a:buFontTx/>
+                        <a:buNone/>
+                        <a:tabLst/>
+                        <a:defRPr/>
+                      </a:pPr>
+                      <a:r>
+                        <a:rPr kumimoji="0" lang="en-US" sz="1000" b="1" i="0" u="none" strike="noStrike" kern="1200" cap="none" spc="0" normalizeH="0" baseline="0" noProof="0" dirty="0">
+                          <a:ln>
+                            <a:noFill/>
+                          </a:ln>
+                          <a:solidFill>
+                            <a:prstClr val="black"/>
+                          </a:solidFill>
+                          <a:effectLst/>
+                          <a:uLnTx/>
+                          <a:uFillTx/>
+                          <a:latin typeface="+mn-lt"/>
+                          <a:ea typeface="+mn-ea"/>
+                          <a:cs typeface="+mn-cs"/>
+                        </a:rPr>
+                        <a:t>Value </a:t>
+                      </a:r>
+                    </a:p>
+                    <a:p>
+                      <a:pPr marL="0" marR="0" lvl="0" indent="0" algn="ctr" defTabSz="914400" rtl="0" eaLnBrk="1" fontAlgn="auto" latinLnBrk="1" hangingPunct="1">
+                        <a:lnSpc>
+                          <a:spcPct val="100000"/>
+                        </a:lnSpc>
+                        <a:spcBef>
+                          <a:spcPts val="0"/>
+                        </a:spcBef>
+                        <a:spcAft>
+                          <a:spcPts val="0"/>
+                        </a:spcAft>
+                        <a:buClrTx/>
+                        <a:buSzTx/>
+                        <a:buFontTx/>
+                        <a:buNone/>
+                        <a:tabLst/>
+                        <a:defRPr/>
+                      </a:pPr>
+                      <a:r>
+                        <a:rPr kumimoji="0" lang="en-US" sz="1000" b="1" i="0" u="none" strike="noStrike" kern="1200" cap="none" spc="0" normalizeH="0" baseline="0" noProof="0" dirty="0">
+                          <a:ln>
+                            <a:noFill/>
+                          </a:ln>
+                          <a:solidFill>
+                            <a:prstClr val="black"/>
+                          </a:solidFill>
+                          <a:effectLst/>
+                          <a:uLnTx/>
+                          <a:uFillTx/>
+                          <a:latin typeface="+mn-lt"/>
+                          <a:ea typeface="+mn-ea"/>
+                          <a:cs typeface="+mn-cs"/>
+                        </a:rPr>
+                        <a:t>Obj2</a:t>
+                      </a:r>
+                    </a:p>
+                  </a:txBody>
+                  <a:tcPr anchor="ctr">
+                    <a:solidFill>
+                      <a:schemeClr val="bg1">
+                        <a:lumMod val="95000"/>
+                      </a:schemeClr>
+                    </a:solidFill>
+                  </a:tcPr>
+                </a:tc>
+                <a:tc>
+                  <a:txBody>
+                    <a:bodyPr/>
+                    <a:lstStyle/>
+                    <a:p>
+                      <a:pPr marL="0" marR="0" lvl="0" indent="0" algn="ctr" defTabSz="914400" rtl="0" eaLnBrk="1" fontAlgn="auto" latinLnBrk="1" hangingPunct="1">
+                        <a:lnSpc>
+                          <a:spcPct val="100000"/>
+                        </a:lnSpc>
+                        <a:spcBef>
+                          <a:spcPts val="0"/>
+                        </a:spcBef>
+                        <a:spcAft>
+                          <a:spcPts val="0"/>
+                        </a:spcAft>
+                        <a:buClrTx/>
+                        <a:buSzTx/>
+                        <a:buFontTx/>
+                        <a:buNone/>
+                        <a:tabLst/>
+                        <a:defRPr/>
+                      </a:pPr>
+                      <a:r>
+                        <a:rPr kumimoji="0" lang="en-US" sz="1000" b="1" i="0" u="none" strike="noStrike" kern="1200" cap="none" spc="0" normalizeH="0" baseline="0" noProof="0" dirty="0">
+                          <a:ln>
+                            <a:noFill/>
+                          </a:ln>
+                          <a:solidFill>
+                            <a:prstClr val="black"/>
+                          </a:solidFill>
+                          <a:effectLst/>
+                          <a:uLnTx/>
+                          <a:uFillTx/>
+                          <a:latin typeface="+mn-lt"/>
+                          <a:ea typeface="+mn-ea"/>
+                          <a:cs typeface="+mn-cs"/>
+                        </a:rPr>
+                        <a:t>Value </a:t>
+                      </a:r>
+                    </a:p>
+                    <a:p>
+                      <a:pPr marL="0" marR="0" lvl="0" indent="0" algn="ctr" defTabSz="914400" rtl="0" eaLnBrk="1" fontAlgn="auto" latinLnBrk="1" hangingPunct="1">
+                        <a:lnSpc>
+                          <a:spcPct val="100000"/>
+                        </a:lnSpc>
+                        <a:spcBef>
+                          <a:spcPts val="0"/>
+                        </a:spcBef>
+                        <a:spcAft>
+                          <a:spcPts val="0"/>
+                        </a:spcAft>
+                        <a:buClrTx/>
+                        <a:buSzTx/>
+                        <a:buFontTx/>
+                        <a:buNone/>
+                        <a:tabLst/>
+                        <a:defRPr/>
+                      </a:pPr>
+                      <a:r>
+                        <a:rPr kumimoji="0" lang="en-US" sz="1000" b="1" i="0" u="none" strike="noStrike" kern="1200" cap="none" spc="0" normalizeH="0" baseline="0" noProof="0" dirty="0">
+                          <a:ln>
+                            <a:noFill/>
+                          </a:ln>
+                          <a:solidFill>
+                            <a:prstClr val="black"/>
+                          </a:solidFill>
+                          <a:effectLst/>
+                          <a:uLnTx/>
+                          <a:uFillTx/>
+                          <a:latin typeface="+mn-lt"/>
+                          <a:ea typeface="+mn-ea"/>
+                          <a:cs typeface="+mn-cs"/>
+                        </a:rPr>
+                        <a:t>Obj3</a:t>
                       </a:r>
                     </a:p>
                   </a:txBody>
@@ -5905,12 +6442,39 @@
                         <a:defRPr/>
                       </a:pPr>
                       <a:r>
-                        <a:rPr lang="en-US" sz="1400" dirty="0">
+                        <a:rPr lang="en-US" sz="1000" dirty="0">
                           <a:solidFill>
                             <a:schemeClr val="tx1"/>
                           </a:solidFill>
                         </a:rPr>
-                        <a:t>Field2</a:t>
+                        <a:t>Value</a:t>
+                      </a:r>
+                    </a:p>
+                    <a:p>
+                      <a:pPr marL="0" marR="0" indent="0" algn="ctr" defTabSz="914400" rtl="0" eaLnBrk="1" fontAlgn="auto" latinLnBrk="1" hangingPunct="1">
+                        <a:lnSpc>
+                          <a:spcPct val="100000"/>
+                        </a:lnSpc>
+                        <a:spcBef>
+                          <a:spcPts val="0"/>
+                        </a:spcBef>
+                        <a:spcAft>
+                          <a:spcPts val="0"/>
+                        </a:spcAft>
+                        <a:buClrTx/>
+                        <a:buSzTx/>
+                        <a:buFontTx/>
+                        <a:buNone/>
+                        <a:tabLst/>
+                        <a:defRPr/>
+                      </a:pPr>
+                      <a:r>
+                        <a:rPr lang="en-US" sz="1000" dirty="0">
+                          <a:solidFill>
+                            <a:schemeClr val="tx1"/>
+                          </a:solidFill>
+                        </a:rPr>
+                        <a:t>Obj4</a:t>
                       </a:r>
                     </a:p>
                   </a:txBody>
@@ -5945,12 +6509,39 @@
                         <a:defRPr/>
                       </a:pPr>
                       <a:r>
-                        <a:rPr lang="en-US" sz="1400" dirty="0">
+                        <a:rPr lang="en-US" sz="1000" dirty="0">
                           <a:solidFill>
                             <a:schemeClr val="tx1"/>
                           </a:solidFill>
                         </a:rPr>
-                        <a:t>Field3</a:t>
+                        <a:t>Value</a:t>
+                      </a:r>
+                    </a:p>
+                    <a:p>
+                      <a:pPr marL="0" marR="0" indent="0" algn="ctr" defTabSz="914400" rtl="0" eaLnBrk="1" fontAlgn="auto" latinLnBrk="1" hangingPunct="1">
+                        <a:lnSpc>
+                          <a:spcPct val="100000"/>
+                        </a:lnSpc>
+                        <a:spcBef>
+                          <a:spcPts val="0"/>
+                        </a:spcBef>
+                        <a:spcAft>
+                          <a:spcPts val="0"/>
+                        </a:spcAft>
+                        <a:buClrTx/>
+                        <a:buSzTx/>
+                        <a:buFontTx/>
+                        <a:buNone/>
+                        <a:tabLst/>
+                        <a:defRPr/>
+                      </a:pPr>
+                      <a:r>
+                        <a:rPr lang="en-US" sz="1000" dirty="0">
+                          <a:solidFill>
+                            <a:schemeClr val="tx1"/>
+                          </a:solidFill>
+                        </a:rPr>
+                        <a:t>Obj5</a:t>
                       </a:r>
                     </a:p>
                   </a:txBody>
@@ -5985,12 +6576,39 @@
                         <a:defRPr/>
                       </a:pPr>
                       <a:r>
-                        <a:rPr lang="en-US" sz="1400" dirty="0">
+                        <a:rPr lang="en-US" sz="1000" dirty="0">
                           <a:solidFill>
                             <a:schemeClr val="tx1"/>
                           </a:solidFill>
                         </a:rPr>
-                        <a:t>Field4</a:t>
+                        <a:t>Value</a:t>
+                      </a:r>
+                    </a:p>
+                    <a:p>
+                      <a:pPr marL="0" marR="0" indent="0" algn="ctr" defTabSz="914400" rtl="0" eaLnBrk="1" fontAlgn="auto" latinLnBrk="1" hangingPunct="1">
+                        <a:lnSpc>
+                          <a:spcPct val="100000"/>
+                        </a:lnSpc>
+                        <a:spcBef>
+                          <a:spcPts val="0"/>
+                        </a:spcBef>
+                        <a:spcAft>
+                          <a:spcPts val="0"/>
+                        </a:spcAft>
+                        <a:buClrTx/>
+                        <a:buSzTx/>
+                        <a:buFontTx/>
+                        <a:buNone/>
+                        <a:tabLst/>
+                        <a:defRPr/>
+                      </a:pPr>
+                      <a:r>
+                        <a:rPr lang="en-US" sz="1000" dirty="0">
+                          <a:solidFill>
+                            <a:schemeClr val="tx1"/>
+                          </a:solidFill>
+                        </a:rPr>
+                        <a:t>Obj6</a:t>
                       </a:r>
                     </a:p>
                   </a:txBody>
@@ -6025,12 +6643,39 @@
                         <a:defRPr/>
                       </a:pPr>
                       <a:r>
-                        <a:rPr lang="en-US" sz="1400" dirty="0">
+                        <a:rPr lang="en-US" sz="1000" dirty="0">
                           <a:solidFill>
                             <a:schemeClr val="tx1"/>
                           </a:solidFill>
                         </a:rPr>
-                        <a:t>Field5</a:t>
+                        <a:t>Value</a:t>
+                      </a:r>
+                    </a:p>
+                    <a:p>
+                      <a:pPr marL="0" marR="0" indent="0" algn="ctr" defTabSz="914400" rtl="0" eaLnBrk="1" fontAlgn="auto" latinLnBrk="1" hangingPunct="1">
+                        <a:lnSpc>
+                          <a:spcPct val="100000"/>
+                        </a:lnSpc>
+                        <a:spcBef>
+                          <a:spcPts val="0"/>
+                        </a:spcBef>
+                        <a:spcAft>
+                          <a:spcPts val="0"/>
+                        </a:spcAft>
+                        <a:buClrTx/>
+                        <a:buSzTx/>
+                        <a:buFontTx/>
+                        <a:buNone/>
+                        <a:tabLst/>
+                        <a:defRPr/>
+                      </a:pPr>
+                      <a:r>
+                        <a:rPr lang="en-US" sz="1000" dirty="0">
+                          <a:solidFill>
+                            <a:schemeClr val="tx1"/>
+                          </a:solidFill>
+                        </a:rPr>
+                        <a:t>Obj7</a:t>
                       </a:r>
                     </a:p>
                   </a:txBody>
@@ -6065,87 +6710,7 @@
                         <a:defRPr/>
                       </a:pPr>
                       <a:r>
-                        <a:rPr lang="en-US" sz="1400" dirty="0">
-                          <a:solidFill>
-                            <a:schemeClr val="tx1"/>
-                          </a:solidFill>
-                        </a:rPr>
-                        <a:t>Field6</a:t>
-                      </a:r>
-                    </a:p>
-                  </a:txBody>
-                  <a:tcPr anchor="ctr">
-                    <a:solidFill>
-                      <a:schemeClr val="bg1">
-                        <a:lumMod val="95000"/>
-                      </a:schemeClr>
-                    </a:solidFill>
-                  </a:tcPr>
-                </a:tc>
-                <a:tc>
-                  <a:txBody>
-                    <a:bodyPr/>
-                    <a:lstStyle/>
-                    <a:p>
-                      <a:pPr marL="0" marR="0" indent="0" algn="ctr" defTabSz="914400" rtl="0" eaLnBrk="1" fontAlgn="auto" latinLnBrk="1" hangingPunct="1">
-                        <a:lnSpc>
-                          <a:spcPct val="100000"/>
-                        </a:lnSpc>
-                        <a:spcBef>
-                          <a:spcPts val="0"/>
-                        </a:spcBef>
-                        <a:spcAft>
-                          <a:spcPts val="0"/>
-                        </a:spcAft>
-                        <a:buClrTx/>
-                        <a:buSzTx/>
-                        <a:buFontTx/>
-                        <a:buNone/>
-                        <a:tabLst/>
-                        <a:defRPr/>
-                      </a:pPr>
-                      <a:r>
-                        <a:rPr lang="en-US" sz="1400" dirty="0">
-                          <a:solidFill>
-                            <a:schemeClr val="tx1"/>
-                          </a:solidFill>
-                        </a:rPr>
-                        <a:t>Field7</a:t>
-                      </a:r>
-                    </a:p>
-                  </a:txBody>
-                  <a:tcPr anchor="ctr">
-                    <a:solidFill>
-                      <a:schemeClr val="bg1">
-                        <a:lumMod val="95000"/>
-                      </a:schemeClr>
-                    </a:solidFill>
-                  </a:tcPr>
-                </a:tc>
-                <a:tc>
-                  <a:txBody>
-                    <a:bodyPr/>
-                    <a:lstStyle/>
-                    <a:p>
-                      <a:pPr marL="0" marR="0" indent="0" algn="ctr" defTabSz="914400" rtl="0" eaLnBrk="1" fontAlgn="auto" latinLnBrk="1" hangingPunct="1">
-                        <a:lnSpc>
-                          <a:spcPct val="100000"/>
-                        </a:lnSpc>
-                        <a:spcBef>
-                          <a:spcPts val="0"/>
-                        </a:spcBef>
-                        <a:spcAft>
-                          <a:spcPts val="0"/>
-                        </a:spcAft>
-                        <a:buClrTx/>
-                        <a:buSzTx/>
-                        <a:buFontTx/>
-                        <a:buNone/>
-                        <a:tabLst/>
-                        <a:defRPr/>
-                      </a:pPr>
-                      <a:r>
-                        <a:rPr lang="en-US" sz="1400" dirty="0">
+                        <a:rPr lang="en-US" sz="1000" dirty="0">
                           <a:solidFill>
                             <a:schemeClr val="tx1"/>
                           </a:solidFill>
@@ -6181,13 +6746,13 @@
           <p:nvPr>
             <p:extLst>
               <p:ext uri="{D42A27DB-BD31-4B8C-83A1-F6EECF244321}">
-                <p14:modId xmlns:p14="http://schemas.microsoft.com/office/powerpoint/2010/main" val="1762194730"/>
+                <p14:modId xmlns:p14="http://schemas.microsoft.com/office/powerpoint/2010/main" val="2725368955"/>
               </p:ext>
             </p:extLst>
           </p:nvPr>
         </p:nvGraphicFramePr>
         <p:xfrm>
-          <a:off x="255451" y="1110639"/>
+          <a:off x="399467" y="2827783"/>
           <a:ext cx="792088" cy="2376265"/>
         </p:xfrm>
         <a:graphic>
@@ -6322,7 +6887,7 @@
         </p:nvSpPr>
         <p:spPr>
           <a:xfrm>
-            <a:off x="7506572" y="1162902"/>
+            <a:off x="7596336" y="2880046"/>
             <a:ext cx="1584176" cy="307777"/>
           </a:xfrm>
           <a:prstGeom prst="rect">
@@ -6337,15 +6902,33 @@
           <a:lstStyle/>
           <a:p>
             <a:r>
-              <a:rPr lang="en-US" sz="1400" b="1" dirty="0"/>
+              <a:rPr lang="en-US" sz="1400" b="1" dirty="0">
+                <a:solidFill>
+                  <a:schemeClr val="bg1">
+                    <a:lumMod val="50000"/>
+                  </a:schemeClr>
+                </a:solidFill>
+              </a:rPr>
               <a:t>Record </a:t>
             </a:r>
             <a:r>
-              <a:rPr lang="en-US" sz="1400" b="1" dirty="0" err="1"/>
+              <a:rPr lang="en-US" sz="1400" b="1" dirty="0" err="1">
+                <a:solidFill>
+                  <a:schemeClr val="bg1">
+                    <a:lumMod val="50000"/>
+                  </a:schemeClr>
+                </a:solidFill>
+              </a:rPr>
               <a:t>Obj</a:t>
             </a:r>
             <a:r>
-              <a:rPr lang="en-US" sz="1400" b="1" dirty="0"/>
+              <a:rPr lang="en-US" sz="1400" b="1" dirty="0">
+                <a:solidFill>
+                  <a:schemeClr val="bg1">
+                    <a:lumMod val="50000"/>
+                  </a:schemeClr>
+                </a:solidFill>
+              </a:rPr>
               <a:t> 1</a:t>
             </a:r>
           </a:p>
@@ -6360,13 +6943,13 @@
           <p:nvPr>
             <p:extLst>
               <p:ext uri="{D42A27DB-BD31-4B8C-83A1-F6EECF244321}">
-                <p14:modId xmlns:p14="http://schemas.microsoft.com/office/powerpoint/2010/main" val="3629457371"/>
+                <p14:modId xmlns:p14="http://schemas.microsoft.com/office/powerpoint/2010/main" val="1778267315"/>
               </p:ext>
             </p:extLst>
           </p:nvPr>
         </p:nvGraphicFramePr>
         <p:xfrm>
-          <a:off x="1097860" y="1595955"/>
+          <a:off x="1241876" y="3313099"/>
           <a:ext cx="6380872" cy="432048"/>
         </p:xfrm>
         <a:graphic>
@@ -6441,12 +7024,23 @@
                     <a:p>
                       <a:pPr algn="ctr"/>
                       <a:r>
-                        <a:rPr lang="en-US" sz="1400" dirty="0">
+                        <a:rPr lang="en-US" sz="1000" dirty="0">
                           <a:solidFill>
                             <a:schemeClr val="tx1"/>
                           </a:solidFill>
                         </a:rPr>
-                        <a:t>Field1</a:t>
+                        <a:t>Value </a:t>
+                      </a:r>
+                    </a:p>
+                    <a:p>
+                      <a:pPr algn="ctr"/>
+                      <a:r>
+                        <a:rPr lang="en-US" sz="1000" dirty="0">
+                          <a:solidFill>
+                            <a:schemeClr val="tx1"/>
+                          </a:solidFill>
+                        </a:rPr>
+                        <a:t>Obj1</a:t>
                       </a:r>
                     </a:p>
                   </a:txBody>
@@ -6481,12 +7075,39 @@
                         <a:defRPr/>
                       </a:pPr>
                       <a:r>
-                        <a:rPr lang="en-US" sz="1400" dirty="0">
+                        <a:rPr lang="en-US" sz="1000" dirty="0">
                           <a:solidFill>
                             <a:schemeClr val="tx1"/>
                           </a:solidFill>
                         </a:rPr>
-                        <a:t>Field2</a:t>
+                        <a:t>Value </a:t>
+                      </a:r>
+                    </a:p>
+                    <a:p>
+                      <a:pPr marL="0" marR="0" indent="0" algn="ctr" defTabSz="914400" rtl="0" eaLnBrk="1" fontAlgn="auto" latinLnBrk="1" hangingPunct="1">
+                        <a:lnSpc>
+                          <a:spcPct val="100000"/>
+                        </a:lnSpc>
+                        <a:spcBef>
+                          <a:spcPts val="0"/>
+                        </a:spcBef>
+                        <a:spcAft>
+                          <a:spcPts val="0"/>
+                        </a:spcAft>
+                        <a:buClrTx/>
+                        <a:buSzTx/>
+                        <a:buFontTx/>
+                        <a:buNone/>
+                        <a:tabLst/>
+                        <a:defRPr/>
+                      </a:pPr>
+                      <a:r>
+                        <a:rPr lang="en-US" sz="1000" dirty="0">
+                          <a:solidFill>
+                            <a:schemeClr val="tx1"/>
+                          </a:solidFill>
+                        </a:rPr>
+                        <a:t>Obj2</a:t>
                       </a:r>
                     </a:p>
                   </a:txBody>
@@ -6521,12 +7142,39 @@
                         <a:defRPr/>
                       </a:pPr>
                       <a:r>
-                        <a:rPr lang="en-US" sz="1400" dirty="0">
+                        <a:rPr lang="en-US" sz="1000" dirty="0">
                           <a:solidFill>
                             <a:schemeClr val="tx1"/>
                           </a:solidFill>
                         </a:rPr>
-                        <a:t>Field3</a:t>
+                        <a:t>Value </a:t>
+                      </a:r>
+                    </a:p>
+                    <a:p>
+                      <a:pPr marL="0" marR="0" indent="0" algn="ctr" defTabSz="914400" rtl="0" eaLnBrk="1" fontAlgn="auto" latinLnBrk="1" hangingPunct="1">
+                        <a:lnSpc>
+                          <a:spcPct val="100000"/>
+                        </a:lnSpc>
+                        <a:spcBef>
+                          <a:spcPts val="0"/>
+                        </a:spcBef>
+                        <a:spcAft>
+                          <a:spcPts val="0"/>
+                        </a:spcAft>
+                        <a:buClrTx/>
+                        <a:buSzTx/>
+                        <a:buFontTx/>
+                        <a:buNone/>
+                        <a:tabLst/>
+                        <a:defRPr/>
+                      </a:pPr>
+                      <a:r>
+                        <a:rPr lang="en-US" sz="1000" dirty="0">
+                          <a:solidFill>
+                            <a:schemeClr val="tx1"/>
+                          </a:solidFill>
+                        </a:rPr>
+                        <a:t>Obj3</a:t>
                       </a:r>
                     </a:p>
                   </a:txBody>
@@ -6561,12 +7209,39 @@
                         <a:defRPr/>
                       </a:pPr>
                       <a:r>
-                        <a:rPr lang="en-US" sz="1400" dirty="0">
+                        <a:rPr lang="en-US" sz="1000" dirty="0">
                           <a:solidFill>
                             <a:schemeClr val="tx1"/>
                           </a:solidFill>
                         </a:rPr>
-                        <a:t>Field4</a:t>
+                        <a:t>Value </a:t>
+                      </a:r>
+                    </a:p>
+                    <a:p>
+                      <a:pPr marL="0" marR="0" indent="0" algn="ctr" defTabSz="914400" rtl="0" eaLnBrk="1" fontAlgn="auto" latinLnBrk="1" hangingPunct="1">
+                        <a:lnSpc>
+                          <a:spcPct val="100000"/>
+                        </a:lnSpc>
+                        <a:spcBef>
+                          <a:spcPts val="0"/>
+                        </a:spcBef>
+                        <a:spcAft>
+                          <a:spcPts val="0"/>
+                        </a:spcAft>
+                        <a:buClrTx/>
+                        <a:buSzTx/>
+                        <a:buFontTx/>
+                        <a:buNone/>
+                        <a:tabLst/>
+                        <a:defRPr/>
+                      </a:pPr>
+                      <a:r>
+                        <a:rPr lang="en-US" sz="1000" dirty="0">
+                          <a:solidFill>
+                            <a:schemeClr val="tx1"/>
+                          </a:solidFill>
+                        </a:rPr>
+                        <a:t>Obj4</a:t>
                       </a:r>
                     </a:p>
                   </a:txBody>
@@ -6601,12 +7276,39 @@
                         <a:defRPr/>
                       </a:pPr>
                       <a:r>
-                        <a:rPr lang="en-US" sz="1400" dirty="0">
+                        <a:rPr lang="en-US" sz="1000" dirty="0">
                           <a:solidFill>
                             <a:schemeClr val="tx1"/>
                           </a:solidFill>
                         </a:rPr>
-                        <a:t>Field5</a:t>
+                        <a:t>Value </a:t>
+                      </a:r>
+                    </a:p>
+                    <a:p>
+                      <a:pPr marL="0" marR="0" indent="0" algn="ctr" defTabSz="914400" rtl="0" eaLnBrk="1" fontAlgn="auto" latinLnBrk="1" hangingPunct="1">
+                        <a:lnSpc>
+                          <a:spcPct val="100000"/>
+                        </a:lnSpc>
+                        <a:spcBef>
+                          <a:spcPts val="0"/>
+                        </a:spcBef>
+                        <a:spcAft>
+                          <a:spcPts val="0"/>
+                        </a:spcAft>
+                        <a:buClrTx/>
+                        <a:buSzTx/>
+                        <a:buFontTx/>
+                        <a:buNone/>
+                        <a:tabLst/>
+                        <a:defRPr/>
+                      </a:pPr>
+                      <a:r>
+                        <a:rPr lang="en-US" sz="1000" dirty="0">
+                          <a:solidFill>
+                            <a:schemeClr val="tx1"/>
+                          </a:solidFill>
+                        </a:rPr>
+                        <a:t>Obj5</a:t>
                       </a:r>
                     </a:p>
                   </a:txBody>
@@ -6641,12 +7343,39 @@
                         <a:defRPr/>
                       </a:pPr>
                       <a:r>
-                        <a:rPr lang="en-US" sz="1400" dirty="0">
+                        <a:rPr lang="en-US" sz="1000" dirty="0">
                           <a:solidFill>
                             <a:schemeClr val="tx1"/>
                           </a:solidFill>
                         </a:rPr>
-                        <a:t>Field6</a:t>
+                        <a:t>Value </a:t>
+                      </a:r>
+                    </a:p>
+                    <a:p>
+                      <a:pPr marL="0" marR="0" indent="0" algn="ctr" defTabSz="914400" rtl="0" eaLnBrk="1" fontAlgn="auto" latinLnBrk="1" hangingPunct="1">
+                        <a:lnSpc>
+                          <a:spcPct val="100000"/>
+                        </a:lnSpc>
+                        <a:spcBef>
+                          <a:spcPts val="0"/>
+                        </a:spcBef>
+                        <a:spcAft>
+                          <a:spcPts val="0"/>
+                        </a:spcAft>
+                        <a:buClrTx/>
+                        <a:buSzTx/>
+                        <a:buFontTx/>
+                        <a:buNone/>
+                        <a:tabLst/>
+                        <a:defRPr/>
+                      </a:pPr>
+                      <a:r>
+                        <a:rPr lang="en-US" sz="1000" dirty="0">
+                          <a:solidFill>
+                            <a:schemeClr val="tx1"/>
+                          </a:solidFill>
+                        </a:rPr>
+                        <a:t>Obj6</a:t>
                       </a:r>
                     </a:p>
                   </a:txBody>
@@ -6681,12 +7410,39 @@
                         <a:defRPr/>
                       </a:pPr>
                       <a:r>
-                        <a:rPr lang="en-US" sz="1400" dirty="0">
+                        <a:rPr lang="en-US" sz="1000" dirty="0">
                           <a:solidFill>
                             <a:schemeClr val="tx1"/>
                           </a:solidFill>
                         </a:rPr>
-                        <a:t>Field7</a:t>
+                        <a:t>Value </a:t>
+                      </a:r>
+                    </a:p>
+                    <a:p>
+                      <a:pPr marL="0" marR="0" indent="0" algn="ctr" defTabSz="914400" rtl="0" eaLnBrk="1" fontAlgn="auto" latinLnBrk="1" hangingPunct="1">
+                        <a:lnSpc>
+                          <a:spcPct val="100000"/>
+                        </a:lnSpc>
+                        <a:spcBef>
+                          <a:spcPts val="0"/>
+                        </a:spcBef>
+                        <a:spcAft>
+                          <a:spcPts val="0"/>
+                        </a:spcAft>
+                        <a:buClrTx/>
+                        <a:buSzTx/>
+                        <a:buFontTx/>
+                        <a:buNone/>
+                        <a:tabLst/>
+                        <a:defRPr/>
+                      </a:pPr>
+                      <a:r>
+                        <a:rPr lang="en-US" sz="1000" dirty="0">
+                          <a:solidFill>
+                            <a:schemeClr val="tx1"/>
+                          </a:solidFill>
+                        </a:rPr>
+                        <a:t>Obj7</a:t>
                       </a:r>
                     </a:p>
                   </a:txBody>
@@ -6721,7 +7477,7 @@
                         <a:defRPr/>
                       </a:pPr>
                       <a:r>
-                        <a:rPr lang="en-US" sz="1400" dirty="0">
+                        <a:rPr lang="en-US" sz="1000" dirty="0">
                           <a:solidFill>
                             <a:schemeClr val="tx1"/>
                           </a:solidFill>
@@ -6756,7 +7512,7 @@
         </p:nvSpPr>
         <p:spPr>
           <a:xfrm>
-            <a:off x="7506572" y="1630462"/>
+            <a:off x="7596336" y="3347606"/>
             <a:ext cx="1584176" cy="307777"/>
           </a:xfrm>
           <a:prstGeom prst="rect">
@@ -6771,15 +7527,33 @@
           <a:lstStyle/>
           <a:p>
             <a:r>
-              <a:rPr lang="en-US" sz="1400" b="1" dirty="0"/>
+              <a:rPr lang="en-US" sz="1400" b="1" dirty="0">
+                <a:solidFill>
+                  <a:schemeClr val="bg1">
+                    <a:lumMod val="50000"/>
+                  </a:schemeClr>
+                </a:solidFill>
+              </a:rPr>
               <a:t>Record </a:t>
             </a:r>
             <a:r>
-              <a:rPr lang="en-US" sz="1400" b="1" dirty="0" err="1"/>
+              <a:rPr lang="en-US" sz="1400" b="1" dirty="0" err="1">
+                <a:solidFill>
+                  <a:schemeClr val="bg1">
+                    <a:lumMod val="50000"/>
+                  </a:schemeClr>
+                </a:solidFill>
+              </a:rPr>
               <a:t>Obj</a:t>
             </a:r>
             <a:r>
-              <a:rPr lang="en-US" sz="1400" b="1" dirty="0"/>
+              <a:rPr lang="en-US" sz="1400" b="1" dirty="0">
+                <a:solidFill>
+                  <a:schemeClr val="bg1">
+                    <a:lumMod val="50000"/>
+                  </a:schemeClr>
+                </a:solidFill>
+              </a:rPr>
               <a:t> 2</a:t>
             </a:r>
           </a:p>
@@ -6794,13 +7568,13 @@
           <p:nvPr>
             <p:extLst>
               <p:ext uri="{D42A27DB-BD31-4B8C-83A1-F6EECF244321}">
-                <p14:modId xmlns:p14="http://schemas.microsoft.com/office/powerpoint/2010/main" val="2689696020"/>
+                <p14:modId xmlns:p14="http://schemas.microsoft.com/office/powerpoint/2010/main" val="2169926802"/>
               </p:ext>
             </p:extLst>
           </p:nvPr>
         </p:nvGraphicFramePr>
         <p:xfrm>
-          <a:off x="1097860" y="2092117"/>
+          <a:off x="1241876" y="3809261"/>
           <a:ext cx="6380872" cy="432048"/>
         </p:xfrm>
         <a:graphic>
@@ -6875,12 +7649,23 @@
                     <a:p>
                       <a:pPr algn="ctr"/>
                       <a:r>
-                        <a:rPr lang="en-US" sz="1400" dirty="0">
+                        <a:rPr lang="en-US" sz="900" dirty="0">
                           <a:solidFill>
                             <a:schemeClr val="tx1"/>
                           </a:solidFill>
                         </a:rPr>
-                        <a:t>Field1</a:t>
+                        <a:t>Value</a:t>
+                      </a:r>
+                    </a:p>
+                    <a:p>
+                      <a:pPr algn="ctr"/>
+                      <a:r>
+                        <a:rPr lang="en-US" sz="900" dirty="0">
+                          <a:solidFill>
+                            <a:schemeClr val="tx1"/>
+                          </a:solidFill>
+                        </a:rPr>
+                        <a:t>Obj1</a:t>
                       </a:r>
                     </a:p>
                   </a:txBody>
@@ -6915,12 +7700,39 @@
                         <a:defRPr/>
                       </a:pPr>
                       <a:r>
-                        <a:rPr lang="en-US" sz="1400" dirty="0">
+                        <a:rPr lang="en-US" sz="900" dirty="0">
                           <a:solidFill>
                             <a:schemeClr val="tx1"/>
                           </a:solidFill>
                         </a:rPr>
-                        <a:t>Field2</a:t>
+                        <a:t>Value</a:t>
+                      </a:r>
+                    </a:p>
+                    <a:p>
+                      <a:pPr marL="0" marR="0" indent="0" algn="ctr" defTabSz="914400" rtl="0" eaLnBrk="1" fontAlgn="auto" latinLnBrk="1" hangingPunct="1">
+                        <a:lnSpc>
+                          <a:spcPct val="100000"/>
+                        </a:lnSpc>
+                        <a:spcBef>
+                          <a:spcPts val="0"/>
+                        </a:spcBef>
+                        <a:spcAft>
+                          <a:spcPts val="0"/>
+                        </a:spcAft>
+                        <a:buClrTx/>
+                        <a:buSzTx/>
+                        <a:buFontTx/>
+                        <a:buNone/>
+                        <a:tabLst/>
+                        <a:defRPr/>
+                      </a:pPr>
+                      <a:r>
+                        <a:rPr lang="en-US" sz="900" dirty="0">
+                          <a:solidFill>
+                            <a:schemeClr val="tx1"/>
+                          </a:solidFill>
+                        </a:rPr>
+                        <a:t>Obj2</a:t>
                       </a:r>
                     </a:p>
                   </a:txBody>
@@ -6955,12 +7767,39 @@
                         <a:defRPr/>
                       </a:pPr>
                       <a:r>
-                        <a:rPr lang="en-US" sz="1400" dirty="0">
+                        <a:rPr lang="en-US" sz="900" dirty="0">
                           <a:solidFill>
                             <a:schemeClr val="tx1"/>
                           </a:solidFill>
                         </a:rPr>
-                        <a:t>Field3</a:t>
+                        <a:t>Value</a:t>
+                      </a:r>
+                    </a:p>
+                    <a:p>
+                      <a:pPr marL="0" marR="0" indent="0" algn="ctr" defTabSz="914400" rtl="0" eaLnBrk="1" fontAlgn="auto" latinLnBrk="1" hangingPunct="1">
+                        <a:lnSpc>
+                          <a:spcPct val="100000"/>
+                        </a:lnSpc>
+                        <a:spcBef>
+                          <a:spcPts val="0"/>
+                        </a:spcBef>
+                        <a:spcAft>
+                          <a:spcPts val="0"/>
+                        </a:spcAft>
+                        <a:buClrTx/>
+                        <a:buSzTx/>
+                        <a:buFontTx/>
+                        <a:buNone/>
+                        <a:tabLst/>
+                        <a:defRPr/>
+                      </a:pPr>
+                      <a:r>
+                        <a:rPr lang="en-US" sz="900" dirty="0">
+                          <a:solidFill>
+                            <a:schemeClr val="tx1"/>
+                          </a:solidFill>
+                        </a:rPr>
+                        <a:t>Obj3</a:t>
                       </a:r>
                     </a:p>
                   </a:txBody>
@@ -6995,12 +7834,39 @@
                         <a:defRPr/>
                       </a:pPr>
                       <a:r>
-                        <a:rPr lang="en-US" sz="1400" dirty="0">
+                        <a:rPr lang="en-US" sz="900" dirty="0">
                           <a:solidFill>
                             <a:schemeClr val="tx1"/>
                           </a:solidFill>
                         </a:rPr>
-                        <a:t>Field4</a:t>
+                        <a:t>Value</a:t>
+                      </a:r>
+                    </a:p>
+                    <a:p>
+                      <a:pPr marL="0" marR="0" indent="0" algn="ctr" defTabSz="914400" rtl="0" eaLnBrk="1" fontAlgn="auto" latinLnBrk="1" hangingPunct="1">
+                        <a:lnSpc>
+                          <a:spcPct val="100000"/>
+                        </a:lnSpc>
+                        <a:spcBef>
+                          <a:spcPts val="0"/>
+                        </a:spcBef>
+                        <a:spcAft>
+                          <a:spcPts val="0"/>
+                        </a:spcAft>
+                        <a:buClrTx/>
+                        <a:buSzTx/>
+                        <a:buFontTx/>
+                        <a:buNone/>
+                        <a:tabLst/>
+                        <a:defRPr/>
+                      </a:pPr>
+                      <a:r>
+                        <a:rPr lang="en-US" sz="900" dirty="0">
+                          <a:solidFill>
+                            <a:schemeClr val="tx1"/>
+                          </a:solidFill>
+                        </a:rPr>
+                        <a:t>Obj4</a:t>
                       </a:r>
                     </a:p>
                   </a:txBody>
@@ -7035,12 +7901,39 @@
                         <a:defRPr/>
                       </a:pPr>
                       <a:r>
-                        <a:rPr lang="en-US" sz="1400" dirty="0">
+                        <a:rPr lang="en-US" sz="900" dirty="0">
                           <a:solidFill>
                             <a:schemeClr val="tx1"/>
                           </a:solidFill>
                         </a:rPr>
-                        <a:t>Field5</a:t>
+                        <a:t>Value</a:t>
+                      </a:r>
+                    </a:p>
+                    <a:p>
+                      <a:pPr marL="0" marR="0" indent="0" algn="ctr" defTabSz="914400" rtl="0" eaLnBrk="1" fontAlgn="auto" latinLnBrk="1" hangingPunct="1">
+                        <a:lnSpc>
+                          <a:spcPct val="100000"/>
+                        </a:lnSpc>
+                        <a:spcBef>
+                          <a:spcPts val="0"/>
+                        </a:spcBef>
+                        <a:spcAft>
+                          <a:spcPts val="0"/>
+                        </a:spcAft>
+                        <a:buClrTx/>
+                        <a:buSzTx/>
+                        <a:buFontTx/>
+                        <a:buNone/>
+                        <a:tabLst/>
+                        <a:defRPr/>
+                      </a:pPr>
+                      <a:r>
+                        <a:rPr lang="en-US" sz="900" dirty="0">
+                          <a:solidFill>
+                            <a:schemeClr val="tx1"/>
+                          </a:solidFill>
+                        </a:rPr>
+                        <a:t>Obj5</a:t>
                       </a:r>
                     </a:p>
                   </a:txBody>
@@ -7075,12 +7968,39 @@
                         <a:defRPr/>
                       </a:pPr>
                       <a:r>
-                        <a:rPr lang="en-US" sz="1400" dirty="0">
+                        <a:rPr lang="en-US" sz="900" dirty="0">
                           <a:solidFill>
                             <a:schemeClr val="tx1"/>
                           </a:solidFill>
                         </a:rPr>
-                        <a:t>Field6</a:t>
+                        <a:t>Value</a:t>
+                      </a:r>
+                    </a:p>
+                    <a:p>
+                      <a:pPr marL="0" marR="0" indent="0" algn="ctr" defTabSz="914400" rtl="0" eaLnBrk="1" fontAlgn="auto" latinLnBrk="1" hangingPunct="1">
+                        <a:lnSpc>
+                          <a:spcPct val="100000"/>
+                        </a:lnSpc>
+                        <a:spcBef>
+                          <a:spcPts val="0"/>
+                        </a:spcBef>
+                        <a:spcAft>
+                          <a:spcPts val="0"/>
+                        </a:spcAft>
+                        <a:buClrTx/>
+                        <a:buSzTx/>
+                        <a:buFontTx/>
+                        <a:buNone/>
+                        <a:tabLst/>
+                        <a:defRPr/>
+                      </a:pPr>
+                      <a:r>
+                        <a:rPr lang="en-US" sz="900" dirty="0">
+                          <a:solidFill>
+                            <a:schemeClr val="tx1"/>
+                          </a:solidFill>
+                        </a:rPr>
+                        <a:t>Obj6</a:t>
                       </a:r>
                     </a:p>
                   </a:txBody>
@@ -7115,12 +8035,39 @@
                         <a:defRPr/>
                       </a:pPr>
                       <a:r>
-                        <a:rPr lang="en-US" sz="1400" dirty="0">
+                        <a:rPr lang="en-US" sz="900" dirty="0">
                           <a:solidFill>
                             <a:schemeClr val="tx1"/>
                           </a:solidFill>
                         </a:rPr>
-                        <a:t>Field7</a:t>
+                        <a:t>Value</a:t>
+                      </a:r>
+                    </a:p>
+                    <a:p>
+                      <a:pPr marL="0" marR="0" indent="0" algn="ctr" defTabSz="914400" rtl="0" eaLnBrk="1" fontAlgn="auto" latinLnBrk="1" hangingPunct="1">
+                        <a:lnSpc>
+                          <a:spcPct val="100000"/>
+                        </a:lnSpc>
+                        <a:spcBef>
+                          <a:spcPts val="0"/>
+                        </a:spcBef>
+                        <a:spcAft>
+                          <a:spcPts val="0"/>
+                        </a:spcAft>
+                        <a:buClrTx/>
+                        <a:buSzTx/>
+                        <a:buFontTx/>
+                        <a:buNone/>
+                        <a:tabLst/>
+                        <a:defRPr/>
+                      </a:pPr>
+                      <a:r>
+                        <a:rPr lang="en-US" sz="900" dirty="0">
+                          <a:solidFill>
+                            <a:schemeClr val="tx1"/>
+                          </a:solidFill>
+                        </a:rPr>
+                        <a:t>Obj7</a:t>
                       </a:r>
                     </a:p>
                   </a:txBody>
@@ -7155,7 +8102,7 @@
                         <a:defRPr/>
                       </a:pPr>
                       <a:r>
-                        <a:rPr lang="en-US" sz="1400" dirty="0">
+                        <a:rPr lang="en-US" sz="900" dirty="0">
                           <a:solidFill>
                             <a:schemeClr val="tx1"/>
                           </a:solidFill>
@@ -7190,7 +8137,7 @@
         </p:nvSpPr>
         <p:spPr>
           <a:xfrm>
-            <a:off x="7506572" y="2126624"/>
+            <a:off x="7596336" y="3843768"/>
             <a:ext cx="1584176" cy="307777"/>
           </a:xfrm>
           <a:prstGeom prst="rect">
@@ -7205,15 +8152,33 @@
           <a:lstStyle/>
           <a:p>
             <a:r>
-              <a:rPr lang="en-US" sz="1400" b="1" dirty="0"/>
+              <a:rPr lang="en-US" sz="1400" b="1" dirty="0">
+                <a:solidFill>
+                  <a:schemeClr val="bg1">
+                    <a:lumMod val="50000"/>
+                  </a:schemeClr>
+                </a:solidFill>
+              </a:rPr>
               <a:t>Record </a:t>
             </a:r>
             <a:r>
-              <a:rPr lang="en-US" sz="1400" b="1" dirty="0" err="1"/>
+              <a:rPr lang="en-US" sz="1400" b="1" dirty="0" err="1">
+                <a:solidFill>
+                  <a:schemeClr val="bg1">
+                    <a:lumMod val="50000"/>
+                  </a:schemeClr>
+                </a:solidFill>
+              </a:rPr>
               <a:t>Obj</a:t>
             </a:r>
             <a:r>
-              <a:rPr lang="en-US" sz="1400" b="1" dirty="0"/>
+              <a:rPr lang="en-US" sz="1400" b="1" dirty="0">
+                <a:solidFill>
+                  <a:schemeClr val="bg1">
+                    <a:lumMod val="50000"/>
+                  </a:schemeClr>
+                </a:solidFill>
+              </a:rPr>
               <a:t> 3</a:t>
             </a:r>
           </a:p>
@@ -7228,13 +8193,13 @@
           <p:nvPr>
             <p:extLst>
               <p:ext uri="{D42A27DB-BD31-4B8C-83A1-F6EECF244321}">
-                <p14:modId xmlns:p14="http://schemas.microsoft.com/office/powerpoint/2010/main" val="1144782809"/>
+                <p14:modId xmlns:p14="http://schemas.microsoft.com/office/powerpoint/2010/main" val="3611401539"/>
               </p:ext>
             </p:extLst>
           </p:nvPr>
         </p:nvGraphicFramePr>
         <p:xfrm>
-          <a:off x="1097860" y="2559677"/>
+          <a:off x="1241876" y="4276821"/>
           <a:ext cx="6380872" cy="432048"/>
         </p:xfrm>
         <a:graphic>
@@ -7309,12 +8274,23 @@
                     <a:p>
                       <a:pPr algn="ctr"/>
                       <a:r>
-                        <a:rPr lang="en-US" sz="1400" dirty="0">
+                        <a:rPr lang="en-US" sz="1000" dirty="0">
                           <a:solidFill>
                             <a:schemeClr val="tx1"/>
                           </a:solidFill>
                         </a:rPr>
-                        <a:t>Field1</a:t>
+                        <a:t>Value</a:t>
+                      </a:r>
+                    </a:p>
+                    <a:p>
+                      <a:pPr algn="ctr"/>
+                      <a:r>
+                        <a:rPr lang="en-US" sz="1000" dirty="0">
+                          <a:solidFill>
+                            <a:schemeClr val="tx1"/>
+                          </a:solidFill>
+                        </a:rPr>
+                        <a:t>Obj1</a:t>
                       </a:r>
                     </a:p>
                   </a:txBody>
@@ -7349,12 +8325,39 @@
                         <a:defRPr/>
                       </a:pPr>
                       <a:r>
-                        <a:rPr lang="en-US" sz="1400" dirty="0">
+                        <a:rPr lang="en-US" sz="1000" dirty="0">
                           <a:solidFill>
                             <a:schemeClr val="tx1"/>
                           </a:solidFill>
                         </a:rPr>
-                        <a:t>Field2</a:t>
+                        <a:t>Value</a:t>
+                      </a:r>
+                    </a:p>
+                    <a:p>
+                      <a:pPr marL="0" marR="0" indent="0" algn="ctr" defTabSz="914400" rtl="0" eaLnBrk="1" fontAlgn="auto" latinLnBrk="1" hangingPunct="1">
+                        <a:lnSpc>
+                          <a:spcPct val="100000"/>
+                        </a:lnSpc>
+                        <a:spcBef>
+                          <a:spcPts val="0"/>
+                        </a:spcBef>
+                        <a:spcAft>
+                          <a:spcPts val="0"/>
+                        </a:spcAft>
+                        <a:buClrTx/>
+                        <a:buSzTx/>
+                        <a:buFontTx/>
+                        <a:buNone/>
+                        <a:tabLst/>
+                        <a:defRPr/>
+                      </a:pPr>
+                      <a:r>
+                        <a:rPr lang="en-US" sz="1000" dirty="0">
+                          <a:solidFill>
+                            <a:schemeClr val="tx1"/>
+                          </a:solidFill>
+                        </a:rPr>
+                        <a:t>Obj2</a:t>
                       </a:r>
                     </a:p>
                   </a:txBody>
@@ -7389,12 +8392,39 @@
                         <a:defRPr/>
                       </a:pPr>
                       <a:r>
-                        <a:rPr lang="en-US" sz="1400" dirty="0">
+                        <a:rPr lang="en-US" sz="1000" dirty="0">
                           <a:solidFill>
                             <a:schemeClr val="tx1"/>
                           </a:solidFill>
                         </a:rPr>
-                        <a:t>Field3</a:t>
+                        <a:t>Value</a:t>
+                      </a:r>
+                    </a:p>
+                    <a:p>
+                      <a:pPr marL="0" marR="0" indent="0" algn="ctr" defTabSz="914400" rtl="0" eaLnBrk="1" fontAlgn="auto" latinLnBrk="1" hangingPunct="1">
+                        <a:lnSpc>
+                          <a:spcPct val="100000"/>
+                        </a:lnSpc>
+                        <a:spcBef>
+                          <a:spcPts val="0"/>
+                        </a:spcBef>
+                        <a:spcAft>
+                          <a:spcPts val="0"/>
+                        </a:spcAft>
+                        <a:buClrTx/>
+                        <a:buSzTx/>
+                        <a:buFontTx/>
+                        <a:buNone/>
+                        <a:tabLst/>
+                        <a:defRPr/>
+                      </a:pPr>
+                      <a:r>
+                        <a:rPr lang="en-US" sz="1000" dirty="0">
+                          <a:solidFill>
+                            <a:schemeClr val="tx1"/>
+                          </a:solidFill>
+                        </a:rPr>
+                        <a:t>Obj3</a:t>
                       </a:r>
                     </a:p>
                   </a:txBody>
@@ -7429,12 +8459,39 @@
                         <a:defRPr/>
                       </a:pPr>
                       <a:r>
-                        <a:rPr lang="en-US" sz="1400" dirty="0">
+                        <a:rPr lang="en-US" sz="1000" dirty="0">
                           <a:solidFill>
                             <a:schemeClr val="tx1"/>
                           </a:solidFill>
                         </a:rPr>
-                        <a:t>Field4</a:t>
+                        <a:t>Value</a:t>
+                      </a:r>
+                    </a:p>
+                    <a:p>
+                      <a:pPr marL="0" marR="0" indent="0" algn="ctr" defTabSz="914400" rtl="0" eaLnBrk="1" fontAlgn="auto" latinLnBrk="1" hangingPunct="1">
+                        <a:lnSpc>
+                          <a:spcPct val="100000"/>
+                        </a:lnSpc>
+                        <a:spcBef>
+                          <a:spcPts val="0"/>
+                        </a:spcBef>
+                        <a:spcAft>
+                          <a:spcPts val="0"/>
+                        </a:spcAft>
+                        <a:buClrTx/>
+                        <a:buSzTx/>
+                        <a:buFontTx/>
+                        <a:buNone/>
+                        <a:tabLst/>
+                        <a:defRPr/>
+                      </a:pPr>
+                      <a:r>
+                        <a:rPr lang="en-US" sz="1000" dirty="0">
+                          <a:solidFill>
+                            <a:schemeClr val="tx1"/>
+                          </a:solidFill>
+                        </a:rPr>
+                        <a:t>Obj4</a:t>
                       </a:r>
                     </a:p>
                   </a:txBody>
@@ -7469,12 +8526,39 @@
                         <a:defRPr/>
                       </a:pPr>
                       <a:r>
-                        <a:rPr lang="en-US" sz="1400" dirty="0">
+                        <a:rPr lang="en-US" sz="1000" dirty="0">
                           <a:solidFill>
                             <a:schemeClr val="tx1"/>
                           </a:solidFill>
                         </a:rPr>
-                        <a:t>Field5</a:t>
+                        <a:t>Value</a:t>
+                      </a:r>
+                    </a:p>
+                    <a:p>
+                      <a:pPr marL="0" marR="0" indent="0" algn="ctr" defTabSz="914400" rtl="0" eaLnBrk="1" fontAlgn="auto" latinLnBrk="1" hangingPunct="1">
+                        <a:lnSpc>
+                          <a:spcPct val="100000"/>
+                        </a:lnSpc>
+                        <a:spcBef>
+                          <a:spcPts val="0"/>
+                        </a:spcBef>
+                        <a:spcAft>
+                          <a:spcPts val="0"/>
+                        </a:spcAft>
+                        <a:buClrTx/>
+                        <a:buSzTx/>
+                        <a:buFontTx/>
+                        <a:buNone/>
+                        <a:tabLst/>
+                        <a:defRPr/>
+                      </a:pPr>
+                      <a:r>
+                        <a:rPr lang="en-US" sz="1000" dirty="0">
+                          <a:solidFill>
+                            <a:schemeClr val="tx1"/>
+                          </a:solidFill>
+                        </a:rPr>
+                        <a:t>Obj5</a:t>
                       </a:r>
                     </a:p>
                   </a:txBody>
@@ -7509,12 +8593,39 @@
                         <a:defRPr/>
                       </a:pPr>
                       <a:r>
-                        <a:rPr lang="en-US" sz="1400" dirty="0">
+                        <a:rPr lang="en-US" sz="1000" dirty="0">
                           <a:solidFill>
                             <a:schemeClr val="tx1"/>
                           </a:solidFill>
                         </a:rPr>
-                        <a:t>Field6</a:t>
+                        <a:t>Value</a:t>
+                      </a:r>
+                    </a:p>
+                    <a:p>
+                      <a:pPr marL="0" marR="0" indent="0" algn="ctr" defTabSz="914400" rtl="0" eaLnBrk="1" fontAlgn="auto" latinLnBrk="1" hangingPunct="1">
+                        <a:lnSpc>
+                          <a:spcPct val="100000"/>
+                        </a:lnSpc>
+                        <a:spcBef>
+                          <a:spcPts val="0"/>
+                        </a:spcBef>
+                        <a:spcAft>
+                          <a:spcPts val="0"/>
+                        </a:spcAft>
+                        <a:buClrTx/>
+                        <a:buSzTx/>
+                        <a:buFontTx/>
+                        <a:buNone/>
+                        <a:tabLst/>
+                        <a:defRPr/>
+                      </a:pPr>
+                      <a:r>
+                        <a:rPr lang="en-US" sz="1000" dirty="0">
+                          <a:solidFill>
+                            <a:schemeClr val="tx1"/>
+                          </a:solidFill>
+                        </a:rPr>
+                        <a:t>Obj6</a:t>
                       </a:r>
                     </a:p>
                   </a:txBody>
@@ -7549,12 +8660,39 @@
                         <a:defRPr/>
                       </a:pPr>
                       <a:r>
-                        <a:rPr lang="en-US" sz="1400" dirty="0">
+                        <a:rPr lang="en-US" sz="1000" dirty="0">
                           <a:solidFill>
                             <a:schemeClr val="tx1"/>
                           </a:solidFill>
                         </a:rPr>
-                        <a:t>Field7</a:t>
+                        <a:t>Value</a:t>
+                      </a:r>
+                    </a:p>
+                    <a:p>
+                      <a:pPr marL="0" marR="0" indent="0" algn="ctr" defTabSz="914400" rtl="0" eaLnBrk="1" fontAlgn="auto" latinLnBrk="1" hangingPunct="1">
+                        <a:lnSpc>
+                          <a:spcPct val="100000"/>
+                        </a:lnSpc>
+                        <a:spcBef>
+                          <a:spcPts val="0"/>
+                        </a:spcBef>
+                        <a:spcAft>
+                          <a:spcPts val="0"/>
+                        </a:spcAft>
+                        <a:buClrTx/>
+                        <a:buSzTx/>
+                        <a:buFontTx/>
+                        <a:buNone/>
+                        <a:tabLst/>
+                        <a:defRPr/>
+                      </a:pPr>
+                      <a:r>
+                        <a:rPr lang="en-US" sz="1000" dirty="0">
+                          <a:solidFill>
+                            <a:schemeClr val="tx1"/>
+                          </a:solidFill>
+                        </a:rPr>
+                        <a:t>Obj7</a:t>
                       </a:r>
                     </a:p>
                   </a:txBody>
@@ -7589,7 +8727,7 @@
                         <a:defRPr/>
                       </a:pPr>
                       <a:r>
-                        <a:rPr lang="en-US" sz="1400" dirty="0">
+                        <a:rPr lang="en-US" sz="1000" dirty="0">
                           <a:solidFill>
                             <a:schemeClr val="tx1"/>
                           </a:solidFill>
@@ -7624,7 +8762,7 @@
         </p:nvSpPr>
         <p:spPr>
           <a:xfrm>
-            <a:off x="7506572" y="2594184"/>
+            <a:off x="7596336" y="4311328"/>
             <a:ext cx="1584176" cy="307777"/>
           </a:xfrm>
           <a:prstGeom prst="rect">
@@ -7639,15 +8777,33 @@
           <a:lstStyle/>
           <a:p>
             <a:r>
-              <a:rPr lang="en-US" sz="1400" b="1" dirty="0"/>
+              <a:rPr lang="en-US" sz="1400" b="1" dirty="0">
+                <a:solidFill>
+                  <a:schemeClr val="bg1">
+                    <a:lumMod val="50000"/>
+                  </a:schemeClr>
+                </a:solidFill>
+              </a:rPr>
               <a:t>Record </a:t>
             </a:r>
             <a:r>
-              <a:rPr lang="en-US" sz="1400" b="1" dirty="0" err="1"/>
+              <a:rPr lang="en-US" sz="1400" b="1" dirty="0" err="1">
+                <a:solidFill>
+                  <a:schemeClr val="bg1">
+                    <a:lumMod val="50000"/>
+                  </a:schemeClr>
+                </a:solidFill>
+              </a:rPr>
               <a:t>Obj</a:t>
             </a:r>
             <a:r>
-              <a:rPr lang="en-US" sz="1400" b="1" dirty="0"/>
+              <a:rPr lang="en-US" sz="1400" b="1" dirty="0">
+                <a:solidFill>
+                  <a:schemeClr val="bg1">
+                    <a:lumMod val="50000"/>
+                  </a:schemeClr>
+                </a:solidFill>
+              </a:rPr>
               <a:t> 4</a:t>
             </a:r>
           </a:p>
@@ -7661,7 +8817,7 @@
         </p:nvSpPr>
         <p:spPr>
           <a:xfrm>
-            <a:off x="179512" y="3702928"/>
+            <a:off x="323528" y="5229200"/>
             <a:ext cx="7687100" cy="369332"/>
           </a:xfrm>
           <a:prstGeom prst="rect">
@@ -7676,12 +8832,19 @@
           <a:lstStyle/>
           <a:p>
             <a:r>
-              <a:rPr lang="en-US" b="1" dirty="0" err="1"/>
-              <a:t>ArrayList</a:t>
-            </a:r>
-            <a:r>
               <a:rPr lang="en-US" b="1" dirty="0"/>
-              <a:t> data type (String, Number, … - implements Comparable)</a:t>
+              <a:t>Table.java : </a:t>
+            </a:r>
+            <a:r>
+              <a:rPr lang="en-US" b="1" dirty="0">
+                <a:solidFill>
+                  <a:schemeClr val="tx2">
+                    <a:lumMod val="60000"/>
+                    <a:lumOff val="40000"/>
+                  </a:schemeClr>
+                </a:solidFill>
+              </a:rPr>
+              <a:t>ArrayList&lt;Field&gt; alField</a:t>
             </a:r>
           </a:p>
         </p:txBody>
@@ -7695,14 +8858,14 @@
           <p:nvPr>
             <p:extLst>
               <p:ext uri="{D42A27DB-BD31-4B8C-83A1-F6EECF244321}">
-                <p14:modId xmlns:p14="http://schemas.microsoft.com/office/powerpoint/2010/main" val="3943867620"/>
+                <p14:modId xmlns:p14="http://schemas.microsoft.com/office/powerpoint/2010/main" val="2557338383"/>
               </p:ext>
             </p:extLst>
           </p:nvPr>
         </p:nvGraphicFramePr>
         <p:xfrm>
-          <a:off x="261604" y="4062968"/>
-          <a:ext cx="7217128" cy="518160"/>
+          <a:off x="405620" y="5589240"/>
+          <a:ext cx="7217128" cy="457200"/>
         </p:xfrm>
         <a:graphic>
           <a:graphicData uri="http://schemas.openxmlformats.org/drawingml/2006/table">
@@ -7776,28 +8939,483 @@
                     <a:p>
                       <a:pPr algn="ctr"/>
                       <a:r>
-                        <a:rPr lang="en-US" sz="1400" dirty="0">
+                        <a:rPr lang="en-US" sz="1200" dirty="0">
                           <a:solidFill>
                             <a:schemeClr val="tx1"/>
                           </a:solidFill>
                         </a:rPr>
-                        <a:t>Field1’s</a:t>
+                        <a:t>Field </a:t>
                       </a:r>
+                    </a:p>
+                    <a:p>
+                      <a:pPr algn="ctr"/>
                       <a:r>
-                        <a:rPr lang="en-US" sz="1400" baseline="0" dirty="0">
+                        <a:rPr lang="en-US" sz="1200" dirty="0">
                           <a:solidFill>
                             <a:schemeClr val="tx1"/>
                           </a:solidFill>
                         </a:rPr>
-                        <a:t> </a:t>
+                        <a:t>Obj1</a:t>
                       </a:r>
+                    </a:p>
+                  </a:txBody>
+                  <a:tcPr anchor="ctr">
+                    <a:solidFill>
+                      <a:schemeClr val="bg1">
+                        <a:lumMod val="95000"/>
+                      </a:schemeClr>
+                    </a:solidFill>
+                  </a:tcPr>
+                </a:tc>
+                <a:tc>
+                  <a:txBody>
+                    <a:bodyPr/>
+                    <a:lstStyle/>
+                    <a:p>
+                      <a:pPr algn="ctr"/>
                       <a:r>
-                        <a:rPr lang="en-US" sz="1400" dirty="0">
+                        <a:rPr lang="en-US" sz="1200" dirty="0">
                           <a:solidFill>
                             <a:schemeClr val="tx1"/>
                           </a:solidFill>
                         </a:rPr>
-                        <a:t>type</a:t>
+                        <a:t>Field </a:t>
+                      </a:r>
+                    </a:p>
+                    <a:p>
+                      <a:pPr algn="ctr"/>
+                      <a:r>
+                        <a:rPr lang="en-US" sz="1200" dirty="0">
+                          <a:solidFill>
+                            <a:schemeClr val="tx1"/>
+                          </a:solidFill>
+                        </a:rPr>
+                        <a:t>Obj2</a:t>
+                      </a:r>
+                    </a:p>
+                  </a:txBody>
+                  <a:tcPr anchor="ctr">
+                    <a:solidFill>
+                      <a:schemeClr val="bg1">
+                        <a:lumMod val="95000"/>
+                      </a:schemeClr>
+                    </a:solidFill>
+                  </a:tcPr>
+                </a:tc>
+                <a:tc>
+                  <a:txBody>
+                    <a:bodyPr/>
+                    <a:lstStyle/>
+                    <a:p>
+                      <a:pPr marL="0" marR="0" lvl="0" indent="0" algn="ctr" defTabSz="914400" rtl="0" eaLnBrk="1" fontAlgn="auto" latinLnBrk="1" hangingPunct="1">
+                        <a:lnSpc>
+                          <a:spcPct val="100000"/>
+                        </a:lnSpc>
+                        <a:spcBef>
+                          <a:spcPts val="0"/>
+                        </a:spcBef>
+                        <a:spcAft>
+                          <a:spcPts val="0"/>
+                        </a:spcAft>
+                        <a:buClrTx/>
+                        <a:buSzTx/>
+                        <a:buFontTx/>
+                        <a:buNone/>
+                        <a:tabLst/>
+                        <a:defRPr/>
+                      </a:pPr>
+                      <a:r>
+                        <a:rPr kumimoji="0" lang="en-US" sz="1200" b="1" i="0" u="none" strike="noStrike" kern="1200" cap="none" spc="0" normalizeH="0" baseline="0" noProof="0" dirty="0">
+                          <a:ln>
+                            <a:noFill/>
+                          </a:ln>
+                          <a:solidFill>
+                            <a:prstClr val="black"/>
+                          </a:solidFill>
+                          <a:effectLst/>
+                          <a:uLnTx/>
+                          <a:uFillTx/>
+                          <a:latin typeface="맑은 고딕"/>
+                          <a:ea typeface="+mn-ea"/>
+                          <a:cs typeface="+mn-cs"/>
+                        </a:rPr>
+                        <a:t>Field </a:t>
+                      </a:r>
+                    </a:p>
+                    <a:p>
+                      <a:pPr marL="0" marR="0" lvl="0" indent="0" algn="ctr" defTabSz="914400" rtl="0" eaLnBrk="1" fontAlgn="auto" latinLnBrk="1" hangingPunct="1">
+                        <a:lnSpc>
+                          <a:spcPct val="100000"/>
+                        </a:lnSpc>
+                        <a:spcBef>
+                          <a:spcPts val="0"/>
+                        </a:spcBef>
+                        <a:spcAft>
+                          <a:spcPts val="0"/>
+                        </a:spcAft>
+                        <a:buClrTx/>
+                        <a:buSzTx/>
+                        <a:buFontTx/>
+                        <a:buNone/>
+                        <a:tabLst/>
+                        <a:defRPr/>
+                      </a:pPr>
+                      <a:r>
+                        <a:rPr kumimoji="0" lang="en-US" sz="1200" b="1" i="0" u="none" strike="noStrike" kern="1200" cap="none" spc="0" normalizeH="0" baseline="0" noProof="0" dirty="0">
+                          <a:ln>
+                            <a:noFill/>
+                          </a:ln>
+                          <a:solidFill>
+                            <a:prstClr val="black"/>
+                          </a:solidFill>
+                          <a:effectLst/>
+                          <a:uLnTx/>
+                          <a:uFillTx/>
+                          <a:latin typeface="맑은 고딕"/>
+                          <a:ea typeface="+mn-ea"/>
+                          <a:cs typeface="+mn-cs"/>
+                        </a:rPr>
+                        <a:t>Obj3</a:t>
+                      </a:r>
+                    </a:p>
+                  </a:txBody>
+                  <a:tcPr anchor="ctr">
+                    <a:solidFill>
+                      <a:schemeClr val="bg1">
+                        <a:lumMod val="95000"/>
+                      </a:schemeClr>
+                    </a:solidFill>
+                  </a:tcPr>
+                </a:tc>
+                <a:tc>
+                  <a:txBody>
+                    <a:bodyPr/>
+                    <a:lstStyle/>
+                    <a:p>
+                      <a:pPr marL="0" marR="0" lvl="0" indent="0" algn="ctr" defTabSz="914400" rtl="0" eaLnBrk="1" fontAlgn="auto" latinLnBrk="1" hangingPunct="1">
+                        <a:lnSpc>
+                          <a:spcPct val="100000"/>
+                        </a:lnSpc>
+                        <a:spcBef>
+                          <a:spcPts val="0"/>
+                        </a:spcBef>
+                        <a:spcAft>
+                          <a:spcPts val="0"/>
+                        </a:spcAft>
+                        <a:buClrTx/>
+                        <a:buSzTx/>
+                        <a:buFontTx/>
+                        <a:buNone/>
+                        <a:tabLst/>
+                        <a:defRPr/>
+                      </a:pPr>
+                      <a:r>
+                        <a:rPr kumimoji="0" lang="en-US" sz="1200" b="1" i="0" u="none" strike="noStrike" kern="1200" cap="none" spc="0" normalizeH="0" baseline="0" noProof="0" dirty="0">
+                          <a:ln>
+                            <a:noFill/>
+                          </a:ln>
+                          <a:solidFill>
+                            <a:prstClr val="black"/>
+                          </a:solidFill>
+                          <a:effectLst/>
+                          <a:uLnTx/>
+                          <a:uFillTx/>
+                          <a:latin typeface="맑은 고딕"/>
+                          <a:ea typeface="+mn-ea"/>
+                          <a:cs typeface="+mn-cs"/>
+                        </a:rPr>
+                        <a:t>Field </a:t>
+                      </a:r>
+                    </a:p>
+                    <a:p>
+                      <a:pPr marL="0" marR="0" lvl="0" indent="0" algn="ctr" defTabSz="914400" rtl="0" eaLnBrk="1" fontAlgn="auto" latinLnBrk="1" hangingPunct="1">
+                        <a:lnSpc>
+                          <a:spcPct val="100000"/>
+                        </a:lnSpc>
+                        <a:spcBef>
+                          <a:spcPts val="0"/>
+                        </a:spcBef>
+                        <a:spcAft>
+                          <a:spcPts val="0"/>
+                        </a:spcAft>
+                        <a:buClrTx/>
+                        <a:buSzTx/>
+                        <a:buFontTx/>
+                        <a:buNone/>
+                        <a:tabLst/>
+                        <a:defRPr/>
+                      </a:pPr>
+                      <a:r>
+                        <a:rPr kumimoji="0" lang="en-US" sz="1200" b="1" i="0" u="none" strike="noStrike" kern="1200" cap="none" spc="0" normalizeH="0" baseline="0" noProof="0" dirty="0">
+                          <a:ln>
+                            <a:noFill/>
+                          </a:ln>
+                          <a:solidFill>
+                            <a:prstClr val="black"/>
+                          </a:solidFill>
+                          <a:effectLst/>
+                          <a:uLnTx/>
+                          <a:uFillTx/>
+                          <a:latin typeface="맑은 고딕"/>
+                          <a:ea typeface="+mn-ea"/>
+                          <a:cs typeface="+mn-cs"/>
+                        </a:rPr>
+                        <a:t>Obj4</a:t>
+                      </a:r>
+                    </a:p>
+                  </a:txBody>
+                  <a:tcPr anchor="ctr">
+                    <a:solidFill>
+                      <a:schemeClr val="bg1">
+                        <a:lumMod val="95000"/>
+                      </a:schemeClr>
+                    </a:solidFill>
+                  </a:tcPr>
+                </a:tc>
+                <a:tc>
+                  <a:txBody>
+                    <a:bodyPr/>
+                    <a:lstStyle/>
+                    <a:p>
+                      <a:pPr marL="0" marR="0" lvl="0" indent="0" algn="ctr" defTabSz="914400" rtl="0" eaLnBrk="1" fontAlgn="auto" latinLnBrk="1" hangingPunct="1">
+                        <a:lnSpc>
+                          <a:spcPct val="100000"/>
+                        </a:lnSpc>
+                        <a:spcBef>
+                          <a:spcPts val="0"/>
+                        </a:spcBef>
+                        <a:spcAft>
+                          <a:spcPts val="0"/>
+                        </a:spcAft>
+                        <a:buClrTx/>
+                        <a:buSzTx/>
+                        <a:buFontTx/>
+                        <a:buNone/>
+                        <a:tabLst/>
+                        <a:defRPr/>
+                      </a:pPr>
+                      <a:r>
+                        <a:rPr kumimoji="0" lang="en-US" sz="1200" b="1" i="0" u="none" strike="noStrike" kern="1200" cap="none" spc="0" normalizeH="0" baseline="0" noProof="0" dirty="0">
+                          <a:ln>
+                            <a:noFill/>
+                          </a:ln>
+                          <a:solidFill>
+                            <a:prstClr val="black"/>
+                          </a:solidFill>
+                          <a:effectLst/>
+                          <a:uLnTx/>
+                          <a:uFillTx/>
+                          <a:latin typeface="맑은 고딕"/>
+                          <a:ea typeface="+mn-ea"/>
+                          <a:cs typeface="+mn-cs"/>
+                        </a:rPr>
+                        <a:t>Field </a:t>
+                      </a:r>
+                    </a:p>
+                    <a:p>
+                      <a:pPr marL="0" marR="0" lvl="0" indent="0" algn="ctr" defTabSz="914400" rtl="0" eaLnBrk="1" fontAlgn="auto" latinLnBrk="1" hangingPunct="1">
+                        <a:lnSpc>
+                          <a:spcPct val="100000"/>
+                        </a:lnSpc>
+                        <a:spcBef>
+                          <a:spcPts val="0"/>
+                        </a:spcBef>
+                        <a:spcAft>
+                          <a:spcPts val="0"/>
+                        </a:spcAft>
+                        <a:buClrTx/>
+                        <a:buSzTx/>
+                        <a:buFontTx/>
+                        <a:buNone/>
+                        <a:tabLst/>
+                        <a:defRPr/>
+                      </a:pPr>
+                      <a:r>
+                        <a:rPr kumimoji="0" lang="en-US" sz="1200" b="1" i="0" u="none" strike="noStrike" kern="1200" cap="none" spc="0" normalizeH="0" baseline="0" noProof="0" dirty="0">
+                          <a:ln>
+                            <a:noFill/>
+                          </a:ln>
+                          <a:solidFill>
+                            <a:prstClr val="black"/>
+                          </a:solidFill>
+                          <a:effectLst/>
+                          <a:uLnTx/>
+                          <a:uFillTx/>
+                          <a:latin typeface="맑은 고딕"/>
+                          <a:ea typeface="+mn-ea"/>
+                          <a:cs typeface="+mn-cs"/>
+                        </a:rPr>
+                        <a:t>Obj5</a:t>
+                      </a:r>
+                    </a:p>
+                  </a:txBody>
+                  <a:tcPr anchor="ctr">
+                    <a:solidFill>
+                      <a:schemeClr val="bg1">
+                        <a:lumMod val="95000"/>
+                      </a:schemeClr>
+                    </a:solidFill>
+                  </a:tcPr>
+                </a:tc>
+                <a:tc>
+                  <a:txBody>
+                    <a:bodyPr/>
+                    <a:lstStyle/>
+                    <a:p>
+                      <a:pPr marL="0" marR="0" lvl="0" indent="0" algn="ctr" defTabSz="914400" rtl="0" eaLnBrk="1" fontAlgn="auto" latinLnBrk="1" hangingPunct="1">
+                        <a:lnSpc>
+                          <a:spcPct val="100000"/>
+                        </a:lnSpc>
+                        <a:spcBef>
+                          <a:spcPts val="0"/>
+                        </a:spcBef>
+                        <a:spcAft>
+                          <a:spcPts val="0"/>
+                        </a:spcAft>
+                        <a:buClrTx/>
+                        <a:buSzTx/>
+                        <a:buFontTx/>
+                        <a:buNone/>
+                        <a:tabLst/>
+                        <a:defRPr/>
+                      </a:pPr>
+                      <a:r>
+                        <a:rPr kumimoji="0" lang="en-US" sz="1200" b="1" i="0" u="none" strike="noStrike" kern="1200" cap="none" spc="0" normalizeH="0" baseline="0" noProof="0" dirty="0">
+                          <a:ln>
+                            <a:noFill/>
+                          </a:ln>
+                          <a:solidFill>
+                            <a:prstClr val="black"/>
+                          </a:solidFill>
+                          <a:effectLst/>
+                          <a:uLnTx/>
+                          <a:uFillTx/>
+                          <a:latin typeface="맑은 고딕"/>
+                          <a:ea typeface="+mn-ea"/>
+                          <a:cs typeface="+mn-cs"/>
+                        </a:rPr>
+                        <a:t>Field </a:t>
+                      </a:r>
+                    </a:p>
+                    <a:p>
+                      <a:pPr marL="0" marR="0" lvl="0" indent="0" algn="ctr" defTabSz="914400" rtl="0" eaLnBrk="1" fontAlgn="auto" latinLnBrk="1" hangingPunct="1">
+                        <a:lnSpc>
+                          <a:spcPct val="100000"/>
+                        </a:lnSpc>
+                        <a:spcBef>
+                          <a:spcPts val="0"/>
+                        </a:spcBef>
+                        <a:spcAft>
+                          <a:spcPts val="0"/>
+                        </a:spcAft>
+                        <a:buClrTx/>
+                        <a:buSzTx/>
+                        <a:buFontTx/>
+                        <a:buNone/>
+                        <a:tabLst/>
+                        <a:defRPr/>
+                      </a:pPr>
+                      <a:r>
+                        <a:rPr kumimoji="0" lang="en-US" sz="1200" b="1" i="0" u="none" strike="noStrike" kern="1200" cap="none" spc="0" normalizeH="0" baseline="0" noProof="0" dirty="0">
+                          <a:ln>
+                            <a:noFill/>
+                          </a:ln>
+                          <a:solidFill>
+                            <a:prstClr val="black"/>
+                          </a:solidFill>
+                          <a:effectLst/>
+                          <a:uLnTx/>
+                          <a:uFillTx/>
+                          <a:latin typeface="맑은 고딕"/>
+                          <a:ea typeface="+mn-ea"/>
+                          <a:cs typeface="+mn-cs"/>
+                        </a:rPr>
+                        <a:t>Obj6</a:t>
+                      </a:r>
+                    </a:p>
+                  </a:txBody>
+                  <a:tcPr anchor="ctr">
+                    <a:solidFill>
+                      <a:schemeClr val="bg1">
+                        <a:lumMod val="95000"/>
+                      </a:schemeClr>
+                    </a:solidFill>
+                  </a:tcPr>
+                </a:tc>
+                <a:tc>
+                  <a:txBody>
+                    <a:bodyPr/>
+                    <a:lstStyle/>
+                    <a:p>
+                      <a:pPr marL="0" marR="0" lvl="0" indent="0" algn="ctr" defTabSz="914400" rtl="0" eaLnBrk="1" fontAlgn="auto" latinLnBrk="1" hangingPunct="1">
+                        <a:lnSpc>
+                          <a:spcPct val="100000"/>
+                        </a:lnSpc>
+                        <a:spcBef>
+                          <a:spcPts val="0"/>
+                        </a:spcBef>
+                        <a:spcAft>
+                          <a:spcPts val="0"/>
+                        </a:spcAft>
+                        <a:buClrTx/>
+                        <a:buSzTx/>
+                        <a:buFontTx/>
+                        <a:buNone/>
+                        <a:tabLst/>
+                        <a:defRPr/>
+                      </a:pPr>
+                      <a:r>
+                        <a:rPr kumimoji="0" lang="en-US" sz="1200" b="1" i="0" u="none" strike="noStrike" kern="1200" cap="none" spc="0" normalizeH="0" baseline="0" noProof="0" dirty="0">
+                          <a:ln>
+                            <a:noFill/>
+                          </a:ln>
+                          <a:solidFill>
+                            <a:prstClr val="black"/>
+                          </a:solidFill>
+                          <a:effectLst/>
+                          <a:uLnTx/>
+                          <a:uFillTx/>
+                          <a:latin typeface="맑은 고딕"/>
+                          <a:ea typeface="+mn-ea"/>
+                          <a:cs typeface="+mn-cs"/>
+                        </a:rPr>
+                        <a:t>Field </a:t>
+                      </a:r>
+                    </a:p>
+                    <a:p>
+                      <a:pPr marL="0" marR="0" lvl="0" indent="0" algn="ctr" defTabSz="914400" rtl="0" eaLnBrk="1" fontAlgn="auto" latinLnBrk="1" hangingPunct="1">
+                        <a:lnSpc>
+                          <a:spcPct val="100000"/>
+                        </a:lnSpc>
+                        <a:spcBef>
+                          <a:spcPts val="0"/>
+                        </a:spcBef>
+                        <a:spcAft>
+                          <a:spcPts val="0"/>
+                        </a:spcAft>
+                        <a:buClrTx/>
+                        <a:buSzTx/>
+                        <a:buFontTx/>
+                        <a:buNone/>
+                        <a:tabLst/>
+                        <a:defRPr/>
+                      </a:pPr>
+                      <a:r>
+                        <a:rPr kumimoji="0" lang="en-US" sz="1200" b="1" i="0" u="none" strike="noStrike" kern="1200" cap="none" spc="0" normalizeH="0" baseline="0" noProof="0" dirty="0">
+                          <a:ln>
+                            <a:noFill/>
+                          </a:ln>
+                          <a:solidFill>
+                            <a:prstClr val="black"/>
+                          </a:solidFill>
+                          <a:effectLst/>
+                          <a:uLnTx/>
+                          <a:uFillTx/>
+                          <a:latin typeface="맑은 고딕"/>
+                          <a:ea typeface="+mn-ea"/>
+                          <a:cs typeface="+mn-cs"/>
+                        </a:rPr>
+                        <a:t>Obj7</a:t>
                       </a:r>
                     </a:p>
                   </a:txBody>
@@ -7832,343 +9450,7 @@
                         <a:defRPr/>
                       </a:pPr>
                       <a:r>
-                        <a:rPr lang="en-US" sz="1400" dirty="0">
-                          <a:solidFill>
-                            <a:schemeClr val="tx1"/>
-                          </a:solidFill>
-                        </a:rPr>
-                        <a:t>Field2’s</a:t>
-                      </a:r>
-                      <a:r>
-                        <a:rPr lang="en-US" sz="1400" baseline="0" dirty="0">
-                          <a:solidFill>
-                            <a:schemeClr val="tx1"/>
-                          </a:solidFill>
-                        </a:rPr>
-                        <a:t> </a:t>
-                      </a:r>
-                      <a:r>
-                        <a:rPr lang="en-US" sz="1400" dirty="0">
-                          <a:solidFill>
-                            <a:schemeClr val="tx1"/>
-                          </a:solidFill>
-                        </a:rPr>
-                        <a:t>type</a:t>
-                      </a:r>
-                    </a:p>
-                  </a:txBody>
-                  <a:tcPr anchor="ctr">
-                    <a:solidFill>
-                      <a:schemeClr val="bg1">
-                        <a:lumMod val="95000"/>
-                      </a:schemeClr>
-                    </a:solidFill>
-                  </a:tcPr>
-                </a:tc>
-                <a:tc>
-                  <a:txBody>
-                    <a:bodyPr/>
-                    <a:lstStyle/>
-                    <a:p>
-                      <a:pPr marL="0" marR="0" indent="0" algn="ctr" defTabSz="914400" rtl="0" eaLnBrk="1" fontAlgn="auto" latinLnBrk="1" hangingPunct="1">
-                        <a:lnSpc>
-                          <a:spcPct val="100000"/>
-                        </a:lnSpc>
-                        <a:spcBef>
-                          <a:spcPts val="0"/>
-                        </a:spcBef>
-                        <a:spcAft>
-                          <a:spcPts val="0"/>
-                        </a:spcAft>
-                        <a:buClrTx/>
-                        <a:buSzTx/>
-                        <a:buFontTx/>
-                        <a:buNone/>
-                        <a:tabLst/>
-                        <a:defRPr/>
-                      </a:pPr>
-                      <a:r>
-                        <a:rPr lang="en-US" sz="1400" dirty="0">
-                          <a:solidFill>
-                            <a:schemeClr val="tx1"/>
-                          </a:solidFill>
-                        </a:rPr>
-                        <a:t>Field3’s</a:t>
-                      </a:r>
-                      <a:r>
-                        <a:rPr lang="en-US" sz="1400" baseline="0" dirty="0">
-                          <a:solidFill>
-                            <a:schemeClr val="tx1"/>
-                          </a:solidFill>
-                        </a:rPr>
-                        <a:t> </a:t>
-                      </a:r>
-                      <a:r>
-                        <a:rPr lang="en-US" sz="1400" dirty="0">
-                          <a:solidFill>
-                            <a:schemeClr val="tx1"/>
-                          </a:solidFill>
-                        </a:rPr>
-                        <a:t>type</a:t>
-                      </a:r>
-                    </a:p>
-                  </a:txBody>
-                  <a:tcPr anchor="ctr">
-                    <a:solidFill>
-                      <a:schemeClr val="bg1">
-                        <a:lumMod val="95000"/>
-                      </a:schemeClr>
-                    </a:solidFill>
-                  </a:tcPr>
-                </a:tc>
-                <a:tc>
-                  <a:txBody>
-                    <a:bodyPr/>
-                    <a:lstStyle/>
-                    <a:p>
-                      <a:pPr marL="0" marR="0" indent="0" algn="ctr" defTabSz="914400" rtl="0" eaLnBrk="1" fontAlgn="auto" latinLnBrk="1" hangingPunct="1">
-                        <a:lnSpc>
-                          <a:spcPct val="100000"/>
-                        </a:lnSpc>
-                        <a:spcBef>
-                          <a:spcPts val="0"/>
-                        </a:spcBef>
-                        <a:spcAft>
-                          <a:spcPts val="0"/>
-                        </a:spcAft>
-                        <a:buClrTx/>
-                        <a:buSzTx/>
-                        <a:buFontTx/>
-                        <a:buNone/>
-                        <a:tabLst/>
-                        <a:defRPr/>
-                      </a:pPr>
-                      <a:r>
-                        <a:rPr lang="en-US" sz="1400" dirty="0">
-                          <a:solidFill>
-                            <a:schemeClr val="tx1"/>
-                          </a:solidFill>
-                        </a:rPr>
-                        <a:t>Field4’s</a:t>
-                      </a:r>
-                      <a:r>
-                        <a:rPr lang="en-US" sz="1400" baseline="0" dirty="0">
-                          <a:solidFill>
-                            <a:schemeClr val="tx1"/>
-                          </a:solidFill>
-                        </a:rPr>
-                        <a:t> </a:t>
-                      </a:r>
-                      <a:r>
-                        <a:rPr lang="en-US" sz="1400" dirty="0">
-                          <a:solidFill>
-                            <a:schemeClr val="tx1"/>
-                          </a:solidFill>
-                        </a:rPr>
-                        <a:t>type</a:t>
-                      </a:r>
-                    </a:p>
-                  </a:txBody>
-                  <a:tcPr anchor="ctr">
-                    <a:solidFill>
-                      <a:schemeClr val="bg1">
-                        <a:lumMod val="95000"/>
-                      </a:schemeClr>
-                    </a:solidFill>
-                  </a:tcPr>
-                </a:tc>
-                <a:tc>
-                  <a:txBody>
-                    <a:bodyPr/>
-                    <a:lstStyle/>
-                    <a:p>
-                      <a:pPr marL="0" marR="0" indent="0" algn="ctr" defTabSz="914400" rtl="0" eaLnBrk="1" fontAlgn="auto" latinLnBrk="1" hangingPunct="1">
-                        <a:lnSpc>
-                          <a:spcPct val="100000"/>
-                        </a:lnSpc>
-                        <a:spcBef>
-                          <a:spcPts val="0"/>
-                        </a:spcBef>
-                        <a:spcAft>
-                          <a:spcPts val="0"/>
-                        </a:spcAft>
-                        <a:buClrTx/>
-                        <a:buSzTx/>
-                        <a:buFontTx/>
-                        <a:buNone/>
-                        <a:tabLst/>
-                        <a:defRPr/>
-                      </a:pPr>
-                      <a:r>
-                        <a:rPr lang="en-US" sz="1400" dirty="0">
-                          <a:solidFill>
-                            <a:schemeClr val="tx1"/>
-                          </a:solidFill>
-                        </a:rPr>
-                        <a:t>Field5’s</a:t>
-                      </a:r>
-                      <a:r>
-                        <a:rPr lang="en-US" sz="1400" baseline="0" dirty="0">
-                          <a:solidFill>
-                            <a:schemeClr val="tx1"/>
-                          </a:solidFill>
-                        </a:rPr>
-                        <a:t> </a:t>
-                      </a:r>
-                      <a:r>
-                        <a:rPr lang="en-US" sz="1400" dirty="0">
-                          <a:solidFill>
-                            <a:schemeClr val="tx1"/>
-                          </a:solidFill>
-                        </a:rPr>
-                        <a:t>type</a:t>
-                      </a:r>
-                    </a:p>
-                  </a:txBody>
-                  <a:tcPr anchor="ctr">
-                    <a:solidFill>
-                      <a:schemeClr val="bg1">
-                        <a:lumMod val="95000"/>
-                      </a:schemeClr>
-                    </a:solidFill>
-                  </a:tcPr>
-                </a:tc>
-                <a:tc>
-                  <a:txBody>
-                    <a:bodyPr/>
-                    <a:lstStyle/>
-                    <a:p>
-                      <a:pPr marL="0" marR="0" indent="0" algn="ctr" defTabSz="914400" rtl="0" eaLnBrk="1" fontAlgn="auto" latinLnBrk="1" hangingPunct="1">
-                        <a:lnSpc>
-                          <a:spcPct val="100000"/>
-                        </a:lnSpc>
-                        <a:spcBef>
-                          <a:spcPts val="0"/>
-                        </a:spcBef>
-                        <a:spcAft>
-                          <a:spcPts val="0"/>
-                        </a:spcAft>
-                        <a:buClrTx/>
-                        <a:buSzTx/>
-                        <a:buFontTx/>
-                        <a:buNone/>
-                        <a:tabLst/>
-                        <a:defRPr/>
-                      </a:pPr>
-                      <a:r>
-                        <a:rPr lang="en-US" sz="1400" dirty="0">
-                          <a:solidFill>
-                            <a:schemeClr val="tx1"/>
-                          </a:solidFill>
-                        </a:rPr>
-                        <a:t>Field6’s</a:t>
-                      </a:r>
-                      <a:r>
-                        <a:rPr lang="en-US" sz="1400" baseline="0" dirty="0">
-                          <a:solidFill>
-                            <a:schemeClr val="tx1"/>
-                          </a:solidFill>
-                        </a:rPr>
-                        <a:t> </a:t>
-                      </a:r>
-                      <a:r>
-                        <a:rPr lang="en-US" sz="1400" dirty="0">
-                          <a:solidFill>
-                            <a:schemeClr val="tx1"/>
-                          </a:solidFill>
-                        </a:rPr>
-                        <a:t>type</a:t>
-                      </a:r>
-                    </a:p>
-                  </a:txBody>
-                  <a:tcPr anchor="ctr">
-                    <a:solidFill>
-                      <a:schemeClr val="bg1">
-                        <a:lumMod val="95000"/>
-                      </a:schemeClr>
-                    </a:solidFill>
-                  </a:tcPr>
-                </a:tc>
-                <a:tc>
-                  <a:txBody>
-                    <a:bodyPr/>
-                    <a:lstStyle/>
-                    <a:p>
-                      <a:pPr marL="0" marR="0" indent="0" algn="ctr" defTabSz="914400" rtl="0" eaLnBrk="1" fontAlgn="auto" latinLnBrk="1" hangingPunct="1">
-                        <a:lnSpc>
-                          <a:spcPct val="100000"/>
-                        </a:lnSpc>
-                        <a:spcBef>
-                          <a:spcPts val="0"/>
-                        </a:spcBef>
-                        <a:spcAft>
-                          <a:spcPts val="0"/>
-                        </a:spcAft>
-                        <a:buClrTx/>
-                        <a:buSzTx/>
-                        <a:buFontTx/>
-                        <a:buNone/>
-                        <a:tabLst/>
-                        <a:defRPr/>
-                      </a:pPr>
-                      <a:r>
-                        <a:rPr lang="en-US" sz="1400" dirty="0">
-                          <a:solidFill>
-                            <a:schemeClr val="tx1"/>
-                          </a:solidFill>
-                        </a:rPr>
-                        <a:t>Field7’s</a:t>
-                      </a:r>
-                      <a:r>
-                        <a:rPr lang="en-US" sz="1400" baseline="0" dirty="0">
-                          <a:solidFill>
-                            <a:schemeClr val="tx1"/>
-                          </a:solidFill>
-                        </a:rPr>
-                        <a:t> </a:t>
-                      </a:r>
-                      <a:r>
-                        <a:rPr lang="en-US" sz="1400" dirty="0">
-                          <a:solidFill>
-                            <a:schemeClr val="tx1"/>
-                          </a:solidFill>
-                        </a:rPr>
-                        <a:t>type</a:t>
-                      </a:r>
-                    </a:p>
-                  </a:txBody>
-                  <a:tcPr anchor="ctr">
-                    <a:solidFill>
-                      <a:schemeClr val="bg1">
-                        <a:lumMod val="95000"/>
-                      </a:schemeClr>
-                    </a:solidFill>
-                  </a:tcPr>
-                </a:tc>
-                <a:tc>
-                  <a:txBody>
-                    <a:bodyPr/>
-                    <a:lstStyle/>
-                    <a:p>
-                      <a:pPr marL="0" marR="0" indent="0" algn="ctr" defTabSz="914400" rtl="0" eaLnBrk="1" fontAlgn="auto" latinLnBrk="1" hangingPunct="1">
-                        <a:lnSpc>
-                          <a:spcPct val="100000"/>
-                        </a:lnSpc>
-                        <a:spcBef>
-                          <a:spcPts val="0"/>
-                        </a:spcBef>
-                        <a:spcAft>
-                          <a:spcPts val="0"/>
-                        </a:spcAft>
-                        <a:buClrTx/>
-                        <a:buSzTx/>
-                        <a:buFontTx/>
-                        <a:buNone/>
-                        <a:tabLst/>
-                        <a:defRPr/>
-                      </a:pPr>
-                      <a:r>
-                        <a:rPr lang="en-US" sz="1400" dirty="0">
+                        <a:rPr lang="en-US" sz="1200" dirty="0">
                           <a:solidFill>
                             <a:schemeClr val="tx1"/>
                           </a:solidFill>
@@ -8197,29 +9479,550 @@
       </p:graphicFrame>
       <p:sp>
         <p:nvSpPr>
-          <p:cNvPr id="18" name="TextBox 17"/>
-          <p:cNvSpPr txBox="1"/>
+          <p:cNvPr id="19" name="직사각형 18"/>
+          <p:cNvSpPr/>
           <p:nvPr/>
         </p:nvSpPr>
         <p:spPr>
           <a:xfrm>
-            <a:off x="125763" y="108457"/>
-            <a:ext cx="2088232" cy="369332"/>
+            <a:off x="1403648" y="792332"/>
+            <a:ext cx="2034245" cy="674100"/>
           </a:xfrm>
           <a:prstGeom prst="rect">
             <a:avLst/>
           </a:prstGeom>
           <a:noFill/>
         </p:spPr>
+        <p:style>
+          <a:lnRef idx="2">
+            <a:schemeClr val="accent1">
+              <a:shade val="50000"/>
+            </a:schemeClr>
+          </a:lnRef>
+          <a:fillRef idx="1">
+            <a:schemeClr val="accent1"/>
+          </a:fillRef>
+          <a:effectRef idx="0">
+            <a:schemeClr val="accent1"/>
+          </a:effectRef>
+          <a:fontRef idx="minor">
+            <a:schemeClr val="lt1"/>
+          </a:fontRef>
+        </p:style>
+        <p:txBody>
+          <a:bodyPr rtlCol="0" anchor="ctr"/>
+          <a:lstStyle/>
+          <a:p>
+            <a:pPr algn="ctr"/>
+            <a:endParaRPr lang="en-US"/>
+          </a:p>
+        </p:txBody>
+      </p:sp>
+      <p:sp>
+        <p:nvSpPr>
+          <p:cNvPr id="20" name="TextBox 19"/>
+          <p:cNvSpPr txBox="1"/>
+          <p:nvPr/>
+        </p:nvSpPr>
+        <p:spPr>
+          <a:xfrm>
+            <a:off x="1845068" y="461646"/>
+            <a:ext cx="1385897" cy="307777"/>
+          </a:xfrm>
+          <a:prstGeom prst="rect">
+            <a:avLst/>
+          </a:prstGeom>
+          <a:noFill/>
+        </p:spPr>
         <p:txBody>
           <a:bodyPr wrap="square" rtlCol="0">
             <a:spAutoFit/>
           </a:bodyPr>
           <a:lstStyle/>
           <a:p>
-            <a:r>
-              <a:rPr lang="en-US" b="1" dirty="0"/>
+            <a:pPr algn="ctr"/>
+            <a:r>
+              <a:rPr lang="en-US" sz="1400" dirty="0"/>
               <a:t>Table.java</a:t>
+            </a:r>
+          </a:p>
+        </p:txBody>
+      </p:sp>
+      <p:sp>
+        <p:nvSpPr>
+          <p:cNvPr id="21" name="TextBox 20"/>
+          <p:cNvSpPr txBox="1"/>
+          <p:nvPr/>
+        </p:nvSpPr>
+        <p:spPr>
+          <a:xfrm>
+            <a:off x="1403648" y="806217"/>
+            <a:ext cx="2114865" cy="646331"/>
+          </a:xfrm>
+          <a:prstGeom prst="rect">
+            <a:avLst/>
+          </a:prstGeom>
+          <a:noFill/>
+        </p:spPr>
+        <p:txBody>
+          <a:bodyPr wrap="square" rtlCol="0">
+            <a:spAutoFit/>
+          </a:bodyPr>
+          <a:lstStyle/>
+          <a:p>
+            <a:pPr algn="ctr"/>
+            <a:r>
+              <a:rPr lang="en-US" sz="1200" dirty="0"/>
+              <a:t>String </a:t>
+            </a:r>
+            <a:r>
+              <a:rPr lang="en-US" sz="1200" dirty="0" err="1"/>
+              <a:t>tableName</a:t>
+            </a:r>
+            <a:r>
+              <a:rPr lang="en-US" sz="1200" dirty="0"/>
+              <a:t>;</a:t>
+            </a:r>
+          </a:p>
+          <a:p>
+            <a:pPr algn="ctr"/>
+            <a:r>
+              <a:rPr lang="en-US" sz="1200" dirty="0"/>
+              <a:t>ArrayList&lt;Record&gt; alTable;</a:t>
+            </a:r>
+          </a:p>
+          <a:p>
+            <a:pPr algn="ctr"/>
+            <a:r>
+              <a:rPr lang="en-US" sz="1200" dirty="0">
+                <a:solidFill>
+                  <a:prstClr val="black"/>
+                </a:solidFill>
+              </a:rPr>
+              <a:t>ArrayList&lt;Field&gt; alField;</a:t>
+            </a:r>
+          </a:p>
+        </p:txBody>
+      </p:sp>
+      <p:sp>
+        <p:nvSpPr>
+          <p:cNvPr id="22" name="직사각형 21"/>
+          <p:cNvSpPr/>
+          <p:nvPr/>
+        </p:nvSpPr>
+        <p:spPr>
+          <a:xfrm>
+            <a:off x="3594960" y="830638"/>
+            <a:ext cx="1908207" cy="597489"/>
+          </a:xfrm>
+          <a:prstGeom prst="rect">
+            <a:avLst/>
+          </a:prstGeom>
+          <a:noFill/>
+        </p:spPr>
+        <p:style>
+          <a:lnRef idx="2">
+            <a:schemeClr val="accent1">
+              <a:shade val="50000"/>
+            </a:schemeClr>
+          </a:lnRef>
+          <a:fillRef idx="1">
+            <a:schemeClr val="accent1"/>
+          </a:fillRef>
+          <a:effectRef idx="0">
+            <a:schemeClr val="accent1"/>
+          </a:effectRef>
+          <a:fontRef idx="minor">
+            <a:schemeClr val="lt1"/>
+          </a:fontRef>
+        </p:style>
+        <p:txBody>
+          <a:bodyPr rtlCol="0" anchor="ctr"/>
+          <a:lstStyle/>
+          <a:p>
+            <a:pPr algn="ctr"/>
+            <a:endParaRPr lang="en-US"/>
+          </a:p>
+        </p:txBody>
+      </p:sp>
+      <p:sp>
+        <p:nvSpPr>
+          <p:cNvPr id="23" name="TextBox 22"/>
+          <p:cNvSpPr txBox="1"/>
+          <p:nvPr/>
+        </p:nvSpPr>
+        <p:spPr>
+          <a:xfrm>
+            <a:off x="3882992" y="461646"/>
+            <a:ext cx="1385897" cy="307777"/>
+          </a:xfrm>
+          <a:prstGeom prst="rect">
+            <a:avLst/>
+          </a:prstGeom>
+          <a:noFill/>
+        </p:spPr>
+        <p:txBody>
+          <a:bodyPr wrap="square" rtlCol="0">
+            <a:spAutoFit/>
+          </a:bodyPr>
+          <a:lstStyle/>
+          <a:p>
+            <a:pPr algn="ctr"/>
+            <a:r>
+              <a:rPr lang="en-US" sz="1400" dirty="0"/>
+              <a:t>Record.java</a:t>
+            </a:r>
+          </a:p>
+        </p:txBody>
+      </p:sp>
+      <p:sp>
+        <p:nvSpPr>
+          <p:cNvPr id="24" name="TextBox 23"/>
+          <p:cNvSpPr txBox="1"/>
+          <p:nvPr/>
+        </p:nvSpPr>
+        <p:spPr>
+          <a:xfrm>
+            <a:off x="3594960" y="990883"/>
+            <a:ext cx="1917582" cy="276999"/>
+          </a:xfrm>
+          <a:prstGeom prst="rect">
+            <a:avLst/>
+          </a:prstGeom>
+          <a:noFill/>
+        </p:spPr>
+        <p:txBody>
+          <a:bodyPr wrap="square" rtlCol="0">
+            <a:spAutoFit/>
+          </a:bodyPr>
+          <a:lstStyle/>
+          <a:p>
+            <a:pPr algn="ctr"/>
+            <a:r>
+              <a:rPr lang="en-US" sz="1200" dirty="0" err="1"/>
+              <a:t>ArrayList</a:t>
+            </a:r>
+            <a:r>
+              <a:rPr lang="en-US" sz="1200" dirty="0"/>
+              <a:t>&lt;Value&gt; record;</a:t>
+            </a:r>
+            <a:endParaRPr lang="en-US" sz="1200" dirty="0">
+              <a:solidFill>
+                <a:prstClr val="black"/>
+              </a:solidFill>
+            </a:endParaRPr>
+          </a:p>
+        </p:txBody>
+      </p:sp>
+      <p:sp>
+        <p:nvSpPr>
+          <p:cNvPr id="25" name="직사각형 24"/>
+          <p:cNvSpPr/>
+          <p:nvPr/>
+        </p:nvSpPr>
+        <p:spPr>
+          <a:xfrm>
+            <a:off x="5683192" y="830638"/>
+            <a:ext cx="1908207" cy="597489"/>
+          </a:xfrm>
+          <a:prstGeom prst="rect">
+            <a:avLst/>
+          </a:prstGeom>
+          <a:noFill/>
+        </p:spPr>
+        <p:style>
+          <a:lnRef idx="2">
+            <a:schemeClr val="accent1">
+              <a:shade val="50000"/>
+            </a:schemeClr>
+          </a:lnRef>
+          <a:fillRef idx="1">
+            <a:schemeClr val="accent1"/>
+          </a:fillRef>
+          <a:effectRef idx="0">
+            <a:schemeClr val="accent1"/>
+          </a:effectRef>
+          <a:fontRef idx="minor">
+            <a:schemeClr val="lt1"/>
+          </a:fontRef>
+        </p:style>
+        <p:txBody>
+          <a:bodyPr rtlCol="0" anchor="ctr"/>
+          <a:lstStyle/>
+          <a:p>
+            <a:pPr algn="ctr"/>
+            <a:endParaRPr lang="en-US"/>
+          </a:p>
+        </p:txBody>
+      </p:sp>
+      <p:sp>
+        <p:nvSpPr>
+          <p:cNvPr id="26" name="TextBox 25"/>
+          <p:cNvSpPr txBox="1"/>
+          <p:nvPr/>
+        </p:nvSpPr>
+        <p:spPr>
+          <a:xfrm>
+            <a:off x="5971224" y="461646"/>
+            <a:ext cx="1385897" cy="307777"/>
+          </a:xfrm>
+          <a:prstGeom prst="rect">
+            <a:avLst/>
+          </a:prstGeom>
+          <a:noFill/>
+        </p:spPr>
+        <p:txBody>
+          <a:bodyPr wrap="square" rtlCol="0">
+            <a:spAutoFit/>
+          </a:bodyPr>
+          <a:lstStyle/>
+          <a:p>
+            <a:pPr algn="ctr"/>
+            <a:r>
+              <a:rPr lang="en-US" sz="1400" dirty="0"/>
+              <a:t>Value.java</a:t>
+            </a:r>
+          </a:p>
+        </p:txBody>
+      </p:sp>
+      <p:sp>
+        <p:nvSpPr>
+          <p:cNvPr id="27" name="TextBox 26"/>
+          <p:cNvSpPr txBox="1"/>
+          <p:nvPr/>
+        </p:nvSpPr>
+        <p:spPr>
+          <a:xfrm>
+            <a:off x="5683192" y="836995"/>
+            <a:ext cx="1917582" cy="584775"/>
+          </a:xfrm>
+          <a:prstGeom prst="rect">
+            <a:avLst/>
+          </a:prstGeom>
+          <a:noFill/>
+        </p:spPr>
+        <p:txBody>
+          <a:bodyPr wrap="square" rtlCol="0">
+            <a:spAutoFit/>
+          </a:bodyPr>
+          <a:lstStyle/>
+          <a:p>
+            <a:pPr algn="ctr"/>
+            <a:r>
+              <a:rPr lang="en-US" sz="1200" dirty="0"/>
+              <a:t>Field field;</a:t>
+            </a:r>
+          </a:p>
+          <a:p>
+            <a:pPr algn="ctr"/>
+            <a:r>
+              <a:rPr lang="en-US" sz="1200" dirty="0">
+                <a:solidFill>
+                  <a:prstClr val="black"/>
+                </a:solidFill>
+              </a:rPr>
+              <a:t>T data;</a:t>
+            </a:r>
+          </a:p>
+          <a:p>
+            <a:pPr algn="ctr"/>
+            <a:r>
+              <a:rPr lang="en-US" sz="800" dirty="0">
+                <a:solidFill>
+                  <a:prstClr val="black"/>
+                </a:solidFill>
+              </a:rPr>
+              <a:t>&lt;T extends Comparable&lt;T&gt;&gt;</a:t>
+            </a:r>
+          </a:p>
+        </p:txBody>
+      </p:sp>
+      <p:sp>
+        <p:nvSpPr>
+          <p:cNvPr id="28" name="직사각형 27"/>
+          <p:cNvSpPr/>
+          <p:nvPr/>
+        </p:nvSpPr>
+        <p:spPr>
+          <a:xfrm>
+            <a:off x="2411758" y="1539036"/>
+            <a:ext cx="5189015" cy="658350"/>
+          </a:xfrm>
+          <a:prstGeom prst="rect">
+            <a:avLst/>
+          </a:prstGeom>
+          <a:noFill/>
+        </p:spPr>
+        <p:style>
+          <a:lnRef idx="2">
+            <a:schemeClr val="accent1">
+              <a:shade val="50000"/>
+            </a:schemeClr>
+          </a:lnRef>
+          <a:fillRef idx="1">
+            <a:schemeClr val="accent1"/>
+          </a:fillRef>
+          <a:effectRef idx="0">
+            <a:schemeClr val="accent1"/>
+          </a:effectRef>
+          <a:fontRef idx="minor">
+            <a:schemeClr val="lt1"/>
+          </a:fontRef>
+        </p:style>
+        <p:txBody>
+          <a:bodyPr rtlCol="0" anchor="ctr"/>
+          <a:lstStyle/>
+          <a:p>
+            <a:pPr algn="ctr"/>
+            <a:endParaRPr lang="en-US"/>
+          </a:p>
+        </p:txBody>
+      </p:sp>
+      <p:sp>
+        <p:nvSpPr>
+          <p:cNvPr id="29" name="TextBox 28"/>
+          <p:cNvSpPr txBox="1"/>
+          <p:nvPr/>
+        </p:nvSpPr>
+        <p:spPr>
+          <a:xfrm>
+            <a:off x="1403648" y="1686276"/>
+            <a:ext cx="934529" cy="307777"/>
+          </a:xfrm>
+          <a:prstGeom prst="rect">
+            <a:avLst/>
+          </a:prstGeom>
+          <a:noFill/>
+        </p:spPr>
+        <p:txBody>
+          <a:bodyPr wrap="square" rtlCol="0">
+            <a:spAutoFit/>
+          </a:bodyPr>
+          <a:lstStyle/>
+          <a:p>
+            <a:pPr algn="ctr"/>
+            <a:r>
+              <a:rPr lang="en-US" sz="1400" dirty="0"/>
+              <a:t>Field.java</a:t>
+            </a:r>
+          </a:p>
+        </p:txBody>
+      </p:sp>
+      <p:sp>
+        <p:nvSpPr>
+          <p:cNvPr id="30" name="TextBox 29"/>
+          <p:cNvSpPr txBox="1"/>
+          <p:nvPr/>
+        </p:nvSpPr>
+        <p:spPr>
+          <a:xfrm>
+            <a:off x="2411759" y="1539036"/>
+            <a:ext cx="5112569" cy="646331"/>
+          </a:xfrm>
+          <a:prstGeom prst="rect">
+            <a:avLst/>
+          </a:prstGeom>
+          <a:noFill/>
+        </p:spPr>
+        <p:txBody>
+          <a:bodyPr wrap="square" rtlCol="0">
+            <a:spAutoFit/>
+          </a:bodyPr>
+          <a:lstStyle/>
+          <a:p>
+            <a:pPr algn="ctr"/>
+            <a:r>
+              <a:rPr lang="en-US" sz="1200" dirty="0"/>
+              <a:t>public </a:t>
+            </a:r>
+            <a:r>
+              <a:rPr lang="en-US" sz="1200" dirty="0" err="1"/>
+              <a:t>enum</a:t>
+            </a:r>
+            <a:r>
+              <a:rPr lang="en-US" sz="1200" dirty="0"/>
+              <a:t> TYPE {INTEGER,VARCHAR,FLOAT,DATE };</a:t>
+            </a:r>
+            <a:endParaRPr lang="en-US" sz="800" dirty="0"/>
+          </a:p>
+          <a:p>
+            <a:pPr algn="ctr"/>
+            <a:r>
+              <a:rPr lang="en-US" sz="1200" dirty="0"/>
+              <a:t>TYPE </a:t>
+            </a:r>
+            <a:r>
+              <a:rPr lang="en-US" sz="1200" dirty="0" err="1"/>
+              <a:t>fType</a:t>
+            </a:r>
+            <a:r>
+              <a:rPr lang="en-US" sz="1200" dirty="0"/>
+              <a:t>;</a:t>
+            </a:r>
+          </a:p>
+          <a:p>
+            <a:pPr algn="ctr"/>
+            <a:r>
+              <a:rPr lang="en-US" sz="1200" dirty="0"/>
+              <a:t>String </a:t>
+            </a:r>
+            <a:r>
+              <a:rPr lang="en-US" sz="1200" dirty="0" err="1"/>
+              <a:t>fName</a:t>
+            </a:r>
+            <a:r>
+              <a:rPr lang="en-US" sz="1200" dirty="0"/>
+              <a:t>;</a:t>
+            </a:r>
+            <a:endParaRPr lang="en-US" sz="1200" dirty="0">
+              <a:solidFill>
+                <a:prstClr val="black"/>
+              </a:solidFill>
+            </a:endParaRPr>
+          </a:p>
+        </p:txBody>
+      </p:sp>
+      <p:sp>
+        <p:nvSpPr>
+          <p:cNvPr id="3" name="TextBox 2"/>
+          <p:cNvSpPr txBox="1"/>
+          <p:nvPr/>
+        </p:nvSpPr>
+        <p:spPr>
+          <a:xfrm>
+            <a:off x="1475656" y="4705980"/>
+            <a:ext cx="7291517" cy="523220"/>
+          </a:xfrm>
+          <a:prstGeom prst="rect">
+            <a:avLst/>
+          </a:prstGeom>
+          <a:noFill/>
+        </p:spPr>
+        <p:txBody>
+          <a:bodyPr wrap="square" rtlCol="0">
+            <a:spAutoFit/>
+          </a:bodyPr>
+          <a:lstStyle/>
+          <a:p>
+            <a:pPr algn="r"/>
+            <a:r>
+              <a:rPr lang="en-US" sz="1400" dirty="0">
+                <a:solidFill>
+                  <a:srgbClr val="FF0000"/>
+                </a:solidFill>
+              </a:rPr>
+              <a:t>Current Assumption : Record has no order for value</a:t>
+            </a:r>
+          </a:p>
+          <a:p>
+            <a:pPr algn="r"/>
+            <a:r>
+              <a:rPr lang="en-US" sz="1400" dirty="0">
+                <a:solidFill>
+                  <a:srgbClr val="FF0000"/>
+                </a:solidFill>
+              </a:rPr>
+              <a:t>Display need to care about record value which can be exist or not, and no order</a:t>
             </a:r>
           </a:p>
         </p:txBody>

--- a/doc/Design.pptx
+++ b/doc/Design.pptx
@@ -304,7 +304,7 @@
           <a:p>
             <a:fld id="{FB30EDBD-1C2D-4C1E-B459-B60219FAB484}" type="datetimeFigureOut">
               <a:rPr lang="ko-KR" altLang="en-US" smtClean="0"/>
-              <a:t>2016-06-14</a:t>
+              <a:t>2016-06-28</a:t>
             </a:fld>
             <a:endParaRPr lang="ko-KR" altLang="en-US"/>
           </a:p>
@@ -467,7 +467,7 @@
           <a:p>
             <a:fld id="{FB30EDBD-1C2D-4C1E-B459-B60219FAB484}" type="datetimeFigureOut">
               <a:rPr lang="ko-KR" altLang="en-US" smtClean="0"/>
-              <a:t>2016-06-14</a:t>
+              <a:t>2016-06-28</a:t>
             </a:fld>
             <a:endParaRPr lang="ko-KR" altLang="en-US"/>
           </a:p>
@@ -640,7 +640,7 @@
           <a:p>
             <a:fld id="{FB30EDBD-1C2D-4C1E-B459-B60219FAB484}" type="datetimeFigureOut">
               <a:rPr lang="ko-KR" altLang="en-US" smtClean="0"/>
-              <a:t>2016-06-14</a:t>
+              <a:t>2016-06-28</a:t>
             </a:fld>
             <a:endParaRPr lang="ko-KR" altLang="en-US"/>
           </a:p>
@@ -803,7 +803,7 @@
           <a:p>
             <a:fld id="{FB30EDBD-1C2D-4C1E-B459-B60219FAB484}" type="datetimeFigureOut">
               <a:rPr lang="ko-KR" altLang="en-US" smtClean="0"/>
-              <a:t>2016-06-14</a:t>
+              <a:t>2016-06-28</a:t>
             </a:fld>
             <a:endParaRPr lang="ko-KR" altLang="en-US"/>
           </a:p>
@@ -1043,7 +1043,7 @@
           <a:p>
             <a:fld id="{FB30EDBD-1C2D-4C1E-B459-B60219FAB484}" type="datetimeFigureOut">
               <a:rPr lang="ko-KR" altLang="en-US" smtClean="0"/>
-              <a:t>2016-06-14</a:t>
+              <a:t>2016-06-28</a:t>
             </a:fld>
             <a:endParaRPr lang="ko-KR" altLang="en-US"/>
           </a:p>
@@ -1323,7 +1323,7 @@
           <a:p>
             <a:fld id="{FB30EDBD-1C2D-4C1E-B459-B60219FAB484}" type="datetimeFigureOut">
               <a:rPr lang="ko-KR" altLang="en-US" smtClean="0"/>
-              <a:t>2016-06-14</a:t>
+              <a:t>2016-06-28</a:t>
             </a:fld>
             <a:endParaRPr lang="ko-KR" altLang="en-US"/>
           </a:p>
@@ -1737,7 +1737,7 @@
           <a:p>
             <a:fld id="{FB30EDBD-1C2D-4C1E-B459-B60219FAB484}" type="datetimeFigureOut">
               <a:rPr lang="ko-KR" altLang="en-US" smtClean="0"/>
-              <a:t>2016-06-14</a:t>
+              <a:t>2016-06-28</a:t>
             </a:fld>
             <a:endParaRPr lang="ko-KR" altLang="en-US"/>
           </a:p>
@@ -1849,7 +1849,7 @@
           <a:p>
             <a:fld id="{FB30EDBD-1C2D-4C1E-B459-B60219FAB484}" type="datetimeFigureOut">
               <a:rPr lang="ko-KR" altLang="en-US" smtClean="0"/>
-              <a:t>2016-06-14</a:t>
+              <a:t>2016-06-28</a:t>
             </a:fld>
             <a:endParaRPr lang="ko-KR" altLang="en-US"/>
           </a:p>
@@ -1939,7 +1939,7 @@
           <a:p>
             <a:fld id="{FB30EDBD-1C2D-4C1E-B459-B60219FAB484}" type="datetimeFigureOut">
               <a:rPr lang="ko-KR" altLang="en-US" smtClean="0"/>
-              <a:t>2016-06-14</a:t>
+              <a:t>2016-06-28</a:t>
             </a:fld>
             <a:endParaRPr lang="ko-KR" altLang="en-US"/>
           </a:p>
@@ -2209,7 +2209,7 @@
           <a:p>
             <a:fld id="{FB30EDBD-1C2D-4C1E-B459-B60219FAB484}" type="datetimeFigureOut">
               <a:rPr lang="ko-KR" altLang="en-US" smtClean="0"/>
-              <a:t>2016-06-14</a:t>
+              <a:t>2016-06-28</a:t>
             </a:fld>
             <a:endParaRPr lang="ko-KR" altLang="en-US"/>
           </a:p>
@@ -2456,7 +2456,7 @@
           <a:p>
             <a:fld id="{FB30EDBD-1C2D-4C1E-B459-B60219FAB484}" type="datetimeFigureOut">
               <a:rPr lang="ko-KR" altLang="en-US" smtClean="0"/>
-              <a:t>2016-06-14</a:t>
+              <a:t>2016-06-28</a:t>
             </a:fld>
             <a:endParaRPr lang="ko-KR" altLang="en-US"/>
           </a:p>
@@ -2662,7 +2662,7 @@
           <a:p>
             <a:fld id="{FB30EDBD-1C2D-4C1E-B459-B60219FAB484}" type="datetimeFigureOut">
               <a:rPr lang="ko-KR" altLang="en-US" smtClean="0"/>
-              <a:t>2016-06-14</a:t>
+              <a:t>2016-06-28</a:t>
             </a:fld>
             <a:endParaRPr lang="ko-KR" altLang="en-US"/>
           </a:p>
@@ -9485,7 +9485,7 @@
         </p:nvSpPr>
         <p:spPr>
           <a:xfrm>
-            <a:off x="1403648" y="792332"/>
+            <a:off x="1403648" y="591334"/>
             <a:ext cx="2034245" cy="674100"/>
           </a:xfrm>
           <a:prstGeom prst="rect">
@@ -9526,7 +9526,7 @@
         </p:nvSpPr>
         <p:spPr>
           <a:xfrm>
-            <a:off x="1845068" y="461646"/>
+            <a:off x="1845068" y="260648"/>
             <a:ext cx="1385897" cy="307777"/>
           </a:xfrm>
           <a:prstGeom prst="rect">
@@ -9556,7 +9556,7 @@
         </p:nvSpPr>
         <p:spPr>
           <a:xfrm>
-            <a:off x="1403648" y="806217"/>
+            <a:off x="1403648" y="605219"/>
             <a:ext cx="2114865" cy="646331"/>
           </a:xfrm>
           <a:prstGeom prst="rect">
@@ -9612,7 +9612,7 @@
         </p:nvSpPr>
         <p:spPr>
           <a:xfrm>
-            <a:off x="3594960" y="830638"/>
+            <a:off x="3594960" y="629640"/>
             <a:ext cx="1908207" cy="597489"/>
           </a:xfrm>
           <a:prstGeom prst="rect">
@@ -9653,7 +9653,7 @@
         </p:nvSpPr>
         <p:spPr>
           <a:xfrm>
-            <a:off x="3882992" y="461646"/>
+            <a:off x="3882992" y="260648"/>
             <a:ext cx="1385897" cy="307777"/>
           </a:xfrm>
           <a:prstGeom prst="rect">
@@ -9683,7 +9683,7 @@
         </p:nvSpPr>
         <p:spPr>
           <a:xfrm>
-            <a:off x="3594960" y="990883"/>
+            <a:off x="3594960" y="789885"/>
             <a:ext cx="1917582" cy="276999"/>
           </a:xfrm>
           <a:prstGeom prst="rect">
@@ -9722,7 +9722,7 @@
         </p:nvSpPr>
         <p:spPr>
           <a:xfrm>
-            <a:off x="5683192" y="830638"/>
+            <a:off x="5683192" y="629640"/>
             <a:ext cx="1908207" cy="597489"/>
           </a:xfrm>
           <a:prstGeom prst="rect">
@@ -9763,7 +9763,7 @@
         </p:nvSpPr>
         <p:spPr>
           <a:xfrm>
-            <a:off x="5971224" y="461646"/>
+            <a:off x="5971224" y="260648"/>
             <a:ext cx="1385897" cy="307777"/>
           </a:xfrm>
           <a:prstGeom prst="rect">
@@ -9793,7 +9793,7 @@
         </p:nvSpPr>
         <p:spPr>
           <a:xfrm>
-            <a:off x="5683192" y="836995"/>
+            <a:off x="5683192" y="635997"/>
             <a:ext cx="1917582" cy="584775"/>
           </a:xfrm>
           <a:prstGeom prst="rect">
@@ -9845,8 +9845,8 @@
         </p:nvSpPr>
         <p:spPr>
           <a:xfrm>
-            <a:off x="2411758" y="1539036"/>
-            <a:ext cx="5189015" cy="658350"/>
+            <a:off x="2411758" y="1338038"/>
+            <a:ext cx="5189015" cy="863960"/>
           </a:xfrm>
           <a:prstGeom prst="rect">
             <a:avLst/>
@@ -9886,7 +9886,7 @@
         </p:nvSpPr>
         <p:spPr>
           <a:xfrm>
-            <a:off x="1403648" y="1686276"/>
+            <a:off x="1403648" y="1485278"/>
             <a:ext cx="934529" cy="307777"/>
           </a:xfrm>
           <a:prstGeom prst="rect">
@@ -9916,8 +9916,8 @@
         </p:nvSpPr>
         <p:spPr>
           <a:xfrm>
-            <a:off x="2411759" y="1539036"/>
-            <a:ext cx="5112569" cy="646331"/>
+            <a:off x="2411759" y="1338038"/>
+            <a:ext cx="5112569" cy="830997"/>
           </a:xfrm>
           <a:prstGeom prst="rect">
             <a:avLst/>
@@ -9942,6 +9942,21 @@
             <a:r>
               <a:rPr lang="en-US" sz="1200" dirty="0"/>
               <a:t> TYPE {INTEGER,VARCHAR,FLOAT,DATE };</a:t>
+            </a:r>
+          </a:p>
+          <a:p>
+            <a:pPr algn="ctr"/>
+            <a:r>
+              <a:rPr lang="en-US" sz="1200" dirty="0"/>
+              <a:t>public </a:t>
+            </a:r>
+            <a:r>
+              <a:rPr lang="en-US" sz="1200" dirty="0" err="1"/>
+              <a:t>enum</a:t>
+            </a:r>
+            <a:r>
+              <a:rPr lang="en-US" sz="1200" dirty="0"/>
+              <a:t> KEY {PRIMARY, FOREIGN, NORMAL };</a:t>
             </a:r>
             <a:endParaRPr lang="en-US" sz="800" dirty="0"/>
           </a:p>

--- a/doc/Design.pptx
+++ b/doc/Design.pptx
@@ -9704,7 +9704,19 @@
             </a:r>
             <a:r>
               <a:rPr lang="en-US" sz="1200" dirty="0"/>
-              <a:t>&lt;Value&gt; record;</a:t>
+              <a:t>&lt;</a:t>
+            </a:r>
+            <a:r>
+              <a:rPr lang="en-US" sz="1200" dirty="0">
+                <a:solidFill>
+                  <a:schemeClr val="accent6"/>
+                </a:solidFill>
+              </a:rPr>
+              <a:t>Value</a:t>
+            </a:r>
+            <a:r>
+              <a:rPr lang="en-US" sz="1200" dirty="0"/>
+              <a:t>&gt; record;</a:t>
             </a:r>
             <a:endParaRPr lang="en-US" sz="1200" dirty="0">
               <a:solidFill>
@@ -9779,7 +9791,11 @@
           <a:p>
             <a:pPr algn="ctr"/>
             <a:r>
-              <a:rPr lang="en-US" sz="1400" dirty="0"/>
+              <a:rPr lang="en-US" sz="1400" dirty="0">
+                <a:solidFill>
+                  <a:schemeClr val="accent6"/>
+                </a:solidFill>
+              </a:rPr>
               <a:t>Value.java</a:t>
             </a:r>
           </a:p>
@@ -9809,7 +9825,11 @@
           <a:p>
             <a:pPr algn="ctr"/>
             <a:r>
-              <a:rPr lang="en-US" sz="1200" dirty="0"/>
+              <a:rPr lang="en-US" sz="1200" dirty="0">
+                <a:solidFill>
+                  <a:schemeClr val="accent5"/>
+                </a:solidFill>
+              </a:rPr>
               <a:t>Field field;</a:t>
             </a:r>
           </a:p>
@@ -9902,7 +9922,11 @@
           <a:p>
             <a:pPr algn="ctr"/>
             <a:r>
-              <a:rPr lang="en-US" sz="1400" dirty="0"/>
+              <a:rPr lang="en-US" sz="1400" dirty="0">
+                <a:solidFill>
+                  <a:schemeClr val="accent5"/>
+                </a:solidFill>
+              </a:rPr>
               <a:t>Field.java</a:t>
             </a:r>
           </a:p>
@@ -9994,51 +10018,6 @@
                 <a:prstClr val="black"/>
               </a:solidFill>
             </a:endParaRPr>
-          </a:p>
-        </p:txBody>
-      </p:sp>
-      <p:sp>
-        <p:nvSpPr>
-          <p:cNvPr id="3" name="TextBox 2"/>
-          <p:cNvSpPr txBox="1"/>
-          <p:nvPr/>
-        </p:nvSpPr>
-        <p:spPr>
-          <a:xfrm>
-            <a:off x="1475656" y="4705980"/>
-            <a:ext cx="7291517" cy="523220"/>
-          </a:xfrm>
-          <a:prstGeom prst="rect">
-            <a:avLst/>
-          </a:prstGeom>
-          <a:noFill/>
-        </p:spPr>
-        <p:txBody>
-          <a:bodyPr wrap="square" rtlCol="0">
-            <a:spAutoFit/>
-          </a:bodyPr>
-          <a:lstStyle/>
-          <a:p>
-            <a:pPr algn="r"/>
-            <a:r>
-              <a:rPr lang="en-US" sz="1400" dirty="0">
-                <a:solidFill>
-                  <a:srgbClr val="FF0000"/>
-                </a:solidFill>
-              </a:rPr>
-              <a:t>Current Assumption : Record has no order for value</a:t>
-            </a:r>
-          </a:p>
-          <a:p>
-            <a:pPr algn="r"/>
-            <a:r>
-              <a:rPr lang="en-US" sz="1400" dirty="0">
-                <a:solidFill>
-                  <a:srgbClr val="FF0000"/>
-                </a:solidFill>
-              </a:rPr>
-              <a:t>Display need to care about record value which can be exist or not, and no order</a:t>
-            </a:r>
           </a:p>
         </p:txBody>
       </p:sp>

--- a/doc/Design.pptx
+++ b/doc/Design.pptx
@@ -5,9 +5,10 @@
     <p:sldMasterId id="2147483648" r:id="rId1"/>
   </p:sldMasterIdLst>
   <p:sldIdLst>
-    <p:sldId id="256" r:id="rId2"/>
-    <p:sldId id="258" r:id="rId3"/>
+    <p:sldId id="261" r:id="rId2"/>
+    <p:sldId id="256" r:id="rId3"/>
     <p:sldId id="259" r:id="rId4"/>
+    <p:sldId id="260" r:id="rId5"/>
   </p:sldIdLst>
   <p:sldSz cx="9144000" cy="6858000" type="screen4x3"/>
   <p:notesSz cx="6858000" cy="9144000"/>
@@ -304,7 +305,7 @@
           <a:p>
             <a:fld id="{FB30EDBD-1C2D-4C1E-B459-B60219FAB484}" type="datetimeFigureOut">
               <a:rPr lang="ko-KR" altLang="en-US" smtClean="0"/>
-              <a:t>2016-06-28</a:t>
+              <a:t>2016-07-06</a:t>
             </a:fld>
             <a:endParaRPr lang="ko-KR" altLang="en-US"/>
           </a:p>
@@ -467,7 +468,7 @@
           <a:p>
             <a:fld id="{FB30EDBD-1C2D-4C1E-B459-B60219FAB484}" type="datetimeFigureOut">
               <a:rPr lang="ko-KR" altLang="en-US" smtClean="0"/>
-              <a:t>2016-06-28</a:t>
+              <a:t>2016-07-06</a:t>
             </a:fld>
             <a:endParaRPr lang="ko-KR" altLang="en-US"/>
           </a:p>
@@ -640,7 +641,7 @@
           <a:p>
             <a:fld id="{FB30EDBD-1C2D-4C1E-B459-B60219FAB484}" type="datetimeFigureOut">
               <a:rPr lang="ko-KR" altLang="en-US" smtClean="0"/>
-              <a:t>2016-06-28</a:t>
+              <a:t>2016-07-06</a:t>
             </a:fld>
             <a:endParaRPr lang="ko-KR" altLang="en-US"/>
           </a:p>
@@ -803,7 +804,7 @@
           <a:p>
             <a:fld id="{FB30EDBD-1C2D-4C1E-B459-B60219FAB484}" type="datetimeFigureOut">
               <a:rPr lang="ko-KR" altLang="en-US" smtClean="0"/>
-              <a:t>2016-06-28</a:t>
+              <a:t>2016-07-06</a:t>
             </a:fld>
             <a:endParaRPr lang="ko-KR" altLang="en-US"/>
           </a:p>
@@ -1043,7 +1044,7 @@
           <a:p>
             <a:fld id="{FB30EDBD-1C2D-4C1E-B459-B60219FAB484}" type="datetimeFigureOut">
               <a:rPr lang="ko-KR" altLang="en-US" smtClean="0"/>
-              <a:t>2016-06-28</a:t>
+              <a:t>2016-07-06</a:t>
             </a:fld>
             <a:endParaRPr lang="ko-KR" altLang="en-US"/>
           </a:p>
@@ -1323,7 +1324,7 @@
           <a:p>
             <a:fld id="{FB30EDBD-1C2D-4C1E-B459-B60219FAB484}" type="datetimeFigureOut">
               <a:rPr lang="ko-KR" altLang="en-US" smtClean="0"/>
-              <a:t>2016-06-28</a:t>
+              <a:t>2016-07-06</a:t>
             </a:fld>
             <a:endParaRPr lang="ko-KR" altLang="en-US"/>
           </a:p>
@@ -1737,7 +1738,7 @@
           <a:p>
             <a:fld id="{FB30EDBD-1C2D-4C1E-B459-B60219FAB484}" type="datetimeFigureOut">
               <a:rPr lang="ko-KR" altLang="en-US" smtClean="0"/>
-              <a:t>2016-06-28</a:t>
+              <a:t>2016-07-06</a:t>
             </a:fld>
             <a:endParaRPr lang="ko-KR" altLang="en-US"/>
           </a:p>
@@ -1849,7 +1850,7 @@
           <a:p>
             <a:fld id="{FB30EDBD-1C2D-4C1E-B459-B60219FAB484}" type="datetimeFigureOut">
               <a:rPr lang="ko-KR" altLang="en-US" smtClean="0"/>
-              <a:t>2016-06-28</a:t>
+              <a:t>2016-07-06</a:t>
             </a:fld>
             <a:endParaRPr lang="ko-KR" altLang="en-US"/>
           </a:p>
@@ -1939,7 +1940,7 @@
           <a:p>
             <a:fld id="{FB30EDBD-1C2D-4C1E-B459-B60219FAB484}" type="datetimeFigureOut">
               <a:rPr lang="ko-KR" altLang="en-US" smtClean="0"/>
-              <a:t>2016-06-28</a:t>
+              <a:t>2016-07-06</a:t>
             </a:fld>
             <a:endParaRPr lang="ko-KR" altLang="en-US"/>
           </a:p>
@@ -2209,7 +2210,7 @@
           <a:p>
             <a:fld id="{FB30EDBD-1C2D-4C1E-B459-B60219FAB484}" type="datetimeFigureOut">
               <a:rPr lang="ko-KR" altLang="en-US" smtClean="0"/>
-              <a:t>2016-06-28</a:t>
+              <a:t>2016-07-06</a:t>
             </a:fld>
             <a:endParaRPr lang="ko-KR" altLang="en-US"/>
           </a:p>
@@ -2456,7 +2457,7 @@
           <a:p>
             <a:fld id="{FB30EDBD-1C2D-4C1E-B459-B60219FAB484}" type="datetimeFigureOut">
               <a:rPr lang="ko-KR" altLang="en-US" smtClean="0"/>
-              <a:t>2016-06-28</a:t>
+              <a:t>2016-07-06</a:t>
             </a:fld>
             <a:endParaRPr lang="ko-KR" altLang="en-US"/>
           </a:p>
@@ -2662,7 +2663,7 @@
           <a:p>
             <a:fld id="{FB30EDBD-1C2D-4C1E-B459-B60219FAB484}" type="datetimeFigureOut">
               <a:rPr lang="ko-KR" altLang="en-US" smtClean="0"/>
-              <a:t>2016-06-28</a:t>
+              <a:t>2016-07-06</a:t>
             </a:fld>
             <a:endParaRPr lang="ko-KR" altLang="en-US"/>
           </a:p>
@@ -3040,13 +3041,18 @@
         </p:nvSpPr>
         <p:spPr>
           <a:xfrm>
-            <a:off x="971600" y="1494568"/>
-            <a:ext cx="1728192" cy="1800200"/>
+            <a:off x="827584" y="908720"/>
+            <a:ext cx="7632848" cy="5472608"/>
           </a:xfrm>
           <a:prstGeom prst="rect">
             <a:avLst/>
           </a:prstGeom>
           <a:noFill/>
+          <a:ln>
+            <a:solidFill>
+              <a:schemeClr val="tx1"/>
+            </a:solidFill>
+          </a:ln>
         </p:spPr>
         <p:style>
           <a:lnRef idx="2">
@@ -3073,578 +3079,24 @@
           </a:p>
         </p:txBody>
       </p:sp>
-      <p:sp>
-        <p:nvSpPr>
-          <p:cNvPr id="5" name="TextBox 4"/>
-          <p:cNvSpPr txBox="1"/>
+      <p:cxnSp>
+        <p:nvCxnSpPr>
+          <p:cNvPr id="6" name="직선 연결선 5"/>
+          <p:cNvCxnSpPr/>
           <p:nvPr/>
-        </p:nvSpPr>
+        </p:nvCxnSpPr>
         <p:spPr>
           <a:xfrm>
-            <a:off x="944966" y="1494568"/>
-            <a:ext cx="1728192" cy="1938992"/>
-          </a:xfrm>
-          <a:prstGeom prst="rect">
+            <a:off x="827584" y="1412776"/>
+            <a:ext cx="7632848" cy="0"/>
+          </a:xfrm>
+          <a:prstGeom prst="line">
             <a:avLst/>
           </a:prstGeom>
-          <a:noFill/>
-        </p:spPr>
-        <p:txBody>
-          <a:bodyPr wrap="square" rtlCol="0">
-            <a:spAutoFit/>
-          </a:bodyPr>
-          <a:lstStyle/>
-          <a:p>
-            <a:pPr algn="ctr"/>
-            <a:r>
-              <a:rPr lang="en-US" sz="1200" dirty="0"/>
-              <a:t>Create GUI</a:t>
-            </a:r>
-          </a:p>
-          <a:p>
-            <a:pPr algn="ctr"/>
-            <a:r>
-              <a:rPr lang="en-US" sz="1200" dirty="0"/>
-              <a:t>Create Controller </a:t>
-            </a:r>
-            <a:r>
-              <a:rPr lang="en-US" sz="1200" dirty="0" err="1"/>
-              <a:t>Obj</a:t>
-            </a:r>
-            <a:endParaRPr lang="en-US" sz="1200" dirty="0"/>
-          </a:p>
-          <a:p>
-            <a:pPr algn="ctr"/>
-            <a:endParaRPr lang="en-US" sz="1200" dirty="0"/>
-          </a:p>
-          <a:p>
-            <a:pPr lvl="0" algn="ctr"/>
-            <a:r>
-              <a:rPr lang="en-US" sz="1200" dirty="0">
-                <a:solidFill>
-                  <a:prstClr val="black"/>
-                </a:solidFill>
-              </a:rPr>
-              <a:t>Event Handler</a:t>
-            </a:r>
-          </a:p>
-          <a:p>
-            <a:pPr marL="171450" lvl="0" indent="-171450" algn="ctr">
-              <a:buFontTx/>
-              <a:buChar char="-"/>
-            </a:pPr>
-            <a:r>
-              <a:rPr lang="en-US" sz="1200" dirty="0">
-                <a:solidFill>
-                  <a:prstClr val="black"/>
-                </a:solidFill>
-              </a:rPr>
-              <a:t>Run</a:t>
-            </a:r>
-          </a:p>
-          <a:p>
-            <a:pPr marL="171450" lvl="0" indent="-171450" algn="ctr">
-              <a:buFontTx/>
-              <a:buChar char="-"/>
-            </a:pPr>
-            <a:r>
-              <a:rPr lang="en-US" sz="1200" dirty="0">
-                <a:solidFill>
-                  <a:prstClr val="black"/>
-                </a:solidFill>
-              </a:rPr>
-              <a:t>Select Table</a:t>
-            </a:r>
-          </a:p>
-          <a:p>
-            <a:pPr marL="171450" lvl="0" indent="-171450" algn="ctr">
-              <a:buFontTx/>
-              <a:buChar char="-"/>
-            </a:pPr>
-            <a:endParaRPr lang="en-US" sz="1200" dirty="0">
-              <a:solidFill>
-                <a:prstClr val="black"/>
-              </a:solidFill>
-            </a:endParaRPr>
-          </a:p>
-          <a:p>
-            <a:pPr lvl="0" algn="ctr"/>
-            <a:r>
-              <a:rPr lang="en-US" sz="1200" dirty="0" err="1">
-                <a:solidFill>
-                  <a:prstClr val="black"/>
-                </a:solidFill>
-              </a:rPr>
-              <a:t>displayUpdate</a:t>
-            </a:r>
-            <a:r>
-              <a:rPr lang="en-US" sz="1200" dirty="0">
-                <a:solidFill>
-                  <a:prstClr val="black"/>
-                </a:solidFill>
-              </a:rPr>
-              <a:t>()</a:t>
-            </a:r>
-          </a:p>
-          <a:p>
-            <a:pPr lvl="0" algn="ctr"/>
-            <a:r>
-              <a:rPr lang="en-US" sz="1200" dirty="0" err="1">
-                <a:solidFill>
-                  <a:prstClr val="black"/>
-                </a:solidFill>
-              </a:rPr>
-              <a:t>searchTables</a:t>
-            </a:r>
-            <a:r>
-              <a:rPr lang="en-US" sz="1200" dirty="0">
-                <a:solidFill>
-                  <a:prstClr val="black"/>
-                </a:solidFill>
-              </a:rPr>
-              <a:t>()</a:t>
-            </a:r>
-          </a:p>
-          <a:p>
-            <a:pPr lvl="0" algn="ctr"/>
-            <a:endParaRPr lang="en-US" sz="1200" dirty="0">
-              <a:solidFill>
-                <a:prstClr val="black"/>
-              </a:solidFill>
-            </a:endParaRPr>
-          </a:p>
-        </p:txBody>
-      </p:sp>
-      <p:sp>
-        <p:nvSpPr>
-          <p:cNvPr id="6" name="TextBox 5"/>
-          <p:cNvSpPr txBox="1"/>
-          <p:nvPr/>
-        </p:nvSpPr>
-        <p:spPr>
-          <a:xfrm>
-            <a:off x="1169879" y="1152284"/>
-            <a:ext cx="1385897" cy="307777"/>
-          </a:xfrm>
-          <a:prstGeom prst="rect">
-            <a:avLst/>
-          </a:prstGeom>
-          <a:noFill/>
-        </p:spPr>
-        <p:txBody>
-          <a:bodyPr wrap="square" rtlCol="0">
-            <a:spAutoFit/>
-          </a:bodyPr>
-          <a:lstStyle/>
-          <a:p>
-            <a:pPr algn="ctr"/>
-            <a:r>
-              <a:rPr lang="en-US" sz="1400" dirty="0"/>
-              <a:t>UserGUI.java</a:t>
-            </a:r>
-          </a:p>
-        </p:txBody>
-      </p:sp>
-      <p:sp>
-        <p:nvSpPr>
-          <p:cNvPr id="7" name="직사각형 6"/>
-          <p:cNvSpPr/>
-          <p:nvPr/>
-        </p:nvSpPr>
-        <p:spPr>
-          <a:xfrm>
-            <a:off x="3635896" y="2231399"/>
-            <a:ext cx="2160240" cy="3096344"/>
-          </a:xfrm>
-          <a:prstGeom prst="rect">
-            <a:avLst/>
-          </a:prstGeom>
-          <a:noFill/>
-        </p:spPr>
-        <p:style>
-          <a:lnRef idx="2">
-            <a:schemeClr val="accent1">
-              <a:shade val="50000"/>
-            </a:schemeClr>
-          </a:lnRef>
-          <a:fillRef idx="1">
-            <a:schemeClr val="accent1"/>
-          </a:fillRef>
-          <a:effectRef idx="0">
-            <a:schemeClr val="accent1"/>
-          </a:effectRef>
-          <a:fontRef idx="minor">
-            <a:schemeClr val="lt1"/>
-          </a:fontRef>
-        </p:style>
-        <p:txBody>
-          <a:bodyPr rtlCol="0" anchor="ctr"/>
-          <a:lstStyle/>
-          <a:p>
-            <a:pPr algn="ctr"/>
-            <a:endParaRPr lang="en-US"/>
-          </a:p>
-        </p:txBody>
-      </p:sp>
-      <p:sp>
-        <p:nvSpPr>
-          <p:cNvPr id="8" name="TextBox 7"/>
-          <p:cNvSpPr txBox="1"/>
-          <p:nvPr/>
-        </p:nvSpPr>
-        <p:spPr>
-          <a:xfrm>
-            <a:off x="4023067" y="1871359"/>
-            <a:ext cx="1385897" cy="307777"/>
-          </a:xfrm>
-          <a:prstGeom prst="rect">
-            <a:avLst/>
-          </a:prstGeom>
-          <a:noFill/>
-        </p:spPr>
-        <p:txBody>
-          <a:bodyPr wrap="square" rtlCol="0">
-            <a:spAutoFit/>
-          </a:bodyPr>
-          <a:lstStyle/>
-          <a:p>
-            <a:pPr algn="ctr"/>
-            <a:r>
-              <a:rPr lang="en-US" sz="1400" dirty="0"/>
-              <a:t>Controller.java</a:t>
-            </a:r>
-          </a:p>
-        </p:txBody>
-      </p:sp>
-      <p:sp>
-        <p:nvSpPr>
-          <p:cNvPr id="10" name="직사각형 9"/>
-          <p:cNvSpPr/>
-          <p:nvPr/>
-        </p:nvSpPr>
-        <p:spPr>
-          <a:xfrm>
-            <a:off x="2632227" y="6110047"/>
-            <a:ext cx="2160239" cy="415297"/>
-          </a:xfrm>
-          <a:prstGeom prst="rect">
-            <a:avLst/>
-          </a:prstGeom>
-          <a:noFill/>
-        </p:spPr>
-        <p:style>
-          <a:lnRef idx="2">
-            <a:schemeClr val="accent1">
-              <a:shade val="50000"/>
-            </a:schemeClr>
-          </a:lnRef>
-          <a:fillRef idx="1">
-            <a:schemeClr val="accent1"/>
-          </a:fillRef>
-          <a:effectRef idx="0">
-            <a:schemeClr val="accent1"/>
-          </a:effectRef>
-          <a:fontRef idx="minor">
-            <a:schemeClr val="lt1"/>
-          </a:fontRef>
-        </p:style>
-        <p:txBody>
-          <a:bodyPr rtlCol="0" anchor="ctr"/>
-          <a:lstStyle/>
-          <a:p>
-            <a:pPr algn="ctr"/>
-            <a:endParaRPr lang="en-US"/>
-          </a:p>
-        </p:txBody>
-      </p:sp>
-      <p:sp>
-        <p:nvSpPr>
-          <p:cNvPr id="11" name="TextBox 10"/>
-          <p:cNvSpPr txBox="1"/>
-          <p:nvPr/>
-        </p:nvSpPr>
-        <p:spPr>
-          <a:xfrm>
-            <a:off x="2987824" y="6156549"/>
-            <a:ext cx="1602419" cy="276999"/>
-          </a:xfrm>
-          <a:prstGeom prst="rect">
-            <a:avLst/>
-          </a:prstGeom>
-          <a:noFill/>
-        </p:spPr>
-        <p:txBody>
-          <a:bodyPr wrap="square" rtlCol="0">
-            <a:spAutoFit/>
-          </a:bodyPr>
-          <a:lstStyle/>
-          <a:p>
-            <a:pPr algn="ctr"/>
-            <a:r>
-              <a:rPr lang="en-US" sz="1200" dirty="0"/>
-              <a:t>Sorting(Option)</a:t>
-            </a:r>
-          </a:p>
-        </p:txBody>
-      </p:sp>
-      <p:sp>
-        <p:nvSpPr>
-          <p:cNvPr id="12" name="TextBox 11"/>
-          <p:cNvSpPr txBox="1"/>
-          <p:nvPr/>
-        </p:nvSpPr>
-        <p:spPr>
-          <a:xfrm>
-            <a:off x="3823681" y="5811396"/>
-            <a:ext cx="1342260" cy="307777"/>
-          </a:xfrm>
-          <a:prstGeom prst="rect">
-            <a:avLst/>
-          </a:prstGeom>
-          <a:noFill/>
-        </p:spPr>
-        <p:txBody>
-          <a:bodyPr wrap="square" rtlCol="0">
-            <a:spAutoFit/>
-          </a:bodyPr>
-          <a:lstStyle/>
-          <a:p>
-            <a:pPr algn="ctr"/>
-            <a:r>
-              <a:rPr lang="en-US" sz="1400" dirty="0"/>
-              <a:t>Sorting.java</a:t>
-            </a:r>
-          </a:p>
-        </p:txBody>
-      </p:sp>
-      <p:sp>
-        <p:nvSpPr>
-          <p:cNvPr id="13" name="직사각형 12"/>
-          <p:cNvSpPr/>
-          <p:nvPr/>
-        </p:nvSpPr>
-        <p:spPr>
-          <a:xfrm>
-            <a:off x="7334937" y="2738449"/>
-            <a:ext cx="1602419" cy="1636439"/>
-          </a:xfrm>
-          <a:prstGeom prst="rect">
-            <a:avLst/>
-          </a:prstGeom>
-          <a:noFill/>
-        </p:spPr>
-        <p:style>
-          <a:lnRef idx="2">
-            <a:schemeClr val="accent1">
-              <a:shade val="50000"/>
-            </a:schemeClr>
-          </a:lnRef>
-          <a:fillRef idx="1">
-            <a:schemeClr val="accent1"/>
-          </a:fillRef>
-          <a:effectRef idx="0">
-            <a:schemeClr val="accent1"/>
-          </a:effectRef>
-          <a:fontRef idx="minor">
-            <a:schemeClr val="lt1"/>
-          </a:fontRef>
-        </p:style>
-        <p:txBody>
-          <a:bodyPr rtlCol="0" anchor="ctr"/>
-          <a:lstStyle/>
-          <a:p>
-            <a:pPr algn="ctr"/>
-            <a:endParaRPr lang="en-US"/>
-          </a:p>
-        </p:txBody>
-      </p:sp>
-      <p:sp>
-        <p:nvSpPr>
-          <p:cNvPr id="14" name="TextBox 13"/>
-          <p:cNvSpPr txBox="1"/>
-          <p:nvPr/>
-        </p:nvSpPr>
-        <p:spPr>
-          <a:xfrm>
-            <a:off x="7334937" y="2821490"/>
-            <a:ext cx="1602419" cy="1384995"/>
-          </a:xfrm>
-          <a:prstGeom prst="rect">
-            <a:avLst/>
-          </a:prstGeom>
-          <a:noFill/>
-        </p:spPr>
-        <p:txBody>
-          <a:bodyPr wrap="square" rtlCol="0">
-            <a:spAutoFit/>
-          </a:bodyPr>
-          <a:lstStyle/>
-          <a:p>
-            <a:pPr algn="ctr"/>
-            <a:r>
-              <a:rPr lang="en-US" sz="1200" dirty="0" err="1"/>
-              <a:t>createFile</a:t>
-            </a:r>
-            <a:r>
-              <a:rPr lang="en-US" sz="1200" dirty="0"/>
-              <a:t>();</a:t>
-            </a:r>
-          </a:p>
-          <a:p>
-            <a:pPr algn="ctr"/>
-            <a:r>
-              <a:rPr lang="en-US" sz="1200" dirty="0" err="1"/>
-              <a:t>deleteFile</a:t>
-            </a:r>
-            <a:r>
-              <a:rPr lang="en-US" sz="1200" dirty="0"/>
-              <a:t>();</a:t>
-            </a:r>
-          </a:p>
-          <a:p>
-            <a:pPr algn="ctr"/>
-            <a:r>
-              <a:rPr lang="en-US" sz="1200" dirty="0" err="1"/>
-              <a:t>addRow</a:t>
-            </a:r>
-            <a:r>
-              <a:rPr lang="en-US" sz="1200" dirty="0"/>
-              <a:t>();</a:t>
-            </a:r>
-          </a:p>
-          <a:p>
-            <a:pPr algn="ctr"/>
-            <a:r>
-              <a:rPr lang="en-US" sz="1200" dirty="0" err="1"/>
-              <a:t>deleteRow</a:t>
-            </a:r>
-            <a:r>
-              <a:rPr lang="en-US" sz="1200" dirty="0"/>
-              <a:t>();</a:t>
-            </a:r>
-          </a:p>
-          <a:p>
-            <a:pPr algn="ctr"/>
-            <a:r>
-              <a:rPr lang="en-US" sz="1200" dirty="0" err="1"/>
-              <a:t>updateFiled</a:t>
-            </a:r>
-            <a:r>
-              <a:rPr lang="en-US" sz="1200" dirty="0"/>
-              <a:t>();</a:t>
-            </a:r>
-          </a:p>
-          <a:p>
-            <a:pPr algn="ctr"/>
-            <a:r>
-              <a:rPr lang="en-US" sz="1200" dirty="0" err="1"/>
-              <a:t>searchTables</a:t>
-            </a:r>
-            <a:r>
-              <a:rPr lang="en-US" sz="1200" dirty="0"/>
-              <a:t>();</a:t>
-            </a:r>
-          </a:p>
-          <a:p>
-            <a:pPr algn="ctr"/>
-            <a:endParaRPr lang="en-US" sz="1200" dirty="0"/>
-          </a:p>
-        </p:txBody>
-      </p:sp>
-      <p:sp>
-        <p:nvSpPr>
-          <p:cNvPr id="15" name="TextBox 14"/>
-          <p:cNvSpPr txBox="1"/>
-          <p:nvPr/>
-        </p:nvSpPr>
-        <p:spPr>
-          <a:xfrm>
-            <a:off x="7164288" y="2371731"/>
-            <a:ext cx="1773068" cy="307777"/>
-          </a:xfrm>
-          <a:prstGeom prst="rect">
-            <a:avLst/>
-          </a:prstGeom>
-          <a:noFill/>
-        </p:spPr>
-        <p:txBody>
-          <a:bodyPr wrap="square" rtlCol="0">
-            <a:spAutoFit/>
-          </a:bodyPr>
-          <a:lstStyle/>
-          <a:p>
-            <a:pPr algn="ctr"/>
-            <a:r>
-              <a:rPr lang="en-US" sz="1400" dirty="0"/>
-              <a:t>FileHandler.java</a:t>
-            </a:r>
-          </a:p>
-        </p:txBody>
-      </p:sp>
-      <p:sp>
-        <p:nvSpPr>
-          <p:cNvPr id="18" name="TextBox 17"/>
-          <p:cNvSpPr txBox="1"/>
-          <p:nvPr/>
-        </p:nvSpPr>
-        <p:spPr>
-          <a:xfrm>
-            <a:off x="971600" y="4056659"/>
-            <a:ext cx="2448272" cy="246221"/>
-          </a:xfrm>
-          <a:prstGeom prst="rect">
-            <a:avLst/>
-          </a:prstGeom>
-          <a:noFill/>
-        </p:spPr>
-        <p:txBody>
-          <a:bodyPr wrap="square" rtlCol="0">
-            <a:spAutoFit/>
-          </a:bodyPr>
-          <a:lstStyle/>
-          <a:p>
-            <a:pPr algn="ctr"/>
-            <a:r>
-              <a:rPr lang="en-US" sz="1000" dirty="0"/>
-              <a:t>Call </a:t>
-            </a:r>
-            <a:r>
-              <a:rPr lang="en-US" sz="1000" dirty="0" err="1"/>
-              <a:t>commandFetch</a:t>
-            </a:r>
-            <a:r>
-              <a:rPr lang="en-US" sz="1000" dirty="0"/>
-              <a:t>(String </a:t>
-            </a:r>
-            <a:r>
-              <a:rPr lang="en-US" sz="1000" dirty="0" err="1"/>
-              <a:t>str</a:t>
-            </a:r>
-            <a:r>
-              <a:rPr lang="en-US" sz="1000" dirty="0"/>
-              <a:t>)</a:t>
-            </a:r>
-          </a:p>
-        </p:txBody>
-      </p:sp>
-      <p:cxnSp>
-        <p:nvCxnSpPr>
-          <p:cNvPr id="21" name="꺾인 연결선 20"/>
-          <p:cNvCxnSpPr>
-            <a:stCxn id="4" idx="2"/>
-          </p:cNvCxnSpPr>
-          <p:nvPr/>
-        </p:nvCxnSpPr>
-        <p:spPr>
-          <a:xfrm rot="16200000" flipH="1">
-            <a:off x="2372270" y="2758193"/>
-            <a:ext cx="727051" cy="1800199"/>
-          </a:xfrm>
-          <a:prstGeom prst="bentConnector2">
-            <a:avLst/>
-          </a:prstGeom>
-          <a:ln>
-            <a:tailEnd type="triangle"/>
+          <a:ln w="28575">
+            <a:solidFill>
+              <a:schemeClr val="tx1"/>
+            </a:solidFill>
           </a:ln>
         </p:spPr>
         <p:style>
@@ -3664,20 +3116,22 @@
       </p:cxnSp>
       <p:cxnSp>
         <p:nvCxnSpPr>
-          <p:cNvPr id="23" name="직선 화살표 연결선 22"/>
+          <p:cNvPr id="7" name="직선 연결선 6"/>
           <p:cNvCxnSpPr/>
           <p:nvPr/>
         </p:nvCxnSpPr>
         <p:spPr>
-          <a:xfrm flipV="1">
-            <a:off x="5796135" y="3646384"/>
-            <a:ext cx="1538802" cy="0"/>
-          </a:xfrm>
-          <a:prstGeom prst="straightConnector1">
+          <a:xfrm>
+            <a:off x="2627784" y="1412776"/>
+            <a:ext cx="0" cy="4968552"/>
+          </a:xfrm>
+          <a:prstGeom prst="line">
             <a:avLst/>
           </a:prstGeom>
-          <a:ln>
-            <a:tailEnd type="triangle"/>
+          <a:ln w="28575">
+            <a:solidFill>
+              <a:schemeClr val="tx1"/>
+            </a:solidFill>
           </a:ln>
         </p:spPr>
         <p:style>
@@ -3697,431 +3151,26 @@
       </p:cxnSp>
       <p:sp>
         <p:nvSpPr>
-          <p:cNvPr id="24" name="TextBox 23"/>
-          <p:cNvSpPr txBox="1"/>
+          <p:cNvPr id="10" name="직사각형 9"/>
+          <p:cNvSpPr/>
           <p:nvPr/>
         </p:nvSpPr>
         <p:spPr>
           <a:xfrm>
-            <a:off x="5794890" y="3696619"/>
-            <a:ext cx="1585422" cy="246221"/>
+            <a:off x="2843808" y="1988840"/>
+            <a:ext cx="2952328" cy="1008112"/>
           </a:xfrm>
           <a:prstGeom prst="rect">
             <a:avLst/>
           </a:prstGeom>
           <a:noFill/>
-        </p:spPr>
-        <p:txBody>
-          <a:bodyPr wrap="square" rtlCol="0">
-            <a:spAutoFit/>
-          </a:bodyPr>
-          <a:lstStyle/>
-          <a:p>
-            <a:pPr algn="ctr"/>
-            <a:r>
-              <a:rPr lang="en-US" sz="1000" dirty="0"/>
-              <a:t>Call each method</a:t>
-            </a:r>
-          </a:p>
-        </p:txBody>
-      </p:sp>
-      <p:sp>
-        <p:nvSpPr>
-          <p:cNvPr id="2" name="TextBox 1"/>
-          <p:cNvSpPr txBox="1"/>
-          <p:nvPr/>
-        </p:nvSpPr>
-        <p:spPr>
-          <a:xfrm>
-            <a:off x="125763" y="108457"/>
-            <a:ext cx="2088232" cy="369332"/>
-          </a:xfrm>
-          <a:prstGeom prst="rect">
-            <a:avLst/>
-          </a:prstGeom>
-          <a:noFill/>
-        </p:spPr>
-        <p:txBody>
-          <a:bodyPr wrap="square" rtlCol="0">
-            <a:spAutoFit/>
-          </a:bodyPr>
-          <a:lstStyle/>
-          <a:p>
-            <a:r>
-              <a:rPr lang="en-US" b="1" dirty="0"/>
-              <a:t>Context Diagram</a:t>
-            </a:r>
-          </a:p>
-        </p:txBody>
-      </p:sp>
-      <p:cxnSp>
-        <p:nvCxnSpPr>
-          <p:cNvPr id="16" name="직선 화살표 연결선 15"/>
-          <p:cNvCxnSpPr/>
-          <p:nvPr/>
-        </p:nvCxnSpPr>
-        <p:spPr>
-          <a:xfrm>
-            <a:off x="3923928" y="5327743"/>
-            <a:ext cx="0" cy="757581"/>
-          </a:xfrm>
-          <a:prstGeom prst="straightConnector1">
-            <a:avLst/>
-          </a:prstGeom>
-          <a:ln>
-            <a:tailEnd type="triangle"/>
+          <a:ln w="6350">
+            <a:solidFill>
+              <a:schemeClr val="bg1">
+                <a:lumMod val="75000"/>
+              </a:schemeClr>
+            </a:solidFill>
           </a:ln>
-        </p:spPr>
-        <p:style>
-          <a:lnRef idx="1">
-            <a:schemeClr val="accent1"/>
-          </a:lnRef>
-          <a:fillRef idx="0">
-            <a:schemeClr val="accent1"/>
-          </a:fillRef>
-          <a:effectRef idx="0">
-            <a:schemeClr val="accent1"/>
-          </a:effectRef>
-          <a:fontRef idx="minor">
-            <a:schemeClr val="tx1"/>
-          </a:fontRef>
-        </p:style>
-      </p:cxnSp>
-      <p:sp>
-        <p:nvSpPr>
-          <p:cNvPr id="22" name="TextBox 21"/>
-          <p:cNvSpPr txBox="1"/>
-          <p:nvPr/>
-        </p:nvSpPr>
-        <p:spPr>
-          <a:xfrm>
-            <a:off x="1403648" y="5599024"/>
-            <a:ext cx="2703994" cy="246221"/>
-          </a:xfrm>
-          <a:prstGeom prst="rect">
-            <a:avLst/>
-          </a:prstGeom>
-          <a:noFill/>
-        </p:spPr>
-        <p:txBody>
-          <a:bodyPr wrap="square" rtlCol="0">
-            <a:spAutoFit/>
-          </a:bodyPr>
-          <a:lstStyle/>
-          <a:p>
-            <a:pPr algn="ctr"/>
-            <a:r>
-              <a:rPr lang="en-US" sz="1000" dirty="0"/>
-              <a:t>Call sorting(Option, Table)</a:t>
-            </a:r>
-          </a:p>
-        </p:txBody>
-      </p:sp>
-      <p:cxnSp>
-        <p:nvCxnSpPr>
-          <p:cNvPr id="25" name="꺾인 연결선 24"/>
-          <p:cNvCxnSpPr>
-            <a:stCxn id="7" idx="0"/>
-          </p:cNvCxnSpPr>
-          <p:nvPr/>
-        </p:nvCxnSpPr>
-        <p:spPr>
-          <a:xfrm rot="16200000" flipV="1">
-            <a:off x="3501507" y="1016889"/>
-            <a:ext cx="448799" cy="1980221"/>
-          </a:xfrm>
-          <a:prstGeom prst="bentConnector2">
-            <a:avLst/>
-          </a:prstGeom>
-          <a:ln>
-            <a:tailEnd type="triangle"/>
-          </a:ln>
-        </p:spPr>
-        <p:style>
-          <a:lnRef idx="1">
-            <a:schemeClr val="accent1"/>
-          </a:lnRef>
-          <a:fillRef idx="0">
-            <a:schemeClr val="accent1"/>
-          </a:fillRef>
-          <a:effectRef idx="0">
-            <a:schemeClr val="accent1"/>
-          </a:effectRef>
-          <a:fontRef idx="minor">
-            <a:schemeClr val="tx1"/>
-          </a:fontRef>
-        </p:style>
-      </p:cxnSp>
-      <p:sp>
-        <p:nvSpPr>
-          <p:cNvPr id="26" name="TextBox 25"/>
-          <p:cNvSpPr txBox="1"/>
-          <p:nvPr/>
-        </p:nvSpPr>
-        <p:spPr>
-          <a:xfrm>
-            <a:off x="2762176" y="1483541"/>
-            <a:ext cx="3898055" cy="246221"/>
-          </a:xfrm>
-          <a:prstGeom prst="rect">
-            <a:avLst/>
-          </a:prstGeom>
-          <a:noFill/>
-        </p:spPr>
-        <p:txBody>
-          <a:bodyPr wrap="square" rtlCol="0">
-            <a:spAutoFit/>
-          </a:bodyPr>
-          <a:lstStyle/>
-          <a:p>
-            <a:r>
-              <a:rPr lang="en-US" sz="1000" dirty="0"/>
-              <a:t>Call </a:t>
-            </a:r>
-            <a:r>
-              <a:rPr lang="en-US" sz="1000" dirty="0" err="1"/>
-              <a:t>displayUpdate</a:t>
-            </a:r>
-            <a:r>
-              <a:rPr lang="en-US" sz="1000" dirty="0"/>
-              <a:t>(Event </a:t>
-            </a:r>
-            <a:r>
-              <a:rPr lang="en-US" sz="1000" dirty="0" err="1"/>
-              <a:t>event</a:t>
-            </a:r>
-            <a:r>
-              <a:rPr lang="en-US" sz="1000" dirty="0"/>
-              <a:t>, ArrayList </a:t>
-            </a:r>
-            <a:r>
-              <a:rPr lang="en-US" sz="1000" dirty="0" err="1"/>
-              <a:t>arrLst</a:t>
-            </a:r>
-            <a:r>
-              <a:rPr lang="en-US" sz="1000" dirty="0"/>
-              <a:t>)</a:t>
-            </a:r>
-          </a:p>
-        </p:txBody>
-      </p:sp>
-      <p:sp>
-        <p:nvSpPr>
-          <p:cNvPr id="27" name="TextBox 26"/>
-          <p:cNvSpPr txBox="1"/>
-          <p:nvPr/>
-        </p:nvSpPr>
-        <p:spPr>
-          <a:xfrm>
-            <a:off x="3635897" y="2294870"/>
-            <a:ext cx="2160239" cy="3046988"/>
-          </a:xfrm>
-          <a:prstGeom prst="rect">
-            <a:avLst/>
-          </a:prstGeom>
-          <a:noFill/>
-        </p:spPr>
-        <p:txBody>
-          <a:bodyPr wrap="square" rtlCol="0">
-            <a:spAutoFit/>
-          </a:bodyPr>
-          <a:lstStyle/>
-          <a:p>
-            <a:pPr algn="ctr"/>
-            <a:r>
-              <a:rPr lang="en-US" sz="1200" dirty="0"/>
-              <a:t>Create </a:t>
-            </a:r>
-            <a:r>
-              <a:rPr lang="en-US" sz="1200" dirty="0" err="1"/>
-              <a:t>FileHandler</a:t>
-            </a:r>
-            <a:r>
-              <a:rPr lang="en-US" sz="1200" dirty="0"/>
-              <a:t> </a:t>
-            </a:r>
-            <a:r>
-              <a:rPr lang="en-US" sz="1200" dirty="0" err="1"/>
-              <a:t>Obj</a:t>
-            </a:r>
-            <a:endParaRPr lang="en-US" sz="1200" dirty="0"/>
-          </a:p>
-          <a:p>
-            <a:pPr algn="ctr"/>
-            <a:r>
-              <a:rPr lang="en-US" sz="1200" dirty="0"/>
-              <a:t>Create Sorting </a:t>
-            </a:r>
-            <a:r>
-              <a:rPr lang="en-US" sz="1200" dirty="0" err="1"/>
-              <a:t>Obj</a:t>
-            </a:r>
-            <a:endParaRPr lang="en-US" sz="1200" dirty="0"/>
-          </a:p>
-          <a:p>
-            <a:pPr algn="ctr"/>
-            <a:r>
-              <a:rPr lang="en-US" sz="1200" dirty="0"/>
-              <a:t>Create Search </a:t>
-            </a:r>
-            <a:r>
-              <a:rPr lang="en-US" sz="1200" dirty="0" err="1"/>
-              <a:t>Obj</a:t>
-            </a:r>
-            <a:endParaRPr lang="en-US" sz="1200" dirty="0"/>
-          </a:p>
-          <a:p>
-            <a:pPr algn="ctr"/>
-            <a:r>
-              <a:rPr lang="en-US" sz="1200" dirty="0"/>
-              <a:t>Create Table </a:t>
-            </a:r>
-            <a:r>
-              <a:rPr lang="en-US" sz="1200" dirty="0" err="1"/>
-              <a:t>Obj</a:t>
-            </a:r>
-            <a:endParaRPr lang="en-US" sz="1200" dirty="0"/>
-          </a:p>
-          <a:p>
-            <a:pPr algn="ctr"/>
-            <a:endParaRPr lang="en-US" sz="1200" dirty="0"/>
-          </a:p>
-          <a:p>
-            <a:pPr algn="ctr"/>
-            <a:r>
-              <a:rPr lang="en-US" sz="1200" dirty="0" err="1"/>
-              <a:t>commandFetch</a:t>
-            </a:r>
-            <a:r>
-              <a:rPr lang="en-US" sz="1200" dirty="0"/>
-              <a:t>()</a:t>
-            </a:r>
-          </a:p>
-          <a:p>
-            <a:pPr marL="457200"/>
-            <a:r>
-              <a:rPr lang="en-US" sz="1200" dirty="0"/>
-              <a:t>call </a:t>
-            </a:r>
-            <a:r>
-              <a:rPr lang="en-US" sz="1200" dirty="0" err="1"/>
-              <a:t>createTable</a:t>
-            </a:r>
-            <a:r>
-              <a:rPr lang="en-US" sz="1200" dirty="0"/>
-              <a:t>()</a:t>
-            </a:r>
-          </a:p>
-          <a:p>
-            <a:pPr marL="457200"/>
-            <a:r>
-              <a:rPr lang="en-US" sz="1200" dirty="0"/>
-              <a:t>call </a:t>
-            </a:r>
-            <a:r>
-              <a:rPr lang="en-US" sz="1200" dirty="0" err="1"/>
-              <a:t>deleteTalbe</a:t>
-            </a:r>
-            <a:r>
-              <a:rPr lang="en-US" sz="1200" dirty="0"/>
-              <a:t>()</a:t>
-            </a:r>
-          </a:p>
-          <a:p>
-            <a:pPr marL="457200"/>
-            <a:r>
-              <a:rPr lang="en-US" sz="1200" dirty="0"/>
-              <a:t>call </a:t>
-            </a:r>
-            <a:r>
-              <a:rPr lang="en-US" sz="1200" dirty="0" err="1"/>
-              <a:t>addRecords</a:t>
-            </a:r>
-            <a:r>
-              <a:rPr lang="en-US" sz="1200" dirty="0"/>
-              <a:t>()</a:t>
-            </a:r>
-          </a:p>
-          <a:p>
-            <a:pPr marL="457200"/>
-            <a:r>
-              <a:rPr lang="en-US" sz="1200" dirty="0"/>
-              <a:t>call </a:t>
-            </a:r>
-            <a:r>
-              <a:rPr lang="en-US" sz="1200" dirty="0" err="1"/>
-              <a:t>deleteRecords</a:t>
-            </a:r>
-            <a:r>
-              <a:rPr lang="en-US" sz="1200" dirty="0"/>
-              <a:t>()</a:t>
-            </a:r>
-          </a:p>
-          <a:p>
-            <a:pPr marL="457200"/>
-            <a:r>
-              <a:rPr lang="en-US" sz="1200" dirty="0"/>
-              <a:t>call select()+</a:t>
-            </a:r>
-          </a:p>
-          <a:p>
-            <a:pPr algn="ctr"/>
-            <a:endParaRPr lang="en-US" sz="1200" dirty="0"/>
-          </a:p>
-          <a:p>
-            <a:pPr algn="ctr"/>
-            <a:r>
-              <a:rPr lang="en-US" sz="1200" dirty="0" err="1"/>
-              <a:t>generateDisplay</a:t>
-            </a:r>
-            <a:r>
-              <a:rPr lang="en-US" sz="1200" dirty="0"/>
-              <a:t>()</a:t>
-            </a:r>
-          </a:p>
-          <a:p>
-            <a:pPr algn="ctr"/>
-            <a:r>
-              <a:rPr lang="en-US" sz="1200" dirty="0" err="1"/>
-              <a:t>searchRow</a:t>
-            </a:r>
-            <a:r>
-              <a:rPr lang="en-US" sz="1200" dirty="0"/>
-              <a:t>()</a:t>
-            </a:r>
-          </a:p>
-          <a:p>
-            <a:pPr algn="ctr"/>
-            <a:r>
-              <a:rPr lang="en-US" sz="1200" dirty="0" err="1"/>
-              <a:t>searchTables</a:t>
-            </a:r>
-            <a:r>
-              <a:rPr lang="en-US" sz="1200" dirty="0"/>
-              <a:t>()</a:t>
-            </a:r>
-          </a:p>
-          <a:p>
-            <a:pPr algn="ctr"/>
-            <a:endParaRPr lang="en-US" sz="1200" dirty="0"/>
-          </a:p>
-        </p:txBody>
-      </p:sp>
-      <p:sp>
-        <p:nvSpPr>
-          <p:cNvPr id="28" name="직사각형 27"/>
-          <p:cNvSpPr/>
-          <p:nvPr/>
-        </p:nvSpPr>
-        <p:spPr>
-          <a:xfrm>
-            <a:off x="6822271" y="5609344"/>
-            <a:ext cx="2160239" cy="415297"/>
-          </a:xfrm>
-          <a:prstGeom prst="rect">
-            <a:avLst/>
-          </a:prstGeom>
-          <a:noFill/>
         </p:spPr>
         <p:style>
           <a:lnRef idx="2">
@@ -4148,85 +3197,26 @@
           </a:p>
         </p:txBody>
       </p:sp>
-      <p:sp>
-        <p:nvSpPr>
-          <p:cNvPr id="29" name="TextBox 28"/>
-          <p:cNvSpPr txBox="1"/>
-          <p:nvPr/>
-        </p:nvSpPr>
-        <p:spPr>
-          <a:xfrm>
-            <a:off x="7209441" y="5281457"/>
-            <a:ext cx="1385897" cy="307777"/>
-          </a:xfrm>
-          <a:prstGeom prst="rect">
-            <a:avLst/>
-          </a:prstGeom>
-          <a:noFill/>
-        </p:spPr>
-        <p:txBody>
-          <a:bodyPr wrap="square" rtlCol="0">
-            <a:spAutoFit/>
-          </a:bodyPr>
-          <a:lstStyle/>
-          <a:p>
-            <a:pPr algn="ctr"/>
-            <a:r>
-              <a:rPr lang="en-US" sz="1400" dirty="0"/>
-              <a:t>Search.java</a:t>
-            </a:r>
-          </a:p>
-        </p:txBody>
-      </p:sp>
-      <p:sp>
-        <p:nvSpPr>
-          <p:cNvPr id="30" name="TextBox 29"/>
-          <p:cNvSpPr txBox="1"/>
-          <p:nvPr/>
-        </p:nvSpPr>
-        <p:spPr>
-          <a:xfrm>
-            <a:off x="7132991" y="5682358"/>
-            <a:ext cx="1602419" cy="276999"/>
-          </a:xfrm>
-          <a:prstGeom prst="rect">
-            <a:avLst/>
-          </a:prstGeom>
-          <a:noFill/>
-        </p:spPr>
-        <p:txBody>
-          <a:bodyPr wrap="square" rtlCol="0">
-            <a:spAutoFit/>
-          </a:bodyPr>
-          <a:lstStyle/>
-          <a:p>
-            <a:pPr algn="ctr"/>
-            <a:r>
-              <a:rPr lang="en-US" sz="1200" dirty="0"/>
-              <a:t>Search(Option)</a:t>
-            </a:r>
-          </a:p>
-        </p:txBody>
-      </p:sp>
       <p:cxnSp>
         <p:nvCxnSpPr>
-          <p:cNvPr id="32" name="꺾인 연결선 31"/>
-          <p:cNvCxnSpPr>
-            <a:stCxn id="7" idx="2"/>
-            <a:endCxn id="28" idx="1"/>
-          </p:cNvCxnSpPr>
+          <p:cNvPr id="12" name="직선 연결선 11"/>
+          <p:cNvCxnSpPr/>
           <p:nvPr/>
         </p:nvCxnSpPr>
         <p:spPr>
-          <a:xfrm rot="16200000" flipH="1">
-            <a:off x="5524518" y="4519240"/>
-            <a:ext cx="489250" cy="2106255"/>
-          </a:xfrm>
-          <a:prstGeom prst="bentConnector2">
+          <a:xfrm>
+            <a:off x="5580112" y="1988840"/>
+            <a:ext cx="0" cy="1008112"/>
+          </a:xfrm>
+          <a:prstGeom prst="line">
             <a:avLst/>
           </a:prstGeom>
           <a:ln>
-            <a:tailEnd type="triangle"/>
+            <a:solidFill>
+              <a:schemeClr val="bg1">
+                <a:lumMod val="75000"/>
+              </a:schemeClr>
+            </a:solidFill>
           </a:ln>
         </p:spPr>
         <p:style>
@@ -4246,187 +3236,30 @@
       </p:cxnSp>
       <p:sp>
         <p:nvSpPr>
-          <p:cNvPr id="37" name="TextBox 36"/>
-          <p:cNvSpPr txBox="1"/>
+          <p:cNvPr id="13" name="직사각형 12"/>
+          <p:cNvSpPr/>
           <p:nvPr/>
         </p:nvSpPr>
         <p:spPr>
           <a:xfrm>
-            <a:off x="4406042" y="5569598"/>
-            <a:ext cx="2703994" cy="246221"/>
+            <a:off x="5580112" y="2276872"/>
+            <a:ext cx="216024" cy="288032"/>
           </a:xfrm>
           <a:prstGeom prst="rect">
             <a:avLst/>
           </a:prstGeom>
-          <a:noFill/>
-        </p:spPr>
-        <p:txBody>
-          <a:bodyPr wrap="square" rtlCol="0">
-            <a:spAutoFit/>
-          </a:bodyPr>
-          <a:lstStyle/>
-          <a:p>
-            <a:pPr algn="ctr"/>
-            <a:r>
-              <a:rPr lang="en-US" sz="1000" dirty="0"/>
-              <a:t>Call search (option, Table) </a:t>
-            </a:r>
-          </a:p>
-        </p:txBody>
-      </p:sp>
-      <p:cxnSp>
-        <p:nvCxnSpPr>
-          <p:cNvPr id="40" name="꺾인 연결선 39"/>
-          <p:cNvCxnSpPr>
-            <a:stCxn id="29" idx="2"/>
-          </p:cNvCxnSpPr>
-          <p:nvPr/>
-        </p:nvCxnSpPr>
-        <p:spPr>
-          <a:xfrm rot="5400000" flipH="1">
-            <a:off x="6508878" y="4195722"/>
-            <a:ext cx="696928" cy="2090096"/>
-          </a:xfrm>
-          <a:prstGeom prst="bentConnector4">
-            <a:avLst>
-              <a:gd name="adj1" fmla="val 99677"/>
-              <a:gd name="adj2" fmla="val 66577"/>
-            </a:avLst>
-          </a:prstGeom>
+          <a:solidFill>
+            <a:schemeClr val="bg1">
+              <a:lumMod val="85000"/>
+            </a:schemeClr>
+          </a:solidFill>
           <a:ln>
-            <a:tailEnd type="triangle"/>
+            <a:solidFill>
+              <a:schemeClr val="bg1">
+                <a:lumMod val="75000"/>
+              </a:schemeClr>
+            </a:solidFill>
           </a:ln>
-        </p:spPr>
-        <p:style>
-          <a:lnRef idx="1">
-            <a:schemeClr val="accent1"/>
-          </a:lnRef>
-          <a:fillRef idx="0">
-            <a:schemeClr val="accent1"/>
-          </a:fillRef>
-          <a:effectRef idx="0">
-            <a:schemeClr val="accent1"/>
-          </a:effectRef>
-          <a:fontRef idx="minor">
-            <a:schemeClr val="tx1"/>
-          </a:fontRef>
-        </p:style>
-      </p:cxnSp>
-      <p:sp>
-        <p:nvSpPr>
-          <p:cNvPr id="41" name="TextBox 40"/>
-          <p:cNvSpPr txBox="1"/>
-          <p:nvPr/>
-        </p:nvSpPr>
-        <p:spPr>
-          <a:xfrm>
-            <a:off x="5758300" y="4915720"/>
-            <a:ext cx="2703994" cy="246221"/>
-          </a:xfrm>
-          <a:prstGeom prst="rect">
-            <a:avLst/>
-          </a:prstGeom>
-          <a:noFill/>
-        </p:spPr>
-        <p:txBody>
-          <a:bodyPr wrap="square" rtlCol="0">
-            <a:spAutoFit/>
-          </a:bodyPr>
-          <a:lstStyle/>
-          <a:p>
-            <a:pPr algn="ctr"/>
-            <a:r>
-              <a:rPr lang="en-US" sz="1000" dirty="0"/>
-              <a:t>Return ArrayList of row IDs</a:t>
-            </a:r>
-          </a:p>
-        </p:txBody>
-      </p:sp>
-      <p:cxnSp>
-        <p:nvCxnSpPr>
-          <p:cNvPr id="47" name="직선 화살표 연결선 46"/>
-          <p:cNvCxnSpPr/>
-          <p:nvPr/>
-        </p:nvCxnSpPr>
-        <p:spPr>
-          <a:xfrm flipH="1">
-            <a:off x="5812291" y="3096500"/>
-            <a:ext cx="1522646" cy="0"/>
-          </a:xfrm>
-          <a:prstGeom prst="straightConnector1">
-            <a:avLst/>
-          </a:prstGeom>
-          <a:ln>
-            <a:tailEnd type="triangle"/>
-          </a:ln>
-        </p:spPr>
-        <p:style>
-          <a:lnRef idx="1">
-            <a:schemeClr val="accent1"/>
-          </a:lnRef>
-          <a:fillRef idx="0">
-            <a:schemeClr val="accent1"/>
-          </a:fillRef>
-          <a:effectRef idx="0">
-            <a:schemeClr val="accent1"/>
-          </a:effectRef>
-          <a:fontRef idx="minor">
-            <a:schemeClr val="tx1"/>
-          </a:fontRef>
-        </p:style>
-      </p:cxnSp>
-      <p:sp>
-        <p:nvSpPr>
-          <p:cNvPr id="49" name="TextBox 48"/>
-          <p:cNvSpPr txBox="1"/>
-          <p:nvPr/>
-        </p:nvSpPr>
-        <p:spPr>
-          <a:xfrm>
-            <a:off x="5794890" y="2894658"/>
-            <a:ext cx="1585422" cy="400110"/>
-          </a:xfrm>
-          <a:prstGeom prst="rect">
-            <a:avLst/>
-          </a:prstGeom>
-          <a:noFill/>
-        </p:spPr>
-        <p:txBody>
-          <a:bodyPr wrap="square" rtlCol="0">
-            <a:spAutoFit/>
-          </a:bodyPr>
-          <a:lstStyle/>
-          <a:p>
-            <a:pPr algn="ctr"/>
-            <a:r>
-              <a:rPr lang="en-US" sz="1000" dirty="0"/>
-              <a:t>Return result </a:t>
-            </a:r>
-          </a:p>
-          <a:p>
-            <a:pPr algn="ctr"/>
-            <a:r>
-              <a:rPr lang="en-US" sz="1000" dirty="0"/>
-              <a:t>(success/fail/Table)</a:t>
-            </a:r>
-          </a:p>
-        </p:txBody>
-      </p:sp>
-      <p:sp>
-        <p:nvSpPr>
-          <p:cNvPr id="50" name="직사각형 49"/>
-          <p:cNvSpPr/>
-          <p:nvPr/>
-        </p:nvSpPr>
-        <p:spPr>
-          <a:xfrm>
-            <a:off x="6948264" y="596666"/>
-            <a:ext cx="2034245" cy="802185"/>
-          </a:xfrm>
-          <a:prstGeom prst="rect">
-            <a:avLst/>
-          </a:prstGeom>
-          <a:noFill/>
         </p:spPr>
         <p:style>
           <a:lnRef idx="2">
@@ -4455,14 +3288,14 @@
       </p:sp>
       <p:sp>
         <p:nvSpPr>
-          <p:cNvPr id="51" name="TextBox 50"/>
+          <p:cNvPr id="14" name="TextBox 13"/>
           <p:cNvSpPr txBox="1"/>
           <p:nvPr/>
         </p:nvSpPr>
         <p:spPr>
           <a:xfrm>
-            <a:off x="7290559" y="254141"/>
-            <a:ext cx="1385897" cy="307777"/>
+            <a:off x="2843808" y="1628800"/>
+            <a:ext cx="2160240" cy="369332"/>
           </a:xfrm>
           <a:prstGeom prst="rect">
             <a:avLst/>
@@ -4475,83 +3308,30 @@
           </a:bodyPr>
           <a:lstStyle/>
           <a:p>
-            <a:pPr algn="ctr"/>
-            <a:r>
-              <a:rPr lang="en-US" sz="1400" dirty="0"/>
-              <a:t>Table.java</a:t>
-            </a:r>
-          </a:p>
-        </p:txBody>
-      </p:sp>
-      <p:sp>
-        <p:nvSpPr>
-          <p:cNvPr id="52" name="TextBox 51"/>
-          <p:cNvSpPr txBox="1"/>
+            <a:r>
+              <a:rPr lang="en-US" dirty="0"/>
+              <a:t>SQL Command</a:t>
+            </a:r>
+          </a:p>
+        </p:txBody>
+      </p:sp>
+      <p:sp>
+        <p:nvSpPr>
+          <p:cNvPr id="15" name="모서리가 둥근 직사각형 14"/>
+          <p:cNvSpPr/>
           <p:nvPr/>
         </p:nvSpPr>
         <p:spPr>
           <a:xfrm>
-            <a:off x="6948264" y="674593"/>
-            <a:ext cx="2114865" cy="646331"/>
-          </a:xfrm>
-          <a:prstGeom prst="rect">
+            <a:off x="5220072" y="1655434"/>
+            <a:ext cx="576064" cy="288033"/>
+          </a:xfrm>
+          <a:prstGeom prst="roundRect">
             <a:avLst/>
           </a:prstGeom>
-          <a:noFill/>
-        </p:spPr>
-        <p:txBody>
-          <a:bodyPr wrap="square" rtlCol="0">
-            <a:spAutoFit/>
-          </a:bodyPr>
-          <a:lstStyle/>
-          <a:p>
-            <a:pPr algn="ctr"/>
-            <a:r>
-              <a:rPr lang="en-US" sz="1200" dirty="0"/>
-              <a:t>String </a:t>
-            </a:r>
-            <a:r>
-              <a:rPr lang="en-US" sz="1200" dirty="0" err="1"/>
-              <a:t>tableName</a:t>
-            </a:r>
-            <a:endParaRPr lang="en-US" sz="1200" dirty="0"/>
-          </a:p>
-          <a:p>
-            <a:pPr algn="ctr"/>
-            <a:r>
-              <a:rPr lang="en-US" sz="1200" dirty="0"/>
-              <a:t>ArrayList&lt;Field&gt; alField</a:t>
-            </a:r>
-          </a:p>
-          <a:p>
-            <a:pPr algn="ctr"/>
-            <a:r>
-              <a:rPr lang="en-US" sz="1200" dirty="0"/>
-              <a:t>ArrayList&lt;Record&gt; alTable</a:t>
-            </a:r>
-            <a:endParaRPr lang="en-US" sz="1200" dirty="0">
-              <a:solidFill>
-                <a:prstClr val="black"/>
-              </a:solidFill>
-            </a:endParaRPr>
-          </a:p>
-        </p:txBody>
-      </p:sp>
-      <p:sp>
-        <p:nvSpPr>
-          <p:cNvPr id="53" name="직사각형 52"/>
-          <p:cNvSpPr/>
-          <p:nvPr/>
-        </p:nvSpPr>
-        <p:spPr>
-          <a:xfrm>
-            <a:off x="4932040" y="599263"/>
-            <a:ext cx="1908207" cy="597489"/>
-          </a:xfrm>
-          <a:prstGeom prst="rect">
-            <a:avLst/>
-          </a:prstGeom>
-          <a:noFill/>
+          <a:ln>
+            <a:noFill/>
+          </a:ln>
         </p:spPr>
         <p:style>
           <a:lnRef idx="2">
@@ -4574,20 +3354,23 @@
           <a:lstStyle/>
           <a:p>
             <a:pPr algn="ctr"/>
-            <a:endParaRPr lang="en-US"/>
-          </a:p>
-        </p:txBody>
-      </p:sp>
-      <p:sp>
-        <p:nvSpPr>
-          <p:cNvPr id="54" name="TextBox 53"/>
+            <a:r>
+              <a:rPr lang="en-US" sz="1000" dirty="0"/>
+              <a:t>RUN</a:t>
+            </a:r>
+          </a:p>
+        </p:txBody>
+      </p:sp>
+      <p:sp>
+        <p:nvSpPr>
+          <p:cNvPr id="16" name="TextBox 15"/>
           <p:cNvSpPr txBox="1"/>
           <p:nvPr/>
         </p:nvSpPr>
         <p:spPr>
           <a:xfrm>
-            <a:off x="5220072" y="256738"/>
-            <a:ext cx="1385897" cy="307777"/>
+            <a:off x="971600" y="1052736"/>
+            <a:ext cx="4968552" cy="369332"/>
           </a:xfrm>
           <a:prstGeom prst="rect">
             <a:avLst/>
@@ -4600,68 +3383,35 @@
           </a:bodyPr>
           <a:lstStyle/>
           <a:p>
-            <a:pPr algn="ctr"/>
-            <a:r>
-              <a:rPr lang="en-US" sz="1400" dirty="0"/>
-              <a:t>Record.java</a:t>
-            </a:r>
-          </a:p>
-        </p:txBody>
-      </p:sp>
-      <p:sp>
-        <p:nvSpPr>
-          <p:cNvPr id="55" name="TextBox 54"/>
-          <p:cNvSpPr txBox="1"/>
+            <a:r>
+              <a:rPr lang="en-US" dirty="0"/>
+              <a:t>Group Information’s Database</a:t>
+            </a:r>
+          </a:p>
+        </p:txBody>
+      </p:sp>
+      <p:sp>
+        <p:nvSpPr>
+          <p:cNvPr id="17" name="직사각형 16"/>
+          <p:cNvSpPr/>
           <p:nvPr/>
         </p:nvSpPr>
         <p:spPr>
           <a:xfrm>
-            <a:off x="4932040" y="759508"/>
-            <a:ext cx="1917582" cy="276999"/>
+            <a:off x="2843808" y="3549172"/>
+            <a:ext cx="5328592" cy="2472115"/>
           </a:xfrm>
           <a:prstGeom prst="rect">
             <a:avLst/>
           </a:prstGeom>
           <a:noFill/>
-        </p:spPr>
-        <p:txBody>
-          <a:bodyPr wrap="square" rtlCol="0">
-            <a:spAutoFit/>
-          </a:bodyPr>
-          <a:lstStyle/>
-          <a:p>
-            <a:pPr algn="ctr"/>
-            <a:r>
-              <a:rPr lang="en-US" sz="1200" dirty="0" err="1"/>
-              <a:t>ArrayList</a:t>
-            </a:r>
-            <a:r>
-              <a:rPr lang="en-US" sz="1200" dirty="0"/>
-              <a:t>&lt;Value&gt; record</a:t>
-            </a:r>
-            <a:endParaRPr lang="en-US" sz="1200" dirty="0">
-              <a:solidFill>
-                <a:prstClr val="black"/>
-              </a:solidFill>
-            </a:endParaRPr>
-          </a:p>
-        </p:txBody>
-      </p:sp>
-      <p:sp>
-        <p:nvSpPr>
-          <p:cNvPr id="38" name="직사각형 37"/>
-          <p:cNvSpPr/>
-          <p:nvPr/>
-        </p:nvSpPr>
-        <p:spPr>
-          <a:xfrm>
-            <a:off x="2915816" y="603173"/>
-            <a:ext cx="1908207" cy="597489"/>
-          </a:xfrm>
-          <a:prstGeom prst="rect">
-            <a:avLst/>
-          </a:prstGeom>
-          <a:noFill/>
+          <a:ln w="6350">
+            <a:solidFill>
+              <a:schemeClr val="bg1">
+                <a:lumMod val="75000"/>
+              </a:schemeClr>
+            </a:solidFill>
+          </a:ln>
         </p:spPr>
         <p:style>
           <a:lnRef idx="2">
@@ -4688,16 +3438,105 @@
           </a:p>
         </p:txBody>
       </p:sp>
-      <p:sp>
-        <p:nvSpPr>
-          <p:cNvPr id="39" name="TextBox 38"/>
+      <p:cxnSp>
+        <p:nvCxnSpPr>
+          <p:cNvPr id="18" name="직선 연결선 17"/>
+          <p:cNvCxnSpPr/>
+          <p:nvPr/>
+        </p:nvCxnSpPr>
+        <p:spPr>
+          <a:xfrm>
+            <a:off x="7956376" y="3549172"/>
+            <a:ext cx="0" cy="2472115"/>
+          </a:xfrm>
+          <a:prstGeom prst="line">
+            <a:avLst/>
+          </a:prstGeom>
+          <a:ln>
+            <a:solidFill>
+              <a:schemeClr val="bg1">
+                <a:lumMod val="75000"/>
+              </a:schemeClr>
+            </a:solidFill>
+          </a:ln>
+        </p:spPr>
+        <p:style>
+          <a:lnRef idx="1">
+            <a:schemeClr val="accent1"/>
+          </a:lnRef>
+          <a:fillRef idx="0">
+            <a:schemeClr val="accent1"/>
+          </a:fillRef>
+          <a:effectRef idx="0">
+            <a:schemeClr val="accent1"/>
+          </a:effectRef>
+          <a:fontRef idx="minor">
+            <a:schemeClr val="tx1"/>
+          </a:fontRef>
+        </p:style>
+      </p:cxnSp>
+      <p:sp>
+        <p:nvSpPr>
+          <p:cNvPr id="19" name="직사각형 18"/>
+          <p:cNvSpPr/>
+          <p:nvPr/>
+        </p:nvSpPr>
+        <p:spPr>
+          <a:xfrm>
+            <a:off x="7956376" y="4149080"/>
+            <a:ext cx="216024" cy="792088"/>
+          </a:xfrm>
+          <a:prstGeom prst="rect">
+            <a:avLst/>
+          </a:prstGeom>
+          <a:solidFill>
+            <a:schemeClr val="bg1">
+              <a:lumMod val="85000"/>
+            </a:schemeClr>
+          </a:solidFill>
+          <a:ln>
+            <a:solidFill>
+              <a:schemeClr val="bg1">
+                <a:lumMod val="75000"/>
+              </a:schemeClr>
+            </a:solidFill>
+          </a:ln>
+        </p:spPr>
+        <p:style>
+          <a:lnRef idx="2">
+            <a:schemeClr val="accent1">
+              <a:shade val="50000"/>
+            </a:schemeClr>
+          </a:lnRef>
+          <a:fillRef idx="1">
+            <a:schemeClr val="accent1"/>
+          </a:fillRef>
+          <a:effectRef idx="0">
+            <a:schemeClr val="accent1"/>
+          </a:effectRef>
+          <a:fontRef idx="minor">
+            <a:schemeClr val="lt1"/>
+          </a:fontRef>
+        </p:style>
+        <p:txBody>
+          <a:bodyPr rtlCol="0" anchor="ctr"/>
+          <a:lstStyle/>
+          <a:p>
+            <a:pPr algn="ctr"/>
+            <a:endParaRPr lang="en-US"/>
+          </a:p>
+        </p:txBody>
+      </p:sp>
+      <p:sp>
+        <p:nvSpPr>
+          <p:cNvPr id="22" name="TextBox 21"/>
           <p:cNvSpPr txBox="1"/>
           <p:nvPr/>
         </p:nvSpPr>
         <p:spPr>
           <a:xfrm>
-            <a:off x="3203848" y="260648"/>
-            <a:ext cx="1385897" cy="307777"/>
+            <a:off x="2843808" y="3212976"/>
+            <a:ext cx="2160240" cy="369332"/>
           </a:xfrm>
           <a:prstGeom prst="rect">
             <a:avLst/>
@@ -4710,29 +3549,305 @@
           </a:bodyPr>
           <a:lstStyle/>
           <a:p>
-            <a:pPr algn="ctr"/>
-            <a:r>
-              <a:rPr lang="en-US" sz="1400" dirty="0"/>
-              <a:t>Value.java</a:t>
-            </a:r>
-          </a:p>
-        </p:txBody>
-      </p:sp>
-      <p:sp>
-        <p:nvSpPr>
-          <p:cNvPr id="42" name="TextBox 41"/>
-          <p:cNvSpPr txBox="1"/>
+            <a:r>
+              <a:rPr lang="en-US" dirty="0"/>
+              <a:t>Result</a:t>
+            </a:r>
+          </a:p>
+        </p:txBody>
+      </p:sp>
+      <p:sp>
+        <p:nvSpPr>
+          <p:cNvPr id="23" name="직사각형 22"/>
+          <p:cNvSpPr/>
           <p:nvPr/>
         </p:nvSpPr>
         <p:spPr>
           <a:xfrm>
-            <a:off x="2915816" y="620688"/>
-            <a:ext cx="1917582" cy="584775"/>
+            <a:off x="903041" y="1530980"/>
+            <a:ext cx="1631529" cy="2762115"/>
           </a:xfrm>
           <a:prstGeom prst="rect">
             <a:avLst/>
           </a:prstGeom>
           <a:noFill/>
+          <a:ln w="6350">
+            <a:solidFill>
+              <a:schemeClr val="bg1">
+                <a:lumMod val="75000"/>
+              </a:schemeClr>
+            </a:solidFill>
+            <a:prstDash val="dash"/>
+          </a:ln>
+        </p:spPr>
+        <p:style>
+          <a:lnRef idx="2">
+            <a:schemeClr val="accent1">
+              <a:shade val="50000"/>
+            </a:schemeClr>
+          </a:lnRef>
+          <a:fillRef idx="1">
+            <a:schemeClr val="accent1"/>
+          </a:fillRef>
+          <a:effectRef idx="0">
+            <a:schemeClr val="accent1"/>
+          </a:effectRef>
+          <a:fontRef idx="minor">
+            <a:schemeClr val="lt1"/>
+          </a:fontRef>
+        </p:style>
+        <p:txBody>
+          <a:bodyPr rtlCol="0" anchor="ctr"/>
+          <a:lstStyle/>
+          <a:p>
+            <a:pPr algn="ctr"/>
+            <a:endParaRPr lang="en-US"/>
+          </a:p>
+        </p:txBody>
+      </p:sp>
+      <p:cxnSp>
+        <p:nvCxnSpPr>
+          <p:cNvPr id="25" name="직선 연결선 24"/>
+          <p:cNvCxnSpPr/>
+          <p:nvPr/>
+        </p:nvCxnSpPr>
+        <p:spPr>
+          <a:xfrm>
+            <a:off x="903040" y="1844824"/>
+            <a:ext cx="1645920" cy="0"/>
+          </a:xfrm>
+          <a:prstGeom prst="line">
+            <a:avLst/>
+          </a:prstGeom>
+          <a:ln>
+            <a:solidFill>
+              <a:schemeClr val="bg1">
+                <a:lumMod val="75000"/>
+              </a:schemeClr>
+            </a:solidFill>
+            <a:prstDash val="dash"/>
+          </a:ln>
+        </p:spPr>
+        <p:style>
+          <a:lnRef idx="1">
+            <a:schemeClr val="accent1"/>
+          </a:lnRef>
+          <a:fillRef idx="0">
+            <a:schemeClr val="accent1"/>
+          </a:fillRef>
+          <a:effectRef idx="0">
+            <a:schemeClr val="accent1"/>
+          </a:effectRef>
+          <a:fontRef idx="minor">
+            <a:schemeClr val="tx1"/>
+          </a:fontRef>
+        </p:style>
+      </p:cxnSp>
+      <p:cxnSp>
+        <p:nvCxnSpPr>
+          <p:cNvPr id="26" name="직선 연결선 25"/>
+          <p:cNvCxnSpPr/>
+          <p:nvPr/>
+        </p:nvCxnSpPr>
+        <p:spPr>
+          <a:xfrm>
+            <a:off x="908469" y="2141734"/>
+            <a:ext cx="1645920" cy="0"/>
+          </a:xfrm>
+          <a:prstGeom prst="line">
+            <a:avLst/>
+          </a:prstGeom>
+          <a:ln>
+            <a:solidFill>
+              <a:schemeClr val="bg1">
+                <a:lumMod val="75000"/>
+              </a:schemeClr>
+            </a:solidFill>
+            <a:prstDash val="dash"/>
+          </a:ln>
+        </p:spPr>
+        <p:style>
+          <a:lnRef idx="1">
+            <a:schemeClr val="accent1"/>
+          </a:lnRef>
+          <a:fillRef idx="0">
+            <a:schemeClr val="accent1"/>
+          </a:fillRef>
+          <a:effectRef idx="0">
+            <a:schemeClr val="accent1"/>
+          </a:effectRef>
+          <a:fontRef idx="minor">
+            <a:schemeClr val="tx1"/>
+          </a:fontRef>
+        </p:style>
+      </p:cxnSp>
+      <p:cxnSp>
+        <p:nvCxnSpPr>
+          <p:cNvPr id="27" name="직선 연결선 26"/>
+          <p:cNvCxnSpPr/>
+          <p:nvPr/>
+        </p:nvCxnSpPr>
+        <p:spPr>
+          <a:xfrm>
+            <a:off x="908469" y="2466262"/>
+            <a:ext cx="1645920" cy="0"/>
+          </a:xfrm>
+          <a:prstGeom prst="line">
+            <a:avLst/>
+          </a:prstGeom>
+          <a:ln>
+            <a:solidFill>
+              <a:schemeClr val="bg1">
+                <a:lumMod val="75000"/>
+              </a:schemeClr>
+            </a:solidFill>
+            <a:prstDash val="dash"/>
+          </a:ln>
+        </p:spPr>
+        <p:style>
+          <a:lnRef idx="1">
+            <a:schemeClr val="accent1"/>
+          </a:lnRef>
+          <a:fillRef idx="0">
+            <a:schemeClr val="accent1"/>
+          </a:fillRef>
+          <a:effectRef idx="0">
+            <a:schemeClr val="accent1"/>
+          </a:effectRef>
+          <a:fontRef idx="minor">
+            <a:schemeClr val="tx1"/>
+          </a:fontRef>
+        </p:style>
+      </p:cxnSp>
+      <p:cxnSp>
+        <p:nvCxnSpPr>
+          <p:cNvPr id="28" name="직선 연결선 27"/>
+          <p:cNvCxnSpPr/>
+          <p:nvPr/>
+        </p:nvCxnSpPr>
+        <p:spPr>
+          <a:xfrm>
+            <a:off x="908469" y="2780928"/>
+            <a:ext cx="1645920" cy="0"/>
+          </a:xfrm>
+          <a:prstGeom prst="line">
+            <a:avLst/>
+          </a:prstGeom>
+          <a:ln>
+            <a:solidFill>
+              <a:schemeClr val="bg1">
+                <a:lumMod val="75000"/>
+              </a:schemeClr>
+            </a:solidFill>
+            <a:prstDash val="dash"/>
+          </a:ln>
+        </p:spPr>
+        <p:style>
+          <a:lnRef idx="1">
+            <a:schemeClr val="accent1"/>
+          </a:lnRef>
+          <a:fillRef idx="0">
+            <a:schemeClr val="accent1"/>
+          </a:fillRef>
+          <a:effectRef idx="0">
+            <a:schemeClr val="accent1"/>
+          </a:effectRef>
+          <a:fontRef idx="minor">
+            <a:schemeClr val="tx1"/>
+          </a:fontRef>
+        </p:style>
+      </p:cxnSp>
+      <p:cxnSp>
+        <p:nvCxnSpPr>
+          <p:cNvPr id="29" name="직선 연결선 28"/>
+          <p:cNvCxnSpPr/>
+          <p:nvPr/>
+        </p:nvCxnSpPr>
+        <p:spPr>
+          <a:xfrm>
+            <a:off x="926225" y="3104472"/>
+            <a:ext cx="1645920" cy="0"/>
+          </a:xfrm>
+          <a:prstGeom prst="line">
+            <a:avLst/>
+          </a:prstGeom>
+          <a:ln>
+            <a:solidFill>
+              <a:schemeClr val="bg1">
+                <a:lumMod val="75000"/>
+              </a:schemeClr>
+            </a:solidFill>
+            <a:prstDash val="dash"/>
+          </a:ln>
+        </p:spPr>
+        <p:style>
+          <a:lnRef idx="1">
+            <a:schemeClr val="accent1"/>
+          </a:lnRef>
+          <a:fillRef idx="0">
+            <a:schemeClr val="accent1"/>
+          </a:fillRef>
+          <a:effectRef idx="0">
+            <a:schemeClr val="accent1"/>
+          </a:effectRef>
+          <a:fontRef idx="minor">
+            <a:schemeClr val="tx1"/>
+          </a:fontRef>
+        </p:style>
+      </p:cxnSp>
+      <p:cxnSp>
+        <p:nvCxnSpPr>
+          <p:cNvPr id="30" name="직선 연결선 29"/>
+          <p:cNvCxnSpPr/>
+          <p:nvPr/>
+        </p:nvCxnSpPr>
+        <p:spPr>
+          <a:xfrm>
+            <a:off x="899591" y="3402366"/>
+            <a:ext cx="1645920" cy="0"/>
+          </a:xfrm>
+          <a:prstGeom prst="line">
+            <a:avLst/>
+          </a:prstGeom>
+          <a:ln>
+            <a:solidFill>
+              <a:schemeClr val="bg1">
+                <a:lumMod val="75000"/>
+              </a:schemeClr>
+            </a:solidFill>
+            <a:prstDash val="dash"/>
+          </a:ln>
+        </p:spPr>
+        <p:style>
+          <a:lnRef idx="1">
+            <a:schemeClr val="accent1"/>
+          </a:lnRef>
+          <a:fillRef idx="0">
+            <a:schemeClr val="accent1"/>
+          </a:fillRef>
+          <a:effectRef idx="0">
+            <a:schemeClr val="accent1"/>
+          </a:effectRef>
+          <a:fontRef idx="minor">
+            <a:schemeClr val="tx1"/>
+          </a:fontRef>
+        </p:style>
+      </p:cxnSp>
+      <p:sp>
+        <p:nvSpPr>
+          <p:cNvPr id="31" name="TextBox 30"/>
+          <p:cNvSpPr txBox="1"/>
+          <p:nvPr/>
+        </p:nvSpPr>
+        <p:spPr>
+          <a:xfrm>
+            <a:off x="1403648" y="3573016"/>
+            <a:ext cx="720080" cy="369332"/>
+          </a:xfrm>
+          <a:prstGeom prst="rect">
+            <a:avLst/>
+          </a:prstGeom>
+          <a:noFill/>
         </p:spPr>
         <p:txBody>
           <a:bodyPr wrap="square" rtlCol="0">
@@ -4740,37 +3855,436 @@
           </a:bodyPr>
           <a:lstStyle/>
           <a:p>
-            <a:pPr algn="ctr"/>
-            <a:r>
-              <a:rPr lang="en-US" sz="1200" dirty="0"/>
-              <a:t>Field </a:t>
-            </a:r>
-            <a:r>
-              <a:rPr lang="en-US" sz="1200" dirty="0" err="1"/>
-              <a:t>field</a:t>
-            </a:r>
-            <a:endParaRPr lang="en-US" sz="1200" dirty="0"/>
-          </a:p>
-          <a:p>
-            <a:pPr algn="ctr"/>
-            <a:r>
-              <a:rPr lang="en-US" sz="1200" dirty="0">
+            <a:r>
+              <a:rPr lang="en-US" dirty="0">
                 <a:solidFill>
-                  <a:prstClr val="black"/>
+                  <a:schemeClr val="bg1">
+                    <a:lumMod val="50000"/>
+                  </a:schemeClr>
                 </a:solidFill>
               </a:rPr>
-              <a:t>T data</a:t>
-            </a:r>
-          </a:p>
-          <a:p>
-            <a:pPr algn="ctr"/>
-            <a:r>
-              <a:rPr lang="en-US" sz="800" dirty="0">
+              <a:t>…</a:t>
+            </a:r>
+          </a:p>
+        </p:txBody>
+      </p:sp>
+      <p:sp>
+        <p:nvSpPr>
+          <p:cNvPr id="32" name="TextBox 31"/>
+          <p:cNvSpPr txBox="1"/>
+          <p:nvPr/>
+        </p:nvSpPr>
+        <p:spPr>
+          <a:xfrm>
+            <a:off x="908470" y="1511418"/>
+            <a:ext cx="1080120" cy="307777"/>
+          </a:xfrm>
+          <a:prstGeom prst="rect">
+            <a:avLst/>
+          </a:prstGeom>
+          <a:noFill/>
+        </p:spPr>
+        <p:txBody>
+          <a:bodyPr wrap="square" rtlCol="0">
+            <a:spAutoFit/>
+          </a:bodyPr>
+          <a:lstStyle/>
+          <a:p>
+            <a:r>
+              <a:rPr lang="en-US" sz="1400" dirty="0">
                 <a:solidFill>
-                  <a:prstClr val="black"/>
+                  <a:schemeClr val="bg1">
+                    <a:lumMod val="50000"/>
+                  </a:schemeClr>
                 </a:solidFill>
               </a:rPr>
-              <a:t>&lt;T extends Comparable&lt;T&gt;&gt;</a:t>
+              <a:t>Table1</a:t>
+            </a:r>
+          </a:p>
+        </p:txBody>
+      </p:sp>
+      <p:sp>
+        <p:nvSpPr>
+          <p:cNvPr id="33" name="TextBox 32"/>
+          <p:cNvSpPr txBox="1"/>
+          <p:nvPr/>
+        </p:nvSpPr>
+        <p:spPr>
+          <a:xfrm>
+            <a:off x="908470" y="1831996"/>
+            <a:ext cx="1080120" cy="307777"/>
+          </a:xfrm>
+          <a:prstGeom prst="rect">
+            <a:avLst/>
+          </a:prstGeom>
+          <a:noFill/>
+        </p:spPr>
+        <p:txBody>
+          <a:bodyPr wrap="square" rtlCol="0">
+            <a:spAutoFit/>
+          </a:bodyPr>
+          <a:lstStyle/>
+          <a:p>
+            <a:r>
+              <a:rPr lang="en-US" sz="1400" dirty="0">
+                <a:solidFill>
+                  <a:schemeClr val="bg1">
+                    <a:lumMod val="50000"/>
+                  </a:schemeClr>
+                </a:solidFill>
+              </a:rPr>
+              <a:t>Table2</a:t>
+            </a:r>
+          </a:p>
+        </p:txBody>
+      </p:sp>
+      <p:sp>
+        <p:nvSpPr>
+          <p:cNvPr id="34" name="TextBox 33"/>
+          <p:cNvSpPr txBox="1"/>
+          <p:nvPr/>
+        </p:nvSpPr>
+        <p:spPr>
+          <a:xfrm>
+            <a:off x="899592" y="2152574"/>
+            <a:ext cx="1080120" cy="307777"/>
+          </a:xfrm>
+          <a:prstGeom prst="rect">
+            <a:avLst/>
+          </a:prstGeom>
+          <a:noFill/>
+        </p:spPr>
+        <p:txBody>
+          <a:bodyPr wrap="square" rtlCol="0">
+            <a:spAutoFit/>
+          </a:bodyPr>
+          <a:lstStyle/>
+          <a:p>
+            <a:r>
+              <a:rPr lang="en-US" sz="1400" dirty="0">
+                <a:solidFill>
+                  <a:schemeClr val="bg1">
+                    <a:lumMod val="50000"/>
+                  </a:schemeClr>
+                </a:solidFill>
+              </a:rPr>
+              <a:t>Table3</a:t>
+            </a:r>
+          </a:p>
+        </p:txBody>
+      </p:sp>
+      <p:sp>
+        <p:nvSpPr>
+          <p:cNvPr id="35" name="TextBox 34"/>
+          <p:cNvSpPr txBox="1"/>
+          <p:nvPr/>
+        </p:nvSpPr>
+        <p:spPr>
+          <a:xfrm>
+            <a:off x="899592" y="2473151"/>
+            <a:ext cx="1080120" cy="307777"/>
+          </a:xfrm>
+          <a:prstGeom prst="rect">
+            <a:avLst/>
+          </a:prstGeom>
+          <a:noFill/>
+        </p:spPr>
+        <p:txBody>
+          <a:bodyPr wrap="square" rtlCol="0">
+            <a:spAutoFit/>
+          </a:bodyPr>
+          <a:lstStyle/>
+          <a:p>
+            <a:r>
+              <a:rPr lang="en-US" sz="1400" dirty="0">
+                <a:solidFill>
+                  <a:schemeClr val="bg1">
+                    <a:lumMod val="50000"/>
+                  </a:schemeClr>
+                </a:solidFill>
+              </a:rPr>
+              <a:t>Table4</a:t>
+            </a:r>
+          </a:p>
+        </p:txBody>
+      </p:sp>
+      <p:sp>
+        <p:nvSpPr>
+          <p:cNvPr id="36" name="TextBox 35"/>
+          <p:cNvSpPr txBox="1"/>
+          <p:nvPr/>
+        </p:nvSpPr>
+        <p:spPr>
+          <a:xfrm>
+            <a:off x="125763" y="108457"/>
+            <a:ext cx="2088232" cy="369332"/>
+          </a:xfrm>
+          <a:prstGeom prst="rect">
+            <a:avLst/>
+          </a:prstGeom>
+          <a:noFill/>
+        </p:spPr>
+        <p:txBody>
+          <a:bodyPr wrap="square" rtlCol="0">
+            <a:spAutoFit/>
+          </a:bodyPr>
+          <a:lstStyle/>
+          <a:p>
+            <a:r>
+              <a:rPr lang="en-US" b="1" dirty="0"/>
+              <a:t>GUI Specification</a:t>
+            </a:r>
+          </a:p>
+        </p:txBody>
+      </p:sp>
+      <p:cxnSp>
+        <p:nvCxnSpPr>
+          <p:cNvPr id="3" name="직선 연결선 2"/>
+          <p:cNvCxnSpPr/>
+          <p:nvPr/>
+        </p:nvCxnSpPr>
+        <p:spPr>
+          <a:xfrm>
+            <a:off x="827584" y="836712"/>
+            <a:ext cx="7632848" cy="0"/>
+          </a:xfrm>
+          <a:prstGeom prst="line">
+            <a:avLst/>
+          </a:prstGeom>
+          <a:ln>
+            <a:headEnd type="arrow"/>
+            <a:tailEnd type="arrow"/>
+          </a:ln>
+        </p:spPr>
+        <p:style>
+          <a:lnRef idx="1">
+            <a:schemeClr val="accent1"/>
+          </a:lnRef>
+          <a:fillRef idx="0">
+            <a:schemeClr val="accent1"/>
+          </a:fillRef>
+          <a:effectRef idx="0">
+            <a:schemeClr val="accent1"/>
+          </a:effectRef>
+          <a:fontRef idx="minor">
+            <a:schemeClr val="tx1"/>
+          </a:fontRef>
+        </p:style>
+      </p:cxnSp>
+      <p:sp>
+        <p:nvSpPr>
+          <p:cNvPr id="5" name="TextBox 4"/>
+          <p:cNvSpPr txBox="1"/>
+          <p:nvPr/>
+        </p:nvSpPr>
+        <p:spPr>
+          <a:xfrm>
+            <a:off x="4499992" y="457310"/>
+            <a:ext cx="1008112" cy="369332"/>
+          </a:xfrm>
+          <a:prstGeom prst="rect">
+            <a:avLst/>
+          </a:prstGeom>
+          <a:noFill/>
+        </p:spPr>
+        <p:txBody>
+          <a:bodyPr wrap="square" rtlCol="0">
+            <a:spAutoFit/>
+          </a:bodyPr>
+          <a:lstStyle/>
+          <a:p>
+            <a:r>
+              <a:rPr lang="en-US" dirty="0"/>
+              <a:t>1280</a:t>
+            </a:r>
+          </a:p>
+        </p:txBody>
+      </p:sp>
+      <p:cxnSp>
+        <p:nvCxnSpPr>
+          <p:cNvPr id="9" name="직선 화살표 연결선 8"/>
+          <p:cNvCxnSpPr/>
+          <p:nvPr/>
+        </p:nvCxnSpPr>
+        <p:spPr>
+          <a:xfrm flipH="1">
+            <a:off x="665812" y="908720"/>
+            <a:ext cx="2349" cy="5472608"/>
+          </a:xfrm>
+          <a:prstGeom prst="straightConnector1">
+            <a:avLst/>
+          </a:prstGeom>
+          <a:ln>
+            <a:headEnd type="triangle"/>
+            <a:tailEnd type="triangle"/>
+          </a:ln>
+        </p:spPr>
+        <p:style>
+          <a:lnRef idx="1">
+            <a:schemeClr val="accent1"/>
+          </a:lnRef>
+          <a:fillRef idx="0">
+            <a:schemeClr val="accent1"/>
+          </a:fillRef>
+          <a:effectRef idx="0">
+            <a:schemeClr val="accent1"/>
+          </a:effectRef>
+          <a:fontRef idx="minor">
+            <a:schemeClr val="tx1"/>
+          </a:fontRef>
+        </p:style>
+      </p:cxnSp>
+      <p:sp>
+        <p:nvSpPr>
+          <p:cNvPr id="37" name="TextBox 36"/>
+          <p:cNvSpPr txBox="1"/>
+          <p:nvPr/>
+        </p:nvSpPr>
+        <p:spPr>
+          <a:xfrm>
+            <a:off x="179512" y="3211859"/>
+            <a:ext cx="1008112" cy="369332"/>
+          </a:xfrm>
+          <a:prstGeom prst="rect">
+            <a:avLst/>
+          </a:prstGeom>
+          <a:noFill/>
+        </p:spPr>
+        <p:txBody>
+          <a:bodyPr wrap="square" rtlCol="0">
+            <a:spAutoFit/>
+          </a:bodyPr>
+          <a:lstStyle/>
+          <a:p>
+            <a:r>
+              <a:rPr lang="en-US" dirty="0"/>
+              <a:t>768</a:t>
+            </a:r>
+          </a:p>
+        </p:txBody>
+      </p:sp>
+      <p:sp>
+        <p:nvSpPr>
+          <p:cNvPr id="38" name="TextBox 37"/>
+          <p:cNvSpPr txBox="1"/>
+          <p:nvPr/>
+        </p:nvSpPr>
+        <p:spPr>
+          <a:xfrm>
+            <a:off x="292654" y="986921"/>
+            <a:ext cx="1008112" cy="369332"/>
+          </a:xfrm>
+          <a:prstGeom prst="rect">
+            <a:avLst/>
+          </a:prstGeom>
+          <a:noFill/>
+        </p:spPr>
+        <p:txBody>
+          <a:bodyPr wrap="square" rtlCol="0">
+            <a:spAutoFit/>
+          </a:bodyPr>
+          <a:lstStyle/>
+          <a:p>
+            <a:r>
+              <a:rPr lang="en-US" dirty="0"/>
+              <a:t>80</a:t>
+            </a:r>
+          </a:p>
+        </p:txBody>
+      </p:sp>
+      <p:cxnSp>
+        <p:nvCxnSpPr>
+          <p:cNvPr id="24" name="직선 화살표 연결선 23"/>
+          <p:cNvCxnSpPr/>
+          <p:nvPr/>
+        </p:nvCxnSpPr>
+        <p:spPr>
+          <a:xfrm>
+            <a:off x="755576" y="917598"/>
+            <a:ext cx="0" cy="436694"/>
+          </a:xfrm>
+          <a:prstGeom prst="straightConnector1">
+            <a:avLst/>
+          </a:prstGeom>
+          <a:ln>
+            <a:headEnd type="triangle"/>
+            <a:tailEnd type="triangle"/>
+          </a:ln>
+        </p:spPr>
+        <p:style>
+          <a:lnRef idx="1">
+            <a:schemeClr val="accent1"/>
+          </a:lnRef>
+          <a:fillRef idx="0">
+            <a:schemeClr val="accent1"/>
+          </a:fillRef>
+          <a:effectRef idx="0">
+            <a:schemeClr val="accent1"/>
+          </a:effectRef>
+          <a:fontRef idx="minor">
+            <a:schemeClr val="tx1"/>
+          </a:fontRef>
+        </p:style>
+      </p:cxnSp>
+      <p:cxnSp>
+        <p:nvCxnSpPr>
+          <p:cNvPr id="39" name="직선 연결선 38"/>
+          <p:cNvCxnSpPr/>
+          <p:nvPr/>
+        </p:nvCxnSpPr>
+        <p:spPr>
+          <a:xfrm>
+            <a:off x="827584" y="738070"/>
+            <a:ext cx="1800200" cy="0"/>
+          </a:xfrm>
+          <a:prstGeom prst="line">
+            <a:avLst/>
+          </a:prstGeom>
+          <a:ln>
+            <a:headEnd type="arrow"/>
+            <a:tailEnd type="arrow"/>
+          </a:ln>
+        </p:spPr>
+        <p:style>
+          <a:lnRef idx="1">
+            <a:schemeClr val="accent1"/>
+          </a:lnRef>
+          <a:fillRef idx="0">
+            <a:schemeClr val="accent1"/>
+          </a:fillRef>
+          <a:effectRef idx="0">
+            <a:schemeClr val="accent1"/>
+          </a:effectRef>
+          <a:fontRef idx="minor">
+            <a:schemeClr val="tx1"/>
+          </a:fontRef>
+        </p:style>
+      </p:cxnSp>
+      <p:sp>
+        <p:nvSpPr>
+          <p:cNvPr id="41" name="TextBox 40"/>
+          <p:cNvSpPr txBox="1"/>
+          <p:nvPr/>
+        </p:nvSpPr>
+        <p:spPr>
+          <a:xfrm>
+            <a:off x="1619672" y="422006"/>
+            <a:ext cx="1008112" cy="369332"/>
+          </a:xfrm>
+          <a:prstGeom prst="rect">
+            <a:avLst/>
+          </a:prstGeom>
+          <a:noFill/>
+        </p:spPr>
+        <p:txBody>
+          <a:bodyPr wrap="square" rtlCol="0">
+            <a:spAutoFit/>
+          </a:bodyPr>
+          <a:lstStyle/>
+          <a:p>
+            <a:r>
+              <a:rPr lang="en-US" dirty="0"/>
+              <a:t>300</a:t>
             </a:r>
           </a:p>
         </p:txBody>
@@ -4778,7 +4292,7 @@
     </p:spTree>
     <p:extLst>
       <p:ext uri="{BB962C8B-B14F-4D97-AF65-F5344CB8AC3E}">
-        <p14:creationId xmlns:p14="http://schemas.microsoft.com/office/powerpoint/2010/main" val="249442672"/>
+        <p14:creationId xmlns:p14="http://schemas.microsoft.com/office/powerpoint/2010/main" val="2175859837"/>
       </p:ext>
     </p:extLst>
   </p:cSld>
@@ -4813,18 +4327,13 @@
         </p:nvSpPr>
         <p:spPr>
           <a:xfrm>
-            <a:off x="827584" y="908720"/>
-            <a:ext cx="7632848" cy="5472608"/>
+            <a:off x="710202" y="1178996"/>
+            <a:ext cx="1728192" cy="1800200"/>
           </a:xfrm>
           <a:prstGeom prst="rect">
             <a:avLst/>
           </a:prstGeom>
           <a:noFill/>
-          <a:ln>
-            <a:solidFill>
-              <a:schemeClr val="tx1"/>
-            </a:solidFill>
-          </a:ln>
         </p:spPr>
         <p:style>
           <a:lnRef idx="2">
@@ -4851,24 +4360,578 @@
           </a:p>
         </p:txBody>
       </p:sp>
+      <p:sp>
+        <p:nvSpPr>
+          <p:cNvPr id="5" name="TextBox 4"/>
+          <p:cNvSpPr txBox="1"/>
+          <p:nvPr/>
+        </p:nvSpPr>
+        <p:spPr>
+          <a:xfrm>
+            <a:off x="683568" y="1178996"/>
+            <a:ext cx="1728192" cy="1938992"/>
+          </a:xfrm>
+          <a:prstGeom prst="rect">
+            <a:avLst/>
+          </a:prstGeom>
+          <a:noFill/>
+        </p:spPr>
+        <p:txBody>
+          <a:bodyPr wrap="square" rtlCol="0">
+            <a:spAutoFit/>
+          </a:bodyPr>
+          <a:lstStyle/>
+          <a:p>
+            <a:pPr algn="ctr"/>
+            <a:r>
+              <a:rPr lang="en-US" sz="1200" dirty="0"/>
+              <a:t>Create GUI</a:t>
+            </a:r>
+          </a:p>
+          <a:p>
+            <a:pPr algn="ctr"/>
+            <a:r>
+              <a:rPr lang="en-US" sz="1200" dirty="0"/>
+              <a:t>Create Controller </a:t>
+            </a:r>
+            <a:r>
+              <a:rPr lang="en-US" sz="1200" dirty="0" err="1"/>
+              <a:t>Obj</a:t>
+            </a:r>
+            <a:endParaRPr lang="en-US" sz="1200" dirty="0"/>
+          </a:p>
+          <a:p>
+            <a:pPr algn="ctr"/>
+            <a:endParaRPr lang="en-US" sz="1200" dirty="0"/>
+          </a:p>
+          <a:p>
+            <a:pPr lvl="0" algn="ctr"/>
+            <a:r>
+              <a:rPr lang="en-US" sz="1200" dirty="0">
+                <a:solidFill>
+                  <a:prstClr val="black"/>
+                </a:solidFill>
+              </a:rPr>
+              <a:t>Event Handler</a:t>
+            </a:r>
+          </a:p>
+          <a:p>
+            <a:pPr marL="171450" lvl="0" indent="-171450" algn="ctr">
+              <a:buFontTx/>
+              <a:buChar char="-"/>
+            </a:pPr>
+            <a:r>
+              <a:rPr lang="en-US" sz="1200" dirty="0">
+                <a:solidFill>
+                  <a:prstClr val="black"/>
+                </a:solidFill>
+              </a:rPr>
+              <a:t>Run</a:t>
+            </a:r>
+          </a:p>
+          <a:p>
+            <a:pPr marL="171450" lvl="0" indent="-171450" algn="ctr">
+              <a:buFontTx/>
+              <a:buChar char="-"/>
+            </a:pPr>
+            <a:r>
+              <a:rPr lang="en-US" sz="1200" dirty="0">
+                <a:solidFill>
+                  <a:prstClr val="black"/>
+                </a:solidFill>
+              </a:rPr>
+              <a:t>Select Table</a:t>
+            </a:r>
+          </a:p>
+          <a:p>
+            <a:pPr marL="171450" lvl="0" indent="-171450" algn="ctr">
+              <a:buFontTx/>
+              <a:buChar char="-"/>
+            </a:pPr>
+            <a:endParaRPr lang="en-US" sz="1200" dirty="0">
+              <a:solidFill>
+                <a:prstClr val="black"/>
+              </a:solidFill>
+            </a:endParaRPr>
+          </a:p>
+          <a:p>
+            <a:pPr lvl="0" algn="ctr"/>
+            <a:r>
+              <a:rPr lang="en-US" sz="1200" dirty="0" err="1">
+                <a:solidFill>
+                  <a:prstClr val="black"/>
+                </a:solidFill>
+              </a:rPr>
+              <a:t>displayUpdate</a:t>
+            </a:r>
+            <a:r>
+              <a:rPr lang="en-US" sz="1200" dirty="0">
+                <a:solidFill>
+                  <a:prstClr val="black"/>
+                </a:solidFill>
+              </a:rPr>
+              <a:t>()</a:t>
+            </a:r>
+          </a:p>
+          <a:p>
+            <a:pPr lvl="0" algn="ctr"/>
+            <a:r>
+              <a:rPr lang="en-US" sz="1200" dirty="0" err="1">
+                <a:solidFill>
+                  <a:prstClr val="black"/>
+                </a:solidFill>
+              </a:rPr>
+              <a:t>searchTables</a:t>
+            </a:r>
+            <a:r>
+              <a:rPr lang="en-US" sz="1200" dirty="0">
+                <a:solidFill>
+                  <a:prstClr val="black"/>
+                </a:solidFill>
+              </a:rPr>
+              <a:t>()</a:t>
+            </a:r>
+          </a:p>
+          <a:p>
+            <a:pPr lvl="0" algn="ctr"/>
+            <a:endParaRPr lang="en-US" sz="1200" dirty="0">
+              <a:solidFill>
+                <a:prstClr val="black"/>
+              </a:solidFill>
+            </a:endParaRPr>
+          </a:p>
+        </p:txBody>
+      </p:sp>
+      <p:sp>
+        <p:nvSpPr>
+          <p:cNvPr id="6" name="TextBox 5"/>
+          <p:cNvSpPr txBox="1"/>
+          <p:nvPr/>
+        </p:nvSpPr>
+        <p:spPr>
+          <a:xfrm>
+            <a:off x="908481" y="836712"/>
+            <a:ext cx="1385897" cy="307777"/>
+          </a:xfrm>
+          <a:prstGeom prst="rect">
+            <a:avLst/>
+          </a:prstGeom>
+          <a:noFill/>
+        </p:spPr>
+        <p:txBody>
+          <a:bodyPr wrap="square" rtlCol="0">
+            <a:spAutoFit/>
+          </a:bodyPr>
+          <a:lstStyle/>
+          <a:p>
+            <a:pPr algn="ctr"/>
+            <a:r>
+              <a:rPr lang="en-US" sz="1400" dirty="0"/>
+              <a:t>UserGUI.java</a:t>
+            </a:r>
+          </a:p>
+        </p:txBody>
+      </p:sp>
+      <p:sp>
+        <p:nvSpPr>
+          <p:cNvPr id="7" name="직사각형 6"/>
+          <p:cNvSpPr/>
+          <p:nvPr/>
+        </p:nvSpPr>
+        <p:spPr>
+          <a:xfrm>
+            <a:off x="3374498" y="1915827"/>
+            <a:ext cx="2160240" cy="3096344"/>
+          </a:xfrm>
+          <a:prstGeom prst="rect">
+            <a:avLst/>
+          </a:prstGeom>
+          <a:noFill/>
+        </p:spPr>
+        <p:style>
+          <a:lnRef idx="2">
+            <a:schemeClr val="accent1">
+              <a:shade val="50000"/>
+            </a:schemeClr>
+          </a:lnRef>
+          <a:fillRef idx="1">
+            <a:schemeClr val="accent1"/>
+          </a:fillRef>
+          <a:effectRef idx="0">
+            <a:schemeClr val="accent1"/>
+          </a:effectRef>
+          <a:fontRef idx="minor">
+            <a:schemeClr val="lt1"/>
+          </a:fontRef>
+        </p:style>
+        <p:txBody>
+          <a:bodyPr rtlCol="0" anchor="ctr"/>
+          <a:lstStyle/>
+          <a:p>
+            <a:pPr algn="ctr"/>
+            <a:endParaRPr lang="en-US"/>
+          </a:p>
+        </p:txBody>
+      </p:sp>
+      <p:sp>
+        <p:nvSpPr>
+          <p:cNvPr id="8" name="TextBox 7"/>
+          <p:cNvSpPr txBox="1"/>
+          <p:nvPr/>
+        </p:nvSpPr>
+        <p:spPr>
+          <a:xfrm>
+            <a:off x="3761669" y="1555787"/>
+            <a:ext cx="1385897" cy="307777"/>
+          </a:xfrm>
+          <a:prstGeom prst="rect">
+            <a:avLst/>
+          </a:prstGeom>
+          <a:noFill/>
+        </p:spPr>
+        <p:txBody>
+          <a:bodyPr wrap="square" rtlCol="0">
+            <a:spAutoFit/>
+          </a:bodyPr>
+          <a:lstStyle/>
+          <a:p>
+            <a:pPr algn="ctr"/>
+            <a:r>
+              <a:rPr lang="en-US" sz="1400" dirty="0"/>
+              <a:t>Controller.java</a:t>
+            </a:r>
+          </a:p>
+        </p:txBody>
+      </p:sp>
+      <p:sp>
+        <p:nvSpPr>
+          <p:cNvPr id="10" name="직사각형 9"/>
+          <p:cNvSpPr/>
+          <p:nvPr/>
+        </p:nvSpPr>
+        <p:spPr>
+          <a:xfrm>
+            <a:off x="2370829" y="5794475"/>
+            <a:ext cx="2160239" cy="415297"/>
+          </a:xfrm>
+          <a:prstGeom prst="rect">
+            <a:avLst/>
+          </a:prstGeom>
+          <a:noFill/>
+        </p:spPr>
+        <p:style>
+          <a:lnRef idx="2">
+            <a:schemeClr val="accent1">
+              <a:shade val="50000"/>
+            </a:schemeClr>
+          </a:lnRef>
+          <a:fillRef idx="1">
+            <a:schemeClr val="accent1"/>
+          </a:fillRef>
+          <a:effectRef idx="0">
+            <a:schemeClr val="accent1"/>
+          </a:effectRef>
+          <a:fontRef idx="minor">
+            <a:schemeClr val="lt1"/>
+          </a:fontRef>
+        </p:style>
+        <p:txBody>
+          <a:bodyPr rtlCol="0" anchor="ctr"/>
+          <a:lstStyle/>
+          <a:p>
+            <a:pPr algn="ctr"/>
+            <a:endParaRPr lang="en-US"/>
+          </a:p>
+        </p:txBody>
+      </p:sp>
+      <p:sp>
+        <p:nvSpPr>
+          <p:cNvPr id="11" name="TextBox 10"/>
+          <p:cNvSpPr txBox="1"/>
+          <p:nvPr/>
+        </p:nvSpPr>
+        <p:spPr>
+          <a:xfrm>
+            <a:off x="2726426" y="5840977"/>
+            <a:ext cx="1602419" cy="276999"/>
+          </a:xfrm>
+          <a:prstGeom prst="rect">
+            <a:avLst/>
+          </a:prstGeom>
+          <a:noFill/>
+        </p:spPr>
+        <p:txBody>
+          <a:bodyPr wrap="square" rtlCol="0">
+            <a:spAutoFit/>
+          </a:bodyPr>
+          <a:lstStyle/>
+          <a:p>
+            <a:pPr algn="ctr"/>
+            <a:r>
+              <a:rPr lang="en-US" sz="1200" dirty="0"/>
+              <a:t>Sorting(Option)</a:t>
+            </a:r>
+          </a:p>
+        </p:txBody>
+      </p:sp>
+      <p:sp>
+        <p:nvSpPr>
+          <p:cNvPr id="12" name="TextBox 11"/>
+          <p:cNvSpPr txBox="1"/>
+          <p:nvPr/>
+        </p:nvSpPr>
+        <p:spPr>
+          <a:xfrm>
+            <a:off x="3562283" y="5495824"/>
+            <a:ext cx="1342260" cy="307777"/>
+          </a:xfrm>
+          <a:prstGeom prst="rect">
+            <a:avLst/>
+          </a:prstGeom>
+          <a:noFill/>
+        </p:spPr>
+        <p:txBody>
+          <a:bodyPr wrap="square" rtlCol="0">
+            <a:spAutoFit/>
+          </a:bodyPr>
+          <a:lstStyle/>
+          <a:p>
+            <a:pPr algn="ctr"/>
+            <a:r>
+              <a:rPr lang="en-US" sz="1400" dirty="0"/>
+              <a:t>Sorting.java</a:t>
+            </a:r>
+          </a:p>
+        </p:txBody>
+      </p:sp>
+      <p:sp>
+        <p:nvSpPr>
+          <p:cNvPr id="13" name="직사각형 12"/>
+          <p:cNvSpPr/>
+          <p:nvPr/>
+        </p:nvSpPr>
+        <p:spPr>
+          <a:xfrm>
+            <a:off x="7073539" y="2422877"/>
+            <a:ext cx="1602419" cy="1636439"/>
+          </a:xfrm>
+          <a:prstGeom prst="rect">
+            <a:avLst/>
+          </a:prstGeom>
+          <a:noFill/>
+        </p:spPr>
+        <p:style>
+          <a:lnRef idx="2">
+            <a:schemeClr val="accent1">
+              <a:shade val="50000"/>
+            </a:schemeClr>
+          </a:lnRef>
+          <a:fillRef idx="1">
+            <a:schemeClr val="accent1"/>
+          </a:fillRef>
+          <a:effectRef idx="0">
+            <a:schemeClr val="accent1"/>
+          </a:effectRef>
+          <a:fontRef idx="minor">
+            <a:schemeClr val="lt1"/>
+          </a:fontRef>
+        </p:style>
+        <p:txBody>
+          <a:bodyPr rtlCol="0" anchor="ctr"/>
+          <a:lstStyle/>
+          <a:p>
+            <a:pPr algn="ctr"/>
+            <a:endParaRPr lang="en-US"/>
+          </a:p>
+        </p:txBody>
+      </p:sp>
+      <p:sp>
+        <p:nvSpPr>
+          <p:cNvPr id="14" name="TextBox 13"/>
+          <p:cNvSpPr txBox="1"/>
+          <p:nvPr/>
+        </p:nvSpPr>
+        <p:spPr>
+          <a:xfrm>
+            <a:off x="7073539" y="2505918"/>
+            <a:ext cx="1602419" cy="1384995"/>
+          </a:xfrm>
+          <a:prstGeom prst="rect">
+            <a:avLst/>
+          </a:prstGeom>
+          <a:noFill/>
+        </p:spPr>
+        <p:txBody>
+          <a:bodyPr wrap="square" rtlCol="0">
+            <a:spAutoFit/>
+          </a:bodyPr>
+          <a:lstStyle/>
+          <a:p>
+            <a:pPr algn="ctr"/>
+            <a:r>
+              <a:rPr lang="en-US" sz="1200" dirty="0" err="1"/>
+              <a:t>createFile</a:t>
+            </a:r>
+            <a:r>
+              <a:rPr lang="en-US" sz="1200" dirty="0"/>
+              <a:t>();</a:t>
+            </a:r>
+          </a:p>
+          <a:p>
+            <a:pPr algn="ctr"/>
+            <a:r>
+              <a:rPr lang="en-US" sz="1200" dirty="0" err="1"/>
+              <a:t>deleteFile</a:t>
+            </a:r>
+            <a:r>
+              <a:rPr lang="en-US" sz="1200" dirty="0"/>
+              <a:t>();</a:t>
+            </a:r>
+          </a:p>
+          <a:p>
+            <a:pPr algn="ctr"/>
+            <a:r>
+              <a:rPr lang="en-US" sz="1200" dirty="0" err="1"/>
+              <a:t>addRow</a:t>
+            </a:r>
+            <a:r>
+              <a:rPr lang="en-US" sz="1200" dirty="0"/>
+              <a:t>();</a:t>
+            </a:r>
+          </a:p>
+          <a:p>
+            <a:pPr algn="ctr"/>
+            <a:r>
+              <a:rPr lang="en-US" sz="1200" dirty="0" err="1"/>
+              <a:t>deleteRow</a:t>
+            </a:r>
+            <a:r>
+              <a:rPr lang="en-US" sz="1200" dirty="0"/>
+              <a:t>();</a:t>
+            </a:r>
+          </a:p>
+          <a:p>
+            <a:pPr algn="ctr"/>
+            <a:r>
+              <a:rPr lang="en-US" sz="1200" dirty="0" err="1"/>
+              <a:t>updateFiled</a:t>
+            </a:r>
+            <a:r>
+              <a:rPr lang="en-US" sz="1200" dirty="0"/>
+              <a:t>();</a:t>
+            </a:r>
+          </a:p>
+          <a:p>
+            <a:pPr algn="ctr"/>
+            <a:r>
+              <a:rPr lang="en-US" sz="1200" dirty="0" err="1"/>
+              <a:t>searchTables</a:t>
+            </a:r>
+            <a:r>
+              <a:rPr lang="en-US" sz="1200" dirty="0"/>
+              <a:t>();</a:t>
+            </a:r>
+          </a:p>
+          <a:p>
+            <a:pPr algn="ctr"/>
+            <a:endParaRPr lang="en-US" sz="1200" dirty="0"/>
+          </a:p>
+        </p:txBody>
+      </p:sp>
+      <p:sp>
+        <p:nvSpPr>
+          <p:cNvPr id="15" name="TextBox 14"/>
+          <p:cNvSpPr txBox="1"/>
+          <p:nvPr/>
+        </p:nvSpPr>
+        <p:spPr>
+          <a:xfrm>
+            <a:off x="6902890" y="2056159"/>
+            <a:ext cx="1773068" cy="307777"/>
+          </a:xfrm>
+          <a:prstGeom prst="rect">
+            <a:avLst/>
+          </a:prstGeom>
+          <a:noFill/>
+        </p:spPr>
+        <p:txBody>
+          <a:bodyPr wrap="square" rtlCol="0">
+            <a:spAutoFit/>
+          </a:bodyPr>
+          <a:lstStyle/>
+          <a:p>
+            <a:pPr algn="ctr"/>
+            <a:r>
+              <a:rPr lang="en-US" sz="1400" dirty="0"/>
+              <a:t>FileHandler.java</a:t>
+            </a:r>
+          </a:p>
+        </p:txBody>
+      </p:sp>
+      <p:sp>
+        <p:nvSpPr>
+          <p:cNvPr id="18" name="TextBox 17"/>
+          <p:cNvSpPr txBox="1"/>
+          <p:nvPr/>
+        </p:nvSpPr>
+        <p:spPr>
+          <a:xfrm>
+            <a:off x="710202" y="3741087"/>
+            <a:ext cx="2448272" cy="246221"/>
+          </a:xfrm>
+          <a:prstGeom prst="rect">
+            <a:avLst/>
+          </a:prstGeom>
+          <a:noFill/>
+        </p:spPr>
+        <p:txBody>
+          <a:bodyPr wrap="square" rtlCol="0">
+            <a:spAutoFit/>
+          </a:bodyPr>
+          <a:lstStyle/>
+          <a:p>
+            <a:pPr algn="ctr"/>
+            <a:r>
+              <a:rPr lang="en-US" sz="1000" dirty="0"/>
+              <a:t>Call </a:t>
+            </a:r>
+            <a:r>
+              <a:rPr lang="en-US" sz="1000" dirty="0" err="1"/>
+              <a:t>commandFetch</a:t>
+            </a:r>
+            <a:r>
+              <a:rPr lang="en-US" sz="1000" dirty="0"/>
+              <a:t>(String </a:t>
+            </a:r>
+            <a:r>
+              <a:rPr lang="en-US" sz="1000" dirty="0" err="1"/>
+              <a:t>str</a:t>
+            </a:r>
+            <a:r>
+              <a:rPr lang="en-US" sz="1000" dirty="0"/>
+              <a:t>)</a:t>
+            </a:r>
+          </a:p>
+        </p:txBody>
+      </p:sp>
       <p:cxnSp>
         <p:nvCxnSpPr>
-          <p:cNvPr id="6" name="직선 연결선 5"/>
-          <p:cNvCxnSpPr/>
+          <p:cNvPr id="21" name="꺾인 연결선 20"/>
+          <p:cNvCxnSpPr>
+            <a:stCxn id="4" idx="2"/>
+          </p:cNvCxnSpPr>
           <p:nvPr/>
         </p:nvCxnSpPr>
         <p:spPr>
-          <a:xfrm>
-            <a:off x="827584" y="1412776"/>
-            <a:ext cx="7632848" cy="0"/>
-          </a:xfrm>
-          <a:prstGeom prst="line">
+          <a:xfrm rot="16200000" flipH="1">
+            <a:off x="2110872" y="2442621"/>
+            <a:ext cx="727051" cy="1800199"/>
+          </a:xfrm>
+          <a:prstGeom prst="bentConnector2">
             <a:avLst/>
           </a:prstGeom>
-          <a:ln w="28575">
-            <a:solidFill>
-              <a:schemeClr val="tx1"/>
-            </a:solidFill>
+          <a:ln>
+            <a:tailEnd type="triangle"/>
           </a:ln>
         </p:spPr>
         <p:style>
@@ -4888,22 +4951,20 @@
       </p:cxnSp>
       <p:cxnSp>
         <p:nvCxnSpPr>
-          <p:cNvPr id="7" name="직선 연결선 6"/>
+          <p:cNvPr id="23" name="직선 화살표 연결선 22"/>
           <p:cNvCxnSpPr/>
           <p:nvPr/>
         </p:nvCxnSpPr>
         <p:spPr>
-          <a:xfrm>
-            <a:off x="2627784" y="1412776"/>
-            <a:ext cx="0" cy="4968552"/>
-          </a:xfrm>
-          <a:prstGeom prst="line">
+          <a:xfrm flipV="1">
+            <a:off x="5534737" y="3330812"/>
+            <a:ext cx="1538802" cy="0"/>
+          </a:xfrm>
+          <a:prstGeom prst="straightConnector1">
             <a:avLst/>
           </a:prstGeom>
-          <a:ln w="28575">
-            <a:solidFill>
-              <a:schemeClr val="tx1"/>
-            </a:solidFill>
+          <a:ln>
+            <a:tailEnd type="triangle"/>
           </a:ln>
         </p:spPr>
         <p:style>
@@ -4923,26 +4984,431 @@
       </p:cxnSp>
       <p:sp>
         <p:nvSpPr>
-          <p:cNvPr id="10" name="직사각형 9"/>
-          <p:cNvSpPr/>
+          <p:cNvPr id="24" name="TextBox 23"/>
+          <p:cNvSpPr txBox="1"/>
           <p:nvPr/>
         </p:nvSpPr>
         <p:spPr>
           <a:xfrm>
-            <a:off x="2843808" y="1988840"/>
-            <a:ext cx="2952328" cy="1008112"/>
+            <a:off x="5533492" y="3381047"/>
+            <a:ext cx="1585422" cy="246221"/>
           </a:xfrm>
           <a:prstGeom prst="rect">
             <a:avLst/>
           </a:prstGeom>
           <a:noFill/>
-          <a:ln w="6350">
-            <a:solidFill>
-              <a:schemeClr val="bg1">
-                <a:lumMod val="75000"/>
-              </a:schemeClr>
-            </a:solidFill>
+        </p:spPr>
+        <p:txBody>
+          <a:bodyPr wrap="square" rtlCol="0">
+            <a:spAutoFit/>
+          </a:bodyPr>
+          <a:lstStyle/>
+          <a:p>
+            <a:pPr algn="ctr"/>
+            <a:r>
+              <a:rPr lang="en-US" sz="1000" dirty="0"/>
+              <a:t>Call each method</a:t>
+            </a:r>
+          </a:p>
+        </p:txBody>
+      </p:sp>
+      <p:sp>
+        <p:nvSpPr>
+          <p:cNvPr id="2" name="TextBox 1"/>
+          <p:cNvSpPr txBox="1"/>
+          <p:nvPr/>
+        </p:nvSpPr>
+        <p:spPr>
+          <a:xfrm>
+            <a:off x="125763" y="108457"/>
+            <a:ext cx="2088232" cy="369332"/>
+          </a:xfrm>
+          <a:prstGeom prst="rect">
+            <a:avLst/>
+          </a:prstGeom>
+          <a:noFill/>
+        </p:spPr>
+        <p:txBody>
+          <a:bodyPr wrap="square" rtlCol="0">
+            <a:spAutoFit/>
+          </a:bodyPr>
+          <a:lstStyle/>
+          <a:p>
+            <a:r>
+              <a:rPr lang="en-US" b="1" dirty="0"/>
+              <a:t>Context Diagram</a:t>
+            </a:r>
+          </a:p>
+        </p:txBody>
+      </p:sp>
+      <p:cxnSp>
+        <p:nvCxnSpPr>
+          <p:cNvPr id="16" name="직선 화살표 연결선 15"/>
+          <p:cNvCxnSpPr/>
+          <p:nvPr/>
+        </p:nvCxnSpPr>
+        <p:spPr>
+          <a:xfrm>
+            <a:off x="3662530" y="5012171"/>
+            <a:ext cx="0" cy="757581"/>
+          </a:xfrm>
+          <a:prstGeom prst="straightConnector1">
+            <a:avLst/>
+          </a:prstGeom>
+          <a:ln>
+            <a:tailEnd type="triangle"/>
           </a:ln>
+        </p:spPr>
+        <p:style>
+          <a:lnRef idx="1">
+            <a:schemeClr val="accent1"/>
+          </a:lnRef>
+          <a:fillRef idx="0">
+            <a:schemeClr val="accent1"/>
+          </a:fillRef>
+          <a:effectRef idx="0">
+            <a:schemeClr val="accent1"/>
+          </a:effectRef>
+          <a:fontRef idx="minor">
+            <a:schemeClr val="tx1"/>
+          </a:fontRef>
+        </p:style>
+      </p:cxnSp>
+      <p:sp>
+        <p:nvSpPr>
+          <p:cNvPr id="22" name="TextBox 21"/>
+          <p:cNvSpPr txBox="1"/>
+          <p:nvPr/>
+        </p:nvSpPr>
+        <p:spPr>
+          <a:xfrm>
+            <a:off x="1142250" y="5283452"/>
+            <a:ext cx="2703994" cy="246221"/>
+          </a:xfrm>
+          <a:prstGeom prst="rect">
+            <a:avLst/>
+          </a:prstGeom>
+          <a:noFill/>
+        </p:spPr>
+        <p:txBody>
+          <a:bodyPr wrap="square" rtlCol="0">
+            <a:spAutoFit/>
+          </a:bodyPr>
+          <a:lstStyle/>
+          <a:p>
+            <a:pPr algn="ctr"/>
+            <a:r>
+              <a:rPr lang="en-US" sz="1000" dirty="0"/>
+              <a:t>Call sorting(Option, Table)</a:t>
+            </a:r>
+          </a:p>
+        </p:txBody>
+      </p:sp>
+      <p:cxnSp>
+        <p:nvCxnSpPr>
+          <p:cNvPr id="25" name="꺾인 연결선 24"/>
+          <p:cNvCxnSpPr>
+            <a:stCxn id="7" idx="0"/>
+          </p:cNvCxnSpPr>
+          <p:nvPr/>
+        </p:nvCxnSpPr>
+        <p:spPr>
+          <a:xfrm rot="16200000" flipV="1">
+            <a:off x="3240109" y="701317"/>
+            <a:ext cx="448799" cy="1980221"/>
+          </a:xfrm>
+          <a:prstGeom prst="bentConnector2">
+            <a:avLst/>
+          </a:prstGeom>
+          <a:ln>
+            <a:tailEnd type="triangle"/>
+          </a:ln>
+        </p:spPr>
+        <p:style>
+          <a:lnRef idx="1">
+            <a:schemeClr val="accent1"/>
+          </a:lnRef>
+          <a:fillRef idx="0">
+            <a:schemeClr val="accent1"/>
+          </a:fillRef>
+          <a:effectRef idx="0">
+            <a:schemeClr val="accent1"/>
+          </a:effectRef>
+          <a:fontRef idx="minor">
+            <a:schemeClr val="tx1"/>
+          </a:fontRef>
+        </p:style>
+      </p:cxnSp>
+      <p:sp>
+        <p:nvSpPr>
+          <p:cNvPr id="26" name="TextBox 25"/>
+          <p:cNvSpPr txBox="1"/>
+          <p:nvPr/>
+        </p:nvSpPr>
+        <p:spPr>
+          <a:xfrm>
+            <a:off x="2500778" y="1167969"/>
+            <a:ext cx="3898055" cy="246221"/>
+          </a:xfrm>
+          <a:prstGeom prst="rect">
+            <a:avLst/>
+          </a:prstGeom>
+          <a:noFill/>
+        </p:spPr>
+        <p:txBody>
+          <a:bodyPr wrap="square" rtlCol="0">
+            <a:spAutoFit/>
+          </a:bodyPr>
+          <a:lstStyle/>
+          <a:p>
+            <a:r>
+              <a:rPr lang="en-US" sz="1000" dirty="0"/>
+              <a:t>Call </a:t>
+            </a:r>
+            <a:r>
+              <a:rPr lang="en-US" sz="1000" dirty="0" err="1"/>
+              <a:t>displayUpdate</a:t>
+            </a:r>
+            <a:r>
+              <a:rPr lang="en-US" sz="1000" dirty="0"/>
+              <a:t>(Event </a:t>
+            </a:r>
+            <a:r>
+              <a:rPr lang="en-US" sz="1000" dirty="0" err="1"/>
+              <a:t>event</a:t>
+            </a:r>
+            <a:r>
+              <a:rPr lang="en-US" sz="1000" dirty="0"/>
+              <a:t>, ArrayList </a:t>
+            </a:r>
+            <a:r>
+              <a:rPr lang="en-US" sz="1000" dirty="0" err="1"/>
+              <a:t>arrLst</a:t>
+            </a:r>
+            <a:r>
+              <a:rPr lang="en-US" sz="1000" dirty="0"/>
+              <a:t>)</a:t>
+            </a:r>
+          </a:p>
+        </p:txBody>
+      </p:sp>
+      <p:sp>
+        <p:nvSpPr>
+          <p:cNvPr id="27" name="TextBox 26"/>
+          <p:cNvSpPr txBox="1"/>
+          <p:nvPr/>
+        </p:nvSpPr>
+        <p:spPr>
+          <a:xfrm>
+            <a:off x="3374499" y="1979298"/>
+            <a:ext cx="2160239" cy="3046988"/>
+          </a:xfrm>
+          <a:prstGeom prst="rect">
+            <a:avLst/>
+          </a:prstGeom>
+          <a:noFill/>
+        </p:spPr>
+        <p:txBody>
+          <a:bodyPr wrap="square" rtlCol="0">
+            <a:spAutoFit/>
+          </a:bodyPr>
+          <a:lstStyle/>
+          <a:p>
+            <a:pPr algn="ctr"/>
+            <a:r>
+              <a:rPr lang="en-US" sz="1200" dirty="0"/>
+              <a:t>Create </a:t>
+            </a:r>
+            <a:r>
+              <a:rPr lang="en-US" sz="1200" dirty="0" err="1"/>
+              <a:t>FileHandler</a:t>
+            </a:r>
+            <a:r>
+              <a:rPr lang="en-US" sz="1200" dirty="0"/>
+              <a:t> </a:t>
+            </a:r>
+            <a:r>
+              <a:rPr lang="en-US" sz="1200" dirty="0" err="1"/>
+              <a:t>Obj</a:t>
+            </a:r>
+            <a:endParaRPr lang="en-US" sz="1200" dirty="0"/>
+          </a:p>
+          <a:p>
+            <a:pPr algn="ctr"/>
+            <a:r>
+              <a:rPr lang="en-US" sz="1200" dirty="0"/>
+              <a:t>Create Sorting </a:t>
+            </a:r>
+            <a:r>
+              <a:rPr lang="en-US" sz="1200" dirty="0" err="1"/>
+              <a:t>Obj</a:t>
+            </a:r>
+            <a:endParaRPr lang="en-US" sz="1200" dirty="0"/>
+          </a:p>
+          <a:p>
+            <a:pPr algn="ctr"/>
+            <a:r>
+              <a:rPr lang="en-US" sz="1200" dirty="0"/>
+              <a:t>Create Search </a:t>
+            </a:r>
+            <a:r>
+              <a:rPr lang="en-US" sz="1200" dirty="0" err="1"/>
+              <a:t>Obj</a:t>
+            </a:r>
+            <a:endParaRPr lang="en-US" sz="1200" dirty="0"/>
+          </a:p>
+          <a:p>
+            <a:pPr algn="ctr"/>
+            <a:r>
+              <a:rPr lang="en-US" sz="1200" dirty="0"/>
+              <a:t>Create Table </a:t>
+            </a:r>
+            <a:r>
+              <a:rPr lang="en-US" sz="1200" dirty="0" err="1"/>
+              <a:t>Obj</a:t>
+            </a:r>
+            <a:endParaRPr lang="en-US" sz="1200" dirty="0"/>
+          </a:p>
+          <a:p>
+            <a:pPr algn="ctr"/>
+            <a:endParaRPr lang="en-US" sz="1200" dirty="0"/>
+          </a:p>
+          <a:p>
+            <a:pPr algn="ctr"/>
+            <a:r>
+              <a:rPr lang="en-US" sz="1200" dirty="0" err="1"/>
+              <a:t>commandFetch</a:t>
+            </a:r>
+            <a:r>
+              <a:rPr lang="en-US" sz="1200" dirty="0"/>
+              <a:t>()</a:t>
+            </a:r>
+          </a:p>
+          <a:p>
+            <a:pPr marL="457200"/>
+            <a:r>
+              <a:rPr lang="en-US" sz="1200" dirty="0"/>
+              <a:t>call </a:t>
+            </a:r>
+            <a:r>
+              <a:rPr lang="en-US" sz="1200" dirty="0" err="1"/>
+              <a:t>createTable</a:t>
+            </a:r>
+            <a:r>
+              <a:rPr lang="en-US" sz="1200" dirty="0"/>
+              <a:t>()</a:t>
+            </a:r>
+          </a:p>
+          <a:p>
+            <a:pPr marL="457200"/>
+            <a:r>
+              <a:rPr lang="en-US" sz="1200" dirty="0"/>
+              <a:t>call </a:t>
+            </a:r>
+            <a:r>
+              <a:rPr lang="en-US" sz="1200" dirty="0" err="1"/>
+              <a:t>deleteTalbe</a:t>
+            </a:r>
+            <a:r>
+              <a:rPr lang="en-US" sz="1200" dirty="0"/>
+              <a:t>()</a:t>
+            </a:r>
+          </a:p>
+          <a:p>
+            <a:pPr marL="457200"/>
+            <a:r>
+              <a:rPr lang="en-US" sz="1200" dirty="0"/>
+              <a:t>call </a:t>
+            </a:r>
+            <a:r>
+              <a:rPr lang="en-US" sz="1200" dirty="0" err="1"/>
+              <a:t>addRecords</a:t>
+            </a:r>
+            <a:r>
+              <a:rPr lang="en-US" sz="1200" dirty="0"/>
+              <a:t>()</a:t>
+            </a:r>
+          </a:p>
+          <a:p>
+            <a:pPr marL="457200"/>
+            <a:r>
+              <a:rPr lang="en-US" sz="1200" dirty="0"/>
+              <a:t>call </a:t>
+            </a:r>
+            <a:r>
+              <a:rPr lang="en-US" sz="1200" dirty="0" err="1"/>
+              <a:t>deleteRecords</a:t>
+            </a:r>
+            <a:r>
+              <a:rPr lang="en-US" sz="1200" dirty="0"/>
+              <a:t>()</a:t>
+            </a:r>
+          </a:p>
+          <a:p>
+            <a:pPr marL="457200"/>
+            <a:r>
+              <a:rPr lang="en-US" sz="1200" dirty="0"/>
+              <a:t>call select()+</a:t>
+            </a:r>
+          </a:p>
+          <a:p>
+            <a:pPr algn="ctr"/>
+            <a:endParaRPr lang="en-US" sz="1200" dirty="0"/>
+          </a:p>
+          <a:p>
+            <a:pPr algn="ctr"/>
+            <a:r>
+              <a:rPr lang="en-US" sz="1200" dirty="0" err="1"/>
+              <a:t>generateDisplay</a:t>
+            </a:r>
+            <a:r>
+              <a:rPr lang="en-US" sz="1200" dirty="0"/>
+              <a:t>()</a:t>
+            </a:r>
+          </a:p>
+          <a:p>
+            <a:pPr algn="ctr"/>
+            <a:r>
+              <a:rPr lang="en-US" sz="1200" dirty="0" err="1"/>
+              <a:t>searchRow</a:t>
+            </a:r>
+            <a:r>
+              <a:rPr lang="en-US" sz="1200" dirty="0"/>
+              <a:t>()</a:t>
+            </a:r>
+          </a:p>
+          <a:p>
+            <a:pPr algn="ctr"/>
+            <a:r>
+              <a:rPr lang="en-US" sz="1200" dirty="0" err="1"/>
+              <a:t>searchTables</a:t>
+            </a:r>
+            <a:r>
+              <a:rPr lang="en-US" sz="1200" dirty="0"/>
+              <a:t>()</a:t>
+            </a:r>
+          </a:p>
+          <a:p>
+            <a:pPr algn="ctr"/>
+            <a:endParaRPr lang="en-US" sz="1200" dirty="0"/>
+          </a:p>
+        </p:txBody>
+      </p:sp>
+      <p:sp>
+        <p:nvSpPr>
+          <p:cNvPr id="28" name="직사각형 27"/>
+          <p:cNvSpPr/>
+          <p:nvPr/>
+        </p:nvSpPr>
+        <p:spPr>
+          <a:xfrm>
+            <a:off x="6560873" y="5293772"/>
+            <a:ext cx="2160239" cy="415297"/>
+          </a:xfrm>
+          <a:prstGeom prst="rect">
+            <a:avLst/>
+          </a:prstGeom>
+          <a:noFill/>
         </p:spPr>
         <p:style>
           <a:lnRef idx="2">
@@ -4969,26 +5435,85 @@
           </a:p>
         </p:txBody>
       </p:sp>
+      <p:sp>
+        <p:nvSpPr>
+          <p:cNvPr id="29" name="TextBox 28"/>
+          <p:cNvSpPr txBox="1"/>
+          <p:nvPr/>
+        </p:nvSpPr>
+        <p:spPr>
+          <a:xfrm>
+            <a:off x="6948043" y="4965885"/>
+            <a:ext cx="1385897" cy="307777"/>
+          </a:xfrm>
+          <a:prstGeom prst="rect">
+            <a:avLst/>
+          </a:prstGeom>
+          <a:noFill/>
+        </p:spPr>
+        <p:txBody>
+          <a:bodyPr wrap="square" rtlCol="0">
+            <a:spAutoFit/>
+          </a:bodyPr>
+          <a:lstStyle/>
+          <a:p>
+            <a:pPr algn="ctr"/>
+            <a:r>
+              <a:rPr lang="en-US" sz="1400" dirty="0"/>
+              <a:t>Search.java</a:t>
+            </a:r>
+          </a:p>
+        </p:txBody>
+      </p:sp>
+      <p:sp>
+        <p:nvSpPr>
+          <p:cNvPr id="30" name="TextBox 29"/>
+          <p:cNvSpPr txBox="1"/>
+          <p:nvPr/>
+        </p:nvSpPr>
+        <p:spPr>
+          <a:xfrm>
+            <a:off x="6871593" y="5366786"/>
+            <a:ext cx="1602419" cy="276999"/>
+          </a:xfrm>
+          <a:prstGeom prst="rect">
+            <a:avLst/>
+          </a:prstGeom>
+          <a:noFill/>
+        </p:spPr>
+        <p:txBody>
+          <a:bodyPr wrap="square" rtlCol="0">
+            <a:spAutoFit/>
+          </a:bodyPr>
+          <a:lstStyle/>
+          <a:p>
+            <a:pPr algn="ctr"/>
+            <a:r>
+              <a:rPr lang="en-US" sz="1200" dirty="0"/>
+              <a:t>Search(Option)</a:t>
+            </a:r>
+          </a:p>
+        </p:txBody>
+      </p:sp>
       <p:cxnSp>
         <p:nvCxnSpPr>
-          <p:cNvPr id="12" name="직선 연결선 11"/>
-          <p:cNvCxnSpPr/>
+          <p:cNvPr id="32" name="꺾인 연결선 31"/>
+          <p:cNvCxnSpPr>
+            <a:stCxn id="7" idx="2"/>
+            <a:endCxn id="28" idx="1"/>
+          </p:cNvCxnSpPr>
           <p:nvPr/>
         </p:nvCxnSpPr>
         <p:spPr>
-          <a:xfrm>
-            <a:off x="5580112" y="1988840"/>
-            <a:ext cx="0" cy="1008112"/>
-          </a:xfrm>
-          <a:prstGeom prst="line">
+          <a:xfrm rot="16200000" flipH="1">
+            <a:off x="5263120" y="4203668"/>
+            <a:ext cx="489250" cy="2106255"/>
+          </a:xfrm>
+          <a:prstGeom prst="bentConnector2">
             <a:avLst/>
           </a:prstGeom>
           <a:ln>
-            <a:solidFill>
-              <a:schemeClr val="bg1">
-                <a:lumMod val="75000"/>
-              </a:schemeClr>
-            </a:solidFill>
+            <a:tailEnd type="triangle"/>
           </a:ln>
         </p:spPr>
         <p:style>
@@ -5008,66 +5533,14 @@
       </p:cxnSp>
       <p:sp>
         <p:nvSpPr>
-          <p:cNvPr id="13" name="직사각형 12"/>
-          <p:cNvSpPr/>
-          <p:nvPr/>
-        </p:nvSpPr>
-        <p:spPr>
-          <a:xfrm>
-            <a:off x="5580112" y="2276872"/>
-            <a:ext cx="216024" cy="288032"/>
-          </a:xfrm>
-          <a:prstGeom prst="rect">
-            <a:avLst/>
-          </a:prstGeom>
-          <a:solidFill>
-            <a:schemeClr val="bg1">
-              <a:lumMod val="85000"/>
-            </a:schemeClr>
-          </a:solidFill>
-          <a:ln>
-            <a:solidFill>
-              <a:schemeClr val="bg1">
-                <a:lumMod val="75000"/>
-              </a:schemeClr>
-            </a:solidFill>
-          </a:ln>
-        </p:spPr>
-        <p:style>
-          <a:lnRef idx="2">
-            <a:schemeClr val="accent1">
-              <a:shade val="50000"/>
-            </a:schemeClr>
-          </a:lnRef>
-          <a:fillRef idx="1">
-            <a:schemeClr val="accent1"/>
-          </a:fillRef>
-          <a:effectRef idx="0">
-            <a:schemeClr val="accent1"/>
-          </a:effectRef>
-          <a:fontRef idx="minor">
-            <a:schemeClr val="lt1"/>
-          </a:fontRef>
-        </p:style>
-        <p:txBody>
-          <a:bodyPr rtlCol="0" anchor="ctr"/>
-          <a:lstStyle/>
-          <a:p>
-            <a:pPr algn="ctr"/>
-            <a:endParaRPr lang="en-US"/>
-          </a:p>
-        </p:txBody>
-      </p:sp>
-      <p:sp>
-        <p:nvSpPr>
-          <p:cNvPr id="14" name="TextBox 13"/>
+          <p:cNvPr id="37" name="TextBox 36"/>
           <p:cNvSpPr txBox="1"/>
           <p:nvPr/>
         </p:nvSpPr>
         <p:spPr>
           <a:xfrm>
-            <a:off x="2843808" y="1628800"/>
-            <a:ext cx="2160240" cy="369332"/>
+            <a:off x="4144644" y="5254026"/>
+            <a:ext cx="2703994" cy="246221"/>
           </a:xfrm>
           <a:prstGeom prst="rect">
             <a:avLst/>
@@ -5080,156 +5553,35 @@
           </a:bodyPr>
           <a:lstStyle/>
           <a:p>
-            <a:r>
-              <a:rPr lang="en-US" dirty="0"/>
-              <a:t>SQL Command</a:t>
-            </a:r>
-          </a:p>
-        </p:txBody>
-      </p:sp>
-      <p:sp>
-        <p:nvSpPr>
-          <p:cNvPr id="15" name="모서리가 둥근 직사각형 14"/>
-          <p:cNvSpPr/>
+            <a:pPr algn="ctr"/>
+            <a:r>
+              <a:rPr lang="en-US" sz="1000" dirty="0"/>
+              <a:t>Call search (option, Table) </a:t>
+            </a:r>
+          </a:p>
+        </p:txBody>
+      </p:sp>
+      <p:cxnSp>
+        <p:nvCxnSpPr>
+          <p:cNvPr id="40" name="꺾인 연결선 39"/>
+          <p:cNvCxnSpPr>
+            <a:stCxn id="29" idx="2"/>
+          </p:cNvCxnSpPr>
           <p:nvPr/>
-        </p:nvSpPr>
-        <p:spPr>
-          <a:xfrm>
-            <a:off x="5220072" y="1655434"/>
-            <a:ext cx="576064" cy="288033"/>
-          </a:xfrm>
-          <a:prstGeom prst="roundRect">
-            <a:avLst/>
+        </p:nvCxnSpPr>
+        <p:spPr>
+          <a:xfrm rot="5400000" flipH="1">
+            <a:off x="6247480" y="3880150"/>
+            <a:ext cx="696928" cy="2090096"/>
+          </a:xfrm>
+          <a:prstGeom prst="bentConnector4">
+            <a:avLst>
+              <a:gd name="adj1" fmla="val 99677"/>
+              <a:gd name="adj2" fmla="val 66577"/>
+            </a:avLst>
           </a:prstGeom>
           <a:ln>
-            <a:noFill/>
-          </a:ln>
-        </p:spPr>
-        <p:style>
-          <a:lnRef idx="2">
-            <a:schemeClr val="accent1">
-              <a:shade val="50000"/>
-            </a:schemeClr>
-          </a:lnRef>
-          <a:fillRef idx="1">
-            <a:schemeClr val="accent1"/>
-          </a:fillRef>
-          <a:effectRef idx="0">
-            <a:schemeClr val="accent1"/>
-          </a:effectRef>
-          <a:fontRef idx="minor">
-            <a:schemeClr val="lt1"/>
-          </a:fontRef>
-        </p:style>
-        <p:txBody>
-          <a:bodyPr rtlCol="0" anchor="ctr"/>
-          <a:lstStyle/>
-          <a:p>
-            <a:pPr algn="ctr"/>
-            <a:r>
-              <a:rPr lang="en-US" sz="1000" dirty="0"/>
-              <a:t>RUN</a:t>
-            </a:r>
-          </a:p>
-        </p:txBody>
-      </p:sp>
-      <p:sp>
-        <p:nvSpPr>
-          <p:cNvPr id="16" name="TextBox 15"/>
-          <p:cNvSpPr txBox="1"/>
-          <p:nvPr/>
-        </p:nvSpPr>
-        <p:spPr>
-          <a:xfrm>
-            <a:off x="971600" y="1052736"/>
-            <a:ext cx="4968552" cy="369332"/>
-          </a:xfrm>
-          <a:prstGeom prst="rect">
-            <a:avLst/>
-          </a:prstGeom>
-          <a:noFill/>
-        </p:spPr>
-        <p:txBody>
-          <a:bodyPr wrap="square" rtlCol="0">
-            <a:spAutoFit/>
-          </a:bodyPr>
-          <a:lstStyle/>
-          <a:p>
-            <a:r>
-              <a:rPr lang="en-US" dirty="0"/>
-              <a:t>Group Information’s Database</a:t>
-            </a:r>
-          </a:p>
-        </p:txBody>
-      </p:sp>
-      <p:sp>
-        <p:nvSpPr>
-          <p:cNvPr id="17" name="직사각형 16"/>
-          <p:cNvSpPr/>
-          <p:nvPr/>
-        </p:nvSpPr>
-        <p:spPr>
-          <a:xfrm>
-            <a:off x="2843808" y="3549172"/>
-            <a:ext cx="5328592" cy="2472115"/>
-          </a:xfrm>
-          <a:prstGeom prst="rect">
-            <a:avLst/>
-          </a:prstGeom>
-          <a:noFill/>
-          <a:ln w="6350">
-            <a:solidFill>
-              <a:schemeClr val="bg1">
-                <a:lumMod val="75000"/>
-              </a:schemeClr>
-            </a:solidFill>
-          </a:ln>
-        </p:spPr>
-        <p:style>
-          <a:lnRef idx="2">
-            <a:schemeClr val="accent1">
-              <a:shade val="50000"/>
-            </a:schemeClr>
-          </a:lnRef>
-          <a:fillRef idx="1">
-            <a:schemeClr val="accent1"/>
-          </a:fillRef>
-          <a:effectRef idx="0">
-            <a:schemeClr val="accent1"/>
-          </a:effectRef>
-          <a:fontRef idx="minor">
-            <a:schemeClr val="lt1"/>
-          </a:fontRef>
-        </p:style>
-        <p:txBody>
-          <a:bodyPr rtlCol="0" anchor="ctr"/>
-          <a:lstStyle/>
-          <a:p>
-            <a:pPr algn="ctr"/>
-            <a:endParaRPr lang="en-US"/>
-          </a:p>
-        </p:txBody>
-      </p:sp>
-      <p:cxnSp>
-        <p:nvCxnSpPr>
-          <p:cNvPr id="18" name="직선 연결선 17"/>
-          <p:cNvCxnSpPr/>
-          <p:nvPr/>
-        </p:nvCxnSpPr>
-        <p:spPr>
-          <a:xfrm>
-            <a:off x="7956376" y="3549172"/>
-            <a:ext cx="0" cy="2472115"/>
-          </a:xfrm>
-          <a:prstGeom prst="line">
-            <a:avLst/>
-          </a:prstGeom>
-          <a:ln>
-            <a:solidFill>
-              <a:schemeClr val="bg1">
-                <a:lumMod val="75000"/>
-              </a:schemeClr>
-            </a:solidFill>
+            <a:tailEnd type="triangle"/>
           </a:ln>
         </p:spPr>
         <p:style>
@@ -5249,66 +5601,14 @@
       </p:cxnSp>
       <p:sp>
         <p:nvSpPr>
-          <p:cNvPr id="19" name="직사각형 18"/>
-          <p:cNvSpPr/>
-          <p:nvPr/>
-        </p:nvSpPr>
-        <p:spPr>
-          <a:xfrm>
-            <a:off x="7956376" y="4149080"/>
-            <a:ext cx="216024" cy="792088"/>
-          </a:xfrm>
-          <a:prstGeom prst="rect">
-            <a:avLst/>
-          </a:prstGeom>
-          <a:solidFill>
-            <a:schemeClr val="bg1">
-              <a:lumMod val="85000"/>
-            </a:schemeClr>
-          </a:solidFill>
-          <a:ln>
-            <a:solidFill>
-              <a:schemeClr val="bg1">
-                <a:lumMod val="75000"/>
-              </a:schemeClr>
-            </a:solidFill>
-          </a:ln>
-        </p:spPr>
-        <p:style>
-          <a:lnRef idx="2">
-            <a:schemeClr val="accent1">
-              <a:shade val="50000"/>
-            </a:schemeClr>
-          </a:lnRef>
-          <a:fillRef idx="1">
-            <a:schemeClr val="accent1"/>
-          </a:fillRef>
-          <a:effectRef idx="0">
-            <a:schemeClr val="accent1"/>
-          </a:effectRef>
-          <a:fontRef idx="minor">
-            <a:schemeClr val="lt1"/>
-          </a:fontRef>
-        </p:style>
-        <p:txBody>
-          <a:bodyPr rtlCol="0" anchor="ctr"/>
-          <a:lstStyle/>
-          <a:p>
-            <a:pPr algn="ctr"/>
-            <a:endParaRPr lang="en-US"/>
-          </a:p>
-        </p:txBody>
-      </p:sp>
-      <p:sp>
-        <p:nvSpPr>
-          <p:cNvPr id="22" name="TextBox 21"/>
+          <p:cNvPr id="41" name="TextBox 40"/>
           <p:cNvSpPr txBox="1"/>
           <p:nvPr/>
         </p:nvSpPr>
         <p:spPr>
           <a:xfrm>
-            <a:off x="2843808" y="3212976"/>
-            <a:ext cx="2160240" cy="369332"/>
+            <a:off x="5496902" y="4600148"/>
+            <a:ext cx="2703994" cy="246221"/>
           </a:xfrm>
           <a:prstGeom prst="rect">
             <a:avLst/>
@@ -5321,83 +5621,30 @@
           </a:bodyPr>
           <a:lstStyle/>
           <a:p>
-            <a:r>
-              <a:rPr lang="en-US" dirty="0"/>
-              <a:t>Result</a:t>
-            </a:r>
-          </a:p>
-        </p:txBody>
-      </p:sp>
-      <p:sp>
-        <p:nvSpPr>
-          <p:cNvPr id="23" name="직사각형 22"/>
-          <p:cNvSpPr/>
-          <p:nvPr/>
-        </p:nvSpPr>
-        <p:spPr>
-          <a:xfrm>
-            <a:off x="903041" y="1530980"/>
-            <a:ext cx="1631529" cy="2762115"/>
-          </a:xfrm>
-          <a:prstGeom prst="rect">
-            <a:avLst/>
-          </a:prstGeom>
-          <a:noFill/>
-          <a:ln w="6350">
-            <a:solidFill>
-              <a:schemeClr val="bg1">
-                <a:lumMod val="75000"/>
-              </a:schemeClr>
-            </a:solidFill>
-            <a:prstDash val="dash"/>
-          </a:ln>
-        </p:spPr>
-        <p:style>
-          <a:lnRef idx="2">
-            <a:schemeClr val="accent1">
-              <a:shade val="50000"/>
-            </a:schemeClr>
-          </a:lnRef>
-          <a:fillRef idx="1">
-            <a:schemeClr val="accent1"/>
-          </a:fillRef>
-          <a:effectRef idx="0">
-            <a:schemeClr val="accent1"/>
-          </a:effectRef>
-          <a:fontRef idx="minor">
-            <a:schemeClr val="lt1"/>
-          </a:fontRef>
-        </p:style>
-        <p:txBody>
-          <a:bodyPr rtlCol="0" anchor="ctr"/>
-          <a:lstStyle/>
-          <a:p>
             <a:pPr algn="ctr"/>
-            <a:endParaRPr lang="en-US"/>
+            <a:r>
+              <a:rPr lang="en-US" sz="1000" dirty="0"/>
+              <a:t>Return ArrayList of row IDs</a:t>
+            </a:r>
           </a:p>
         </p:txBody>
       </p:sp>
       <p:cxnSp>
         <p:nvCxnSpPr>
-          <p:cNvPr id="25" name="직선 연결선 24"/>
+          <p:cNvPr id="47" name="직선 화살표 연결선 46"/>
           <p:cNvCxnSpPr/>
           <p:nvPr/>
         </p:nvCxnSpPr>
         <p:spPr>
-          <a:xfrm>
-            <a:off x="903040" y="1844824"/>
-            <a:ext cx="1645920" cy="0"/>
-          </a:xfrm>
-          <a:prstGeom prst="line">
+          <a:xfrm flipH="1">
+            <a:off x="5550893" y="2780928"/>
+            <a:ext cx="1522646" cy="0"/>
+          </a:xfrm>
+          <a:prstGeom prst="straightConnector1">
             <a:avLst/>
           </a:prstGeom>
           <a:ln>
-            <a:solidFill>
-              <a:schemeClr val="bg1">
-                <a:lumMod val="75000"/>
-              </a:schemeClr>
-            </a:solidFill>
-            <a:prstDash val="dash"/>
+            <a:tailEnd type="triangle"/>
           </a:ln>
         </p:spPr>
         <p:style>
@@ -5415,206 +5662,16 @@
           </a:fontRef>
         </p:style>
       </p:cxnSp>
-      <p:cxnSp>
-        <p:nvCxnSpPr>
-          <p:cNvPr id="26" name="직선 연결선 25"/>
-          <p:cNvCxnSpPr/>
-          <p:nvPr/>
-        </p:nvCxnSpPr>
-        <p:spPr>
-          <a:xfrm>
-            <a:off x="908469" y="2141734"/>
-            <a:ext cx="1645920" cy="0"/>
-          </a:xfrm>
-          <a:prstGeom prst="line">
-            <a:avLst/>
-          </a:prstGeom>
-          <a:ln>
-            <a:solidFill>
-              <a:schemeClr val="bg1">
-                <a:lumMod val="75000"/>
-              </a:schemeClr>
-            </a:solidFill>
-            <a:prstDash val="dash"/>
-          </a:ln>
-        </p:spPr>
-        <p:style>
-          <a:lnRef idx="1">
-            <a:schemeClr val="accent1"/>
-          </a:lnRef>
-          <a:fillRef idx="0">
-            <a:schemeClr val="accent1"/>
-          </a:fillRef>
-          <a:effectRef idx="0">
-            <a:schemeClr val="accent1"/>
-          </a:effectRef>
-          <a:fontRef idx="minor">
-            <a:schemeClr val="tx1"/>
-          </a:fontRef>
-        </p:style>
-      </p:cxnSp>
-      <p:cxnSp>
-        <p:nvCxnSpPr>
-          <p:cNvPr id="27" name="직선 연결선 26"/>
-          <p:cNvCxnSpPr/>
-          <p:nvPr/>
-        </p:nvCxnSpPr>
-        <p:spPr>
-          <a:xfrm>
-            <a:off x="908469" y="2466262"/>
-            <a:ext cx="1645920" cy="0"/>
-          </a:xfrm>
-          <a:prstGeom prst="line">
-            <a:avLst/>
-          </a:prstGeom>
-          <a:ln>
-            <a:solidFill>
-              <a:schemeClr val="bg1">
-                <a:lumMod val="75000"/>
-              </a:schemeClr>
-            </a:solidFill>
-            <a:prstDash val="dash"/>
-          </a:ln>
-        </p:spPr>
-        <p:style>
-          <a:lnRef idx="1">
-            <a:schemeClr val="accent1"/>
-          </a:lnRef>
-          <a:fillRef idx="0">
-            <a:schemeClr val="accent1"/>
-          </a:fillRef>
-          <a:effectRef idx="0">
-            <a:schemeClr val="accent1"/>
-          </a:effectRef>
-          <a:fontRef idx="minor">
-            <a:schemeClr val="tx1"/>
-          </a:fontRef>
-        </p:style>
-      </p:cxnSp>
-      <p:cxnSp>
-        <p:nvCxnSpPr>
-          <p:cNvPr id="28" name="직선 연결선 27"/>
-          <p:cNvCxnSpPr/>
-          <p:nvPr/>
-        </p:nvCxnSpPr>
-        <p:spPr>
-          <a:xfrm>
-            <a:off x="908469" y="2780928"/>
-            <a:ext cx="1645920" cy="0"/>
-          </a:xfrm>
-          <a:prstGeom prst="line">
-            <a:avLst/>
-          </a:prstGeom>
-          <a:ln>
-            <a:solidFill>
-              <a:schemeClr val="bg1">
-                <a:lumMod val="75000"/>
-              </a:schemeClr>
-            </a:solidFill>
-            <a:prstDash val="dash"/>
-          </a:ln>
-        </p:spPr>
-        <p:style>
-          <a:lnRef idx="1">
-            <a:schemeClr val="accent1"/>
-          </a:lnRef>
-          <a:fillRef idx="0">
-            <a:schemeClr val="accent1"/>
-          </a:fillRef>
-          <a:effectRef idx="0">
-            <a:schemeClr val="accent1"/>
-          </a:effectRef>
-          <a:fontRef idx="minor">
-            <a:schemeClr val="tx1"/>
-          </a:fontRef>
-        </p:style>
-      </p:cxnSp>
-      <p:cxnSp>
-        <p:nvCxnSpPr>
-          <p:cNvPr id="29" name="직선 연결선 28"/>
-          <p:cNvCxnSpPr/>
-          <p:nvPr/>
-        </p:nvCxnSpPr>
-        <p:spPr>
-          <a:xfrm>
-            <a:off x="926225" y="3104472"/>
-            <a:ext cx="1645920" cy="0"/>
-          </a:xfrm>
-          <a:prstGeom prst="line">
-            <a:avLst/>
-          </a:prstGeom>
-          <a:ln>
-            <a:solidFill>
-              <a:schemeClr val="bg1">
-                <a:lumMod val="75000"/>
-              </a:schemeClr>
-            </a:solidFill>
-            <a:prstDash val="dash"/>
-          </a:ln>
-        </p:spPr>
-        <p:style>
-          <a:lnRef idx="1">
-            <a:schemeClr val="accent1"/>
-          </a:lnRef>
-          <a:fillRef idx="0">
-            <a:schemeClr val="accent1"/>
-          </a:fillRef>
-          <a:effectRef idx="0">
-            <a:schemeClr val="accent1"/>
-          </a:effectRef>
-          <a:fontRef idx="minor">
-            <a:schemeClr val="tx1"/>
-          </a:fontRef>
-        </p:style>
-      </p:cxnSp>
-      <p:cxnSp>
-        <p:nvCxnSpPr>
-          <p:cNvPr id="30" name="직선 연결선 29"/>
-          <p:cNvCxnSpPr/>
-          <p:nvPr/>
-        </p:nvCxnSpPr>
-        <p:spPr>
-          <a:xfrm>
-            <a:off x="899591" y="3402366"/>
-            <a:ext cx="1645920" cy="0"/>
-          </a:xfrm>
-          <a:prstGeom prst="line">
-            <a:avLst/>
-          </a:prstGeom>
-          <a:ln>
-            <a:solidFill>
-              <a:schemeClr val="bg1">
-                <a:lumMod val="75000"/>
-              </a:schemeClr>
-            </a:solidFill>
-            <a:prstDash val="dash"/>
-          </a:ln>
-        </p:spPr>
-        <p:style>
-          <a:lnRef idx="1">
-            <a:schemeClr val="accent1"/>
-          </a:lnRef>
-          <a:fillRef idx="0">
-            <a:schemeClr val="accent1"/>
-          </a:fillRef>
-          <a:effectRef idx="0">
-            <a:schemeClr val="accent1"/>
-          </a:effectRef>
-          <a:fontRef idx="minor">
-            <a:schemeClr val="tx1"/>
-          </a:fontRef>
-        </p:style>
-      </p:cxnSp>
-      <p:sp>
-        <p:nvSpPr>
-          <p:cNvPr id="31" name="TextBox 30"/>
+      <p:sp>
+        <p:nvSpPr>
+          <p:cNvPr id="49" name="TextBox 48"/>
           <p:cNvSpPr txBox="1"/>
           <p:nvPr/>
         </p:nvSpPr>
         <p:spPr>
           <a:xfrm>
-            <a:off x="1403648" y="3573016"/>
-            <a:ext cx="720080" cy="369332"/>
+            <a:off x="5533492" y="2579086"/>
+            <a:ext cx="1585422" cy="400110"/>
           </a:xfrm>
           <a:prstGeom prst="rect">
             <a:avLst/>
@@ -5627,436 +5684,17 @@
           </a:bodyPr>
           <a:lstStyle/>
           <a:p>
-            <a:r>
-              <a:rPr lang="en-US" dirty="0">
-                <a:solidFill>
-                  <a:schemeClr val="bg1">
-                    <a:lumMod val="50000"/>
-                  </a:schemeClr>
-                </a:solidFill>
-              </a:rPr>
-              <a:t>…</a:t>
-            </a:r>
-          </a:p>
-        </p:txBody>
-      </p:sp>
-      <p:sp>
-        <p:nvSpPr>
-          <p:cNvPr id="32" name="TextBox 31"/>
-          <p:cNvSpPr txBox="1"/>
-          <p:nvPr/>
-        </p:nvSpPr>
-        <p:spPr>
-          <a:xfrm>
-            <a:off x="908470" y="1511418"/>
-            <a:ext cx="1080120" cy="307777"/>
-          </a:xfrm>
-          <a:prstGeom prst="rect">
-            <a:avLst/>
-          </a:prstGeom>
-          <a:noFill/>
-        </p:spPr>
-        <p:txBody>
-          <a:bodyPr wrap="square" rtlCol="0">
-            <a:spAutoFit/>
-          </a:bodyPr>
-          <a:lstStyle/>
-          <a:p>
-            <a:r>
-              <a:rPr lang="en-US" sz="1400" dirty="0">
-                <a:solidFill>
-                  <a:schemeClr val="bg1">
-                    <a:lumMod val="50000"/>
-                  </a:schemeClr>
-                </a:solidFill>
-              </a:rPr>
-              <a:t>Table1</a:t>
-            </a:r>
-          </a:p>
-        </p:txBody>
-      </p:sp>
-      <p:sp>
-        <p:nvSpPr>
-          <p:cNvPr id="33" name="TextBox 32"/>
-          <p:cNvSpPr txBox="1"/>
-          <p:nvPr/>
-        </p:nvSpPr>
-        <p:spPr>
-          <a:xfrm>
-            <a:off x="908470" y="1831996"/>
-            <a:ext cx="1080120" cy="307777"/>
-          </a:xfrm>
-          <a:prstGeom prst="rect">
-            <a:avLst/>
-          </a:prstGeom>
-          <a:noFill/>
-        </p:spPr>
-        <p:txBody>
-          <a:bodyPr wrap="square" rtlCol="0">
-            <a:spAutoFit/>
-          </a:bodyPr>
-          <a:lstStyle/>
-          <a:p>
-            <a:r>
-              <a:rPr lang="en-US" sz="1400" dirty="0">
-                <a:solidFill>
-                  <a:schemeClr val="bg1">
-                    <a:lumMod val="50000"/>
-                  </a:schemeClr>
-                </a:solidFill>
-              </a:rPr>
-              <a:t>Table2</a:t>
-            </a:r>
-          </a:p>
-        </p:txBody>
-      </p:sp>
-      <p:sp>
-        <p:nvSpPr>
-          <p:cNvPr id="34" name="TextBox 33"/>
-          <p:cNvSpPr txBox="1"/>
-          <p:nvPr/>
-        </p:nvSpPr>
-        <p:spPr>
-          <a:xfrm>
-            <a:off x="899592" y="2152574"/>
-            <a:ext cx="1080120" cy="307777"/>
-          </a:xfrm>
-          <a:prstGeom prst="rect">
-            <a:avLst/>
-          </a:prstGeom>
-          <a:noFill/>
-        </p:spPr>
-        <p:txBody>
-          <a:bodyPr wrap="square" rtlCol="0">
-            <a:spAutoFit/>
-          </a:bodyPr>
-          <a:lstStyle/>
-          <a:p>
-            <a:r>
-              <a:rPr lang="en-US" sz="1400" dirty="0">
-                <a:solidFill>
-                  <a:schemeClr val="bg1">
-                    <a:lumMod val="50000"/>
-                  </a:schemeClr>
-                </a:solidFill>
-              </a:rPr>
-              <a:t>Table3</a:t>
-            </a:r>
-          </a:p>
-        </p:txBody>
-      </p:sp>
-      <p:sp>
-        <p:nvSpPr>
-          <p:cNvPr id="35" name="TextBox 34"/>
-          <p:cNvSpPr txBox="1"/>
-          <p:nvPr/>
-        </p:nvSpPr>
-        <p:spPr>
-          <a:xfrm>
-            <a:off x="899592" y="2473151"/>
-            <a:ext cx="1080120" cy="307777"/>
-          </a:xfrm>
-          <a:prstGeom prst="rect">
-            <a:avLst/>
-          </a:prstGeom>
-          <a:noFill/>
-        </p:spPr>
-        <p:txBody>
-          <a:bodyPr wrap="square" rtlCol="0">
-            <a:spAutoFit/>
-          </a:bodyPr>
-          <a:lstStyle/>
-          <a:p>
-            <a:r>
-              <a:rPr lang="en-US" sz="1400" dirty="0">
-                <a:solidFill>
-                  <a:schemeClr val="bg1">
-                    <a:lumMod val="50000"/>
-                  </a:schemeClr>
-                </a:solidFill>
-              </a:rPr>
-              <a:t>Table4</a:t>
-            </a:r>
-          </a:p>
-        </p:txBody>
-      </p:sp>
-      <p:sp>
-        <p:nvSpPr>
-          <p:cNvPr id="36" name="TextBox 35"/>
-          <p:cNvSpPr txBox="1"/>
-          <p:nvPr/>
-        </p:nvSpPr>
-        <p:spPr>
-          <a:xfrm>
-            <a:off x="125763" y="108457"/>
-            <a:ext cx="2088232" cy="369332"/>
-          </a:xfrm>
-          <a:prstGeom prst="rect">
-            <a:avLst/>
-          </a:prstGeom>
-          <a:noFill/>
-        </p:spPr>
-        <p:txBody>
-          <a:bodyPr wrap="square" rtlCol="0">
-            <a:spAutoFit/>
-          </a:bodyPr>
-          <a:lstStyle/>
-          <a:p>
-            <a:r>
-              <a:rPr lang="en-US" b="1" dirty="0"/>
-              <a:t>GUI Specification</a:t>
-            </a:r>
-          </a:p>
-        </p:txBody>
-      </p:sp>
-      <p:cxnSp>
-        <p:nvCxnSpPr>
-          <p:cNvPr id="3" name="직선 연결선 2"/>
-          <p:cNvCxnSpPr/>
-          <p:nvPr/>
-        </p:nvCxnSpPr>
-        <p:spPr>
-          <a:xfrm>
-            <a:off x="827584" y="836712"/>
-            <a:ext cx="7632848" cy="0"/>
-          </a:xfrm>
-          <a:prstGeom prst="line">
-            <a:avLst/>
-          </a:prstGeom>
-          <a:ln>
-            <a:headEnd type="arrow"/>
-            <a:tailEnd type="arrow"/>
-          </a:ln>
-        </p:spPr>
-        <p:style>
-          <a:lnRef idx="1">
-            <a:schemeClr val="accent1"/>
-          </a:lnRef>
-          <a:fillRef idx="0">
-            <a:schemeClr val="accent1"/>
-          </a:fillRef>
-          <a:effectRef idx="0">
-            <a:schemeClr val="accent1"/>
-          </a:effectRef>
-          <a:fontRef idx="minor">
-            <a:schemeClr val="tx1"/>
-          </a:fontRef>
-        </p:style>
-      </p:cxnSp>
-      <p:sp>
-        <p:nvSpPr>
-          <p:cNvPr id="5" name="TextBox 4"/>
-          <p:cNvSpPr txBox="1"/>
-          <p:nvPr/>
-        </p:nvSpPr>
-        <p:spPr>
-          <a:xfrm>
-            <a:off x="4499992" y="457310"/>
-            <a:ext cx="1008112" cy="369332"/>
-          </a:xfrm>
-          <a:prstGeom prst="rect">
-            <a:avLst/>
-          </a:prstGeom>
-          <a:noFill/>
-        </p:spPr>
-        <p:txBody>
-          <a:bodyPr wrap="square" rtlCol="0">
-            <a:spAutoFit/>
-          </a:bodyPr>
-          <a:lstStyle/>
-          <a:p>
-            <a:r>
-              <a:rPr lang="en-US" dirty="0"/>
-              <a:t>1280</a:t>
-            </a:r>
-          </a:p>
-        </p:txBody>
-      </p:sp>
-      <p:cxnSp>
-        <p:nvCxnSpPr>
-          <p:cNvPr id="9" name="직선 화살표 연결선 8"/>
-          <p:cNvCxnSpPr/>
-          <p:nvPr/>
-        </p:nvCxnSpPr>
-        <p:spPr>
-          <a:xfrm flipH="1">
-            <a:off x="665812" y="908720"/>
-            <a:ext cx="2349" cy="5472608"/>
-          </a:xfrm>
-          <a:prstGeom prst="straightConnector1">
-            <a:avLst/>
-          </a:prstGeom>
-          <a:ln>
-            <a:headEnd type="triangle"/>
-            <a:tailEnd type="triangle"/>
-          </a:ln>
-        </p:spPr>
-        <p:style>
-          <a:lnRef idx="1">
-            <a:schemeClr val="accent1"/>
-          </a:lnRef>
-          <a:fillRef idx="0">
-            <a:schemeClr val="accent1"/>
-          </a:fillRef>
-          <a:effectRef idx="0">
-            <a:schemeClr val="accent1"/>
-          </a:effectRef>
-          <a:fontRef idx="minor">
-            <a:schemeClr val="tx1"/>
-          </a:fontRef>
-        </p:style>
-      </p:cxnSp>
-      <p:sp>
-        <p:nvSpPr>
-          <p:cNvPr id="37" name="TextBox 36"/>
-          <p:cNvSpPr txBox="1"/>
-          <p:nvPr/>
-        </p:nvSpPr>
-        <p:spPr>
-          <a:xfrm>
-            <a:off x="179512" y="3211859"/>
-            <a:ext cx="1008112" cy="369332"/>
-          </a:xfrm>
-          <a:prstGeom prst="rect">
-            <a:avLst/>
-          </a:prstGeom>
-          <a:noFill/>
-        </p:spPr>
-        <p:txBody>
-          <a:bodyPr wrap="square" rtlCol="0">
-            <a:spAutoFit/>
-          </a:bodyPr>
-          <a:lstStyle/>
-          <a:p>
-            <a:r>
-              <a:rPr lang="en-US" dirty="0"/>
-              <a:t>768</a:t>
-            </a:r>
-          </a:p>
-        </p:txBody>
-      </p:sp>
-      <p:sp>
-        <p:nvSpPr>
-          <p:cNvPr id="38" name="TextBox 37"/>
-          <p:cNvSpPr txBox="1"/>
-          <p:nvPr/>
-        </p:nvSpPr>
-        <p:spPr>
-          <a:xfrm>
-            <a:off x="292654" y="986921"/>
-            <a:ext cx="1008112" cy="369332"/>
-          </a:xfrm>
-          <a:prstGeom prst="rect">
-            <a:avLst/>
-          </a:prstGeom>
-          <a:noFill/>
-        </p:spPr>
-        <p:txBody>
-          <a:bodyPr wrap="square" rtlCol="0">
-            <a:spAutoFit/>
-          </a:bodyPr>
-          <a:lstStyle/>
-          <a:p>
-            <a:r>
-              <a:rPr lang="en-US" dirty="0"/>
-              <a:t>80</a:t>
-            </a:r>
-          </a:p>
-        </p:txBody>
-      </p:sp>
-      <p:cxnSp>
-        <p:nvCxnSpPr>
-          <p:cNvPr id="24" name="직선 화살표 연결선 23"/>
-          <p:cNvCxnSpPr/>
-          <p:nvPr/>
-        </p:nvCxnSpPr>
-        <p:spPr>
-          <a:xfrm>
-            <a:off x="755576" y="917598"/>
-            <a:ext cx="0" cy="436694"/>
-          </a:xfrm>
-          <a:prstGeom prst="straightConnector1">
-            <a:avLst/>
-          </a:prstGeom>
-          <a:ln>
-            <a:headEnd type="triangle"/>
-            <a:tailEnd type="triangle"/>
-          </a:ln>
-        </p:spPr>
-        <p:style>
-          <a:lnRef idx="1">
-            <a:schemeClr val="accent1"/>
-          </a:lnRef>
-          <a:fillRef idx="0">
-            <a:schemeClr val="accent1"/>
-          </a:fillRef>
-          <a:effectRef idx="0">
-            <a:schemeClr val="accent1"/>
-          </a:effectRef>
-          <a:fontRef idx="minor">
-            <a:schemeClr val="tx1"/>
-          </a:fontRef>
-        </p:style>
-      </p:cxnSp>
-      <p:cxnSp>
-        <p:nvCxnSpPr>
-          <p:cNvPr id="39" name="직선 연결선 38"/>
-          <p:cNvCxnSpPr/>
-          <p:nvPr/>
-        </p:nvCxnSpPr>
-        <p:spPr>
-          <a:xfrm>
-            <a:off x="827584" y="738070"/>
-            <a:ext cx="1800200" cy="0"/>
-          </a:xfrm>
-          <a:prstGeom prst="line">
-            <a:avLst/>
-          </a:prstGeom>
-          <a:ln>
-            <a:headEnd type="arrow"/>
-            <a:tailEnd type="arrow"/>
-          </a:ln>
-        </p:spPr>
-        <p:style>
-          <a:lnRef idx="1">
-            <a:schemeClr val="accent1"/>
-          </a:lnRef>
-          <a:fillRef idx="0">
-            <a:schemeClr val="accent1"/>
-          </a:fillRef>
-          <a:effectRef idx="0">
-            <a:schemeClr val="accent1"/>
-          </a:effectRef>
-          <a:fontRef idx="minor">
-            <a:schemeClr val="tx1"/>
-          </a:fontRef>
-        </p:style>
-      </p:cxnSp>
-      <p:sp>
-        <p:nvSpPr>
-          <p:cNvPr id="41" name="TextBox 40"/>
-          <p:cNvSpPr txBox="1"/>
-          <p:nvPr/>
-        </p:nvSpPr>
-        <p:spPr>
-          <a:xfrm>
-            <a:off x="1619672" y="422006"/>
-            <a:ext cx="1008112" cy="369332"/>
-          </a:xfrm>
-          <a:prstGeom prst="rect">
-            <a:avLst/>
-          </a:prstGeom>
-          <a:noFill/>
-        </p:spPr>
-        <p:txBody>
-          <a:bodyPr wrap="square" rtlCol="0">
-            <a:spAutoFit/>
-          </a:bodyPr>
-          <a:lstStyle/>
-          <a:p>
-            <a:r>
-              <a:rPr lang="en-US" dirty="0"/>
-              <a:t>300</a:t>
+            <a:pPr algn="ctr"/>
+            <a:r>
+              <a:rPr lang="en-US" sz="1000" dirty="0"/>
+              <a:t>Return result </a:t>
+            </a:r>
+          </a:p>
+          <a:p>
+            <a:pPr algn="ctr"/>
+            <a:r>
+              <a:rPr lang="en-US" sz="1000" dirty="0"/>
+              <a:t>(success/fail/Table)</a:t>
             </a:r>
           </a:p>
         </p:txBody>
@@ -6064,7 +5702,7 @@
     </p:spTree>
     <p:extLst>
       <p:ext uri="{BB962C8B-B14F-4D97-AF65-F5344CB8AC3E}">
-        <p14:creationId xmlns:p14="http://schemas.microsoft.com/office/powerpoint/2010/main" val="3007648555"/>
+        <p14:creationId xmlns:p14="http://schemas.microsoft.com/office/powerpoint/2010/main" val="249442672"/>
       </p:ext>
     </p:extLst>
   </p:cSld>
@@ -6093,13 +5731,1160 @@
       </p:grpSpPr>
       <p:sp>
         <p:nvSpPr>
-          <p:cNvPr id="4" name="TextBox 3"/>
+          <p:cNvPr id="19" name="직사각형 18"/>
+          <p:cNvSpPr/>
+          <p:nvPr/>
+        </p:nvSpPr>
+        <p:spPr>
+          <a:xfrm>
+            <a:off x="755576" y="951374"/>
+            <a:ext cx="2034245" cy="1749024"/>
+          </a:xfrm>
+          <a:prstGeom prst="rect">
+            <a:avLst/>
+          </a:prstGeom>
+          <a:noFill/>
+        </p:spPr>
+        <p:style>
+          <a:lnRef idx="2">
+            <a:schemeClr val="accent1">
+              <a:shade val="50000"/>
+            </a:schemeClr>
+          </a:lnRef>
+          <a:fillRef idx="1">
+            <a:schemeClr val="accent1"/>
+          </a:fillRef>
+          <a:effectRef idx="0">
+            <a:schemeClr val="accent1"/>
+          </a:effectRef>
+          <a:fontRef idx="minor">
+            <a:schemeClr val="lt1"/>
+          </a:fontRef>
+        </p:style>
+        <p:txBody>
+          <a:bodyPr rtlCol="0" anchor="ctr"/>
+          <a:lstStyle/>
+          <a:p>
+            <a:pPr algn="ctr"/>
+            <a:endParaRPr lang="en-US"/>
+          </a:p>
+        </p:txBody>
+      </p:sp>
+      <p:sp>
+        <p:nvSpPr>
+          <p:cNvPr id="20" name="TextBox 19"/>
           <p:cNvSpPr txBox="1"/>
           <p:nvPr/>
         </p:nvSpPr>
         <p:spPr>
           <a:xfrm>
-            <a:off x="324030" y="2400548"/>
+            <a:off x="1196996" y="620688"/>
+            <a:ext cx="1385897" cy="307777"/>
+          </a:xfrm>
+          <a:prstGeom prst="rect">
+            <a:avLst/>
+          </a:prstGeom>
+          <a:noFill/>
+        </p:spPr>
+        <p:txBody>
+          <a:bodyPr wrap="square" rtlCol="0">
+            <a:spAutoFit/>
+          </a:bodyPr>
+          <a:lstStyle/>
+          <a:p>
+            <a:pPr algn="ctr"/>
+            <a:r>
+              <a:rPr lang="en-US" sz="1400" dirty="0"/>
+              <a:t>Table.java</a:t>
+            </a:r>
+          </a:p>
+        </p:txBody>
+      </p:sp>
+      <p:sp>
+        <p:nvSpPr>
+          <p:cNvPr id="21" name="TextBox 20"/>
+          <p:cNvSpPr txBox="1"/>
+          <p:nvPr/>
+        </p:nvSpPr>
+        <p:spPr>
+          <a:xfrm>
+            <a:off x="747679" y="1036522"/>
+            <a:ext cx="2114865" cy="1569660"/>
+          </a:xfrm>
+          <a:prstGeom prst="rect">
+            <a:avLst/>
+          </a:prstGeom>
+          <a:noFill/>
+        </p:spPr>
+        <p:txBody>
+          <a:bodyPr wrap="square" rtlCol="0">
+            <a:spAutoFit/>
+          </a:bodyPr>
+          <a:lstStyle/>
+          <a:p>
+            <a:pPr algn="ctr"/>
+            <a:r>
+              <a:rPr lang="en-US" sz="1200" dirty="0"/>
+              <a:t>String </a:t>
+            </a:r>
+            <a:r>
+              <a:rPr lang="en-US" sz="1200" dirty="0" err="1"/>
+              <a:t>tableName</a:t>
+            </a:r>
+            <a:endParaRPr lang="en-US" sz="1200" dirty="0"/>
+          </a:p>
+          <a:p>
+            <a:pPr algn="ctr"/>
+            <a:r>
+              <a:rPr lang="en-US" sz="1200" dirty="0"/>
+              <a:t>ArrayList&lt;Record&gt; </a:t>
+            </a:r>
+            <a:r>
+              <a:rPr lang="en-US" sz="1200" dirty="0" err="1"/>
+              <a:t>alTable</a:t>
+            </a:r>
+            <a:endParaRPr lang="en-US" sz="1200" dirty="0"/>
+          </a:p>
+          <a:p>
+            <a:pPr algn="ctr"/>
+            <a:r>
+              <a:rPr lang="en-US" sz="1200" dirty="0">
+                <a:solidFill>
+                  <a:prstClr val="black"/>
+                </a:solidFill>
+              </a:rPr>
+              <a:t>ArrayList&lt;</a:t>
+            </a:r>
+            <a:r>
+              <a:rPr lang="en-US" sz="1200" dirty="0">
+                <a:solidFill>
+                  <a:srgbClr val="00B0F0"/>
+                </a:solidFill>
+              </a:rPr>
+              <a:t>Field</a:t>
+            </a:r>
+            <a:r>
+              <a:rPr lang="en-US" sz="1200" dirty="0">
+                <a:solidFill>
+                  <a:prstClr val="black"/>
+                </a:solidFill>
+              </a:rPr>
+              <a:t>&gt; </a:t>
+            </a:r>
+            <a:r>
+              <a:rPr lang="en-US" sz="1200" dirty="0" err="1">
+                <a:solidFill>
+                  <a:prstClr val="black"/>
+                </a:solidFill>
+              </a:rPr>
+              <a:t>alField</a:t>
+            </a:r>
+            <a:endParaRPr lang="en-US" sz="1200" dirty="0">
+              <a:solidFill>
+                <a:prstClr val="black"/>
+              </a:solidFill>
+            </a:endParaRPr>
+          </a:p>
+          <a:p>
+            <a:pPr algn="ctr"/>
+            <a:r>
+              <a:rPr lang="en-US" sz="1200" dirty="0">
+                <a:solidFill>
+                  <a:prstClr val="black"/>
+                </a:solidFill>
+              </a:rPr>
+              <a:t>------------------------------</a:t>
+            </a:r>
+          </a:p>
+          <a:p>
+            <a:pPr algn="ctr"/>
+            <a:r>
+              <a:rPr lang="en-US" sz="1200" dirty="0">
+                <a:solidFill>
+                  <a:prstClr val="black"/>
+                </a:solidFill>
+              </a:rPr>
+              <a:t>Boolean </a:t>
+            </a:r>
+            <a:r>
+              <a:rPr lang="en-US" sz="1200" dirty="0" err="1">
+                <a:solidFill>
+                  <a:prstClr val="black"/>
+                </a:solidFill>
+              </a:rPr>
+              <a:t>addRow</a:t>
+            </a:r>
+            <a:r>
+              <a:rPr lang="en-US" sz="1200" dirty="0">
+                <a:solidFill>
+                  <a:prstClr val="black"/>
+                </a:solidFill>
+              </a:rPr>
+              <a:t>(Record)</a:t>
+            </a:r>
+          </a:p>
+          <a:p>
+            <a:pPr algn="ctr"/>
+            <a:r>
+              <a:rPr lang="en-US" sz="1200" dirty="0">
+                <a:solidFill>
+                  <a:prstClr val="black"/>
+                </a:solidFill>
+              </a:rPr>
+              <a:t>Field </a:t>
+            </a:r>
+            <a:r>
+              <a:rPr lang="en-US" sz="1200" dirty="0" err="1">
+                <a:solidFill>
+                  <a:prstClr val="black"/>
+                </a:solidFill>
+              </a:rPr>
+              <a:t>getField</a:t>
+            </a:r>
+            <a:r>
+              <a:rPr lang="en-US" sz="1200" dirty="0">
+                <a:solidFill>
+                  <a:prstClr val="black"/>
+                </a:solidFill>
+              </a:rPr>
+              <a:t>(String)</a:t>
+            </a:r>
+          </a:p>
+          <a:p>
+            <a:pPr algn="ctr"/>
+            <a:r>
+              <a:rPr lang="en-US" sz="1200" dirty="0" err="1">
+                <a:solidFill>
+                  <a:prstClr val="black"/>
+                </a:solidFill>
+              </a:rPr>
+              <a:t>Int</a:t>
+            </a:r>
+            <a:r>
+              <a:rPr lang="en-US" sz="1200" dirty="0">
+                <a:solidFill>
+                  <a:prstClr val="black"/>
+                </a:solidFill>
+              </a:rPr>
+              <a:t> </a:t>
+            </a:r>
+            <a:r>
+              <a:rPr lang="en-US" sz="1200" dirty="0" err="1">
+                <a:solidFill>
+                  <a:prstClr val="black"/>
+                </a:solidFill>
+              </a:rPr>
+              <a:t>getFieldIdx</a:t>
+            </a:r>
+            <a:r>
+              <a:rPr lang="en-US" sz="1200" dirty="0">
+                <a:solidFill>
+                  <a:prstClr val="black"/>
+                </a:solidFill>
+              </a:rPr>
+              <a:t>(String)</a:t>
+            </a:r>
+          </a:p>
+          <a:p>
+            <a:pPr algn="ctr"/>
+            <a:r>
+              <a:rPr lang="en-US" sz="1200" dirty="0" err="1">
+                <a:solidFill>
+                  <a:prstClr val="black"/>
+                </a:solidFill>
+              </a:rPr>
+              <a:t>Int</a:t>
+            </a:r>
+            <a:r>
+              <a:rPr lang="en-US" sz="1200" dirty="0">
+                <a:solidFill>
+                  <a:prstClr val="black"/>
+                </a:solidFill>
+              </a:rPr>
+              <a:t> </a:t>
+            </a:r>
+            <a:r>
+              <a:rPr lang="en-US" sz="1200" dirty="0" err="1">
+                <a:solidFill>
+                  <a:prstClr val="black"/>
+                </a:solidFill>
+              </a:rPr>
+              <a:t>getFieldIdx</a:t>
+            </a:r>
+            <a:r>
+              <a:rPr lang="en-US" sz="1200" dirty="0">
+                <a:solidFill>
+                  <a:prstClr val="black"/>
+                </a:solidFill>
+              </a:rPr>
+              <a:t>(Field)</a:t>
+            </a:r>
+          </a:p>
+        </p:txBody>
+      </p:sp>
+      <p:sp>
+        <p:nvSpPr>
+          <p:cNvPr id="22" name="직사각형 21"/>
+          <p:cNvSpPr/>
+          <p:nvPr/>
+        </p:nvSpPr>
+        <p:spPr>
+          <a:xfrm>
+            <a:off x="3331611" y="2306383"/>
+            <a:ext cx="1908207" cy="1204552"/>
+          </a:xfrm>
+          <a:prstGeom prst="rect">
+            <a:avLst/>
+          </a:prstGeom>
+          <a:noFill/>
+        </p:spPr>
+        <p:style>
+          <a:lnRef idx="2">
+            <a:schemeClr val="accent1">
+              <a:shade val="50000"/>
+            </a:schemeClr>
+          </a:lnRef>
+          <a:fillRef idx="1">
+            <a:schemeClr val="accent1"/>
+          </a:fillRef>
+          <a:effectRef idx="0">
+            <a:schemeClr val="accent1"/>
+          </a:effectRef>
+          <a:fontRef idx="minor">
+            <a:schemeClr val="lt1"/>
+          </a:fontRef>
+        </p:style>
+        <p:txBody>
+          <a:bodyPr rtlCol="0" anchor="ctr"/>
+          <a:lstStyle/>
+          <a:p>
+            <a:pPr algn="ctr"/>
+            <a:endParaRPr lang="en-US"/>
+          </a:p>
+        </p:txBody>
+      </p:sp>
+      <p:sp>
+        <p:nvSpPr>
+          <p:cNvPr id="23" name="TextBox 22"/>
+          <p:cNvSpPr txBox="1"/>
+          <p:nvPr/>
+        </p:nvSpPr>
+        <p:spPr>
+          <a:xfrm>
+            <a:off x="3619643" y="1937390"/>
+            <a:ext cx="1385897" cy="307777"/>
+          </a:xfrm>
+          <a:prstGeom prst="rect">
+            <a:avLst/>
+          </a:prstGeom>
+          <a:noFill/>
+        </p:spPr>
+        <p:txBody>
+          <a:bodyPr wrap="square" rtlCol="0">
+            <a:spAutoFit/>
+          </a:bodyPr>
+          <a:lstStyle/>
+          <a:p>
+            <a:pPr algn="ctr"/>
+            <a:r>
+              <a:rPr lang="en-US" sz="1400" dirty="0"/>
+              <a:t>Record.java</a:t>
+            </a:r>
+          </a:p>
+        </p:txBody>
+      </p:sp>
+      <p:sp>
+        <p:nvSpPr>
+          <p:cNvPr id="24" name="TextBox 23"/>
+          <p:cNvSpPr txBox="1"/>
+          <p:nvPr/>
+        </p:nvSpPr>
+        <p:spPr>
+          <a:xfrm>
+            <a:off x="3331611" y="2327807"/>
+            <a:ext cx="1917582" cy="1200329"/>
+          </a:xfrm>
+          <a:prstGeom prst="rect">
+            <a:avLst/>
+          </a:prstGeom>
+          <a:noFill/>
+        </p:spPr>
+        <p:txBody>
+          <a:bodyPr wrap="square" rtlCol="0">
+            <a:spAutoFit/>
+          </a:bodyPr>
+          <a:lstStyle/>
+          <a:p>
+            <a:pPr algn="ctr"/>
+            <a:r>
+              <a:rPr lang="en-US" sz="1200" dirty="0"/>
+              <a:t>Table </a:t>
+            </a:r>
+            <a:r>
+              <a:rPr lang="en-US" sz="1200" dirty="0" err="1"/>
+              <a:t>tableName</a:t>
+            </a:r>
+            <a:endParaRPr lang="en-US" sz="1200" dirty="0"/>
+          </a:p>
+          <a:p>
+            <a:pPr algn="ctr"/>
+            <a:r>
+              <a:rPr lang="en-US" sz="1200" dirty="0" err="1"/>
+              <a:t>ArrayList</a:t>
+            </a:r>
+            <a:r>
+              <a:rPr lang="en-US" sz="1200" dirty="0"/>
+              <a:t>&lt;</a:t>
+            </a:r>
+            <a:r>
+              <a:rPr lang="en-US" sz="1200" dirty="0">
+                <a:solidFill>
+                  <a:schemeClr val="accent6"/>
+                </a:solidFill>
+              </a:rPr>
+              <a:t>Value</a:t>
+            </a:r>
+            <a:r>
+              <a:rPr lang="en-US" sz="1200" dirty="0"/>
+              <a:t>&gt; record</a:t>
+            </a:r>
+          </a:p>
+          <a:p>
+            <a:pPr algn="ctr"/>
+            <a:r>
+              <a:rPr lang="en-US" sz="1200" dirty="0">
+                <a:solidFill>
+                  <a:prstClr val="black"/>
+                </a:solidFill>
+              </a:rPr>
+              <a:t>---------------------------</a:t>
+            </a:r>
+          </a:p>
+          <a:p>
+            <a:pPr algn="ctr"/>
+            <a:r>
+              <a:rPr lang="en-US" sz="1200" dirty="0">
+                <a:solidFill>
+                  <a:prstClr val="black"/>
+                </a:solidFill>
+              </a:rPr>
+              <a:t>Void </a:t>
+            </a:r>
+            <a:r>
+              <a:rPr lang="en-US" sz="1200" dirty="0" err="1">
+                <a:solidFill>
+                  <a:prstClr val="black"/>
+                </a:solidFill>
+              </a:rPr>
+              <a:t>addValue</a:t>
+            </a:r>
+            <a:r>
+              <a:rPr lang="en-US" sz="1200" dirty="0">
+                <a:solidFill>
+                  <a:prstClr val="black"/>
+                </a:solidFill>
+              </a:rPr>
+              <a:t>(Value)</a:t>
+            </a:r>
+          </a:p>
+          <a:p>
+            <a:pPr algn="ctr"/>
+            <a:r>
+              <a:rPr lang="en-US" sz="1200" dirty="0" err="1">
+                <a:solidFill>
+                  <a:prstClr val="black"/>
+                </a:solidFill>
+              </a:rPr>
+              <a:t>Int</a:t>
+            </a:r>
+            <a:r>
+              <a:rPr lang="en-US" sz="1200" dirty="0">
+                <a:solidFill>
+                  <a:prstClr val="black"/>
+                </a:solidFill>
+              </a:rPr>
+              <a:t> </a:t>
+            </a:r>
+            <a:r>
+              <a:rPr lang="en-US" sz="1200" dirty="0" err="1">
+                <a:solidFill>
+                  <a:prstClr val="black"/>
+                </a:solidFill>
+              </a:rPr>
+              <a:t>compareTo</a:t>
+            </a:r>
+            <a:r>
+              <a:rPr lang="en-US" sz="1200" dirty="0">
+                <a:solidFill>
+                  <a:prstClr val="black"/>
+                </a:solidFill>
+              </a:rPr>
+              <a:t>(Record)</a:t>
+            </a:r>
+          </a:p>
+          <a:p>
+            <a:pPr algn="ctr"/>
+            <a:endParaRPr lang="en-US" sz="1200" dirty="0">
+              <a:solidFill>
+                <a:prstClr val="black"/>
+              </a:solidFill>
+            </a:endParaRPr>
+          </a:p>
+        </p:txBody>
+      </p:sp>
+      <p:sp>
+        <p:nvSpPr>
+          <p:cNvPr id="25" name="직사각형 24"/>
+          <p:cNvSpPr/>
+          <p:nvPr/>
+        </p:nvSpPr>
+        <p:spPr>
+          <a:xfrm>
+            <a:off x="6012160" y="3650650"/>
+            <a:ext cx="1908207" cy="975276"/>
+          </a:xfrm>
+          <a:prstGeom prst="rect">
+            <a:avLst/>
+          </a:prstGeom>
+          <a:noFill/>
+        </p:spPr>
+        <p:style>
+          <a:lnRef idx="2">
+            <a:schemeClr val="accent1">
+              <a:shade val="50000"/>
+            </a:schemeClr>
+          </a:lnRef>
+          <a:fillRef idx="1">
+            <a:schemeClr val="accent1"/>
+          </a:fillRef>
+          <a:effectRef idx="0">
+            <a:schemeClr val="accent1"/>
+          </a:effectRef>
+          <a:fontRef idx="minor">
+            <a:schemeClr val="lt1"/>
+          </a:fontRef>
+        </p:style>
+        <p:txBody>
+          <a:bodyPr rtlCol="0" anchor="ctr"/>
+          <a:lstStyle/>
+          <a:p>
+            <a:pPr algn="ctr"/>
+            <a:endParaRPr lang="en-US"/>
+          </a:p>
+        </p:txBody>
+      </p:sp>
+      <p:sp>
+        <p:nvSpPr>
+          <p:cNvPr id="26" name="TextBox 25"/>
+          <p:cNvSpPr txBox="1"/>
+          <p:nvPr/>
+        </p:nvSpPr>
+        <p:spPr>
+          <a:xfrm>
+            <a:off x="6300192" y="3281658"/>
+            <a:ext cx="1385897" cy="307777"/>
+          </a:xfrm>
+          <a:prstGeom prst="rect">
+            <a:avLst/>
+          </a:prstGeom>
+          <a:noFill/>
+        </p:spPr>
+        <p:txBody>
+          <a:bodyPr wrap="square" rtlCol="0">
+            <a:spAutoFit/>
+          </a:bodyPr>
+          <a:lstStyle/>
+          <a:p>
+            <a:pPr algn="ctr"/>
+            <a:r>
+              <a:rPr lang="en-US" sz="1400" dirty="0">
+                <a:solidFill>
+                  <a:schemeClr val="accent6"/>
+                </a:solidFill>
+              </a:rPr>
+              <a:t>Value.java</a:t>
+            </a:r>
+          </a:p>
+        </p:txBody>
+      </p:sp>
+      <p:sp>
+        <p:nvSpPr>
+          <p:cNvPr id="27" name="TextBox 26"/>
+          <p:cNvSpPr txBox="1"/>
+          <p:nvPr/>
+        </p:nvSpPr>
+        <p:spPr>
+          <a:xfrm>
+            <a:off x="6012160" y="3657007"/>
+            <a:ext cx="1917582" cy="892552"/>
+          </a:xfrm>
+          <a:prstGeom prst="rect">
+            <a:avLst/>
+          </a:prstGeom>
+          <a:noFill/>
+        </p:spPr>
+        <p:txBody>
+          <a:bodyPr wrap="square" rtlCol="0">
+            <a:spAutoFit/>
+          </a:bodyPr>
+          <a:lstStyle/>
+          <a:p>
+            <a:pPr algn="ctr"/>
+            <a:r>
+              <a:rPr lang="en-US" sz="1200" dirty="0">
+                <a:solidFill>
+                  <a:srgbClr val="00B0F0"/>
+                </a:solidFill>
+              </a:rPr>
+              <a:t>Field field</a:t>
+            </a:r>
+            <a:r>
+              <a:rPr lang="en-US" sz="1200" dirty="0">
+                <a:solidFill>
+                  <a:schemeClr val="accent5"/>
+                </a:solidFill>
+              </a:rPr>
+              <a:t>;</a:t>
+            </a:r>
+          </a:p>
+          <a:p>
+            <a:pPr algn="ctr"/>
+            <a:r>
+              <a:rPr lang="en-US" sz="1200" dirty="0">
+                <a:solidFill>
+                  <a:prstClr val="black"/>
+                </a:solidFill>
+              </a:rPr>
+              <a:t>T data;</a:t>
+            </a:r>
+          </a:p>
+          <a:p>
+            <a:pPr algn="ctr"/>
+            <a:r>
+              <a:rPr lang="en-US" sz="800" dirty="0">
+                <a:solidFill>
+                  <a:prstClr val="black"/>
+                </a:solidFill>
+              </a:rPr>
+              <a:t>&lt;T extends Comparable&lt;T&gt;&gt;</a:t>
+            </a:r>
+          </a:p>
+          <a:p>
+            <a:pPr algn="ctr"/>
+            <a:r>
+              <a:rPr lang="en-US" sz="800" dirty="0">
+                <a:solidFill>
+                  <a:prstClr val="black"/>
+                </a:solidFill>
+              </a:rPr>
+              <a:t>-----------------------------------------</a:t>
+            </a:r>
+          </a:p>
+          <a:p>
+            <a:pPr algn="ctr"/>
+            <a:r>
+              <a:rPr lang="en-US" sz="1200" dirty="0" err="1">
+                <a:solidFill>
+                  <a:prstClr val="black"/>
+                </a:solidFill>
+              </a:rPr>
+              <a:t>Int</a:t>
+            </a:r>
+            <a:r>
+              <a:rPr lang="en-US" sz="1200" dirty="0">
+                <a:solidFill>
+                  <a:prstClr val="black"/>
+                </a:solidFill>
+              </a:rPr>
+              <a:t> </a:t>
+            </a:r>
+            <a:r>
+              <a:rPr lang="en-US" sz="1200" dirty="0" err="1">
+                <a:solidFill>
+                  <a:prstClr val="black"/>
+                </a:solidFill>
+              </a:rPr>
+              <a:t>compareTo</a:t>
+            </a:r>
+            <a:r>
+              <a:rPr lang="en-US" sz="1200" dirty="0">
+                <a:solidFill>
+                  <a:prstClr val="black"/>
+                </a:solidFill>
+              </a:rPr>
+              <a:t>(Object)</a:t>
+            </a:r>
+          </a:p>
+        </p:txBody>
+      </p:sp>
+      <p:sp>
+        <p:nvSpPr>
+          <p:cNvPr id="28" name="직사각형 27"/>
+          <p:cNvSpPr/>
+          <p:nvPr/>
+        </p:nvSpPr>
+        <p:spPr>
+          <a:xfrm>
+            <a:off x="2051718" y="4829338"/>
+            <a:ext cx="5189015" cy="1772681"/>
+          </a:xfrm>
+          <a:prstGeom prst="rect">
+            <a:avLst/>
+          </a:prstGeom>
+          <a:noFill/>
+        </p:spPr>
+        <p:style>
+          <a:lnRef idx="2">
+            <a:schemeClr val="accent1">
+              <a:shade val="50000"/>
+            </a:schemeClr>
+          </a:lnRef>
+          <a:fillRef idx="1">
+            <a:schemeClr val="accent1"/>
+          </a:fillRef>
+          <a:effectRef idx="0">
+            <a:schemeClr val="accent1"/>
+          </a:effectRef>
+          <a:fontRef idx="minor">
+            <a:schemeClr val="lt1"/>
+          </a:fontRef>
+        </p:style>
+        <p:txBody>
+          <a:bodyPr rtlCol="0" anchor="ctr"/>
+          <a:lstStyle/>
+          <a:p>
+            <a:pPr algn="ctr"/>
+            <a:endParaRPr lang="en-US"/>
+          </a:p>
+        </p:txBody>
+      </p:sp>
+      <p:sp>
+        <p:nvSpPr>
+          <p:cNvPr id="29" name="TextBox 28"/>
+          <p:cNvSpPr txBox="1"/>
+          <p:nvPr/>
+        </p:nvSpPr>
+        <p:spPr>
+          <a:xfrm>
+            <a:off x="3637471" y="4516009"/>
+            <a:ext cx="934529" cy="307777"/>
+          </a:xfrm>
+          <a:prstGeom prst="rect">
+            <a:avLst/>
+          </a:prstGeom>
+          <a:noFill/>
+        </p:spPr>
+        <p:txBody>
+          <a:bodyPr wrap="square" rtlCol="0">
+            <a:spAutoFit/>
+          </a:bodyPr>
+          <a:lstStyle/>
+          <a:p>
+            <a:pPr algn="ctr"/>
+            <a:r>
+              <a:rPr lang="en-US" sz="1400" dirty="0">
+                <a:solidFill>
+                  <a:schemeClr val="accent5"/>
+                </a:solidFill>
+              </a:rPr>
+              <a:t>Field.java</a:t>
+            </a:r>
+          </a:p>
+        </p:txBody>
+      </p:sp>
+      <p:sp>
+        <p:nvSpPr>
+          <p:cNvPr id="30" name="TextBox 29"/>
+          <p:cNvSpPr txBox="1"/>
+          <p:nvPr/>
+        </p:nvSpPr>
+        <p:spPr>
+          <a:xfrm>
+            <a:off x="2090274" y="4867758"/>
+            <a:ext cx="5112569" cy="1569660"/>
+          </a:xfrm>
+          <a:prstGeom prst="rect">
+            <a:avLst/>
+          </a:prstGeom>
+          <a:noFill/>
+        </p:spPr>
+        <p:txBody>
+          <a:bodyPr wrap="square" rtlCol="0">
+            <a:spAutoFit/>
+          </a:bodyPr>
+          <a:lstStyle/>
+          <a:p>
+            <a:pPr algn="ctr"/>
+            <a:r>
+              <a:rPr lang="en-US" sz="1200" dirty="0"/>
+              <a:t>public </a:t>
+            </a:r>
+            <a:r>
+              <a:rPr lang="en-US" sz="1200" dirty="0" err="1"/>
+              <a:t>enum</a:t>
+            </a:r>
+            <a:r>
+              <a:rPr lang="en-US" sz="1200" dirty="0"/>
+              <a:t> TYPE {INTEGER,VARCHAR,FLOAT,DATE }</a:t>
+            </a:r>
+          </a:p>
+          <a:p>
+            <a:pPr algn="ctr"/>
+            <a:r>
+              <a:rPr lang="en-US" sz="1200" dirty="0"/>
+              <a:t>public </a:t>
+            </a:r>
+            <a:r>
+              <a:rPr lang="en-US" sz="1200" dirty="0" err="1"/>
+              <a:t>enum</a:t>
+            </a:r>
+            <a:r>
+              <a:rPr lang="en-US" sz="1200" dirty="0"/>
+              <a:t> KEY {PRIMARY, FOREIGN, NORMAL }</a:t>
+            </a:r>
+            <a:endParaRPr lang="en-US" sz="800" dirty="0"/>
+          </a:p>
+          <a:p>
+            <a:pPr algn="ctr"/>
+            <a:r>
+              <a:rPr lang="en-US" sz="1200" dirty="0"/>
+              <a:t>TYPE </a:t>
+            </a:r>
+            <a:r>
+              <a:rPr lang="en-US" sz="1200" dirty="0" err="1"/>
+              <a:t>fType</a:t>
+            </a:r>
+            <a:endParaRPr lang="en-US" sz="1200" dirty="0"/>
+          </a:p>
+          <a:p>
+            <a:pPr algn="ctr"/>
+            <a:r>
+              <a:rPr lang="en-US" sz="1200" dirty="0"/>
+              <a:t>String </a:t>
+            </a:r>
+            <a:r>
+              <a:rPr lang="en-US" sz="1200" dirty="0" err="1"/>
+              <a:t>fName</a:t>
+            </a:r>
+            <a:endParaRPr lang="en-US" sz="1200" dirty="0"/>
+          </a:p>
+          <a:p>
+            <a:pPr algn="ctr"/>
+            <a:r>
+              <a:rPr lang="en-US" sz="1200" dirty="0">
+                <a:solidFill>
+                  <a:prstClr val="black"/>
+                </a:solidFill>
+              </a:rPr>
+              <a:t>String </a:t>
+            </a:r>
+            <a:r>
+              <a:rPr lang="en-US" sz="1200" dirty="0" err="1">
+                <a:solidFill>
+                  <a:prstClr val="black"/>
+                </a:solidFill>
+              </a:rPr>
+              <a:t>foreignTable</a:t>
+            </a:r>
+            <a:endParaRPr lang="en-US" sz="1200" dirty="0">
+              <a:solidFill>
+                <a:prstClr val="black"/>
+              </a:solidFill>
+            </a:endParaRPr>
+          </a:p>
+          <a:p>
+            <a:pPr algn="ctr"/>
+            <a:r>
+              <a:rPr lang="en-US" sz="1200" dirty="0">
+                <a:solidFill>
+                  <a:prstClr val="black"/>
+                </a:solidFill>
+              </a:rPr>
+              <a:t>-------------------------------------------------------------------------------</a:t>
+            </a:r>
+          </a:p>
+          <a:p>
+            <a:pPr algn="ctr"/>
+            <a:r>
+              <a:rPr lang="en-US" sz="1200" dirty="0">
+                <a:solidFill>
+                  <a:prstClr val="black"/>
+                </a:solidFill>
+              </a:rPr>
+              <a:t>Void </a:t>
+            </a:r>
+            <a:r>
+              <a:rPr lang="en-US" sz="1200" dirty="0" err="1">
+                <a:solidFill>
+                  <a:prstClr val="black"/>
+                </a:solidFill>
+              </a:rPr>
+              <a:t>setForeignKey</a:t>
+            </a:r>
+            <a:r>
+              <a:rPr lang="en-US" sz="1200" dirty="0">
+                <a:solidFill>
+                  <a:prstClr val="black"/>
+                </a:solidFill>
+              </a:rPr>
+              <a:t>(String)</a:t>
+            </a:r>
+          </a:p>
+          <a:p>
+            <a:pPr algn="ctr"/>
+            <a:r>
+              <a:rPr lang="en-US" sz="1200" dirty="0" err="1">
+                <a:solidFill>
+                  <a:prstClr val="black"/>
+                </a:solidFill>
+              </a:rPr>
+              <a:t>Int</a:t>
+            </a:r>
+            <a:r>
+              <a:rPr lang="en-US" sz="1200" dirty="0">
+                <a:solidFill>
+                  <a:prstClr val="black"/>
+                </a:solidFill>
+              </a:rPr>
+              <a:t> </a:t>
+            </a:r>
+            <a:r>
+              <a:rPr lang="en-US" sz="1200" dirty="0" err="1">
+                <a:solidFill>
+                  <a:prstClr val="black"/>
+                </a:solidFill>
+              </a:rPr>
+              <a:t>compareTo</a:t>
+            </a:r>
+            <a:r>
+              <a:rPr lang="en-US" sz="1200" dirty="0">
+                <a:solidFill>
+                  <a:prstClr val="black"/>
+                </a:solidFill>
+              </a:rPr>
+              <a:t>(Object)</a:t>
+            </a:r>
+          </a:p>
+        </p:txBody>
+      </p:sp>
+      <p:cxnSp>
+        <p:nvCxnSpPr>
+          <p:cNvPr id="34" name="꺾인 연결선 33"/>
+          <p:cNvCxnSpPr/>
+          <p:nvPr/>
+        </p:nvCxnSpPr>
+        <p:spPr>
+          <a:xfrm>
+            <a:off x="2744396" y="1348593"/>
+            <a:ext cx="963508" cy="708929"/>
+          </a:xfrm>
+          <a:prstGeom prst="bentConnector3">
+            <a:avLst>
+              <a:gd name="adj1" fmla="val 50000"/>
+            </a:avLst>
+          </a:prstGeom>
+          <a:ln w="38100">
+            <a:solidFill>
+              <a:srgbClr val="FF0000"/>
+            </a:solidFill>
+            <a:tailEnd type="triangle"/>
+          </a:ln>
+        </p:spPr>
+        <p:style>
+          <a:lnRef idx="1">
+            <a:schemeClr val="accent1"/>
+          </a:lnRef>
+          <a:fillRef idx="0">
+            <a:schemeClr val="accent1"/>
+          </a:fillRef>
+          <a:effectRef idx="0">
+            <a:schemeClr val="accent1"/>
+          </a:effectRef>
+          <a:fontRef idx="minor">
+            <a:schemeClr val="tx1"/>
+          </a:fontRef>
+        </p:style>
+      </p:cxnSp>
+      <p:cxnSp>
+        <p:nvCxnSpPr>
+          <p:cNvPr id="40" name="꺾인 연결선 39"/>
+          <p:cNvCxnSpPr>
+            <a:endCxn id="26" idx="1"/>
+          </p:cNvCxnSpPr>
+          <p:nvPr/>
+        </p:nvCxnSpPr>
+        <p:spPr>
+          <a:xfrm>
+            <a:off x="5200043" y="2674708"/>
+            <a:ext cx="1100149" cy="760839"/>
+          </a:xfrm>
+          <a:prstGeom prst="bentConnector3">
+            <a:avLst>
+              <a:gd name="adj1" fmla="val 50000"/>
+            </a:avLst>
+          </a:prstGeom>
+          <a:ln w="38100">
+            <a:solidFill>
+              <a:srgbClr val="FF0000"/>
+            </a:solidFill>
+            <a:tailEnd type="triangle"/>
+          </a:ln>
+        </p:spPr>
+        <p:style>
+          <a:lnRef idx="1">
+            <a:schemeClr val="accent1"/>
+          </a:lnRef>
+          <a:fillRef idx="0">
+            <a:schemeClr val="accent1"/>
+          </a:fillRef>
+          <a:effectRef idx="0">
+            <a:schemeClr val="accent1"/>
+          </a:effectRef>
+          <a:fontRef idx="minor">
+            <a:schemeClr val="tx1"/>
+          </a:fontRef>
+        </p:style>
+      </p:cxnSp>
+      <p:sp>
+        <p:nvSpPr>
+          <p:cNvPr id="48" name="TextBox 47"/>
+          <p:cNvSpPr txBox="1"/>
+          <p:nvPr/>
+        </p:nvSpPr>
+        <p:spPr>
+          <a:xfrm>
+            <a:off x="125763" y="108457"/>
+            <a:ext cx="2457130" cy="369332"/>
+          </a:xfrm>
+          <a:prstGeom prst="rect">
+            <a:avLst/>
+          </a:prstGeom>
+          <a:noFill/>
+        </p:spPr>
+        <p:txBody>
+          <a:bodyPr wrap="square" rtlCol="0">
+            <a:spAutoFit/>
+          </a:bodyPr>
+          <a:lstStyle/>
+          <a:p>
+            <a:r>
+              <a:rPr lang="en-US" b="1" dirty="0"/>
+              <a:t>Modeling Detail 1</a:t>
+            </a:r>
+          </a:p>
+        </p:txBody>
+      </p:sp>
+      <p:cxnSp>
+        <p:nvCxnSpPr>
+          <p:cNvPr id="50" name="꺾인 연결선 49"/>
+          <p:cNvCxnSpPr>
+            <a:endCxn id="29" idx="3"/>
+          </p:cNvCxnSpPr>
+          <p:nvPr/>
+        </p:nvCxnSpPr>
+        <p:spPr>
+          <a:xfrm rot="10800000" flipV="1">
+            <a:off x="4572000" y="3829608"/>
+            <a:ext cx="1728192" cy="840289"/>
+          </a:xfrm>
+          <a:prstGeom prst="bentConnector3">
+            <a:avLst>
+              <a:gd name="adj1" fmla="val 50000"/>
+            </a:avLst>
+          </a:prstGeom>
+          <a:ln>
+            <a:tailEnd type="triangle"/>
+          </a:ln>
+        </p:spPr>
+        <p:style>
+          <a:lnRef idx="1">
+            <a:schemeClr val="accent5"/>
+          </a:lnRef>
+          <a:fillRef idx="0">
+            <a:schemeClr val="accent5"/>
+          </a:fillRef>
+          <a:effectRef idx="0">
+            <a:schemeClr val="accent5"/>
+          </a:effectRef>
+          <a:fontRef idx="minor">
+            <a:schemeClr val="tx1"/>
+          </a:fontRef>
+        </p:style>
+      </p:cxnSp>
+      <p:cxnSp>
+        <p:nvCxnSpPr>
+          <p:cNvPr id="59" name="꺾인 연결선 58"/>
+          <p:cNvCxnSpPr/>
+          <p:nvPr/>
+        </p:nvCxnSpPr>
+        <p:spPr>
+          <a:xfrm>
+            <a:off x="2651685" y="1566845"/>
+            <a:ext cx="963508" cy="3108960"/>
+          </a:xfrm>
+          <a:prstGeom prst="bentConnector3">
+            <a:avLst>
+              <a:gd name="adj1" fmla="val 50000"/>
+            </a:avLst>
+          </a:prstGeom>
+          <a:ln>
+            <a:tailEnd type="triangle"/>
+          </a:ln>
+        </p:spPr>
+        <p:style>
+          <a:lnRef idx="1">
+            <a:schemeClr val="accent5"/>
+          </a:lnRef>
+          <a:fillRef idx="0">
+            <a:schemeClr val="accent5"/>
+          </a:fillRef>
+          <a:effectRef idx="0">
+            <a:schemeClr val="accent5"/>
+          </a:effectRef>
+          <a:fontRef idx="minor">
+            <a:schemeClr val="tx1"/>
+          </a:fontRef>
+        </p:style>
+      </p:cxnSp>
+    </p:spTree>
+    <p:extLst>
+      <p:ext uri="{BB962C8B-B14F-4D97-AF65-F5344CB8AC3E}">
+        <p14:creationId xmlns:p14="http://schemas.microsoft.com/office/powerpoint/2010/main" val="3393647031"/>
+      </p:ext>
+    </p:extLst>
+  </p:cSld>
+  <p:clrMapOvr>
+    <a:masterClrMapping/>
+  </p:clrMapOvr>
+</p:sld>
+</file>
+
+<file path=ppt/slides/slide4.xml><?xml version="1.0" encoding="utf-8"?>
+<p:sld xmlns:a="http://schemas.openxmlformats.org/drawingml/2006/main" xmlns:r="http://schemas.openxmlformats.org/officeDocument/2006/relationships" xmlns:p="http://schemas.openxmlformats.org/presentationml/2006/main">
+  <p:cSld>
+    <p:spTree>
+      <p:nvGrpSpPr>
+        <p:cNvPr id="1" name=""/>
+        <p:cNvGrpSpPr/>
+        <p:nvPr/>
+      </p:nvGrpSpPr>
+      <p:grpSpPr>
+        <a:xfrm>
+          <a:off x="0" y="0"/>
+          <a:ext cx="0" cy="0"/>
+          <a:chOff x="0" y="0"/>
+          <a:chExt cx="0" cy="0"/>
+        </a:xfrm>
+      </p:grpSpPr>
+      <p:sp>
+        <p:nvSpPr>
+          <p:cNvPr id="28" name="TextBox 27"/>
+          <p:cNvSpPr txBox="1"/>
+          <p:nvPr/>
+        </p:nvSpPr>
+        <p:spPr>
+          <a:xfrm>
+            <a:off x="468046" y="1295276"/>
             <a:ext cx="6508299" cy="369332"/>
           </a:xfrm>
           <a:prstGeom prst="rect">
@@ -6133,20 +6918,20 @@
       </p:sp>
       <p:graphicFrame>
         <p:nvGraphicFramePr>
-          <p:cNvPr id="5" name="표 4"/>
+          <p:cNvPr id="29" name="표 28"/>
           <p:cNvGraphicFramePr>
             <a:graphicFrameLocks noGrp="1"/>
           </p:cNvGraphicFramePr>
           <p:nvPr>
             <p:extLst>
               <p:ext uri="{D42A27DB-BD31-4B8C-83A1-F6EECF244321}">
-                <p14:modId xmlns:p14="http://schemas.microsoft.com/office/powerpoint/2010/main" val="4127132568"/>
+                <p14:modId xmlns:p14="http://schemas.microsoft.com/office/powerpoint/2010/main" val="2973125179"/>
               </p:ext>
             </p:extLst>
           </p:nvPr>
         </p:nvGraphicFramePr>
         <p:xfrm>
-          <a:off x="1241876" y="2845539"/>
+          <a:off x="1385892" y="1740267"/>
           <a:ext cx="6380872" cy="432048"/>
         </p:xfrm>
         <a:graphic>
@@ -6739,20 +7524,20 @@
       </p:graphicFrame>
       <p:graphicFrame>
         <p:nvGraphicFramePr>
-          <p:cNvPr id="7" name="표 6"/>
+          <p:cNvPr id="30" name="표 29"/>
           <p:cNvGraphicFramePr>
             <a:graphicFrameLocks noGrp="1"/>
           </p:cNvGraphicFramePr>
           <p:nvPr>
             <p:extLst>
               <p:ext uri="{D42A27DB-BD31-4B8C-83A1-F6EECF244321}">
-                <p14:modId xmlns:p14="http://schemas.microsoft.com/office/powerpoint/2010/main" val="2725368955"/>
+                <p14:modId xmlns:p14="http://schemas.microsoft.com/office/powerpoint/2010/main" val="2775313453"/>
               </p:ext>
             </p:extLst>
           </p:nvPr>
         </p:nvGraphicFramePr>
         <p:xfrm>
-          <a:off x="399467" y="2827783"/>
+          <a:off x="543483" y="1722511"/>
           <a:ext cx="792088" cy="2376265"/>
         </p:xfrm>
         <a:graphic>
@@ -6881,13 +7666,13 @@
       </p:graphicFrame>
       <p:sp>
         <p:nvSpPr>
-          <p:cNvPr id="8" name="TextBox 7"/>
+          <p:cNvPr id="31" name="TextBox 30"/>
           <p:cNvSpPr txBox="1"/>
           <p:nvPr/>
         </p:nvSpPr>
         <p:spPr>
           <a:xfrm>
-            <a:off x="7596336" y="2880046"/>
+            <a:off x="7740352" y="1774774"/>
             <a:ext cx="1584176" cy="307777"/>
           </a:xfrm>
           <a:prstGeom prst="rect">
@@ -6936,20 +7721,20 @@
       </p:sp>
       <p:graphicFrame>
         <p:nvGraphicFramePr>
-          <p:cNvPr id="10" name="표 9"/>
+          <p:cNvPr id="32" name="표 31"/>
           <p:cNvGraphicFramePr>
             <a:graphicFrameLocks noGrp="1"/>
           </p:cNvGraphicFramePr>
           <p:nvPr>
             <p:extLst>
               <p:ext uri="{D42A27DB-BD31-4B8C-83A1-F6EECF244321}">
-                <p14:modId xmlns:p14="http://schemas.microsoft.com/office/powerpoint/2010/main" val="1778267315"/>
+                <p14:modId xmlns:p14="http://schemas.microsoft.com/office/powerpoint/2010/main" val="939657801"/>
               </p:ext>
             </p:extLst>
           </p:nvPr>
         </p:nvGraphicFramePr>
         <p:xfrm>
-          <a:off x="1241876" y="3313099"/>
+          <a:off x="1385892" y="2207827"/>
           <a:ext cx="6380872" cy="432048"/>
         </p:xfrm>
         <a:graphic>
@@ -7506,13 +8291,13 @@
       </p:graphicFrame>
       <p:sp>
         <p:nvSpPr>
-          <p:cNvPr id="11" name="TextBox 10"/>
+          <p:cNvPr id="33" name="TextBox 32"/>
           <p:cNvSpPr txBox="1"/>
           <p:nvPr/>
         </p:nvSpPr>
         <p:spPr>
           <a:xfrm>
-            <a:off x="7596336" y="3347606"/>
+            <a:off x="7740352" y="2242334"/>
             <a:ext cx="1584176" cy="307777"/>
           </a:xfrm>
           <a:prstGeom prst="rect">
@@ -7561,20 +8346,20 @@
       </p:sp>
       <p:graphicFrame>
         <p:nvGraphicFramePr>
-          <p:cNvPr id="12" name="표 11"/>
+          <p:cNvPr id="34" name="표 33"/>
           <p:cNvGraphicFramePr>
             <a:graphicFrameLocks noGrp="1"/>
           </p:cNvGraphicFramePr>
           <p:nvPr>
             <p:extLst>
               <p:ext uri="{D42A27DB-BD31-4B8C-83A1-F6EECF244321}">
-                <p14:modId xmlns:p14="http://schemas.microsoft.com/office/powerpoint/2010/main" val="2169926802"/>
+                <p14:modId xmlns:p14="http://schemas.microsoft.com/office/powerpoint/2010/main" val="256224913"/>
               </p:ext>
             </p:extLst>
           </p:nvPr>
         </p:nvGraphicFramePr>
         <p:xfrm>
-          <a:off x="1241876" y="3809261"/>
+          <a:off x="1385892" y="2703989"/>
           <a:ext cx="6380872" cy="432048"/>
         </p:xfrm>
         <a:graphic>
@@ -8131,13 +8916,13 @@
       </p:graphicFrame>
       <p:sp>
         <p:nvSpPr>
-          <p:cNvPr id="13" name="TextBox 12"/>
+          <p:cNvPr id="35" name="TextBox 34"/>
           <p:cNvSpPr txBox="1"/>
           <p:nvPr/>
         </p:nvSpPr>
         <p:spPr>
           <a:xfrm>
-            <a:off x="7596336" y="3843768"/>
+            <a:off x="7740352" y="2738496"/>
             <a:ext cx="1584176" cy="307777"/>
           </a:xfrm>
           <a:prstGeom prst="rect">
@@ -8186,20 +8971,20 @@
       </p:sp>
       <p:graphicFrame>
         <p:nvGraphicFramePr>
-          <p:cNvPr id="14" name="표 13"/>
+          <p:cNvPr id="36" name="표 35"/>
           <p:cNvGraphicFramePr>
             <a:graphicFrameLocks noGrp="1"/>
           </p:cNvGraphicFramePr>
           <p:nvPr>
             <p:extLst>
               <p:ext uri="{D42A27DB-BD31-4B8C-83A1-F6EECF244321}">
-                <p14:modId xmlns:p14="http://schemas.microsoft.com/office/powerpoint/2010/main" val="3611401539"/>
+                <p14:modId xmlns:p14="http://schemas.microsoft.com/office/powerpoint/2010/main" val="2693514591"/>
               </p:ext>
             </p:extLst>
           </p:nvPr>
         </p:nvGraphicFramePr>
         <p:xfrm>
-          <a:off x="1241876" y="4276821"/>
+          <a:off x="1385892" y="3171549"/>
           <a:ext cx="6380872" cy="432048"/>
         </p:xfrm>
         <a:graphic>
@@ -8756,13 +9541,13 @@
       </p:graphicFrame>
       <p:sp>
         <p:nvSpPr>
-          <p:cNvPr id="15" name="TextBox 14"/>
+          <p:cNvPr id="37" name="TextBox 36"/>
           <p:cNvSpPr txBox="1"/>
           <p:nvPr/>
         </p:nvSpPr>
         <p:spPr>
           <a:xfrm>
-            <a:off x="7596336" y="4311328"/>
+            <a:off x="7740352" y="3206056"/>
             <a:ext cx="1584176" cy="307777"/>
           </a:xfrm>
           <a:prstGeom prst="rect">
@@ -8811,13 +9596,13 @@
       </p:sp>
       <p:sp>
         <p:nvSpPr>
-          <p:cNvPr id="16" name="TextBox 15"/>
+          <p:cNvPr id="38" name="TextBox 37"/>
           <p:cNvSpPr txBox="1"/>
           <p:nvPr/>
         </p:nvSpPr>
         <p:spPr>
           <a:xfrm>
-            <a:off x="323528" y="5229200"/>
+            <a:off x="467544" y="4123928"/>
             <a:ext cx="7687100" cy="369332"/>
           </a:xfrm>
           <a:prstGeom prst="rect">
@@ -8851,20 +9636,20 @@
       </p:sp>
       <p:graphicFrame>
         <p:nvGraphicFramePr>
-          <p:cNvPr id="17" name="표 16"/>
+          <p:cNvPr id="39" name="표 38"/>
           <p:cNvGraphicFramePr>
             <a:graphicFrameLocks noGrp="1"/>
           </p:cNvGraphicFramePr>
           <p:nvPr>
             <p:extLst>
               <p:ext uri="{D42A27DB-BD31-4B8C-83A1-F6EECF244321}">
-                <p14:modId xmlns:p14="http://schemas.microsoft.com/office/powerpoint/2010/main" val="2557338383"/>
+                <p14:modId xmlns:p14="http://schemas.microsoft.com/office/powerpoint/2010/main" val="1921916861"/>
               </p:ext>
             </p:extLst>
           </p:nvPr>
         </p:nvGraphicFramePr>
         <p:xfrm>
-          <a:off x="405620" y="5589240"/>
+          <a:off x="549636" y="4483968"/>
           <a:ext cx="7217128" cy="457200"/>
         </p:xfrm>
         <a:graphic>
@@ -9479,552 +10264,37 @@
       </p:graphicFrame>
       <p:sp>
         <p:nvSpPr>
-          <p:cNvPr id="19" name="직사각형 18"/>
-          <p:cNvSpPr/>
+          <p:cNvPr id="40" name="TextBox 39"/>
+          <p:cNvSpPr txBox="1"/>
           <p:nvPr/>
         </p:nvSpPr>
         <p:spPr>
           <a:xfrm>
-            <a:off x="1403648" y="591334"/>
-            <a:ext cx="2034245" cy="674100"/>
+            <a:off x="125763" y="108457"/>
+            <a:ext cx="2457130" cy="369332"/>
           </a:xfrm>
           <a:prstGeom prst="rect">
             <a:avLst/>
           </a:prstGeom>
           <a:noFill/>
         </p:spPr>
-        <p:style>
-          <a:lnRef idx="2">
-            <a:schemeClr val="accent1">
-              <a:shade val="50000"/>
-            </a:schemeClr>
-          </a:lnRef>
-          <a:fillRef idx="1">
-            <a:schemeClr val="accent1"/>
-          </a:fillRef>
-          <a:effectRef idx="0">
-            <a:schemeClr val="accent1"/>
-          </a:effectRef>
-          <a:fontRef idx="minor">
-            <a:schemeClr val="lt1"/>
-          </a:fontRef>
-        </p:style>
-        <p:txBody>
-          <a:bodyPr rtlCol="0" anchor="ctr"/>
-          <a:lstStyle/>
-          <a:p>
-            <a:pPr algn="ctr"/>
-            <a:endParaRPr lang="en-US"/>
-          </a:p>
-        </p:txBody>
-      </p:sp>
-      <p:sp>
-        <p:nvSpPr>
-          <p:cNvPr id="20" name="TextBox 19"/>
-          <p:cNvSpPr txBox="1"/>
-          <p:nvPr/>
-        </p:nvSpPr>
-        <p:spPr>
-          <a:xfrm>
-            <a:off x="1845068" y="260648"/>
-            <a:ext cx="1385897" cy="307777"/>
-          </a:xfrm>
-          <a:prstGeom prst="rect">
-            <a:avLst/>
-          </a:prstGeom>
-          <a:noFill/>
-        </p:spPr>
         <p:txBody>
           <a:bodyPr wrap="square" rtlCol="0">
             <a:spAutoFit/>
           </a:bodyPr>
           <a:lstStyle/>
           <a:p>
-            <a:pPr algn="ctr"/>
-            <a:r>
-              <a:rPr lang="en-US" sz="1400" dirty="0"/>
-              <a:t>Table.java</a:t>
-            </a:r>
-          </a:p>
-        </p:txBody>
-      </p:sp>
-      <p:sp>
-        <p:nvSpPr>
-          <p:cNvPr id="21" name="TextBox 20"/>
-          <p:cNvSpPr txBox="1"/>
-          <p:nvPr/>
-        </p:nvSpPr>
-        <p:spPr>
-          <a:xfrm>
-            <a:off x="1403648" y="605219"/>
-            <a:ext cx="2114865" cy="646331"/>
-          </a:xfrm>
-          <a:prstGeom prst="rect">
-            <a:avLst/>
-          </a:prstGeom>
-          <a:noFill/>
-        </p:spPr>
-        <p:txBody>
-          <a:bodyPr wrap="square" rtlCol="0">
-            <a:spAutoFit/>
-          </a:bodyPr>
-          <a:lstStyle/>
-          <a:p>
-            <a:pPr algn="ctr"/>
-            <a:r>
-              <a:rPr lang="en-US" sz="1200" dirty="0"/>
-              <a:t>String </a:t>
-            </a:r>
-            <a:r>
-              <a:rPr lang="en-US" sz="1200" dirty="0" err="1"/>
-              <a:t>tableName</a:t>
-            </a:r>
-            <a:r>
-              <a:rPr lang="en-US" sz="1200" dirty="0"/>
-              <a:t>;</a:t>
-            </a:r>
-          </a:p>
-          <a:p>
-            <a:pPr algn="ctr"/>
-            <a:r>
-              <a:rPr lang="en-US" sz="1200" dirty="0"/>
-              <a:t>ArrayList&lt;Record&gt; alTable;</a:t>
-            </a:r>
-          </a:p>
-          <a:p>
-            <a:pPr algn="ctr"/>
-            <a:r>
-              <a:rPr lang="en-US" sz="1200" dirty="0">
-                <a:solidFill>
-                  <a:prstClr val="black"/>
-                </a:solidFill>
-              </a:rPr>
-              <a:t>ArrayList&lt;Field&gt; alField;</a:t>
-            </a:r>
-          </a:p>
-        </p:txBody>
-      </p:sp>
-      <p:sp>
-        <p:nvSpPr>
-          <p:cNvPr id="22" name="직사각형 21"/>
-          <p:cNvSpPr/>
-          <p:nvPr/>
-        </p:nvSpPr>
-        <p:spPr>
-          <a:xfrm>
-            <a:off x="3594960" y="629640"/>
-            <a:ext cx="1908207" cy="597489"/>
-          </a:xfrm>
-          <a:prstGeom prst="rect">
-            <a:avLst/>
-          </a:prstGeom>
-          <a:noFill/>
-        </p:spPr>
-        <p:style>
-          <a:lnRef idx="2">
-            <a:schemeClr val="accent1">
-              <a:shade val="50000"/>
-            </a:schemeClr>
-          </a:lnRef>
-          <a:fillRef idx="1">
-            <a:schemeClr val="accent1"/>
-          </a:fillRef>
-          <a:effectRef idx="0">
-            <a:schemeClr val="accent1"/>
-          </a:effectRef>
-          <a:fontRef idx="minor">
-            <a:schemeClr val="lt1"/>
-          </a:fontRef>
-        </p:style>
-        <p:txBody>
-          <a:bodyPr rtlCol="0" anchor="ctr"/>
-          <a:lstStyle/>
-          <a:p>
-            <a:pPr algn="ctr"/>
-            <a:endParaRPr lang="en-US"/>
-          </a:p>
-        </p:txBody>
-      </p:sp>
-      <p:sp>
-        <p:nvSpPr>
-          <p:cNvPr id="23" name="TextBox 22"/>
-          <p:cNvSpPr txBox="1"/>
-          <p:nvPr/>
-        </p:nvSpPr>
-        <p:spPr>
-          <a:xfrm>
-            <a:off x="3882992" y="260648"/>
-            <a:ext cx="1385897" cy="307777"/>
-          </a:xfrm>
-          <a:prstGeom prst="rect">
-            <a:avLst/>
-          </a:prstGeom>
-          <a:noFill/>
-        </p:spPr>
-        <p:txBody>
-          <a:bodyPr wrap="square" rtlCol="0">
-            <a:spAutoFit/>
-          </a:bodyPr>
-          <a:lstStyle/>
-          <a:p>
-            <a:pPr algn="ctr"/>
-            <a:r>
-              <a:rPr lang="en-US" sz="1400" dirty="0"/>
-              <a:t>Record.java</a:t>
-            </a:r>
-          </a:p>
-        </p:txBody>
-      </p:sp>
-      <p:sp>
-        <p:nvSpPr>
-          <p:cNvPr id="24" name="TextBox 23"/>
-          <p:cNvSpPr txBox="1"/>
-          <p:nvPr/>
-        </p:nvSpPr>
-        <p:spPr>
-          <a:xfrm>
-            <a:off x="3594960" y="789885"/>
-            <a:ext cx="1917582" cy="276999"/>
-          </a:xfrm>
-          <a:prstGeom prst="rect">
-            <a:avLst/>
-          </a:prstGeom>
-          <a:noFill/>
-        </p:spPr>
-        <p:txBody>
-          <a:bodyPr wrap="square" rtlCol="0">
-            <a:spAutoFit/>
-          </a:bodyPr>
-          <a:lstStyle/>
-          <a:p>
-            <a:pPr algn="ctr"/>
-            <a:r>
-              <a:rPr lang="en-US" sz="1200" dirty="0" err="1"/>
-              <a:t>ArrayList</a:t>
-            </a:r>
-            <a:r>
-              <a:rPr lang="en-US" sz="1200" dirty="0"/>
-              <a:t>&lt;</a:t>
-            </a:r>
-            <a:r>
-              <a:rPr lang="en-US" sz="1200" dirty="0">
-                <a:solidFill>
-                  <a:schemeClr val="accent6"/>
-                </a:solidFill>
-              </a:rPr>
-              <a:t>Value</a:t>
-            </a:r>
-            <a:r>
-              <a:rPr lang="en-US" sz="1200" dirty="0"/>
-              <a:t>&gt; record;</a:t>
-            </a:r>
-            <a:endParaRPr lang="en-US" sz="1200" dirty="0">
-              <a:solidFill>
-                <a:prstClr val="black"/>
-              </a:solidFill>
-            </a:endParaRPr>
-          </a:p>
-        </p:txBody>
-      </p:sp>
-      <p:sp>
-        <p:nvSpPr>
-          <p:cNvPr id="25" name="직사각형 24"/>
-          <p:cNvSpPr/>
-          <p:nvPr/>
-        </p:nvSpPr>
-        <p:spPr>
-          <a:xfrm>
-            <a:off x="5683192" y="629640"/>
-            <a:ext cx="1908207" cy="597489"/>
-          </a:xfrm>
-          <a:prstGeom prst="rect">
-            <a:avLst/>
-          </a:prstGeom>
-          <a:noFill/>
-        </p:spPr>
-        <p:style>
-          <a:lnRef idx="2">
-            <a:schemeClr val="accent1">
-              <a:shade val="50000"/>
-            </a:schemeClr>
-          </a:lnRef>
-          <a:fillRef idx="1">
-            <a:schemeClr val="accent1"/>
-          </a:fillRef>
-          <a:effectRef idx="0">
-            <a:schemeClr val="accent1"/>
-          </a:effectRef>
-          <a:fontRef idx="minor">
-            <a:schemeClr val="lt1"/>
-          </a:fontRef>
-        </p:style>
-        <p:txBody>
-          <a:bodyPr rtlCol="0" anchor="ctr"/>
-          <a:lstStyle/>
-          <a:p>
-            <a:pPr algn="ctr"/>
-            <a:endParaRPr lang="en-US"/>
-          </a:p>
-        </p:txBody>
-      </p:sp>
-      <p:sp>
-        <p:nvSpPr>
-          <p:cNvPr id="26" name="TextBox 25"/>
-          <p:cNvSpPr txBox="1"/>
-          <p:nvPr/>
-        </p:nvSpPr>
-        <p:spPr>
-          <a:xfrm>
-            <a:off x="5971224" y="260648"/>
-            <a:ext cx="1385897" cy="307777"/>
-          </a:xfrm>
-          <a:prstGeom prst="rect">
-            <a:avLst/>
-          </a:prstGeom>
-          <a:noFill/>
-        </p:spPr>
-        <p:txBody>
-          <a:bodyPr wrap="square" rtlCol="0">
-            <a:spAutoFit/>
-          </a:bodyPr>
-          <a:lstStyle/>
-          <a:p>
-            <a:pPr algn="ctr"/>
-            <a:r>
-              <a:rPr lang="en-US" sz="1400" dirty="0">
-                <a:solidFill>
-                  <a:schemeClr val="accent6"/>
-                </a:solidFill>
-              </a:rPr>
-              <a:t>Value.java</a:t>
-            </a:r>
-          </a:p>
-        </p:txBody>
-      </p:sp>
-      <p:sp>
-        <p:nvSpPr>
-          <p:cNvPr id="27" name="TextBox 26"/>
-          <p:cNvSpPr txBox="1"/>
-          <p:nvPr/>
-        </p:nvSpPr>
-        <p:spPr>
-          <a:xfrm>
-            <a:off x="5683192" y="635997"/>
-            <a:ext cx="1917582" cy="584775"/>
-          </a:xfrm>
-          <a:prstGeom prst="rect">
-            <a:avLst/>
-          </a:prstGeom>
-          <a:noFill/>
-        </p:spPr>
-        <p:txBody>
-          <a:bodyPr wrap="square" rtlCol="0">
-            <a:spAutoFit/>
-          </a:bodyPr>
-          <a:lstStyle/>
-          <a:p>
-            <a:pPr algn="ctr"/>
-            <a:r>
-              <a:rPr lang="en-US" sz="1200" dirty="0">
-                <a:solidFill>
-                  <a:schemeClr val="accent5"/>
-                </a:solidFill>
-              </a:rPr>
-              <a:t>Field field;</a:t>
-            </a:r>
-          </a:p>
-          <a:p>
-            <a:pPr algn="ctr"/>
-            <a:r>
-              <a:rPr lang="en-US" sz="1200" dirty="0">
-                <a:solidFill>
-                  <a:prstClr val="black"/>
-                </a:solidFill>
-              </a:rPr>
-              <a:t>T data;</a:t>
-            </a:r>
-          </a:p>
-          <a:p>
-            <a:pPr algn="ctr"/>
-            <a:r>
-              <a:rPr lang="en-US" sz="800" dirty="0">
-                <a:solidFill>
-                  <a:prstClr val="black"/>
-                </a:solidFill>
-              </a:rPr>
-              <a:t>&lt;T extends Comparable&lt;T&gt;&gt;</a:t>
-            </a:r>
-          </a:p>
-        </p:txBody>
-      </p:sp>
-      <p:sp>
-        <p:nvSpPr>
-          <p:cNvPr id="28" name="직사각형 27"/>
-          <p:cNvSpPr/>
-          <p:nvPr/>
-        </p:nvSpPr>
-        <p:spPr>
-          <a:xfrm>
-            <a:off x="2411758" y="1338038"/>
-            <a:ext cx="5189015" cy="863960"/>
-          </a:xfrm>
-          <a:prstGeom prst="rect">
-            <a:avLst/>
-          </a:prstGeom>
-          <a:noFill/>
-        </p:spPr>
-        <p:style>
-          <a:lnRef idx="2">
-            <a:schemeClr val="accent1">
-              <a:shade val="50000"/>
-            </a:schemeClr>
-          </a:lnRef>
-          <a:fillRef idx="1">
-            <a:schemeClr val="accent1"/>
-          </a:fillRef>
-          <a:effectRef idx="0">
-            <a:schemeClr val="accent1"/>
-          </a:effectRef>
-          <a:fontRef idx="minor">
-            <a:schemeClr val="lt1"/>
-          </a:fontRef>
-        </p:style>
-        <p:txBody>
-          <a:bodyPr rtlCol="0" anchor="ctr"/>
-          <a:lstStyle/>
-          <a:p>
-            <a:pPr algn="ctr"/>
-            <a:endParaRPr lang="en-US"/>
-          </a:p>
-        </p:txBody>
-      </p:sp>
-      <p:sp>
-        <p:nvSpPr>
-          <p:cNvPr id="29" name="TextBox 28"/>
-          <p:cNvSpPr txBox="1"/>
-          <p:nvPr/>
-        </p:nvSpPr>
-        <p:spPr>
-          <a:xfrm>
-            <a:off x="1403648" y="1485278"/>
-            <a:ext cx="934529" cy="307777"/>
-          </a:xfrm>
-          <a:prstGeom prst="rect">
-            <a:avLst/>
-          </a:prstGeom>
-          <a:noFill/>
-        </p:spPr>
-        <p:txBody>
-          <a:bodyPr wrap="square" rtlCol="0">
-            <a:spAutoFit/>
-          </a:bodyPr>
-          <a:lstStyle/>
-          <a:p>
-            <a:pPr algn="ctr"/>
-            <a:r>
-              <a:rPr lang="en-US" sz="1400" dirty="0">
-                <a:solidFill>
-                  <a:schemeClr val="accent5"/>
-                </a:solidFill>
-              </a:rPr>
-              <a:t>Field.java</a:t>
-            </a:r>
-          </a:p>
-        </p:txBody>
-      </p:sp>
-      <p:sp>
-        <p:nvSpPr>
-          <p:cNvPr id="30" name="TextBox 29"/>
-          <p:cNvSpPr txBox="1"/>
-          <p:nvPr/>
-        </p:nvSpPr>
-        <p:spPr>
-          <a:xfrm>
-            <a:off x="2411759" y="1338038"/>
-            <a:ext cx="5112569" cy="830997"/>
-          </a:xfrm>
-          <a:prstGeom prst="rect">
-            <a:avLst/>
-          </a:prstGeom>
-          <a:noFill/>
-        </p:spPr>
-        <p:txBody>
-          <a:bodyPr wrap="square" rtlCol="0">
-            <a:spAutoFit/>
-          </a:bodyPr>
-          <a:lstStyle/>
-          <a:p>
-            <a:pPr algn="ctr"/>
-            <a:r>
-              <a:rPr lang="en-US" sz="1200" dirty="0"/>
-              <a:t>public </a:t>
-            </a:r>
-            <a:r>
-              <a:rPr lang="en-US" sz="1200" dirty="0" err="1"/>
-              <a:t>enum</a:t>
-            </a:r>
-            <a:r>
-              <a:rPr lang="en-US" sz="1200" dirty="0"/>
-              <a:t> TYPE {INTEGER,VARCHAR,FLOAT,DATE };</a:t>
-            </a:r>
-          </a:p>
-          <a:p>
-            <a:pPr algn="ctr"/>
-            <a:r>
-              <a:rPr lang="en-US" sz="1200" dirty="0"/>
-              <a:t>public </a:t>
-            </a:r>
-            <a:r>
-              <a:rPr lang="en-US" sz="1200" dirty="0" err="1"/>
-              <a:t>enum</a:t>
-            </a:r>
-            <a:r>
-              <a:rPr lang="en-US" sz="1200" dirty="0"/>
-              <a:t> KEY {PRIMARY, FOREIGN, NORMAL };</a:t>
-            </a:r>
-            <a:endParaRPr lang="en-US" sz="800" dirty="0"/>
-          </a:p>
-          <a:p>
-            <a:pPr algn="ctr"/>
-            <a:r>
-              <a:rPr lang="en-US" sz="1200" dirty="0"/>
-              <a:t>TYPE </a:t>
-            </a:r>
-            <a:r>
-              <a:rPr lang="en-US" sz="1200" dirty="0" err="1"/>
-              <a:t>fType</a:t>
-            </a:r>
-            <a:r>
-              <a:rPr lang="en-US" sz="1200" dirty="0"/>
-              <a:t>;</a:t>
-            </a:r>
-          </a:p>
-          <a:p>
-            <a:pPr algn="ctr"/>
-            <a:r>
-              <a:rPr lang="en-US" sz="1200" dirty="0"/>
-              <a:t>String </a:t>
-            </a:r>
-            <a:r>
-              <a:rPr lang="en-US" sz="1200" dirty="0" err="1"/>
-              <a:t>fName</a:t>
-            </a:r>
-            <a:r>
-              <a:rPr lang="en-US" sz="1200" dirty="0"/>
-              <a:t>;</a:t>
-            </a:r>
-            <a:endParaRPr lang="en-US" sz="1200" dirty="0">
-              <a:solidFill>
-                <a:prstClr val="black"/>
-              </a:solidFill>
-            </a:endParaRPr>
+            <a:r>
+              <a:rPr lang="en-US" b="1" dirty="0"/>
+              <a:t>Modeling Detail 2</a:t>
+            </a:r>
           </a:p>
         </p:txBody>
       </p:sp>
     </p:spTree>
     <p:extLst>
       <p:ext uri="{BB962C8B-B14F-4D97-AF65-F5344CB8AC3E}">
-        <p14:creationId xmlns:p14="http://schemas.microsoft.com/office/powerpoint/2010/main" val="3393647031"/>
+        <p14:creationId xmlns:p14="http://schemas.microsoft.com/office/powerpoint/2010/main" val="1122672408"/>
       </p:ext>
     </p:extLst>
   </p:cSld>

--- a/doc/Design.pptx
+++ b/doc/Design.pptx
@@ -305,7 +305,7 @@
           <a:p>
             <a:fld id="{FB30EDBD-1C2D-4C1E-B459-B60219FAB484}" type="datetimeFigureOut">
               <a:rPr lang="ko-KR" altLang="en-US" smtClean="0"/>
-              <a:t>2016-07-06</a:t>
+              <a:t>2016-07-20</a:t>
             </a:fld>
             <a:endParaRPr lang="ko-KR" altLang="en-US"/>
           </a:p>
@@ -468,7 +468,7 @@
           <a:p>
             <a:fld id="{FB30EDBD-1C2D-4C1E-B459-B60219FAB484}" type="datetimeFigureOut">
               <a:rPr lang="ko-KR" altLang="en-US" smtClean="0"/>
-              <a:t>2016-07-06</a:t>
+              <a:t>2016-07-20</a:t>
             </a:fld>
             <a:endParaRPr lang="ko-KR" altLang="en-US"/>
           </a:p>
@@ -641,7 +641,7 @@
           <a:p>
             <a:fld id="{FB30EDBD-1C2D-4C1E-B459-B60219FAB484}" type="datetimeFigureOut">
               <a:rPr lang="ko-KR" altLang="en-US" smtClean="0"/>
-              <a:t>2016-07-06</a:t>
+              <a:t>2016-07-20</a:t>
             </a:fld>
             <a:endParaRPr lang="ko-KR" altLang="en-US"/>
           </a:p>
@@ -804,7 +804,7 @@
           <a:p>
             <a:fld id="{FB30EDBD-1C2D-4C1E-B459-B60219FAB484}" type="datetimeFigureOut">
               <a:rPr lang="ko-KR" altLang="en-US" smtClean="0"/>
-              <a:t>2016-07-06</a:t>
+              <a:t>2016-07-20</a:t>
             </a:fld>
             <a:endParaRPr lang="ko-KR" altLang="en-US"/>
           </a:p>
@@ -1044,7 +1044,7 @@
           <a:p>
             <a:fld id="{FB30EDBD-1C2D-4C1E-B459-B60219FAB484}" type="datetimeFigureOut">
               <a:rPr lang="ko-KR" altLang="en-US" smtClean="0"/>
-              <a:t>2016-07-06</a:t>
+              <a:t>2016-07-20</a:t>
             </a:fld>
             <a:endParaRPr lang="ko-KR" altLang="en-US"/>
           </a:p>
@@ -1324,7 +1324,7 @@
           <a:p>
             <a:fld id="{FB30EDBD-1C2D-4C1E-B459-B60219FAB484}" type="datetimeFigureOut">
               <a:rPr lang="ko-KR" altLang="en-US" smtClean="0"/>
-              <a:t>2016-07-06</a:t>
+              <a:t>2016-07-20</a:t>
             </a:fld>
             <a:endParaRPr lang="ko-KR" altLang="en-US"/>
           </a:p>
@@ -1738,7 +1738,7 @@
           <a:p>
             <a:fld id="{FB30EDBD-1C2D-4C1E-B459-B60219FAB484}" type="datetimeFigureOut">
               <a:rPr lang="ko-KR" altLang="en-US" smtClean="0"/>
-              <a:t>2016-07-06</a:t>
+              <a:t>2016-07-20</a:t>
             </a:fld>
             <a:endParaRPr lang="ko-KR" altLang="en-US"/>
           </a:p>
@@ -1850,7 +1850,7 @@
           <a:p>
             <a:fld id="{FB30EDBD-1C2D-4C1E-B459-B60219FAB484}" type="datetimeFigureOut">
               <a:rPr lang="ko-KR" altLang="en-US" smtClean="0"/>
-              <a:t>2016-07-06</a:t>
+              <a:t>2016-07-20</a:t>
             </a:fld>
             <a:endParaRPr lang="ko-KR" altLang="en-US"/>
           </a:p>
@@ -1940,7 +1940,7 @@
           <a:p>
             <a:fld id="{FB30EDBD-1C2D-4C1E-B459-B60219FAB484}" type="datetimeFigureOut">
               <a:rPr lang="ko-KR" altLang="en-US" smtClean="0"/>
-              <a:t>2016-07-06</a:t>
+              <a:t>2016-07-20</a:t>
             </a:fld>
             <a:endParaRPr lang="ko-KR" altLang="en-US"/>
           </a:p>
@@ -2210,7 +2210,7 @@
           <a:p>
             <a:fld id="{FB30EDBD-1C2D-4C1E-B459-B60219FAB484}" type="datetimeFigureOut">
               <a:rPr lang="ko-KR" altLang="en-US" smtClean="0"/>
-              <a:t>2016-07-06</a:t>
+              <a:t>2016-07-20</a:t>
             </a:fld>
             <a:endParaRPr lang="ko-KR" altLang="en-US"/>
           </a:p>
@@ -2457,7 +2457,7 @@
           <a:p>
             <a:fld id="{FB30EDBD-1C2D-4C1E-B459-B60219FAB484}" type="datetimeFigureOut">
               <a:rPr lang="ko-KR" altLang="en-US" smtClean="0"/>
-              <a:t>2016-07-06</a:t>
+              <a:t>2016-07-20</a:t>
             </a:fld>
             <a:endParaRPr lang="ko-KR" altLang="en-US"/>
           </a:p>
@@ -2663,7 +2663,7 @@
           <a:p>
             <a:fld id="{FB30EDBD-1C2D-4C1E-B459-B60219FAB484}" type="datetimeFigureOut">
               <a:rPr lang="ko-KR" altLang="en-US" smtClean="0"/>
-              <a:t>2016-07-06</a:t>
+              <a:t>2016-07-20</a:t>
             </a:fld>
             <a:endParaRPr lang="ko-KR" altLang="en-US"/>
           </a:p>
@@ -6911,8 +6911,27 @@
                   </a:schemeClr>
                 </a:solidFill>
               </a:rPr>
-              <a:t>ArrayList&lt;Record&gt; alTable</a:t>
-            </a:r>
+              <a:t>ArrayList&lt;Record&gt; </a:t>
+            </a:r>
+            <a:r>
+              <a:rPr lang="en-US" b="1" dirty="0" err="1">
+                <a:solidFill>
+                  <a:schemeClr val="tx2">
+                    <a:lumMod val="60000"/>
+                    <a:lumOff val="40000"/>
+                  </a:schemeClr>
+                </a:solidFill>
+              </a:rPr>
+              <a:t>alRecord</a:t>
+            </a:r>
+            <a:endParaRPr lang="en-US" b="1" dirty="0">
+              <a:solidFill>
+                <a:schemeClr val="tx2">
+                  <a:lumMod val="60000"/>
+                  <a:lumOff val="40000"/>
+                </a:schemeClr>
+              </a:solidFill>
+            </a:endParaRPr>
           </a:p>
         </p:txBody>
       </p:sp>
